--- a/e4p-presentation.pptx
+++ b/e4p-presentation.pptx
@@ -4,10 +4,24 @@
   <p:sldMasterIdLst>
     <p:sldMasterId id="2147483648" r:id="rId1"/>
   </p:sldMasterIdLst>
+  <p:notesMasterIdLst>
+    <p:notesMasterId r:id="rId16"/>
+  </p:notesMasterIdLst>
   <p:sldIdLst>
     <p:sldId id="256" r:id="rId2"/>
     <p:sldId id="258" r:id="rId3"/>
     <p:sldId id="257" r:id="rId4"/>
+    <p:sldId id="259" r:id="rId5"/>
+    <p:sldId id="260" r:id="rId6"/>
+    <p:sldId id="261" r:id="rId7"/>
+    <p:sldId id="262" r:id="rId8"/>
+    <p:sldId id="263" r:id="rId9"/>
+    <p:sldId id="265" r:id="rId10"/>
+    <p:sldId id="264" r:id="rId11"/>
+    <p:sldId id="266" r:id="rId12"/>
+    <p:sldId id="267" r:id="rId13"/>
+    <p:sldId id="268" r:id="rId14"/>
+    <p:sldId id="269" r:id="rId15"/>
   </p:sldIdLst>
   <p:sldSz cx="12192000" cy="6858000"/>
   <p:notesSz cx="6858000" cy="9144000"/>
@@ -106,7 +120,2725 @@
       </a:defRPr>
     </a:lvl9pPr>
   </p:defaultTextStyle>
+  <p:extLst>
+    <p:ext uri="{EFAFB233-063F-42B5-8137-9DF3F51BA10A}">
+      <p15:sldGuideLst xmlns:p15="http://schemas.microsoft.com/office/powerpoint/2012/main"/>
+    </p:ext>
+  </p:extLst>
 </p:presentation>
+</file>
+
+<file path=ppt/notesMasters/notesMaster1.xml><?xml version="1.0" encoding="utf-8"?>
+<p:notesMaster xmlns:a="http://schemas.openxmlformats.org/drawingml/2006/main" xmlns:r="http://schemas.openxmlformats.org/officeDocument/2006/relationships" xmlns:p="http://schemas.openxmlformats.org/presentationml/2006/main">
+  <p:cSld>
+    <p:bg>
+      <p:bgRef idx="1001">
+        <a:schemeClr val="bg1"/>
+      </p:bgRef>
+    </p:bg>
+    <p:spTree>
+      <p:nvGrpSpPr>
+        <p:cNvPr id="1" name=""/>
+        <p:cNvGrpSpPr/>
+        <p:nvPr/>
+      </p:nvGrpSpPr>
+      <p:grpSpPr>
+        <a:xfrm>
+          <a:off x="0" y="0"/>
+          <a:ext cx="0" cy="0"/>
+          <a:chOff x="0" y="0"/>
+          <a:chExt cx="0" cy="0"/>
+        </a:xfrm>
+      </p:grpSpPr>
+      <p:sp>
+        <p:nvSpPr>
+          <p:cNvPr id="2" name="Header Placeholder 1"/>
+          <p:cNvSpPr>
+            <a:spLocks noGrp="1"/>
+          </p:cNvSpPr>
+          <p:nvPr>
+            <p:ph type="hdr" sz="quarter"/>
+          </p:nvPr>
+        </p:nvSpPr>
+        <p:spPr>
+          <a:xfrm>
+            <a:off x="0" y="0"/>
+            <a:ext cx="2971800" cy="458788"/>
+          </a:xfrm>
+          <a:prstGeom prst="rect">
+            <a:avLst/>
+          </a:prstGeom>
+        </p:spPr>
+        <p:txBody>
+          <a:bodyPr vert="horz" lIns="91440" tIns="45720" rIns="91440" bIns="45720" rtlCol="0"/>
+          <a:lstStyle>
+            <a:lvl1pPr algn="l">
+              <a:defRPr sz="1200"/>
+            </a:lvl1pPr>
+          </a:lstStyle>
+          <a:p>
+            <a:endParaRPr lang="en-US"/>
+          </a:p>
+        </p:txBody>
+      </p:sp>
+      <p:sp>
+        <p:nvSpPr>
+          <p:cNvPr id="3" name="Date Placeholder 2"/>
+          <p:cNvSpPr>
+            <a:spLocks noGrp="1"/>
+          </p:cNvSpPr>
+          <p:nvPr>
+            <p:ph type="dt" idx="1"/>
+          </p:nvPr>
+        </p:nvSpPr>
+        <p:spPr>
+          <a:xfrm>
+            <a:off x="3884613" y="0"/>
+            <a:ext cx="2971800" cy="458788"/>
+          </a:xfrm>
+          <a:prstGeom prst="rect">
+            <a:avLst/>
+          </a:prstGeom>
+        </p:spPr>
+        <p:txBody>
+          <a:bodyPr vert="horz" lIns="91440" tIns="45720" rIns="91440" bIns="45720" rtlCol="0"/>
+          <a:lstStyle>
+            <a:lvl1pPr algn="r">
+              <a:defRPr sz="1200"/>
+            </a:lvl1pPr>
+          </a:lstStyle>
+          <a:p>
+            <a:fld id="{B29F82CB-11E4-4131-A4B2-7ADE40A9F8D7}" type="datetimeFigureOut">
+              <a:rPr lang="en-US" smtClean="0"/>
+              <a:t>7/1/19</a:t>
+            </a:fld>
+            <a:endParaRPr lang="en-US"/>
+          </a:p>
+        </p:txBody>
+      </p:sp>
+      <p:sp>
+        <p:nvSpPr>
+          <p:cNvPr id="4" name="Slide Image Placeholder 3"/>
+          <p:cNvSpPr>
+            <a:spLocks noGrp="1" noRot="1" noChangeAspect="1"/>
+          </p:cNvSpPr>
+          <p:nvPr>
+            <p:ph type="sldImg" idx="2"/>
+          </p:nvPr>
+        </p:nvSpPr>
+        <p:spPr>
+          <a:xfrm>
+            <a:off x="685800" y="1143000"/>
+            <a:ext cx="5486400" cy="3086100"/>
+          </a:xfrm>
+          <a:prstGeom prst="rect">
+            <a:avLst/>
+          </a:prstGeom>
+          <a:noFill/>
+          <a:ln w="12700">
+            <a:solidFill>
+              <a:prstClr val="black"/>
+            </a:solidFill>
+          </a:ln>
+        </p:spPr>
+        <p:txBody>
+          <a:bodyPr vert="horz" lIns="91440" tIns="45720" rIns="91440" bIns="45720" rtlCol="0" anchor="ctr"/>
+          <a:lstStyle/>
+          <a:p>
+            <a:endParaRPr lang="en-US"/>
+          </a:p>
+        </p:txBody>
+      </p:sp>
+      <p:sp>
+        <p:nvSpPr>
+          <p:cNvPr id="5" name="Notes Placeholder 4"/>
+          <p:cNvSpPr>
+            <a:spLocks noGrp="1"/>
+          </p:cNvSpPr>
+          <p:nvPr>
+            <p:ph type="body" sz="quarter" idx="3"/>
+          </p:nvPr>
+        </p:nvSpPr>
+        <p:spPr>
+          <a:xfrm>
+            <a:off x="685800" y="4400550"/>
+            <a:ext cx="5486400" cy="3600450"/>
+          </a:xfrm>
+          <a:prstGeom prst="rect">
+            <a:avLst/>
+          </a:prstGeom>
+        </p:spPr>
+        <p:txBody>
+          <a:bodyPr vert="horz" lIns="91440" tIns="45720" rIns="91440" bIns="45720" rtlCol="0"/>
+          <a:lstStyle/>
+          <a:p>
+            <a:pPr lvl="0"/>
+            <a:r>
+              <a:rPr lang="en-US"/>
+              <a:t>Click to edit Master text styles</a:t>
+            </a:r>
+          </a:p>
+          <a:p>
+            <a:pPr lvl="1"/>
+            <a:r>
+              <a:rPr lang="en-US"/>
+              <a:t>Second level</a:t>
+            </a:r>
+          </a:p>
+          <a:p>
+            <a:pPr lvl="2"/>
+            <a:r>
+              <a:rPr lang="en-US"/>
+              <a:t>Third level</a:t>
+            </a:r>
+          </a:p>
+          <a:p>
+            <a:pPr lvl="3"/>
+            <a:r>
+              <a:rPr lang="en-US"/>
+              <a:t>Fourth level</a:t>
+            </a:r>
+          </a:p>
+          <a:p>
+            <a:pPr lvl="4"/>
+            <a:r>
+              <a:rPr lang="en-US"/>
+              <a:t>Fifth level</a:t>
+            </a:r>
+          </a:p>
+        </p:txBody>
+      </p:sp>
+      <p:sp>
+        <p:nvSpPr>
+          <p:cNvPr id="6" name="Footer Placeholder 5"/>
+          <p:cNvSpPr>
+            <a:spLocks noGrp="1"/>
+          </p:cNvSpPr>
+          <p:nvPr>
+            <p:ph type="ftr" sz="quarter" idx="4"/>
+          </p:nvPr>
+        </p:nvSpPr>
+        <p:spPr>
+          <a:xfrm>
+            <a:off x="0" y="8685213"/>
+            <a:ext cx="2971800" cy="458787"/>
+          </a:xfrm>
+          <a:prstGeom prst="rect">
+            <a:avLst/>
+          </a:prstGeom>
+        </p:spPr>
+        <p:txBody>
+          <a:bodyPr vert="horz" lIns="91440" tIns="45720" rIns="91440" bIns="45720" rtlCol="0" anchor="b"/>
+          <a:lstStyle>
+            <a:lvl1pPr algn="l">
+              <a:defRPr sz="1200"/>
+            </a:lvl1pPr>
+          </a:lstStyle>
+          <a:p>
+            <a:endParaRPr lang="en-US"/>
+          </a:p>
+        </p:txBody>
+      </p:sp>
+      <p:sp>
+        <p:nvSpPr>
+          <p:cNvPr id="7" name="Slide Number Placeholder 6"/>
+          <p:cNvSpPr>
+            <a:spLocks noGrp="1"/>
+          </p:cNvSpPr>
+          <p:nvPr>
+            <p:ph type="sldNum" sz="quarter" idx="5"/>
+          </p:nvPr>
+        </p:nvSpPr>
+        <p:spPr>
+          <a:xfrm>
+            <a:off x="3884613" y="8685213"/>
+            <a:ext cx="2971800" cy="458787"/>
+          </a:xfrm>
+          <a:prstGeom prst="rect">
+            <a:avLst/>
+          </a:prstGeom>
+        </p:spPr>
+        <p:txBody>
+          <a:bodyPr vert="horz" lIns="91440" tIns="45720" rIns="91440" bIns="45720" rtlCol="0" anchor="b"/>
+          <a:lstStyle>
+            <a:lvl1pPr algn="r">
+              <a:defRPr sz="1200"/>
+            </a:lvl1pPr>
+          </a:lstStyle>
+          <a:p>
+            <a:fld id="{DDDA151A-A1CD-4445-8EC2-5767EAB36D58}" type="slidenum">
+              <a:rPr lang="en-US" smtClean="0"/>
+              <a:t>‹#›</a:t>
+            </a:fld>
+            <a:endParaRPr lang="en-US"/>
+          </a:p>
+        </p:txBody>
+      </p:sp>
+    </p:spTree>
+    <p:extLst>
+      <p:ext uri="{BB962C8B-B14F-4D97-AF65-F5344CB8AC3E}">
+        <p14:creationId xmlns:p14="http://schemas.microsoft.com/office/powerpoint/2010/main" val="4210768726"/>
+      </p:ext>
+    </p:extLst>
+  </p:cSld>
+  <p:clrMap bg1="lt1" tx1="dk1" bg2="lt2" tx2="dk2" accent1="accent1" accent2="accent2" accent3="accent3" accent4="accent4" accent5="accent5" accent6="accent6" hlink="hlink" folHlink="folHlink"/>
+  <p:notesStyle>
+    <a:lvl1pPr marL="0" algn="l" defTabSz="914400" rtl="0" eaLnBrk="1" latinLnBrk="0" hangingPunct="1">
+      <a:defRPr sz="1200" kern="1200">
+        <a:solidFill>
+          <a:schemeClr val="tx1"/>
+        </a:solidFill>
+        <a:latin typeface="+mn-lt"/>
+        <a:ea typeface="+mn-ea"/>
+        <a:cs typeface="+mn-cs"/>
+      </a:defRPr>
+    </a:lvl1pPr>
+    <a:lvl2pPr marL="457200" algn="l" defTabSz="914400" rtl="0" eaLnBrk="1" latinLnBrk="0" hangingPunct="1">
+      <a:defRPr sz="1200" kern="1200">
+        <a:solidFill>
+          <a:schemeClr val="tx1"/>
+        </a:solidFill>
+        <a:latin typeface="+mn-lt"/>
+        <a:ea typeface="+mn-ea"/>
+        <a:cs typeface="+mn-cs"/>
+      </a:defRPr>
+    </a:lvl2pPr>
+    <a:lvl3pPr marL="914400" algn="l" defTabSz="914400" rtl="0" eaLnBrk="1" latinLnBrk="0" hangingPunct="1">
+      <a:defRPr sz="1200" kern="1200">
+        <a:solidFill>
+          <a:schemeClr val="tx1"/>
+        </a:solidFill>
+        <a:latin typeface="+mn-lt"/>
+        <a:ea typeface="+mn-ea"/>
+        <a:cs typeface="+mn-cs"/>
+      </a:defRPr>
+    </a:lvl3pPr>
+    <a:lvl4pPr marL="1371600" algn="l" defTabSz="914400" rtl="0" eaLnBrk="1" latinLnBrk="0" hangingPunct="1">
+      <a:defRPr sz="1200" kern="1200">
+        <a:solidFill>
+          <a:schemeClr val="tx1"/>
+        </a:solidFill>
+        <a:latin typeface="+mn-lt"/>
+        <a:ea typeface="+mn-ea"/>
+        <a:cs typeface="+mn-cs"/>
+      </a:defRPr>
+    </a:lvl4pPr>
+    <a:lvl5pPr marL="1828800" algn="l" defTabSz="914400" rtl="0" eaLnBrk="1" latinLnBrk="0" hangingPunct="1">
+      <a:defRPr sz="1200" kern="1200">
+        <a:solidFill>
+          <a:schemeClr val="tx1"/>
+        </a:solidFill>
+        <a:latin typeface="+mn-lt"/>
+        <a:ea typeface="+mn-ea"/>
+        <a:cs typeface="+mn-cs"/>
+      </a:defRPr>
+    </a:lvl5pPr>
+    <a:lvl6pPr marL="2286000" algn="l" defTabSz="914400" rtl="0" eaLnBrk="1" latinLnBrk="0" hangingPunct="1">
+      <a:defRPr sz="1200" kern="1200">
+        <a:solidFill>
+          <a:schemeClr val="tx1"/>
+        </a:solidFill>
+        <a:latin typeface="+mn-lt"/>
+        <a:ea typeface="+mn-ea"/>
+        <a:cs typeface="+mn-cs"/>
+      </a:defRPr>
+    </a:lvl6pPr>
+    <a:lvl7pPr marL="2743200" algn="l" defTabSz="914400" rtl="0" eaLnBrk="1" latinLnBrk="0" hangingPunct="1">
+      <a:defRPr sz="1200" kern="1200">
+        <a:solidFill>
+          <a:schemeClr val="tx1"/>
+        </a:solidFill>
+        <a:latin typeface="+mn-lt"/>
+        <a:ea typeface="+mn-ea"/>
+        <a:cs typeface="+mn-cs"/>
+      </a:defRPr>
+    </a:lvl7pPr>
+    <a:lvl8pPr marL="3200400" algn="l" defTabSz="914400" rtl="0" eaLnBrk="1" latinLnBrk="0" hangingPunct="1">
+      <a:defRPr sz="1200" kern="1200">
+        <a:solidFill>
+          <a:schemeClr val="tx1"/>
+        </a:solidFill>
+        <a:latin typeface="+mn-lt"/>
+        <a:ea typeface="+mn-ea"/>
+        <a:cs typeface="+mn-cs"/>
+      </a:defRPr>
+    </a:lvl8pPr>
+    <a:lvl9pPr marL="3657600" algn="l" defTabSz="914400" rtl="0" eaLnBrk="1" latinLnBrk="0" hangingPunct="1">
+      <a:defRPr sz="1200" kern="1200">
+        <a:solidFill>
+          <a:schemeClr val="tx1"/>
+        </a:solidFill>
+        <a:latin typeface="+mn-lt"/>
+        <a:ea typeface="+mn-ea"/>
+        <a:cs typeface="+mn-cs"/>
+      </a:defRPr>
+    </a:lvl9pPr>
+  </p:notesStyle>
+</p:notesMaster>
+</file>
+
+<file path=ppt/notesSlides/notesSlide1.xml><?xml version="1.0" encoding="utf-8"?>
+<p:notes xmlns:a="http://schemas.openxmlformats.org/drawingml/2006/main" xmlns:r="http://schemas.openxmlformats.org/officeDocument/2006/relationships" xmlns:p="http://schemas.openxmlformats.org/presentationml/2006/main">
+  <p:cSld>
+    <p:spTree>
+      <p:nvGrpSpPr>
+        <p:cNvPr id="1" name=""/>
+        <p:cNvGrpSpPr/>
+        <p:nvPr/>
+      </p:nvGrpSpPr>
+      <p:grpSpPr>
+        <a:xfrm>
+          <a:off x="0" y="0"/>
+          <a:ext cx="0" cy="0"/>
+          <a:chOff x="0" y="0"/>
+          <a:chExt cx="0" cy="0"/>
+        </a:xfrm>
+      </p:grpSpPr>
+      <p:sp>
+        <p:nvSpPr>
+          <p:cNvPr id="2" name="Slide Image Placeholder 1"/>
+          <p:cNvSpPr>
+            <a:spLocks noGrp="1" noRot="1" noChangeAspect="1"/>
+          </p:cNvSpPr>
+          <p:nvPr>
+            <p:ph type="sldImg"/>
+          </p:nvPr>
+        </p:nvSpPr>
+        <p:spPr/>
+      </p:sp>
+      <p:sp>
+        <p:nvSpPr>
+          <p:cNvPr id="3" name="Notes Placeholder 2"/>
+          <p:cNvSpPr>
+            <a:spLocks noGrp="1"/>
+          </p:cNvSpPr>
+          <p:nvPr>
+            <p:ph type="body" idx="1"/>
+          </p:nvPr>
+        </p:nvSpPr>
+        <p:spPr/>
+        <p:txBody>
+          <a:bodyPr/>
+          <a:lstStyle/>
+          <a:p>
+            <a:r>
+              <a:rPr lang="en-US" dirty="0"/>
+              <a:t>Introduce</a:t>
+            </a:r>
+            <a:r>
+              <a:rPr lang="en-US" baseline="0" dirty="0"/>
+              <a:t> yourself</a:t>
+            </a:r>
+          </a:p>
+          <a:p>
+            <a:endParaRPr lang="en-US" baseline="0" dirty="0"/>
+          </a:p>
+          <a:p>
+            <a:r>
+              <a:rPr lang="en-US" baseline="0" dirty="0"/>
+              <a:t>Microsoft MVP</a:t>
+            </a:r>
+          </a:p>
+          <a:p>
+            <a:endParaRPr lang="en-US" baseline="0" dirty="0"/>
+          </a:p>
+          <a:p>
+            <a:r>
+              <a:rPr lang="en-US" baseline="0" dirty="0" err="1"/>
+              <a:t>Hackster</a:t>
+            </a:r>
+            <a:r>
+              <a:rPr lang="en-US" baseline="0" dirty="0"/>
+              <a:t>-DFW part of hackster.io and ambassador</a:t>
+            </a:r>
+          </a:p>
+          <a:p>
+            <a:endParaRPr lang="en-US" baseline="0" dirty="0"/>
+          </a:p>
+          <a:p>
+            <a:r>
+              <a:rPr lang="en-US" baseline="0" dirty="0"/>
+              <a:t>Mention </a:t>
+            </a:r>
+            <a:r>
+              <a:rPr lang="en-US" baseline="0" dirty="0" err="1"/>
+              <a:t>youtube</a:t>
+            </a:r>
+            <a:r>
+              <a:rPr lang="en-US" baseline="0" dirty="0"/>
+              <a:t> series</a:t>
+            </a:r>
+          </a:p>
+          <a:p>
+            <a:endParaRPr lang="en-US" baseline="0" dirty="0"/>
+          </a:p>
+          <a:p>
+            <a:r>
+              <a:rPr lang="en-US" baseline="0" dirty="0"/>
+              <a:t>When I get done with this, come find me.  I will have this handy to show and play with.</a:t>
+            </a:r>
+          </a:p>
+          <a:p>
+            <a:endParaRPr lang="en-US" baseline="0" dirty="0"/>
+          </a:p>
+          <a:p>
+            <a:r>
+              <a:rPr lang="en-US" baseline="0" dirty="0"/>
+              <a:t>Q: How many programmers does it take to change a light bulb?</a:t>
+            </a:r>
+          </a:p>
+          <a:p>
+            <a:r>
+              <a:rPr lang="en-US" baseline="0" dirty="0"/>
+              <a:t>A: 0 as it is a hardware problem.</a:t>
+            </a:r>
+          </a:p>
+          <a:p>
+            <a:endParaRPr lang="en-US" baseline="0" dirty="0"/>
+          </a:p>
+          <a:p>
+            <a:r>
+              <a:rPr lang="en-US" baseline="0" dirty="0"/>
+              <a:t>Since our light is out we are </a:t>
+            </a:r>
+            <a:r>
+              <a:rPr lang="en-US" baseline="0" dirty="0" err="1"/>
+              <a:t>sorta</a:t>
+            </a:r>
+            <a:r>
+              <a:rPr lang="en-US" baseline="0" dirty="0"/>
+              <a:t> now left in the dark.  Who like being the dark?</a:t>
+            </a:r>
+          </a:p>
+          <a:p>
+            <a:endParaRPr lang="en-US" baseline="0" dirty="0"/>
+          </a:p>
+          <a:p>
+            <a:r>
+              <a:rPr lang="en-US" baseline="0" dirty="0"/>
+              <a:t>Not me, so lets change that.</a:t>
+            </a:r>
+            <a:endParaRPr lang="en-US" dirty="0"/>
+          </a:p>
+        </p:txBody>
+      </p:sp>
+      <p:sp>
+        <p:nvSpPr>
+          <p:cNvPr id="4" name="Slide Number Placeholder 3"/>
+          <p:cNvSpPr>
+            <a:spLocks noGrp="1"/>
+          </p:cNvSpPr>
+          <p:nvPr>
+            <p:ph type="sldNum" sz="quarter" idx="5"/>
+          </p:nvPr>
+        </p:nvSpPr>
+        <p:spPr/>
+        <p:txBody>
+          <a:bodyPr/>
+          <a:lstStyle/>
+          <a:p>
+            <a:fld id="{DDDA151A-A1CD-4445-8EC2-5767EAB36D58}" type="slidenum">
+              <a:rPr lang="en-US" smtClean="0"/>
+              <a:t>1</a:t>
+            </a:fld>
+            <a:endParaRPr lang="en-US"/>
+          </a:p>
+        </p:txBody>
+      </p:sp>
+    </p:spTree>
+    <p:extLst>
+      <p:ext uri="{BB962C8B-B14F-4D97-AF65-F5344CB8AC3E}">
+        <p14:creationId xmlns:p14="http://schemas.microsoft.com/office/powerpoint/2010/main" val="782590835"/>
+      </p:ext>
+    </p:extLst>
+  </p:cSld>
+  <p:clrMapOvr>
+    <a:masterClrMapping/>
+  </p:clrMapOvr>
+</p:notes>
+</file>
+
+<file path=ppt/notesSlides/notesSlide10.xml><?xml version="1.0" encoding="utf-8"?>
+<p:notes xmlns:a="http://schemas.openxmlformats.org/drawingml/2006/main" xmlns:r="http://schemas.openxmlformats.org/officeDocument/2006/relationships" xmlns:p="http://schemas.openxmlformats.org/presentationml/2006/main">
+  <p:cSld>
+    <p:spTree>
+      <p:nvGrpSpPr>
+        <p:cNvPr id="1" name=""/>
+        <p:cNvGrpSpPr/>
+        <p:nvPr/>
+      </p:nvGrpSpPr>
+      <p:grpSpPr>
+        <a:xfrm>
+          <a:off x="0" y="0"/>
+          <a:ext cx="0" cy="0"/>
+          <a:chOff x="0" y="0"/>
+          <a:chExt cx="0" cy="0"/>
+        </a:xfrm>
+      </p:grpSpPr>
+      <p:sp>
+        <p:nvSpPr>
+          <p:cNvPr id="2" name="Slide Image Placeholder 1"/>
+          <p:cNvSpPr>
+            <a:spLocks noGrp="1" noRot="1" noChangeAspect="1"/>
+          </p:cNvSpPr>
+          <p:nvPr>
+            <p:ph type="sldImg"/>
+          </p:nvPr>
+        </p:nvSpPr>
+        <p:spPr/>
+      </p:sp>
+      <p:sp>
+        <p:nvSpPr>
+          <p:cNvPr id="3" name="Notes Placeholder 2"/>
+          <p:cNvSpPr>
+            <a:spLocks noGrp="1"/>
+          </p:cNvSpPr>
+          <p:nvPr>
+            <p:ph type="body" idx="1"/>
+          </p:nvPr>
+        </p:nvSpPr>
+        <p:spPr/>
+        <p:txBody>
+          <a:bodyPr/>
+          <a:lstStyle/>
+          <a:p>
+            <a:r>
+              <a:rPr lang="en-US" dirty="0"/>
+              <a:t>NPN, PMP,</a:t>
+            </a:r>
+            <a:r>
+              <a:rPr lang="en-US" baseline="0" dirty="0"/>
+              <a:t> Photo, FET, </a:t>
+            </a:r>
+          </a:p>
+          <a:p>
+            <a:endParaRPr lang="en-US" baseline="0" dirty="0"/>
+          </a:p>
+          <a:p>
+            <a:r>
+              <a:rPr lang="en-US" baseline="0" dirty="0"/>
+              <a:t>Hell Yeah!!! </a:t>
+            </a:r>
+          </a:p>
+          <a:p>
+            <a:endParaRPr lang="en-US" baseline="0" dirty="0"/>
+          </a:p>
+          <a:p>
+            <a:r>
+              <a:rPr lang="en-US" baseline="0" dirty="0"/>
+              <a:t>How they are the “switches” that make everything work.</a:t>
+            </a:r>
+          </a:p>
+          <a:p>
+            <a:endParaRPr lang="en-US" baseline="0" dirty="0"/>
+          </a:p>
+          <a:p>
+            <a:r>
+              <a:rPr lang="en-US" baseline="0" dirty="0"/>
+              <a:t>Demo:</a:t>
+            </a:r>
+          </a:p>
+          <a:p>
+            <a:pPr marL="171450" indent="-171450">
+              <a:buFontTx/>
+              <a:buChar char="-"/>
+            </a:pPr>
+            <a:r>
+              <a:rPr lang="en-US" baseline="0" dirty="0"/>
+              <a:t>Single transistor</a:t>
+            </a:r>
+          </a:p>
+          <a:p>
+            <a:pPr marL="171450" indent="-171450">
+              <a:buFontTx/>
+              <a:buChar char="-"/>
+            </a:pPr>
+            <a:r>
+              <a:rPr lang="en-US" baseline="0" dirty="0"/>
+              <a:t>Show </a:t>
+            </a:r>
+            <a:r>
+              <a:rPr lang="en-US" baseline="0" dirty="0" err="1"/>
+              <a:t>astable</a:t>
+            </a:r>
+            <a:r>
+              <a:rPr lang="en-US" baseline="0" dirty="0"/>
+              <a:t> in </a:t>
+            </a:r>
+            <a:r>
+              <a:rPr lang="en-US" baseline="0" dirty="0" err="1"/>
+              <a:t>tinkercad</a:t>
+            </a:r>
+            <a:endParaRPr lang="en-US" baseline="0" dirty="0"/>
+          </a:p>
+          <a:p>
+            <a:pPr marL="171450" indent="-171450">
+              <a:buFontTx/>
+              <a:buChar char="-"/>
+            </a:pPr>
+            <a:r>
+              <a:rPr lang="en-US" baseline="0" dirty="0"/>
+              <a:t>Show it for real</a:t>
+            </a:r>
+          </a:p>
+          <a:p>
+            <a:pPr marL="171450" indent="-171450">
+              <a:buFontTx/>
+              <a:buChar char="-"/>
+            </a:pPr>
+            <a:endParaRPr lang="en-US" baseline="0" dirty="0"/>
+          </a:p>
+          <a:p>
+            <a:pPr marL="0" indent="0">
+              <a:buFontTx/>
+              <a:buNone/>
+            </a:pPr>
+            <a:endParaRPr lang="en-US" dirty="0"/>
+          </a:p>
+        </p:txBody>
+      </p:sp>
+      <p:sp>
+        <p:nvSpPr>
+          <p:cNvPr id="4" name="Slide Number Placeholder 3"/>
+          <p:cNvSpPr>
+            <a:spLocks noGrp="1"/>
+          </p:cNvSpPr>
+          <p:nvPr>
+            <p:ph type="sldNum" sz="quarter" idx="5"/>
+          </p:nvPr>
+        </p:nvSpPr>
+        <p:spPr/>
+        <p:txBody>
+          <a:bodyPr/>
+          <a:lstStyle/>
+          <a:p>
+            <a:fld id="{DDDA151A-A1CD-4445-8EC2-5767EAB36D58}" type="slidenum">
+              <a:rPr lang="en-US" smtClean="0"/>
+              <a:t>10</a:t>
+            </a:fld>
+            <a:endParaRPr lang="en-US"/>
+          </a:p>
+        </p:txBody>
+      </p:sp>
+    </p:spTree>
+    <p:extLst>
+      <p:ext uri="{BB962C8B-B14F-4D97-AF65-F5344CB8AC3E}">
+        <p14:creationId xmlns:p14="http://schemas.microsoft.com/office/powerpoint/2010/main" val="1997888160"/>
+      </p:ext>
+    </p:extLst>
+  </p:cSld>
+  <p:clrMapOvr>
+    <a:masterClrMapping/>
+  </p:clrMapOvr>
+</p:notes>
+</file>
+
+<file path=ppt/notesSlides/notesSlide11.xml><?xml version="1.0" encoding="utf-8"?>
+<p:notes xmlns:a="http://schemas.openxmlformats.org/drawingml/2006/main" xmlns:r="http://schemas.openxmlformats.org/officeDocument/2006/relationships" xmlns:p="http://schemas.openxmlformats.org/presentationml/2006/main">
+  <p:cSld>
+    <p:spTree>
+      <p:nvGrpSpPr>
+        <p:cNvPr id="1" name=""/>
+        <p:cNvGrpSpPr/>
+        <p:nvPr/>
+      </p:nvGrpSpPr>
+      <p:grpSpPr>
+        <a:xfrm>
+          <a:off x="0" y="0"/>
+          <a:ext cx="0" cy="0"/>
+          <a:chOff x="0" y="0"/>
+          <a:chExt cx="0" cy="0"/>
+        </a:xfrm>
+      </p:grpSpPr>
+      <p:sp>
+        <p:nvSpPr>
+          <p:cNvPr id="2" name="Slide Image Placeholder 1"/>
+          <p:cNvSpPr>
+            <a:spLocks noGrp="1" noRot="1" noChangeAspect="1"/>
+          </p:cNvSpPr>
+          <p:nvPr>
+            <p:ph type="sldImg"/>
+          </p:nvPr>
+        </p:nvSpPr>
+        <p:spPr/>
+      </p:sp>
+      <p:sp>
+        <p:nvSpPr>
+          <p:cNvPr id="3" name="Notes Placeholder 2"/>
+          <p:cNvSpPr>
+            <a:spLocks noGrp="1"/>
+          </p:cNvSpPr>
+          <p:nvPr>
+            <p:ph type="body" idx="1"/>
+          </p:nvPr>
+        </p:nvSpPr>
+        <p:spPr/>
+        <p:txBody>
+          <a:bodyPr/>
+          <a:lstStyle/>
+          <a:p>
+            <a:r>
+              <a:rPr lang="en-US" dirty="0"/>
+              <a:t>Various</a:t>
+            </a:r>
+            <a:r>
+              <a:rPr lang="en-US" baseline="0" dirty="0"/>
+              <a:t> form of DIP and the such.</a:t>
+            </a:r>
+          </a:p>
+          <a:p>
+            <a:endParaRPr lang="en-US" baseline="0" dirty="0"/>
+          </a:p>
+          <a:p>
+            <a:r>
+              <a:rPr lang="en-US" baseline="0" dirty="0"/>
+              <a:t>Introduce the some Arduino talk more about analog vs digital</a:t>
+            </a:r>
+          </a:p>
+          <a:p>
+            <a:endParaRPr lang="en-US" baseline="0" dirty="0"/>
+          </a:p>
+          <a:p>
+            <a:r>
+              <a:rPr lang="en-US" baseline="0" dirty="0"/>
+              <a:t>Pull up vs. pull down resistor.  Reference Active High/Low</a:t>
+            </a:r>
+          </a:p>
+          <a:p>
+            <a:endParaRPr lang="en-US" baseline="0" dirty="0"/>
+          </a:p>
+          <a:p>
+            <a:r>
+              <a:rPr lang="en-US" baseline="0" dirty="0"/>
+              <a:t>Demo:</a:t>
+            </a:r>
+          </a:p>
+          <a:p>
+            <a:r>
+              <a:rPr lang="en-US" baseline="0" dirty="0"/>
+              <a:t>- Show POT and reference in Series resistors</a:t>
+            </a:r>
+          </a:p>
+          <a:p>
+            <a:r>
+              <a:rPr lang="en-US" baseline="0" dirty="0"/>
+              <a:t>- Show how the </a:t>
+            </a:r>
+            <a:r>
+              <a:rPr lang="en-US" baseline="0" dirty="0" err="1"/>
+              <a:t>rc</a:t>
+            </a:r>
+            <a:r>
+              <a:rPr lang="en-US" baseline="0" dirty="0"/>
+              <a:t> circuit works on an Arduino.</a:t>
+            </a:r>
+            <a:endParaRPr lang="en-US" dirty="0"/>
+          </a:p>
+        </p:txBody>
+      </p:sp>
+      <p:sp>
+        <p:nvSpPr>
+          <p:cNvPr id="4" name="Slide Number Placeholder 3"/>
+          <p:cNvSpPr>
+            <a:spLocks noGrp="1"/>
+          </p:cNvSpPr>
+          <p:nvPr>
+            <p:ph type="sldNum" sz="quarter" idx="5"/>
+          </p:nvPr>
+        </p:nvSpPr>
+        <p:spPr/>
+        <p:txBody>
+          <a:bodyPr/>
+          <a:lstStyle/>
+          <a:p>
+            <a:fld id="{DDDA151A-A1CD-4445-8EC2-5767EAB36D58}" type="slidenum">
+              <a:rPr lang="en-US" smtClean="0"/>
+              <a:t>11</a:t>
+            </a:fld>
+            <a:endParaRPr lang="en-US"/>
+          </a:p>
+        </p:txBody>
+      </p:sp>
+    </p:spTree>
+    <p:extLst>
+      <p:ext uri="{BB962C8B-B14F-4D97-AF65-F5344CB8AC3E}">
+        <p14:creationId xmlns:p14="http://schemas.microsoft.com/office/powerpoint/2010/main" val="1369030204"/>
+      </p:ext>
+    </p:extLst>
+  </p:cSld>
+  <p:clrMapOvr>
+    <a:masterClrMapping/>
+  </p:clrMapOvr>
+</p:notes>
+</file>
+
+<file path=ppt/notesSlides/notesSlide12.xml><?xml version="1.0" encoding="utf-8"?>
+<p:notes xmlns:a="http://schemas.openxmlformats.org/drawingml/2006/main" xmlns:r="http://schemas.openxmlformats.org/officeDocument/2006/relationships" xmlns:p="http://schemas.openxmlformats.org/presentationml/2006/main">
+  <p:cSld>
+    <p:spTree>
+      <p:nvGrpSpPr>
+        <p:cNvPr id="1" name=""/>
+        <p:cNvGrpSpPr/>
+        <p:nvPr/>
+      </p:nvGrpSpPr>
+      <p:grpSpPr>
+        <a:xfrm>
+          <a:off x="0" y="0"/>
+          <a:ext cx="0" cy="0"/>
+          <a:chOff x="0" y="0"/>
+          <a:chExt cx="0" cy="0"/>
+        </a:xfrm>
+      </p:grpSpPr>
+      <p:sp>
+        <p:nvSpPr>
+          <p:cNvPr id="2" name="Slide Image Placeholder 1"/>
+          <p:cNvSpPr>
+            <a:spLocks noGrp="1" noRot="1" noChangeAspect="1"/>
+          </p:cNvSpPr>
+          <p:nvPr>
+            <p:ph type="sldImg"/>
+          </p:nvPr>
+        </p:nvSpPr>
+        <p:spPr/>
+      </p:sp>
+      <p:sp>
+        <p:nvSpPr>
+          <p:cNvPr id="3" name="Notes Placeholder 2"/>
+          <p:cNvSpPr>
+            <a:spLocks noGrp="1"/>
+          </p:cNvSpPr>
+          <p:nvPr>
+            <p:ph type="body" idx="1"/>
+          </p:nvPr>
+        </p:nvSpPr>
+        <p:spPr/>
+        <p:txBody>
+          <a:bodyPr/>
+          <a:lstStyle/>
+          <a:p>
+            <a:r>
+              <a:rPr lang="en-US" dirty="0"/>
+              <a:t>Talk about I2c, SPI</a:t>
+            </a:r>
+          </a:p>
+          <a:p>
+            <a:endParaRPr lang="en-US" dirty="0"/>
+          </a:p>
+          <a:p>
+            <a:r>
+              <a:rPr lang="en-US" dirty="0"/>
+              <a:t>Talk</a:t>
+            </a:r>
+            <a:r>
+              <a:rPr lang="en-US" baseline="0" dirty="0"/>
+              <a:t> about level shifting.</a:t>
+            </a:r>
+            <a:endParaRPr lang="en-US" dirty="0"/>
+          </a:p>
+          <a:p>
+            <a:endParaRPr lang="en-US" dirty="0"/>
+          </a:p>
+          <a:p>
+            <a:r>
+              <a:rPr lang="en-US" dirty="0"/>
+              <a:t>Where they are currently used</a:t>
+            </a:r>
+          </a:p>
+          <a:p>
+            <a:endParaRPr lang="en-US" dirty="0"/>
+          </a:p>
+          <a:p>
+            <a:r>
+              <a:rPr lang="en-US" dirty="0"/>
+              <a:t>Show a diagram</a:t>
+            </a:r>
+          </a:p>
+          <a:p>
+            <a:endParaRPr lang="en-US" dirty="0"/>
+          </a:p>
+          <a:p>
+            <a:r>
+              <a:rPr lang="en-US" dirty="0"/>
+              <a:t>Show</a:t>
+            </a:r>
+            <a:r>
+              <a:rPr lang="en-US" baseline="0" dirty="0"/>
+              <a:t> the hookup, timing, and show some online examples.</a:t>
+            </a:r>
+          </a:p>
+          <a:p>
+            <a:endParaRPr lang="en-US" baseline="0" dirty="0"/>
+          </a:p>
+          <a:p>
+            <a:r>
+              <a:rPr lang="en-US" baseline="0" dirty="0"/>
+              <a:t>Mention the big colorful signs.</a:t>
+            </a:r>
+          </a:p>
+          <a:p>
+            <a:endParaRPr lang="en-US" baseline="0" dirty="0"/>
+          </a:p>
+          <a:p>
+            <a:r>
+              <a:rPr lang="en-US" baseline="0" dirty="0"/>
+              <a:t>Demo:</a:t>
+            </a:r>
+          </a:p>
+          <a:p>
+            <a:pPr marL="171450" indent="-171450">
+              <a:buFontTx/>
+              <a:buChar char="-"/>
+            </a:pPr>
+            <a:r>
+              <a:rPr lang="en-US" baseline="0" dirty="0"/>
+              <a:t>mkr1000 and the sign showing the hello bits</a:t>
+            </a:r>
+          </a:p>
+          <a:p>
+            <a:pPr marL="171450" indent="-171450">
+              <a:buFontTx/>
+              <a:buChar char="-"/>
+            </a:pPr>
+            <a:r>
+              <a:rPr lang="en-US" baseline="0" dirty="0"/>
+              <a:t>Show the </a:t>
+            </a:r>
+            <a:r>
+              <a:rPr lang="en-US" baseline="0" dirty="0" err="1"/>
+              <a:t>neopixel</a:t>
+            </a:r>
+            <a:endParaRPr lang="en-US" baseline="0" dirty="0"/>
+          </a:p>
+          <a:p>
+            <a:pPr marL="171450" indent="-171450">
+              <a:buFontTx/>
+              <a:buChar char="-"/>
+            </a:pPr>
+            <a:r>
+              <a:rPr lang="en-US" baseline="0" dirty="0"/>
+              <a:t>OLED screen and I2C</a:t>
+            </a:r>
+          </a:p>
+          <a:p>
+            <a:pPr marL="171450" indent="-171450">
+              <a:buFontTx/>
+              <a:buChar char="-"/>
+            </a:pPr>
+            <a:endParaRPr lang="en-US" baseline="0" dirty="0"/>
+          </a:p>
+        </p:txBody>
+      </p:sp>
+      <p:sp>
+        <p:nvSpPr>
+          <p:cNvPr id="4" name="Slide Number Placeholder 3"/>
+          <p:cNvSpPr>
+            <a:spLocks noGrp="1"/>
+          </p:cNvSpPr>
+          <p:nvPr>
+            <p:ph type="sldNum" sz="quarter" idx="5"/>
+          </p:nvPr>
+        </p:nvSpPr>
+        <p:spPr/>
+        <p:txBody>
+          <a:bodyPr/>
+          <a:lstStyle/>
+          <a:p>
+            <a:fld id="{DDDA151A-A1CD-4445-8EC2-5767EAB36D58}" type="slidenum">
+              <a:rPr lang="en-US" smtClean="0"/>
+              <a:t>12</a:t>
+            </a:fld>
+            <a:endParaRPr lang="en-US"/>
+          </a:p>
+        </p:txBody>
+      </p:sp>
+    </p:spTree>
+    <p:extLst>
+      <p:ext uri="{BB962C8B-B14F-4D97-AF65-F5344CB8AC3E}">
+        <p14:creationId xmlns:p14="http://schemas.microsoft.com/office/powerpoint/2010/main" val="1181727200"/>
+      </p:ext>
+    </p:extLst>
+  </p:cSld>
+  <p:clrMapOvr>
+    <a:masterClrMapping/>
+  </p:clrMapOvr>
+</p:notes>
+</file>
+
+<file path=ppt/notesSlides/notesSlide13.xml><?xml version="1.0" encoding="utf-8"?>
+<p:notes xmlns:a="http://schemas.openxmlformats.org/drawingml/2006/main" xmlns:r="http://schemas.openxmlformats.org/officeDocument/2006/relationships" xmlns:p="http://schemas.openxmlformats.org/presentationml/2006/main">
+  <p:cSld>
+    <p:spTree>
+      <p:nvGrpSpPr>
+        <p:cNvPr id="1" name=""/>
+        <p:cNvGrpSpPr/>
+        <p:nvPr/>
+      </p:nvGrpSpPr>
+      <p:grpSpPr>
+        <a:xfrm>
+          <a:off x="0" y="0"/>
+          <a:ext cx="0" cy="0"/>
+          <a:chOff x="0" y="0"/>
+          <a:chExt cx="0" cy="0"/>
+        </a:xfrm>
+      </p:grpSpPr>
+      <p:sp>
+        <p:nvSpPr>
+          <p:cNvPr id="2" name="Slide Image Placeholder 1"/>
+          <p:cNvSpPr>
+            <a:spLocks noGrp="1" noRot="1" noChangeAspect="1"/>
+          </p:cNvSpPr>
+          <p:nvPr>
+            <p:ph type="sldImg"/>
+          </p:nvPr>
+        </p:nvSpPr>
+        <p:spPr/>
+      </p:sp>
+      <p:sp>
+        <p:nvSpPr>
+          <p:cNvPr id="3" name="Notes Placeholder 2"/>
+          <p:cNvSpPr>
+            <a:spLocks noGrp="1"/>
+          </p:cNvSpPr>
+          <p:nvPr>
+            <p:ph type="body" idx="1"/>
+          </p:nvPr>
+        </p:nvSpPr>
+        <p:spPr/>
+        <p:txBody>
+          <a:bodyPr/>
+          <a:lstStyle/>
+          <a:p>
+            <a:r>
+              <a:rPr lang="en-US" dirty="0"/>
+              <a:t>5, 3v3, 1v8</a:t>
+            </a:r>
+          </a:p>
+          <a:p>
+            <a:endParaRPr lang="en-US" dirty="0"/>
+          </a:p>
+          <a:p>
+            <a:r>
+              <a:rPr lang="en-US" dirty="0"/>
+              <a:t>How do you hook all of this together</a:t>
+            </a:r>
+            <a:r>
+              <a:rPr lang="en-US" baseline="0" dirty="0"/>
+              <a:t> and make it talk?</a:t>
+            </a:r>
+          </a:p>
+          <a:p>
+            <a:endParaRPr lang="en-US" baseline="0" dirty="0"/>
+          </a:p>
+          <a:p>
+            <a:r>
+              <a:rPr lang="en-US" baseline="0" dirty="0" err="1"/>
+              <a:t>Firmata</a:t>
+            </a:r>
+            <a:endParaRPr lang="en-US" baseline="0" dirty="0"/>
+          </a:p>
+          <a:p>
+            <a:endParaRPr lang="en-US" baseline="0" dirty="0"/>
+          </a:p>
+          <a:p>
+            <a:endParaRPr lang="en-US" dirty="0"/>
+          </a:p>
+        </p:txBody>
+      </p:sp>
+      <p:sp>
+        <p:nvSpPr>
+          <p:cNvPr id="4" name="Slide Number Placeholder 3"/>
+          <p:cNvSpPr>
+            <a:spLocks noGrp="1"/>
+          </p:cNvSpPr>
+          <p:nvPr>
+            <p:ph type="sldNum" sz="quarter" idx="5"/>
+          </p:nvPr>
+        </p:nvSpPr>
+        <p:spPr/>
+        <p:txBody>
+          <a:bodyPr/>
+          <a:lstStyle/>
+          <a:p>
+            <a:fld id="{DDDA151A-A1CD-4445-8EC2-5767EAB36D58}" type="slidenum">
+              <a:rPr lang="en-US" smtClean="0"/>
+              <a:t>13</a:t>
+            </a:fld>
+            <a:endParaRPr lang="en-US"/>
+          </a:p>
+        </p:txBody>
+      </p:sp>
+    </p:spTree>
+    <p:extLst>
+      <p:ext uri="{BB962C8B-B14F-4D97-AF65-F5344CB8AC3E}">
+        <p14:creationId xmlns:p14="http://schemas.microsoft.com/office/powerpoint/2010/main" val="2187096521"/>
+      </p:ext>
+    </p:extLst>
+  </p:cSld>
+  <p:clrMapOvr>
+    <a:masterClrMapping/>
+  </p:clrMapOvr>
+</p:notes>
+</file>
+
+<file path=ppt/notesSlides/notesSlide14.xml><?xml version="1.0" encoding="utf-8"?>
+<p:notes xmlns:a="http://schemas.openxmlformats.org/drawingml/2006/main" xmlns:r="http://schemas.openxmlformats.org/officeDocument/2006/relationships" xmlns:p="http://schemas.openxmlformats.org/presentationml/2006/main">
+  <p:cSld>
+    <p:spTree>
+      <p:nvGrpSpPr>
+        <p:cNvPr id="1" name=""/>
+        <p:cNvGrpSpPr/>
+        <p:nvPr/>
+      </p:nvGrpSpPr>
+      <p:grpSpPr>
+        <a:xfrm>
+          <a:off x="0" y="0"/>
+          <a:ext cx="0" cy="0"/>
+          <a:chOff x="0" y="0"/>
+          <a:chExt cx="0" cy="0"/>
+        </a:xfrm>
+      </p:grpSpPr>
+      <p:sp>
+        <p:nvSpPr>
+          <p:cNvPr id="2" name="Slide Image Placeholder 1"/>
+          <p:cNvSpPr>
+            <a:spLocks noGrp="1" noRot="1" noChangeAspect="1"/>
+          </p:cNvSpPr>
+          <p:nvPr>
+            <p:ph type="sldImg"/>
+          </p:nvPr>
+        </p:nvSpPr>
+        <p:spPr/>
+      </p:sp>
+      <p:sp>
+        <p:nvSpPr>
+          <p:cNvPr id="3" name="Notes Placeholder 2"/>
+          <p:cNvSpPr>
+            <a:spLocks noGrp="1"/>
+          </p:cNvSpPr>
+          <p:nvPr>
+            <p:ph type="body" idx="1"/>
+          </p:nvPr>
+        </p:nvSpPr>
+        <p:spPr/>
+        <p:txBody>
+          <a:bodyPr/>
+          <a:lstStyle/>
+          <a:p>
+            <a:r>
+              <a:rPr lang="en-US" dirty="0"/>
+              <a:t>Forest </a:t>
+            </a:r>
+            <a:r>
+              <a:rPr lang="en-US" dirty="0" err="1"/>
+              <a:t>Miims</a:t>
+            </a:r>
+            <a:r>
+              <a:rPr lang="en-US" dirty="0"/>
+              <a:t> III</a:t>
+            </a:r>
+          </a:p>
+          <a:p>
+            <a:r>
+              <a:rPr lang="en-US" dirty="0" err="1"/>
+              <a:t>Tinkercad</a:t>
+            </a:r>
+            <a:endParaRPr lang="en-US" dirty="0"/>
+          </a:p>
+          <a:p>
+            <a:r>
+              <a:rPr lang="en-US" dirty="0" err="1"/>
+              <a:t>Frizing</a:t>
+            </a:r>
+            <a:endParaRPr lang="en-US" dirty="0"/>
+          </a:p>
+          <a:p>
+            <a:r>
+              <a:rPr lang="en-US" dirty="0"/>
+              <a:t>Resistor page</a:t>
+            </a:r>
+          </a:p>
+          <a:p>
+            <a:r>
+              <a:rPr lang="en-US" dirty="0"/>
+              <a:t>Capacitor</a:t>
+            </a:r>
+          </a:p>
+          <a:p>
+            <a:r>
+              <a:rPr lang="en-US"/>
+              <a:t>Demo</a:t>
+            </a:r>
+            <a:r>
+              <a:rPr lang="en-US" baseline="0"/>
+              <a:t> page links</a:t>
+            </a:r>
+          </a:p>
+          <a:p>
+            <a:endParaRPr lang="en-US" dirty="0"/>
+          </a:p>
+        </p:txBody>
+      </p:sp>
+      <p:sp>
+        <p:nvSpPr>
+          <p:cNvPr id="4" name="Slide Number Placeholder 3"/>
+          <p:cNvSpPr>
+            <a:spLocks noGrp="1"/>
+          </p:cNvSpPr>
+          <p:nvPr>
+            <p:ph type="sldNum" sz="quarter" idx="5"/>
+          </p:nvPr>
+        </p:nvSpPr>
+        <p:spPr/>
+        <p:txBody>
+          <a:bodyPr/>
+          <a:lstStyle/>
+          <a:p>
+            <a:fld id="{DDDA151A-A1CD-4445-8EC2-5767EAB36D58}" type="slidenum">
+              <a:rPr lang="en-US" smtClean="0"/>
+              <a:t>14</a:t>
+            </a:fld>
+            <a:endParaRPr lang="en-US"/>
+          </a:p>
+        </p:txBody>
+      </p:sp>
+    </p:spTree>
+    <p:extLst>
+      <p:ext uri="{BB962C8B-B14F-4D97-AF65-F5344CB8AC3E}">
+        <p14:creationId xmlns:p14="http://schemas.microsoft.com/office/powerpoint/2010/main" val="3077145086"/>
+      </p:ext>
+    </p:extLst>
+  </p:cSld>
+  <p:clrMapOvr>
+    <a:masterClrMapping/>
+  </p:clrMapOvr>
+</p:notes>
+</file>
+
+<file path=ppt/notesSlides/notesSlide2.xml><?xml version="1.0" encoding="utf-8"?>
+<p:notes xmlns:a="http://schemas.openxmlformats.org/drawingml/2006/main" xmlns:r="http://schemas.openxmlformats.org/officeDocument/2006/relationships" xmlns:p="http://schemas.openxmlformats.org/presentationml/2006/main">
+  <p:cSld>
+    <p:spTree>
+      <p:nvGrpSpPr>
+        <p:cNvPr id="1" name=""/>
+        <p:cNvGrpSpPr/>
+        <p:nvPr/>
+      </p:nvGrpSpPr>
+      <p:grpSpPr>
+        <a:xfrm>
+          <a:off x="0" y="0"/>
+          <a:ext cx="0" cy="0"/>
+          <a:chOff x="0" y="0"/>
+          <a:chExt cx="0" cy="0"/>
+        </a:xfrm>
+      </p:grpSpPr>
+      <p:sp>
+        <p:nvSpPr>
+          <p:cNvPr id="2" name="Slide Image Placeholder 1"/>
+          <p:cNvSpPr>
+            <a:spLocks noGrp="1" noRot="1" noChangeAspect="1"/>
+          </p:cNvSpPr>
+          <p:nvPr>
+            <p:ph type="sldImg"/>
+          </p:nvPr>
+        </p:nvSpPr>
+        <p:spPr/>
+      </p:sp>
+      <p:sp>
+        <p:nvSpPr>
+          <p:cNvPr id="3" name="Notes Placeholder 2"/>
+          <p:cNvSpPr>
+            <a:spLocks noGrp="1"/>
+          </p:cNvSpPr>
+          <p:nvPr>
+            <p:ph type="body" idx="1"/>
+          </p:nvPr>
+        </p:nvSpPr>
+        <p:spPr/>
+        <p:txBody>
+          <a:bodyPr/>
+          <a:lstStyle/>
+          <a:p>
+            <a:r>
+              <a:rPr lang="en-US" dirty="0"/>
+              <a:t>Abstract notes:</a:t>
+            </a:r>
+          </a:p>
+          <a:p>
+            <a:r>
+              <a:rPr lang="en-US" sz="1200" b="0" i="0" kern="1200" dirty="0">
+                <a:solidFill>
+                  <a:schemeClr val="tx1"/>
+                </a:solidFill>
+                <a:effectLst/>
+                <a:latin typeface="+mn-lt"/>
+                <a:ea typeface="+mn-ea"/>
+                <a:cs typeface="+mn-cs"/>
+              </a:rPr>
+              <a:t>Developing programs for IoT devices, embedded computers, and other "smart" devices connecting the "real" world has become a commonplace activity. Some of the concepts, language, and tools may seem entirely foreign to even the most skilled programmers/developers. </a:t>
+            </a:r>
+          </a:p>
+          <a:p>
+            <a:endParaRPr lang="en-US" sz="1200" b="0" i="0" kern="1200" dirty="0">
+              <a:solidFill>
+                <a:schemeClr val="tx1"/>
+              </a:solidFill>
+              <a:effectLst/>
+              <a:latin typeface="+mn-lt"/>
+              <a:ea typeface="+mn-ea"/>
+              <a:cs typeface="+mn-cs"/>
+            </a:endParaRPr>
+          </a:p>
+          <a:p>
+            <a:r>
+              <a:rPr lang="en-US" sz="1200" b="0" i="0" kern="1200" dirty="0">
+                <a:solidFill>
+                  <a:schemeClr val="tx1"/>
+                </a:solidFill>
+                <a:effectLst/>
+                <a:latin typeface="+mn-lt"/>
+                <a:ea typeface="+mn-ea"/>
+                <a:cs typeface="+mn-cs"/>
+              </a:rPr>
+              <a:t>I will be explaining terms, defining components, and demonstrating principles and techniques, as well as answering burning questions like: </a:t>
+            </a:r>
+          </a:p>
+          <a:p>
+            <a:r>
+              <a:rPr lang="en-US" sz="1200" b="0" i="0" kern="1200" dirty="0">
+                <a:solidFill>
+                  <a:schemeClr val="tx1"/>
+                </a:solidFill>
+                <a:effectLst/>
+                <a:latin typeface="+mn-lt"/>
+                <a:ea typeface="+mn-ea"/>
+                <a:cs typeface="+mn-cs"/>
+              </a:rPr>
+              <a:t>Do I have enough Amps? </a:t>
+            </a:r>
+          </a:p>
+          <a:p>
+            <a:endParaRPr lang="en-US" sz="1200" b="0" i="0" kern="1200" dirty="0">
+              <a:solidFill>
+                <a:schemeClr val="tx1"/>
+              </a:solidFill>
+              <a:effectLst/>
+              <a:latin typeface="+mn-lt"/>
+              <a:ea typeface="+mn-ea"/>
+              <a:cs typeface="+mn-cs"/>
+            </a:endParaRPr>
+          </a:p>
+          <a:p>
+            <a:r>
+              <a:rPr lang="en-US" sz="1200" b="0" i="0" kern="1200" dirty="0">
+                <a:solidFill>
+                  <a:schemeClr val="tx1"/>
+                </a:solidFill>
+                <a:effectLst/>
+                <a:latin typeface="+mn-lt"/>
+                <a:ea typeface="+mn-ea"/>
+                <a:cs typeface="+mn-cs"/>
+              </a:rPr>
+              <a:t>Do I need a Pull-Up/Pull-Down Resistor? </a:t>
+            </a:r>
+          </a:p>
+          <a:p>
+            <a:endParaRPr lang="en-US" sz="1200" b="0" i="0" kern="1200" dirty="0">
+              <a:solidFill>
+                <a:schemeClr val="tx1"/>
+              </a:solidFill>
+              <a:effectLst/>
+              <a:latin typeface="+mn-lt"/>
+              <a:ea typeface="+mn-ea"/>
+              <a:cs typeface="+mn-cs"/>
+            </a:endParaRPr>
+          </a:p>
+          <a:p>
+            <a:r>
+              <a:rPr lang="en-US" sz="1200" b="0" i="0" kern="1200" dirty="0">
+                <a:solidFill>
+                  <a:schemeClr val="tx1"/>
+                </a:solidFill>
+                <a:effectLst/>
+                <a:latin typeface="+mn-lt"/>
+                <a:ea typeface="+mn-ea"/>
+                <a:cs typeface="+mn-cs"/>
+              </a:rPr>
+              <a:t>What in the world is an I2C bus and how do I use it? </a:t>
+            </a:r>
+          </a:p>
+          <a:p>
+            <a:endParaRPr lang="en-US" sz="1200" b="0" i="0" kern="1200" dirty="0">
+              <a:solidFill>
+                <a:schemeClr val="tx1"/>
+              </a:solidFill>
+              <a:effectLst/>
+              <a:latin typeface="+mn-lt"/>
+              <a:ea typeface="+mn-ea"/>
+              <a:cs typeface="+mn-cs"/>
+            </a:endParaRPr>
+          </a:p>
+          <a:p>
+            <a:r>
+              <a:rPr lang="en-US" sz="1200" b="0" i="0" kern="1200" dirty="0">
+                <a:solidFill>
+                  <a:schemeClr val="tx1"/>
+                </a:solidFill>
+                <a:effectLst/>
+                <a:latin typeface="+mn-lt"/>
+                <a:ea typeface="+mn-ea"/>
+                <a:cs typeface="+mn-cs"/>
+              </a:rPr>
+              <a:t>How do I read a schematic? </a:t>
+            </a:r>
+          </a:p>
+          <a:p>
+            <a:endParaRPr lang="en-US" sz="1200" b="0" i="0" kern="1200" dirty="0">
+              <a:solidFill>
+                <a:schemeClr val="tx1"/>
+              </a:solidFill>
+              <a:effectLst/>
+              <a:latin typeface="+mn-lt"/>
+              <a:ea typeface="+mn-ea"/>
+              <a:cs typeface="+mn-cs"/>
+            </a:endParaRPr>
+          </a:p>
+          <a:p>
+            <a:r>
+              <a:rPr lang="en-US" sz="1200" b="0" i="0" kern="1200" dirty="0">
+                <a:solidFill>
+                  <a:schemeClr val="tx1"/>
+                </a:solidFill>
+                <a:effectLst/>
+                <a:latin typeface="+mn-lt"/>
+                <a:ea typeface="+mn-ea"/>
+                <a:cs typeface="+mn-cs"/>
+              </a:rPr>
+              <a:t>What is this "Magic Smoke" that I have heard so much about? Why is it bad for it to escape?! </a:t>
+            </a:r>
+          </a:p>
+          <a:p>
+            <a:endParaRPr lang="en-US" sz="1200" b="0" i="0" kern="1200" dirty="0">
+              <a:solidFill>
+                <a:schemeClr val="tx1"/>
+              </a:solidFill>
+              <a:effectLst/>
+              <a:latin typeface="+mn-lt"/>
+              <a:ea typeface="+mn-ea"/>
+              <a:cs typeface="+mn-cs"/>
+            </a:endParaRPr>
+          </a:p>
+          <a:p>
+            <a:r>
+              <a:rPr lang="en-US" sz="1200" b="0" i="0" kern="1200" dirty="0">
+                <a:solidFill>
+                  <a:schemeClr val="tx1"/>
+                </a:solidFill>
+                <a:effectLst/>
+                <a:latin typeface="+mn-lt"/>
+                <a:ea typeface="+mn-ea"/>
+                <a:cs typeface="+mn-cs"/>
+              </a:rPr>
+              <a:t>Why do I need a DMM? Why can't I just test live voltages with my tongue the way I do 9volt batteries? </a:t>
+            </a:r>
+          </a:p>
+          <a:p>
+            <a:endParaRPr lang="en-US" sz="1200" b="0" i="0" kern="1200" dirty="0">
+              <a:solidFill>
+                <a:schemeClr val="tx1"/>
+              </a:solidFill>
+              <a:effectLst/>
+              <a:latin typeface="+mn-lt"/>
+              <a:ea typeface="+mn-ea"/>
+              <a:cs typeface="+mn-cs"/>
+            </a:endParaRPr>
+          </a:p>
+          <a:p>
+            <a:r>
+              <a:rPr lang="en-US" sz="1200" b="0" i="0" kern="1200" dirty="0">
+                <a:solidFill>
+                  <a:schemeClr val="tx1"/>
+                </a:solidFill>
+                <a:effectLst/>
+                <a:latin typeface="+mn-lt"/>
+                <a:ea typeface="+mn-ea"/>
+                <a:cs typeface="+mn-cs"/>
+              </a:rPr>
+              <a:t>Why do LEDs need a current limiting resistor? </a:t>
+            </a:r>
+          </a:p>
+          <a:p>
+            <a:endParaRPr lang="en-US" sz="1200" b="0" i="0" kern="1200" dirty="0">
+              <a:solidFill>
+                <a:schemeClr val="tx1"/>
+              </a:solidFill>
+              <a:effectLst/>
+              <a:latin typeface="+mn-lt"/>
+              <a:ea typeface="+mn-ea"/>
+              <a:cs typeface="+mn-cs"/>
+            </a:endParaRPr>
+          </a:p>
+          <a:p>
+            <a:r>
+              <a:rPr lang="en-US" sz="1200" b="0" i="0" kern="1200" dirty="0">
+                <a:solidFill>
+                  <a:schemeClr val="tx1"/>
+                </a:solidFill>
+                <a:effectLst/>
+                <a:latin typeface="+mn-lt"/>
+                <a:ea typeface="+mn-ea"/>
+                <a:cs typeface="+mn-cs"/>
+              </a:rPr>
+              <a:t>Do I still need transistors in this digital age? </a:t>
+            </a:r>
+          </a:p>
+          <a:p>
+            <a:endParaRPr lang="en-US" sz="1200" b="0" i="0" kern="1200" dirty="0">
+              <a:solidFill>
+                <a:schemeClr val="tx1"/>
+              </a:solidFill>
+              <a:effectLst/>
+              <a:latin typeface="+mn-lt"/>
+              <a:ea typeface="+mn-ea"/>
+              <a:cs typeface="+mn-cs"/>
+            </a:endParaRPr>
+          </a:p>
+          <a:p>
+            <a:r>
+              <a:rPr lang="en-US" sz="1200" b="0" i="0" kern="1200" dirty="0">
+                <a:solidFill>
+                  <a:schemeClr val="tx1"/>
+                </a:solidFill>
+                <a:effectLst/>
+                <a:latin typeface="+mn-lt"/>
+                <a:ea typeface="+mn-ea"/>
+                <a:cs typeface="+mn-cs"/>
+              </a:rPr>
+              <a:t>If these burning questions do not quite make sense to you, come to my talk! You will gain knowledge of all of these questions and more. Be sure to bring any electronics questions (burning or not), and I will get you an answer!</a:t>
+            </a:r>
+            <a:endParaRPr lang="en-US" dirty="0"/>
+          </a:p>
+        </p:txBody>
+      </p:sp>
+      <p:sp>
+        <p:nvSpPr>
+          <p:cNvPr id="4" name="Slide Number Placeholder 3"/>
+          <p:cNvSpPr>
+            <a:spLocks noGrp="1"/>
+          </p:cNvSpPr>
+          <p:nvPr>
+            <p:ph type="sldNum" sz="quarter" idx="5"/>
+          </p:nvPr>
+        </p:nvSpPr>
+        <p:spPr/>
+        <p:txBody>
+          <a:bodyPr/>
+          <a:lstStyle/>
+          <a:p>
+            <a:fld id="{DDDA151A-A1CD-4445-8EC2-5767EAB36D58}" type="slidenum">
+              <a:rPr lang="en-US" smtClean="0"/>
+              <a:t>2</a:t>
+            </a:fld>
+            <a:endParaRPr lang="en-US"/>
+          </a:p>
+        </p:txBody>
+      </p:sp>
+    </p:spTree>
+    <p:extLst>
+      <p:ext uri="{BB962C8B-B14F-4D97-AF65-F5344CB8AC3E}">
+        <p14:creationId xmlns:p14="http://schemas.microsoft.com/office/powerpoint/2010/main" val="2374637253"/>
+      </p:ext>
+    </p:extLst>
+  </p:cSld>
+  <p:clrMapOvr>
+    <a:masterClrMapping/>
+  </p:clrMapOvr>
+</p:notes>
+</file>
+
+<file path=ppt/notesSlides/notesSlide3.xml><?xml version="1.0" encoding="utf-8"?>
+<p:notes xmlns:a="http://schemas.openxmlformats.org/drawingml/2006/main" xmlns:r="http://schemas.openxmlformats.org/officeDocument/2006/relationships" xmlns:p="http://schemas.openxmlformats.org/presentationml/2006/main">
+  <p:cSld>
+    <p:spTree>
+      <p:nvGrpSpPr>
+        <p:cNvPr id="1" name=""/>
+        <p:cNvGrpSpPr/>
+        <p:nvPr/>
+      </p:nvGrpSpPr>
+      <p:grpSpPr>
+        <a:xfrm>
+          <a:off x="0" y="0"/>
+          <a:ext cx="0" cy="0"/>
+          <a:chOff x="0" y="0"/>
+          <a:chExt cx="0" cy="0"/>
+        </a:xfrm>
+      </p:grpSpPr>
+      <p:sp>
+        <p:nvSpPr>
+          <p:cNvPr id="2" name="Slide Image Placeholder 1"/>
+          <p:cNvSpPr>
+            <a:spLocks noGrp="1" noRot="1" noChangeAspect="1"/>
+          </p:cNvSpPr>
+          <p:nvPr>
+            <p:ph type="sldImg"/>
+          </p:nvPr>
+        </p:nvSpPr>
+        <p:spPr/>
+      </p:sp>
+      <p:sp>
+        <p:nvSpPr>
+          <p:cNvPr id="3" name="Notes Placeholder 2"/>
+          <p:cNvSpPr>
+            <a:spLocks noGrp="1"/>
+          </p:cNvSpPr>
+          <p:nvPr>
+            <p:ph type="body" idx="1"/>
+          </p:nvPr>
+        </p:nvSpPr>
+        <p:spPr/>
+        <p:txBody>
+          <a:bodyPr/>
+          <a:lstStyle/>
+          <a:p>
+            <a:r>
+              <a:rPr lang="en-US" dirty="0"/>
+              <a:t>Voltage</a:t>
+            </a:r>
+          </a:p>
+          <a:p>
+            <a:r>
+              <a:rPr lang="en-US" dirty="0"/>
+              <a:t>Current</a:t>
+            </a:r>
+          </a:p>
+          <a:p>
+            <a:r>
+              <a:rPr lang="en-US" dirty="0"/>
+              <a:t>Conductors</a:t>
+            </a:r>
+          </a:p>
+          <a:p>
+            <a:endParaRPr lang="en-US" dirty="0"/>
+          </a:p>
+          <a:p>
+            <a:r>
+              <a:rPr lang="en-US" dirty="0"/>
+              <a:t>How they relate</a:t>
+            </a:r>
+          </a:p>
+          <a:p>
+            <a:endParaRPr lang="en-US" dirty="0"/>
+          </a:p>
+          <a:p>
+            <a:r>
+              <a:rPr lang="en-US" dirty="0"/>
+              <a:t>AC vs. DC</a:t>
+            </a:r>
+          </a:p>
+          <a:p>
+            <a:endParaRPr lang="en-US" dirty="0"/>
+          </a:p>
+          <a:p>
+            <a:r>
+              <a:rPr lang="en-US" dirty="0"/>
+              <a:t>Digital vs.</a:t>
+            </a:r>
+            <a:r>
+              <a:rPr lang="en-US" baseline="0" dirty="0"/>
+              <a:t> Analog</a:t>
+            </a:r>
+          </a:p>
+          <a:p>
+            <a:pPr marL="171450" indent="-171450">
+              <a:buFontTx/>
+              <a:buChar char="-"/>
+            </a:pPr>
+            <a:r>
+              <a:rPr lang="en-US" baseline="0" dirty="0"/>
+              <a:t>Active high</a:t>
+            </a:r>
+          </a:p>
+          <a:p>
+            <a:pPr marL="171450" indent="-171450">
+              <a:buFontTx/>
+              <a:buChar char="-"/>
+            </a:pPr>
+            <a:r>
+              <a:rPr lang="en-US" baseline="0" dirty="0"/>
+              <a:t>No 0’s and 1’s</a:t>
+            </a:r>
+          </a:p>
+          <a:p>
+            <a:pPr marL="171450" indent="-171450">
+              <a:buFontTx/>
+              <a:buChar char="-"/>
+            </a:pPr>
+            <a:r>
+              <a:rPr lang="en-US" baseline="0" dirty="0"/>
+              <a:t>Not a true square wave because well…. Physics!!!</a:t>
+            </a:r>
+          </a:p>
+        </p:txBody>
+      </p:sp>
+      <p:sp>
+        <p:nvSpPr>
+          <p:cNvPr id="4" name="Slide Number Placeholder 3"/>
+          <p:cNvSpPr>
+            <a:spLocks noGrp="1"/>
+          </p:cNvSpPr>
+          <p:nvPr>
+            <p:ph type="sldNum" sz="quarter" idx="5"/>
+          </p:nvPr>
+        </p:nvSpPr>
+        <p:spPr/>
+        <p:txBody>
+          <a:bodyPr/>
+          <a:lstStyle/>
+          <a:p>
+            <a:fld id="{DDDA151A-A1CD-4445-8EC2-5767EAB36D58}" type="slidenum">
+              <a:rPr lang="en-US" smtClean="0"/>
+              <a:t>3</a:t>
+            </a:fld>
+            <a:endParaRPr lang="en-US"/>
+          </a:p>
+        </p:txBody>
+      </p:sp>
+    </p:spTree>
+    <p:extLst>
+      <p:ext uri="{BB962C8B-B14F-4D97-AF65-F5344CB8AC3E}">
+        <p14:creationId xmlns:p14="http://schemas.microsoft.com/office/powerpoint/2010/main" val="2020582336"/>
+      </p:ext>
+    </p:extLst>
+  </p:cSld>
+  <p:clrMapOvr>
+    <a:masterClrMapping/>
+  </p:clrMapOvr>
+</p:notes>
+</file>
+
+<file path=ppt/notesSlides/notesSlide4.xml><?xml version="1.0" encoding="utf-8"?>
+<p:notes xmlns:a="http://schemas.openxmlformats.org/drawingml/2006/main" xmlns:r="http://schemas.openxmlformats.org/officeDocument/2006/relationships" xmlns:p="http://schemas.openxmlformats.org/presentationml/2006/main">
+  <p:cSld>
+    <p:spTree>
+      <p:nvGrpSpPr>
+        <p:cNvPr id="1" name=""/>
+        <p:cNvGrpSpPr/>
+        <p:nvPr/>
+      </p:nvGrpSpPr>
+      <p:grpSpPr>
+        <a:xfrm>
+          <a:off x="0" y="0"/>
+          <a:ext cx="0" cy="0"/>
+          <a:chOff x="0" y="0"/>
+          <a:chExt cx="0" cy="0"/>
+        </a:xfrm>
+      </p:grpSpPr>
+      <p:sp>
+        <p:nvSpPr>
+          <p:cNvPr id="2" name="Slide Image Placeholder 1"/>
+          <p:cNvSpPr>
+            <a:spLocks noGrp="1" noRot="1" noChangeAspect="1"/>
+          </p:cNvSpPr>
+          <p:nvPr>
+            <p:ph type="sldImg"/>
+          </p:nvPr>
+        </p:nvSpPr>
+        <p:spPr/>
+      </p:sp>
+      <p:sp>
+        <p:nvSpPr>
+          <p:cNvPr id="3" name="Notes Placeholder 2"/>
+          <p:cNvSpPr>
+            <a:spLocks noGrp="1"/>
+          </p:cNvSpPr>
+          <p:nvPr>
+            <p:ph type="body" idx="1"/>
+          </p:nvPr>
+        </p:nvSpPr>
+        <p:spPr/>
+        <p:txBody>
+          <a:bodyPr/>
+          <a:lstStyle/>
+          <a:p>
+            <a:r>
+              <a:rPr lang="en-US" dirty="0"/>
+              <a:t>Go through a sample schematic</a:t>
+            </a:r>
+          </a:p>
+          <a:p>
+            <a:r>
+              <a:rPr lang="en-US" dirty="0"/>
+              <a:t>Maybe 555</a:t>
+            </a:r>
+            <a:r>
+              <a:rPr lang="en-US" baseline="0" dirty="0"/>
+              <a:t> timer circuit?</a:t>
+            </a:r>
+            <a:endParaRPr lang="en-US" dirty="0"/>
+          </a:p>
+          <a:p>
+            <a:endParaRPr lang="en-US" dirty="0"/>
+          </a:p>
+          <a:p>
+            <a:r>
+              <a:rPr lang="en-US" dirty="0"/>
+              <a:t>Needs to have cross over lines</a:t>
+            </a:r>
+          </a:p>
+          <a:p>
+            <a:endParaRPr lang="en-US" dirty="0"/>
+          </a:p>
+          <a:p>
+            <a:r>
+              <a:rPr lang="en-US" dirty="0"/>
+              <a:t>Need to have</a:t>
+            </a:r>
+          </a:p>
+          <a:p>
+            <a:r>
+              <a:rPr lang="en-US" dirty="0"/>
+              <a:t>Resistor</a:t>
+            </a:r>
+          </a:p>
+          <a:p>
+            <a:r>
+              <a:rPr lang="en-US" dirty="0"/>
+              <a:t>Capacitor</a:t>
+            </a:r>
+          </a:p>
+          <a:p>
+            <a:r>
+              <a:rPr lang="en-US" dirty="0"/>
+              <a:t>LED</a:t>
+            </a:r>
+          </a:p>
+          <a:p>
+            <a:r>
+              <a:rPr lang="en-US" dirty="0"/>
+              <a:t>Voltage source</a:t>
+            </a:r>
+          </a:p>
+          <a:p>
+            <a:r>
+              <a:rPr lang="en-US" dirty="0"/>
+              <a:t>Ground</a:t>
+            </a:r>
+          </a:p>
+          <a:p>
+            <a:r>
+              <a:rPr lang="en-US" dirty="0"/>
+              <a:t>IC</a:t>
+            </a:r>
+          </a:p>
+          <a:p>
+            <a:endParaRPr lang="en-US" dirty="0"/>
+          </a:p>
+        </p:txBody>
+      </p:sp>
+      <p:sp>
+        <p:nvSpPr>
+          <p:cNvPr id="4" name="Slide Number Placeholder 3"/>
+          <p:cNvSpPr>
+            <a:spLocks noGrp="1"/>
+          </p:cNvSpPr>
+          <p:nvPr>
+            <p:ph type="sldNum" sz="quarter" idx="5"/>
+          </p:nvPr>
+        </p:nvSpPr>
+        <p:spPr/>
+        <p:txBody>
+          <a:bodyPr/>
+          <a:lstStyle/>
+          <a:p>
+            <a:fld id="{DDDA151A-A1CD-4445-8EC2-5767EAB36D58}" type="slidenum">
+              <a:rPr lang="en-US" smtClean="0"/>
+              <a:t>4</a:t>
+            </a:fld>
+            <a:endParaRPr lang="en-US"/>
+          </a:p>
+        </p:txBody>
+      </p:sp>
+    </p:spTree>
+    <p:extLst>
+      <p:ext uri="{BB962C8B-B14F-4D97-AF65-F5344CB8AC3E}">
+        <p14:creationId xmlns:p14="http://schemas.microsoft.com/office/powerpoint/2010/main" val="1975302057"/>
+      </p:ext>
+    </p:extLst>
+  </p:cSld>
+  <p:clrMapOvr>
+    <a:masterClrMapping/>
+  </p:clrMapOvr>
+</p:notes>
+</file>
+
+<file path=ppt/notesSlides/notesSlide5.xml><?xml version="1.0" encoding="utf-8"?>
+<p:notes xmlns:a="http://schemas.openxmlformats.org/drawingml/2006/main" xmlns:r="http://schemas.openxmlformats.org/officeDocument/2006/relationships" xmlns:p="http://schemas.openxmlformats.org/presentationml/2006/main">
+  <p:cSld>
+    <p:spTree>
+      <p:nvGrpSpPr>
+        <p:cNvPr id="1" name=""/>
+        <p:cNvGrpSpPr/>
+        <p:nvPr/>
+      </p:nvGrpSpPr>
+      <p:grpSpPr>
+        <a:xfrm>
+          <a:off x="0" y="0"/>
+          <a:ext cx="0" cy="0"/>
+          <a:chOff x="0" y="0"/>
+          <a:chExt cx="0" cy="0"/>
+        </a:xfrm>
+      </p:grpSpPr>
+      <p:sp>
+        <p:nvSpPr>
+          <p:cNvPr id="2" name="Slide Image Placeholder 1"/>
+          <p:cNvSpPr>
+            <a:spLocks noGrp="1" noRot="1" noChangeAspect="1"/>
+          </p:cNvSpPr>
+          <p:nvPr>
+            <p:ph type="sldImg"/>
+          </p:nvPr>
+        </p:nvSpPr>
+        <p:spPr/>
+      </p:sp>
+      <p:sp>
+        <p:nvSpPr>
+          <p:cNvPr id="3" name="Notes Placeholder 2"/>
+          <p:cNvSpPr>
+            <a:spLocks noGrp="1"/>
+          </p:cNvSpPr>
+          <p:nvPr>
+            <p:ph type="body" idx="1"/>
+          </p:nvPr>
+        </p:nvSpPr>
+        <p:spPr/>
+        <p:txBody>
+          <a:bodyPr/>
+          <a:lstStyle/>
+          <a:p>
+            <a:r>
+              <a:rPr lang="en-US" dirty="0"/>
+              <a:t>DMM</a:t>
+            </a:r>
+          </a:p>
+          <a:p>
+            <a:endParaRPr lang="en-US" dirty="0"/>
+          </a:p>
+          <a:p>
+            <a:r>
+              <a:rPr lang="en-US" dirty="0"/>
+              <a:t>Bread</a:t>
+            </a:r>
+            <a:r>
+              <a:rPr lang="en-US" baseline="0" dirty="0"/>
+              <a:t>board\</a:t>
+            </a:r>
+          </a:p>
+          <a:p>
+            <a:r>
+              <a:rPr lang="en-US" baseline="0" dirty="0"/>
+              <a:t>- Possible demo of the things</a:t>
+            </a:r>
+          </a:p>
+          <a:p>
+            <a:endParaRPr lang="en-US" baseline="0" dirty="0"/>
+          </a:p>
+          <a:p>
+            <a:r>
+              <a:rPr lang="en-US" baseline="0" dirty="0"/>
+              <a:t>Connecting wires</a:t>
+            </a:r>
+          </a:p>
+          <a:p>
+            <a:pPr marL="171450" indent="-171450">
+              <a:buFontTx/>
+              <a:buChar char="-"/>
+            </a:pPr>
+            <a:r>
+              <a:rPr lang="en-US" baseline="0" dirty="0"/>
+              <a:t>pre-made solid code</a:t>
+            </a:r>
+          </a:p>
+          <a:p>
+            <a:pPr marL="171450" indent="-171450">
+              <a:buFontTx/>
+              <a:buChar char="-"/>
+            </a:pPr>
+            <a:r>
+              <a:rPr lang="en-US" baseline="0" dirty="0"/>
+              <a:t>Make your own</a:t>
+            </a:r>
+          </a:p>
+          <a:p>
+            <a:endParaRPr lang="en-US" baseline="0" dirty="0"/>
+          </a:p>
+          <a:p>
+            <a:r>
+              <a:rPr lang="en-US" baseline="0" dirty="0"/>
+              <a:t>Power supply</a:t>
+            </a:r>
+          </a:p>
+          <a:p>
+            <a:endParaRPr lang="en-US" baseline="0" dirty="0"/>
+          </a:p>
+          <a:p>
+            <a:r>
+              <a:rPr lang="en-US" baseline="0" dirty="0"/>
+              <a:t>Side cutters</a:t>
+            </a:r>
+          </a:p>
+          <a:p>
+            <a:endParaRPr lang="en-US" baseline="0" dirty="0"/>
+          </a:p>
+          <a:p>
+            <a:r>
+              <a:rPr lang="en-US" baseline="0" dirty="0"/>
+              <a:t>Wire strippers</a:t>
+            </a:r>
+          </a:p>
+          <a:p>
+            <a:endParaRPr lang="en-US" baseline="0" dirty="0"/>
+          </a:p>
+          <a:p>
+            <a:r>
+              <a:rPr lang="en-US" baseline="0" dirty="0"/>
+              <a:t>Touch on soldering</a:t>
+            </a:r>
+          </a:p>
+          <a:p>
+            <a:endParaRPr lang="en-US" dirty="0"/>
+          </a:p>
+          <a:p>
+            <a:r>
+              <a:rPr lang="en-US" dirty="0"/>
+              <a:t>My power</a:t>
+            </a:r>
+            <a:r>
+              <a:rPr lang="en-US" baseline="0" dirty="0"/>
+              <a:t> supply vs. what you need.</a:t>
+            </a:r>
+          </a:p>
+          <a:p>
+            <a:endParaRPr lang="en-US" baseline="0" dirty="0"/>
+          </a:p>
+          <a:p>
+            <a:r>
+              <a:rPr lang="en-US" baseline="0" dirty="0" err="1"/>
+              <a:t>Tinkercad</a:t>
+            </a:r>
+            <a:r>
+              <a:rPr lang="en-US" baseline="0" dirty="0"/>
+              <a:t> and circuit simulation</a:t>
+            </a:r>
+          </a:p>
+          <a:p>
+            <a:endParaRPr lang="en-US" baseline="0" dirty="0"/>
+          </a:p>
+          <a:p>
+            <a:r>
+              <a:rPr lang="en-US" baseline="0" dirty="0"/>
+              <a:t>Fritzing</a:t>
+            </a:r>
+            <a:endParaRPr lang="en-US" dirty="0"/>
+          </a:p>
+        </p:txBody>
+      </p:sp>
+      <p:sp>
+        <p:nvSpPr>
+          <p:cNvPr id="4" name="Slide Number Placeholder 3"/>
+          <p:cNvSpPr>
+            <a:spLocks noGrp="1"/>
+          </p:cNvSpPr>
+          <p:nvPr>
+            <p:ph type="sldNum" sz="quarter" idx="5"/>
+          </p:nvPr>
+        </p:nvSpPr>
+        <p:spPr/>
+        <p:txBody>
+          <a:bodyPr/>
+          <a:lstStyle/>
+          <a:p>
+            <a:fld id="{DDDA151A-A1CD-4445-8EC2-5767EAB36D58}" type="slidenum">
+              <a:rPr lang="en-US" smtClean="0"/>
+              <a:t>5</a:t>
+            </a:fld>
+            <a:endParaRPr lang="en-US"/>
+          </a:p>
+        </p:txBody>
+      </p:sp>
+    </p:spTree>
+    <p:extLst>
+      <p:ext uri="{BB962C8B-B14F-4D97-AF65-F5344CB8AC3E}">
+        <p14:creationId xmlns:p14="http://schemas.microsoft.com/office/powerpoint/2010/main" val="4196833662"/>
+      </p:ext>
+    </p:extLst>
+  </p:cSld>
+  <p:clrMapOvr>
+    <a:masterClrMapping/>
+  </p:clrMapOvr>
+</p:notes>
+</file>
+
+<file path=ppt/notesSlides/notesSlide6.xml><?xml version="1.0" encoding="utf-8"?>
+<p:notes xmlns:a="http://schemas.openxmlformats.org/drawingml/2006/main" xmlns:r="http://schemas.openxmlformats.org/officeDocument/2006/relationships" xmlns:p="http://schemas.openxmlformats.org/presentationml/2006/main">
+  <p:cSld>
+    <p:spTree>
+      <p:nvGrpSpPr>
+        <p:cNvPr id="1" name=""/>
+        <p:cNvGrpSpPr/>
+        <p:nvPr/>
+      </p:nvGrpSpPr>
+      <p:grpSpPr>
+        <a:xfrm>
+          <a:off x="0" y="0"/>
+          <a:ext cx="0" cy="0"/>
+          <a:chOff x="0" y="0"/>
+          <a:chExt cx="0" cy="0"/>
+        </a:xfrm>
+      </p:grpSpPr>
+      <p:sp>
+        <p:nvSpPr>
+          <p:cNvPr id="2" name="Slide Image Placeholder 1"/>
+          <p:cNvSpPr>
+            <a:spLocks noGrp="1" noRot="1" noChangeAspect="1"/>
+          </p:cNvSpPr>
+          <p:nvPr>
+            <p:ph type="sldImg"/>
+          </p:nvPr>
+        </p:nvSpPr>
+        <p:spPr/>
+      </p:sp>
+      <p:sp>
+        <p:nvSpPr>
+          <p:cNvPr id="3" name="Notes Placeholder 2"/>
+          <p:cNvSpPr>
+            <a:spLocks noGrp="1"/>
+          </p:cNvSpPr>
+          <p:nvPr>
+            <p:ph type="body" idx="1"/>
+          </p:nvPr>
+        </p:nvSpPr>
+        <p:spPr/>
+        <p:txBody>
+          <a:bodyPr/>
+          <a:lstStyle/>
+          <a:p>
+            <a:r>
+              <a:rPr lang="en-US" dirty="0"/>
+              <a:t>OOOOOMMM! Graphic</a:t>
+            </a:r>
+          </a:p>
+          <a:p>
+            <a:endParaRPr lang="en-US" dirty="0"/>
+          </a:p>
+          <a:p>
+            <a:r>
+              <a:rPr lang="en-US" dirty="0"/>
+              <a:t>Link to the resistor</a:t>
+            </a:r>
+            <a:r>
+              <a:rPr lang="en-US" baseline="0" dirty="0"/>
+              <a:t> page I found</a:t>
+            </a:r>
+          </a:p>
+          <a:p>
+            <a:endParaRPr lang="en-US" baseline="0" dirty="0"/>
+          </a:p>
+          <a:p>
+            <a:r>
+              <a:rPr lang="en-US" baseline="0" dirty="0"/>
+              <a:t>Series vs. Parallel</a:t>
+            </a:r>
+          </a:p>
+          <a:p>
+            <a:endParaRPr lang="en-US" baseline="0" dirty="0"/>
+          </a:p>
+          <a:p>
+            <a:r>
+              <a:rPr lang="en-US" baseline="0" dirty="0"/>
+              <a:t>How to read.</a:t>
+            </a:r>
+          </a:p>
+          <a:p>
+            <a:endParaRPr lang="en-US" baseline="0" dirty="0"/>
+          </a:p>
+          <a:p>
+            <a:r>
+              <a:rPr lang="en-US" dirty="0"/>
+              <a:t>Demo:</a:t>
+            </a:r>
+          </a:p>
+          <a:p>
+            <a:pPr marL="171450" indent="-171450">
+              <a:buFontTx/>
+              <a:buChar char="-"/>
+            </a:pPr>
+            <a:r>
+              <a:rPr lang="en-US" dirty="0"/>
+              <a:t>Make your own with a pencil</a:t>
+            </a:r>
+          </a:p>
+          <a:p>
+            <a:pPr marL="171450" indent="-171450">
+              <a:buFontTx/>
+              <a:buChar char="-"/>
+            </a:pPr>
+            <a:r>
+              <a:rPr lang="en-US" dirty="0"/>
+              <a:t>Show series and parallel connections.</a:t>
+            </a:r>
+          </a:p>
+          <a:p>
+            <a:pPr marL="171450" indent="-171450">
+              <a:buFontTx/>
+              <a:buChar char="-"/>
+            </a:pPr>
+            <a:r>
+              <a:rPr lang="en-US" dirty="0"/>
+              <a:t>Show</a:t>
+            </a:r>
+            <a:r>
+              <a:rPr lang="en-US" baseline="0" dirty="0"/>
+              <a:t> Current with math</a:t>
+            </a:r>
+            <a:endParaRPr lang="en-US" dirty="0"/>
+          </a:p>
+        </p:txBody>
+      </p:sp>
+      <p:sp>
+        <p:nvSpPr>
+          <p:cNvPr id="4" name="Slide Number Placeholder 3"/>
+          <p:cNvSpPr>
+            <a:spLocks noGrp="1"/>
+          </p:cNvSpPr>
+          <p:nvPr>
+            <p:ph type="sldNum" sz="quarter" idx="5"/>
+          </p:nvPr>
+        </p:nvSpPr>
+        <p:spPr/>
+        <p:txBody>
+          <a:bodyPr/>
+          <a:lstStyle/>
+          <a:p>
+            <a:fld id="{DDDA151A-A1CD-4445-8EC2-5767EAB36D58}" type="slidenum">
+              <a:rPr lang="en-US" smtClean="0"/>
+              <a:t>6</a:t>
+            </a:fld>
+            <a:endParaRPr lang="en-US"/>
+          </a:p>
+        </p:txBody>
+      </p:sp>
+    </p:spTree>
+    <p:extLst>
+      <p:ext uri="{BB962C8B-B14F-4D97-AF65-F5344CB8AC3E}">
+        <p14:creationId xmlns:p14="http://schemas.microsoft.com/office/powerpoint/2010/main" val="3388168788"/>
+      </p:ext>
+    </p:extLst>
+  </p:cSld>
+  <p:clrMapOvr>
+    <a:masterClrMapping/>
+  </p:clrMapOvr>
+</p:notes>
+</file>
+
+<file path=ppt/notesSlides/notesSlide7.xml><?xml version="1.0" encoding="utf-8"?>
+<p:notes xmlns:a="http://schemas.openxmlformats.org/drawingml/2006/main" xmlns:r="http://schemas.openxmlformats.org/officeDocument/2006/relationships" xmlns:p="http://schemas.openxmlformats.org/presentationml/2006/main">
+  <p:cSld>
+    <p:spTree>
+      <p:nvGrpSpPr>
+        <p:cNvPr id="1" name=""/>
+        <p:cNvGrpSpPr/>
+        <p:nvPr/>
+      </p:nvGrpSpPr>
+      <p:grpSpPr>
+        <a:xfrm>
+          <a:off x="0" y="0"/>
+          <a:ext cx="0" cy="0"/>
+          <a:chOff x="0" y="0"/>
+          <a:chExt cx="0" cy="0"/>
+        </a:xfrm>
+      </p:grpSpPr>
+      <p:sp>
+        <p:nvSpPr>
+          <p:cNvPr id="2" name="Slide Image Placeholder 1"/>
+          <p:cNvSpPr>
+            <a:spLocks noGrp="1" noRot="1" noChangeAspect="1"/>
+          </p:cNvSpPr>
+          <p:nvPr>
+            <p:ph type="sldImg"/>
+          </p:nvPr>
+        </p:nvSpPr>
+        <p:spPr/>
+      </p:sp>
+      <p:sp>
+        <p:nvSpPr>
+          <p:cNvPr id="3" name="Notes Placeholder 2"/>
+          <p:cNvSpPr>
+            <a:spLocks noGrp="1"/>
+          </p:cNvSpPr>
+          <p:nvPr>
+            <p:ph type="body" idx="1"/>
+          </p:nvPr>
+        </p:nvSpPr>
+        <p:spPr/>
+        <p:txBody>
+          <a:bodyPr/>
+          <a:lstStyle/>
+          <a:p>
+            <a:r>
+              <a:rPr lang="en-US" dirty="0"/>
+              <a:t>Describe</a:t>
+            </a:r>
+            <a:r>
+              <a:rPr lang="en-US" baseline="0" dirty="0"/>
+              <a:t> the function of a capacitor/inductor and how they are different</a:t>
+            </a:r>
+          </a:p>
+          <a:p>
+            <a:endParaRPr lang="en-US" baseline="0" dirty="0"/>
+          </a:p>
+          <a:p>
+            <a:r>
+              <a:rPr lang="en-US" baseline="0" dirty="0"/>
+              <a:t>Series and Parallel.  </a:t>
+            </a:r>
+          </a:p>
+          <a:p>
+            <a:pPr marL="171450" indent="-171450">
+              <a:buFontTx/>
+              <a:buChar char="-"/>
+            </a:pPr>
+            <a:r>
+              <a:rPr lang="en-US" baseline="0" dirty="0"/>
+              <a:t>No real demo as that is hard.</a:t>
+            </a:r>
+          </a:p>
+          <a:p>
+            <a:pPr marL="171450" indent="-171450">
+              <a:buFontTx/>
+              <a:buChar char="-"/>
+            </a:pPr>
+            <a:endParaRPr lang="en-US" baseline="0" dirty="0"/>
+          </a:p>
+          <a:p>
+            <a:pPr marL="0" indent="0">
+              <a:buFontTx/>
+              <a:buNone/>
+            </a:pPr>
+            <a:endParaRPr lang="en-US" dirty="0"/>
+          </a:p>
+        </p:txBody>
+      </p:sp>
+      <p:sp>
+        <p:nvSpPr>
+          <p:cNvPr id="4" name="Slide Number Placeholder 3"/>
+          <p:cNvSpPr>
+            <a:spLocks noGrp="1"/>
+          </p:cNvSpPr>
+          <p:nvPr>
+            <p:ph type="sldNum" sz="quarter" idx="5"/>
+          </p:nvPr>
+        </p:nvSpPr>
+        <p:spPr/>
+        <p:txBody>
+          <a:bodyPr/>
+          <a:lstStyle/>
+          <a:p>
+            <a:fld id="{DDDA151A-A1CD-4445-8EC2-5767EAB36D58}" type="slidenum">
+              <a:rPr lang="en-US" smtClean="0"/>
+              <a:t>7</a:t>
+            </a:fld>
+            <a:endParaRPr lang="en-US"/>
+          </a:p>
+        </p:txBody>
+      </p:sp>
+    </p:spTree>
+    <p:extLst>
+      <p:ext uri="{BB962C8B-B14F-4D97-AF65-F5344CB8AC3E}">
+        <p14:creationId xmlns:p14="http://schemas.microsoft.com/office/powerpoint/2010/main" val="2107356280"/>
+      </p:ext>
+    </p:extLst>
+  </p:cSld>
+  <p:clrMapOvr>
+    <a:masterClrMapping/>
+  </p:clrMapOvr>
+</p:notes>
+</file>
+
+<file path=ppt/notesSlides/notesSlide8.xml><?xml version="1.0" encoding="utf-8"?>
+<p:notes xmlns:a="http://schemas.openxmlformats.org/drawingml/2006/main" xmlns:r="http://schemas.openxmlformats.org/officeDocument/2006/relationships" xmlns:p="http://schemas.openxmlformats.org/presentationml/2006/main">
+  <p:cSld>
+    <p:spTree>
+      <p:nvGrpSpPr>
+        <p:cNvPr id="1" name=""/>
+        <p:cNvGrpSpPr/>
+        <p:nvPr/>
+      </p:nvGrpSpPr>
+      <p:grpSpPr>
+        <a:xfrm>
+          <a:off x="0" y="0"/>
+          <a:ext cx="0" cy="0"/>
+          <a:chOff x="0" y="0"/>
+          <a:chExt cx="0" cy="0"/>
+        </a:xfrm>
+      </p:grpSpPr>
+      <p:sp>
+        <p:nvSpPr>
+          <p:cNvPr id="2" name="Slide Image Placeholder 1"/>
+          <p:cNvSpPr>
+            <a:spLocks noGrp="1" noRot="1" noChangeAspect="1"/>
+          </p:cNvSpPr>
+          <p:nvPr>
+            <p:ph type="sldImg"/>
+          </p:nvPr>
+        </p:nvSpPr>
+        <p:spPr/>
+      </p:sp>
+      <p:sp>
+        <p:nvSpPr>
+          <p:cNvPr id="3" name="Notes Placeholder 2"/>
+          <p:cNvSpPr>
+            <a:spLocks noGrp="1"/>
+          </p:cNvSpPr>
+          <p:nvPr>
+            <p:ph type="body" idx="1"/>
+          </p:nvPr>
+        </p:nvSpPr>
+        <p:spPr/>
+        <p:txBody>
+          <a:bodyPr/>
+          <a:lstStyle/>
+          <a:p>
+            <a:r>
+              <a:rPr lang="en-US" dirty="0"/>
+              <a:t>What a switch really is and how a relay</a:t>
+            </a:r>
+            <a:r>
+              <a:rPr lang="en-US" baseline="0" dirty="0"/>
+              <a:t> is just a fancy switch with and inductor</a:t>
+            </a:r>
+          </a:p>
+          <a:p>
+            <a:endParaRPr lang="en-US" baseline="0" dirty="0"/>
+          </a:p>
+          <a:p>
+            <a:r>
+              <a:rPr lang="en-US" baseline="0" dirty="0"/>
+              <a:t>Talk about</a:t>
+            </a:r>
+          </a:p>
+          <a:p>
+            <a:endParaRPr lang="en-US" baseline="0" dirty="0"/>
+          </a:p>
+          <a:p>
+            <a:r>
+              <a:rPr lang="en-US" baseline="0" dirty="0"/>
+              <a:t>Normally Open, Normally Closed</a:t>
+            </a:r>
+          </a:p>
+          <a:p>
+            <a:endParaRPr lang="en-US" baseline="0" dirty="0"/>
+          </a:p>
+          <a:p>
+            <a:r>
+              <a:rPr lang="en-US" baseline="0" dirty="0"/>
+              <a:t>Single vs double</a:t>
+            </a:r>
+          </a:p>
+          <a:p>
+            <a:endParaRPr lang="en-US" baseline="0" dirty="0"/>
+          </a:p>
+          <a:p>
+            <a:r>
+              <a:rPr lang="en-US" baseline="0" dirty="0"/>
+              <a:t>Mechanical vs Solid State vs. and Opto-Isolator</a:t>
+            </a:r>
+            <a:endParaRPr lang="en-US" dirty="0"/>
+          </a:p>
+        </p:txBody>
+      </p:sp>
+      <p:sp>
+        <p:nvSpPr>
+          <p:cNvPr id="4" name="Slide Number Placeholder 3"/>
+          <p:cNvSpPr>
+            <a:spLocks noGrp="1"/>
+          </p:cNvSpPr>
+          <p:nvPr>
+            <p:ph type="sldNum" sz="quarter" idx="5"/>
+          </p:nvPr>
+        </p:nvSpPr>
+        <p:spPr/>
+        <p:txBody>
+          <a:bodyPr/>
+          <a:lstStyle/>
+          <a:p>
+            <a:fld id="{DDDA151A-A1CD-4445-8EC2-5767EAB36D58}" type="slidenum">
+              <a:rPr lang="en-US" smtClean="0"/>
+              <a:t>8</a:t>
+            </a:fld>
+            <a:endParaRPr lang="en-US"/>
+          </a:p>
+        </p:txBody>
+      </p:sp>
+    </p:spTree>
+    <p:extLst>
+      <p:ext uri="{BB962C8B-B14F-4D97-AF65-F5344CB8AC3E}">
+        <p14:creationId xmlns:p14="http://schemas.microsoft.com/office/powerpoint/2010/main" val="4209009501"/>
+      </p:ext>
+    </p:extLst>
+  </p:cSld>
+  <p:clrMapOvr>
+    <a:masterClrMapping/>
+  </p:clrMapOvr>
+</p:notes>
+</file>
+
+<file path=ppt/notesSlides/notesSlide9.xml><?xml version="1.0" encoding="utf-8"?>
+<p:notes xmlns:a="http://schemas.openxmlformats.org/drawingml/2006/main" xmlns:r="http://schemas.openxmlformats.org/officeDocument/2006/relationships" xmlns:p="http://schemas.openxmlformats.org/presentationml/2006/main">
+  <p:cSld>
+    <p:spTree>
+      <p:nvGrpSpPr>
+        <p:cNvPr id="1" name=""/>
+        <p:cNvGrpSpPr/>
+        <p:nvPr/>
+      </p:nvGrpSpPr>
+      <p:grpSpPr>
+        <a:xfrm>
+          <a:off x="0" y="0"/>
+          <a:ext cx="0" cy="0"/>
+          <a:chOff x="0" y="0"/>
+          <a:chExt cx="0" cy="0"/>
+        </a:xfrm>
+      </p:grpSpPr>
+      <p:sp>
+        <p:nvSpPr>
+          <p:cNvPr id="2" name="Slide Image Placeholder 1"/>
+          <p:cNvSpPr>
+            <a:spLocks noGrp="1" noRot="1" noChangeAspect="1"/>
+          </p:cNvSpPr>
+          <p:nvPr>
+            <p:ph type="sldImg"/>
+          </p:nvPr>
+        </p:nvSpPr>
+        <p:spPr/>
+      </p:sp>
+      <p:sp>
+        <p:nvSpPr>
+          <p:cNvPr id="3" name="Notes Placeholder 2"/>
+          <p:cNvSpPr>
+            <a:spLocks noGrp="1"/>
+          </p:cNvSpPr>
+          <p:nvPr>
+            <p:ph type="body" idx="1"/>
+          </p:nvPr>
+        </p:nvSpPr>
+        <p:spPr/>
+        <p:txBody>
+          <a:bodyPr/>
+          <a:lstStyle/>
+          <a:p>
+            <a:r>
+              <a:rPr lang="en-US" dirty="0"/>
+              <a:t>Forward voltage</a:t>
+            </a:r>
+          </a:p>
+          <a:p>
+            <a:endParaRPr lang="en-US" dirty="0"/>
+          </a:p>
+          <a:p>
+            <a:r>
+              <a:rPr lang="en-US" dirty="0"/>
+              <a:t>LED emits</a:t>
+            </a:r>
+            <a:r>
+              <a:rPr lang="en-US" baseline="0" dirty="0"/>
+              <a:t> light, but has  very little or no resistance</a:t>
+            </a:r>
+          </a:p>
+          <a:p>
+            <a:endParaRPr lang="en-US" baseline="0" dirty="0"/>
+          </a:p>
+          <a:p>
+            <a:r>
+              <a:rPr lang="en-US" baseline="0" dirty="0"/>
+              <a:t>Demo</a:t>
+            </a:r>
+          </a:p>
+          <a:p>
+            <a:pPr marL="171450" indent="-171450">
+              <a:buFontTx/>
+              <a:buChar char="-"/>
+            </a:pPr>
+            <a:r>
+              <a:rPr lang="en-US" baseline="0" dirty="0"/>
+              <a:t>No resistor and check current</a:t>
+            </a:r>
+          </a:p>
+          <a:p>
+            <a:pPr marL="171450" indent="-171450">
+              <a:buFontTx/>
+              <a:buChar char="-"/>
+            </a:pPr>
+            <a:r>
+              <a:rPr lang="en-US" baseline="0" dirty="0"/>
+              <a:t>Decent resistor</a:t>
+            </a:r>
+          </a:p>
+          <a:p>
+            <a:pPr marL="171450" indent="-171450">
+              <a:buFontTx/>
+              <a:buChar char="-"/>
+            </a:pPr>
+            <a:r>
+              <a:rPr lang="en-US" baseline="0" dirty="0"/>
+              <a:t>Large resistor</a:t>
+            </a:r>
+          </a:p>
+          <a:p>
+            <a:pPr marL="171450" indent="-171450">
+              <a:buFontTx/>
+              <a:buChar char="-"/>
+            </a:pPr>
+            <a:r>
+              <a:rPr lang="en-US" baseline="0" dirty="0"/>
+              <a:t>See if you can burn one up.</a:t>
+            </a:r>
+            <a:endParaRPr lang="en-US" dirty="0"/>
+          </a:p>
+        </p:txBody>
+      </p:sp>
+      <p:sp>
+        <p:nvSpPr>
+          <p:cNvPr id="4" name="Slide Number Placeholder 3"/>
+          <p:cNvSpPr>
+            <a:spLocks noGrp="1"/>
+          </p:cNvSpPr>
+          <p:nvPr>
+            <p:ph type="sldNum" sz="quarter" idx="5"/>
+          </p:nvPr>
+        </p:nvSpPr>
+        <p:spPr/>
+        <p:txBody>
+          <a:bodyPr/>
+          <a:lstStyle/>
+          <a:p>
+            <a:fld id="{DDDA151A-A1CD-4445-8EC2-5767EAB36D58}" type="slidenum">
+              <a:rPr lang="en-US" smtClean="0"/>
+              <a:t>9</a:t>
+            </a:fld>
+            <a:endParaRPr lang="en-US"/>
+          </a:p>
+        </p:txBody>
+      </p:sp>
+    </p:spTree>
+    <p:extLst>
+      <p:ext uri="{BB962C8B-B14F-4D97-AF65-F5344CB8AC3E}">
+        <p14:creationId xmlns:p14="http://schemas.microsoft.com/office/powerpoint/2010/main" val="1280321535"/>
+      </p:ext>
+    </p:extLst>
+  </p:cSld>
+  <p:clrMapOvr>
+    <a:masterClrMapping/>
+  </p:clrMapOvr>
+</p:notes>
 </file>
 
 <file path=ppt/slideLayouts/slideLayout1.xml><?xml version="1.0" encoding="utf-8"?>
@@ -159,7 +2891,7 @@
           <a:noFill/>
           <a:extLst>
             <a:ext uri="{909E8E84-426E-40dd-AFC4-6F175D3DCCD1}">
-              <a14:hiddenFill xmlns:a14="http://schemas.microsoft.com/office/drawing/2010/main" xmlns="">
+              <a14:hiddenFill xmlns="" xmlns:a14="http://schemas.microsoft.com/office/drawing/2010/main">
                 <a:solidFill>
                   <a:srgbClr val="FFFFFF"/>
                 </a:solidFill>
@@ -219,7 +2951,7 @@
             </a:ln>
             <a:extLst>
               <a:ext uri="{91240B29-F687-4f45-9708-019B960494DF}">
-                <a14:hiddenLine xmlns:a14="http://schemas.microsoft.com/office/drawing/2010/main" xmlns="" w="9525">
+                <a14:hiddenLine xmlns="" xmlns:a14="http://schemas.microsoft.com/office/drawing/2010/main" w="9525">
                   <a:solidFill>
                     <a:srgbClr val="000000"/>
                   </a:solidFill>
@@ -309,7 +3041,7 @@
             </a:ln>
             <a:extLst>
               <a:ext uri="{91240B29-F687-4f45-9708-019B960494DF}">
-                <a14:hiddenLine xmlns:a14="http://schemas.microsoft.com/office/drawing/2010/main" xmlns="" w="9525">
+                <a14:hiddenLine xmlns="" xmlns:a14="http://schemas.microsoft.com/office/drawing/2010/main" w="9525">
                   <a:solidFill>
                     <a:srgbClr val="000000"/>
                   </a:solidFill>
@@ -399,7 +3131,7 @@
             </a:ln>
             <a:extLst>
               <a:ext uri="{91240B29-F687-4f45-9708-019B960494DF}">
-                <a14:hiddenLine xmlns:a14="http://schemas.microsoft.com/office/drawing/2010/main" xmlns="" w="9525">
+                <a14:hiddenLine xmlns="" xmlns:a14="http://schemas.microsoft.com/office/drawing/2010/main" w="9525">
                   <a:solidFill>
                     <a:srgbClr val="000000"/>
                   </a:solidFill>
@@ -433,7 +3165,7 @@
             </a:ln>
             <a:extLst>
               <a:ext uri="{91240B29-F687-4f45-9708-019B960494DF}">
-                <a14:hiddenLine xmlns:a14="http://schemas.microsoft.com/office/drawing/2010/main" xmlns="" w="9525">
+                <a14:hiddenLine xmlns="" xmlns:a14="http://schemas.microsoft.com/office/drawing/2010/main" w="9525">
                   <a:solidFill>
                     <a:srgbClr val="000000"/>
                   </a:solidFill>
@@ -523,7 +3255,7 @@
             </a:ln>
             <a:extLst>
               <a:ext uri="{91240B29-F687-4f45-9708-019B960494DF}">
-                <a14:hiddenLine xmlns:a14="http://schemas.microsoft.com/office/drawing/2010/main" xmlns="" w="9525">
+                <a14:hiddenLine xmlns="" xmlns:a14="http://schemas.microsoft.com/office/drawing/2010/main" w="9525">
                   <a:solidFill>
                     <a:srgbClr val="000000"/>
                   </a:solidFill>
@@ -585,7 +3317,7 @@
             </a:ln>
             <a:extLst>
               <a:ext uri="{91240B29-F687-4f45-9708-019B960494DF}">
-                <a14:hiddenLine xmlns:a14="http://schemas.microsoft.com/office/drawing/2010/main" xmlns="" w="9525">
+                <a14:hiddenLine xmlns="" xmlns:a14="http://schemas.microsoft.com/office/drawing/2010/main" w="9525">
                   <a:solidFill>
                     <a:srgbClr val="000000"/>
                   </a:solidFill>
@@ -647,7 +3379,7 @@
             </a:ln>
             <a:extLst>
               <a:ext uri="{91240B29-F687-4f45-9708-019B960494DF}">
-                <a14:hiddenLine xmlns:a14="http://schemas.microsoft.com/office/drawing/2010/main" xmlns="" w="9525">
+                <a14:hiddenLine xmlns="" xmlns:a14="http://schemas.microsoft.com/office/drawing/2010/main" w="9525">
                   <a:solidFill>
                     <a:srgbClr val="000000"/>
                   </a:solidFill>
@@ -737,7 +3469,7 @@
             </a:ln>
             <a:extLst>
               <a:ext uri="{91240B29-F687-4f45-9708-019B960494DF}">
-                <a14:hiddenLine xmlns:a14="http://schemas.microsoft.com/office/drawing/2010/main" xmlns="" w="9525">
+                <a14:hiddenLine xmlns="" xmlns:a14="http://schemas.microsoft.com/office/drawing/2010/main" w="9525">
                   <a:solidFill>
                     <a:srgbClr val="000000"/>
                   </a:solidFill>
@@ -799,7 +3531,7 @@
             </a:ln>
             <a:extLst>
               <a:ext uri="{91240B29-F687-4f45-9708-019B960494DF}">
-                <a14:hiddenLine xmlns:a14="http://schemas.microsoft.com/office/drawing/2010/main" xmlns="" w="9525">
+                <a14:hiddenLine xmlns="" xmlns:a14="http://schemas.microsoft.com/office/drawing/2010/main" w="9525">
                   <a:solidFill>
                     <a:srgbClr val="000000"/>
                   </a:solidFill>
@@ -861,7 +3593,7 @@
             </a:ln>
             <a:extLst>
               <a:ext uri="{91240B29-F687-4f45-9708-019B960494DF}">
-                <a14:hiddenLine xmlns:a14="http://schemas.microsoft.com/office/drawing/2010/main" xmlns="" w="9525">
+                <a14:hiddenLine xmlns="" xmlns:a14="http://schemas.microsoft.com/office/drawing/2010/main" w="9525">
                   <a:solidFill>
                     <a:srgbClr val="000000"/>
                   </a:solidFill>
@@ -951,7 +3683,7 @@
             </a:ln>
             <a:extLst>
               <a:ext uri="{91240B29-F687-4f45-9708-019B960494DF}">
-                <a14:hiddenLine xmlns:a14="http://schemas.microsoft.com/office/drawing/2010/main" xmlns="" w="9525">
+                <a14:hiddenLine xmlns="" xmlns:a14="http://schemas.microsoft.com/office/drawing/2010/main" w="9525">
                   <a:solidFill>
                     <a:srgbClr val="000000"/>
                   </a:solidFill>
@@ -1041,7 +3773,7 @@
             </a:ln>
             <a:extLst>
               <a:ext uri="{91240B29-F687-4f45-9708-019B960494DF}">
-                <a14:hiddenLine xmlns:a14="http://schemas.microsoft.com/office/drawing/2010/main" xmlns="" w="9525">
+                <a14:hiddenLine xmlns="" xmlns:a14="http://schemas.microsoft.com/office/drawing/2010/main" w="9525">
                   <a:solidFill>
                     <a:srgbClr val="000000"/>
                   </a:solidFill>
@@ -1103,7 +3835,7 @@
             </a:ln>
             <a:extLst>
               <a:ext uri="{91240B29-F687-4f45-9708-019B960494DF}">
-                <a14:hiddenLine xmlns:a14="http://schemas.microsoft.com/office/drawing/2010/main" xmlns="" w="9525">
+                <a14:hiddenLine xmlns="" xmlns:a14="http://schemas.microsoft.com/office/drawing/2010/main" w="9525">
                   <a:solidFill>
                     <a:srgbClr val="000000"/>
                   </a:solidFill>
@@ -1213,7 +3945,7 @@
             </a:ln>
             <a:extLst>
               <a:ext uri="{91240B29-F687-4f45-9708-019B960494DF}">
-                <a14:hiddenLine xmlns:a14="http://schemas.microsoft.com/office/drawing/2010/main" xmlns="" w="9525">
+                <a14:hiddenLine xmlns="" xmlns:a14="http://schemas.microsoft.com/office/drawing/2010/main" w="9525">
                   <a:solidFill>
                     <a:srgbClr val="000000"/>
                   </a:solidFill>
@@ -1275,7 +4007,7 @@
             </a:ln>
             <a:extLst>
               <a:ext uri="{91240B29-F687-4f45-9708-019B960494DF}">
-                <a14:hiddenLine xmlns:a14="http://schemas.microsoft.com/office/drawing/2010/main" xmlns="" w="9525">
+                <a14:hiddenLine xmlns="" xmlns:a14="http://schemas.microsoft.com/office/drawing/2010/main" w="9525">
                   <a:solidFill>
                     <a:srgbClr val="000000"/>
                   </a:solidFill>
@@ -1365,7 +4097,7 @@
             </a:ln>
             <a:extLst>
               <a:ext uri="{91240B29-F687-4f45-9708-019B960494DF}">
-                <a14:hiddenLine xmlns:a14="http://schemas.microsoft.com/office/drawing/2010/main" xmlns="" w="9525">
+                <a14:hiddenLine xmlns="" xmlns:a14="http://schemas.microsoft.com/office/drawing/2010/main" w="9525">
                   <a:solidFill>
                     <a:srgbClr val="000000"/>
                   </a:solidFill>
@@ -1455,7 +4187,7 @@
             </a:ln>
             <a:extLst>
               <a:ext uri="{91240B29-F687-4f45-9708-019B960494DF}">
-                <a14:hiddenLine xmlns:a14="http://schemas.microsoft.com/office/drawing/2010/main" xmlns="" w="9525">
+                <a14:hiddenLine xmlns="" xmlns:a14="http://schemas.microsoft.com/office/drawing/2010/main" w="9525">
                   <a:solidFill>
                     <a:srgbClr val="000000"/>
                   </a:solidFill>
@@ -1517,7 +4249,7 @@
             </a:ln>
             <a:extLst>
               <a:ext uri="{91240B29-F687-4f45-9708-019B960494DF}">
-                <a14:hiddenLine xmlns:a14="http://schemas.microsoft.com/office/drawing/2010/main" xmlns="" w="9525">
+                <a14:hiddenLine xmlns="" xmlns:a14="http://schemas.microsoft.com/office/drawing/2010/main" w="9525">
                   <a:solidFill>
                     <a:srgbClr val="000000"/>
                   </a:solidFill>
@@ -1607,7 +4339,7 @@
             </a:ln>
             <a:extLst>
               <a:ext uri="{91240B29-F687-4f45-9708-019B960494DF}">
-                <a14:hiddenLine xmlns:a14="http://schemas.microsoft.com/office/drawing/2010/main" xmlns="" w="9525">
+                <a14:hiddenLine xmlns="" xmlns:a14="http://schemas.microsoft.com/office/drawing/2010/main" w="9525">
                   <a:solidFill>
                     <a:srgbClr val="000000"/>
                   </a:solidFill>
@@ -1697,7 +4429,7 @@
             </a:ln>
             <a:extLst>
               <a:ext uri="{91240B29-F687-4f45-9708-019B960494DF}">
-                <a14:hiddenLine xmlns:a14="http://schemas.microsoft.com/office/drawing/2010/main" xmlns="" w="9525">
+                <a14:hiddenLine xmlns="" xmlns:a14="http://schemas.microsoft.com/office/drawing/2010/main" w="9525">
                   <a:solidFill>
                     <a:srgbClr val="000000"/>
                   </a:solidFill>
@@ -1753,7 +4485,7 @@
             </a:ln>
             <a:extLst>
               <a:ext uri="{91240B29-F687-4f45-9708-019B960494DF}">
-                <a14:hiddenLine xmlns:a14="http://schemas.microsoft.com/office/drawing/2010/main" xmlns="" w="9525">
+                <a14:hiddenLine xmlns="" xmlns:a14="http://schemas.microsoft.com/office/drawing/2010/main" w="9525">
                   <a:solidFill>
                     <a:srgbClr val="000000"/>
                   </a:solidFill>
@@ -1843,7 +4575,7 @@
             </a:ln>
             <a:extLst>
               <a:ext uri="{91240B29-F687-4f45-9708-019B960494DF}">
-                <a14:hiddenLine xmlns:a14="http://schemas.microsoft.com/office/drawing/2010/main" xmlns="" w="9525">
+                <a14:hiddenLine xmlns="" xmlns:a14="http://schemas.microsoft.com/office/drawing/2010/main" w="9525">
                   <a:solidFill>
                     <a:srgbClr val="000000"/>
                   </a:solidFill>
@@ -1899,7 +4631,7 @@
             </a:ln>
             <a:extLst>
               <a:ext uri="{91240B29-F687-4f45-9708-019B960494DF}">
-                <a14:hiddenLine xmlns:a14="http://schemas.microsoft.com/office/drawing/2010/main" xmlns="" w="9525">
+                <a14:hiddenLine xmlns="" xmlns:a14="http://schemas.microsoft.com/office/drawing/2010/main" w="9525">
                   <a:solidFill>
                     <a:srgbClr val="000000"/>
                   </a:solidFill>
@@ -1989,7 +4721,7 @@
             </a:ln>
             <a:extLst>
               <a:ext uri="{91240B29-F687-4f45-9708-019B960494DF}">
-                <a14:hiddenLine xmlns:a14="http://schemas.microsoft.com/office/drawing/2010/main" xmlns="" w="9525">
+                <a14:hiddenLine xmlns="" xmlns:a14="http://schemas.microsoft.com/office/drawing/2010/main" w="9525">
                   <a:solidFill>
                     <a:srgbClr val="000000"/>
                   </a:solidFill>
@@ -2057,7 +4789,7 @@
             </a:ln>
             <a:extLst>
               <a:ext uri="{91240B29-F687-4f45-9708-019B960494DF}">
-                <a14:hiddenLine xmlns:a14="http://schemas.microsoft.com/office/drawing/2010/main" xmlns="" w="9525">
+                <a14:hiddenLine xmlns="" xmlns:a14="http://schemas.microsoft.com/office/drawing/2010/main" w="9525">
                   <a:solidFill>
                     <a:srgbClr val="000000"/>
                   </a:solidFill>
@@ -2147,7 +4879,7 @@
             </a:ln>
             <a:extLst>
               <a:ext uri="{91240B29-F687-4f45-9708-019B960494DF}">
-                <a14:hiddenLine xmlns:a14="http://schemas.microsoft.com/office/drawing/2010/main" xmlns="" w="9525">
+                <a14:hiddenLine xmlns="" xmlns:a14="http://schemas.microsoft.com/office/drawing/2010/main" w="9525">
                   <a:solidFill>
                     <a:srgbClr val="000000"/>
                   </a:solidFill>
@@ -2215,7 +4947,7 @@
             </a:ln>
             <a:extLst>
               <a:ext uri="{91240B29-F687-4f45-9708-019B960494DF}">
-                <a14:hiddenLine xmlns:a14="http://schemas.microsoft.com/office/drawing/2010/main" xmlns="" w="9525">
+                <a14:hiddenLine xmlns="" xmlns:a14="http://schemas.microsoft.com/office/drawing/2010/main" w="9525">
                   <a:solidFill>
                     <a:srgbClr val="000000"/>
                   </a:solidFill>
@@ -2305,7 +5037,7 @@
             </a:ln>
             <a:extLst>
               <a:ext uri="{91240B29-F687-4f45-9708-019B960494DF}">
-                <a14:hiddenLine xmlns:a14="http://schemas.microsoft.com/office/drawing/2010/main" xmlns="" w="9525">
+                <a14:hiddenLine xmlns="" xmlns:a14="http://schemas.microsoft.com/office/drawing/2010/main" w="9525">
                   <a:solidFill>
                     <a:srgbClr val="000000"/>
                   </a:solidFill>
@@ -2339,7 +5071,7 @@
             </a:ln>
             <a:extLst>
               <a:ext uri="{91240B29-F687-4f45-9708-019B960494DF}">
-                <a14:hiddenLine xmlns:a14="http://schemas.microsoft.com/office/drawing/2010/main" xmlns="" w="9525">
+                <a14:hiddenLine xmlns="" xmlns:a14="http://schemas.microsoft.com/office/drawing/2010/main" w="9525">
                   <a:solidFill>
                     <a:srgbClr val="000000"/>
                   </a:solidFill>
@@ -2429,7 +5161,7 @@
             </a:ln>
             <a:extLst>
               <a:ext uri="{91240B29-F687-4f45-9708-019B960494DF}">
-                <a14:hiddenLine xmlns:a14="http://schemas.microsoft.com/office/drawing/2010/main" xmlns="" w="9525">
+                <a14:hiddenLine xmlns="" xmlns:a14="http://schemas.microsoft.com/office/drawing/2010/main" w="9525">
                   <a:solidFill>
                     <a:srgbClr val="000000"/>
                   </a:solidFill>
@@ -2491,7 +5223,7 @@
             </a:ln>
             <a:extLst>
               <a:ext uri="{91240B29-F687-4f45-9708-019B960494DF}">
-                <a14:hiddenLine xmlns:a14="http://schemas.microsoft.com/office/drawing/2010/main" xmlns="" w="9525">
+                <a14:hiddenLine xmlns="" xmlns:a14="http://schemas.microsoft.com/office/drawing/2010/main" w="9525">
                   <a:solidFill>
                     <a:srgbClr val="000000"/>
                   </a:solidFill>
@@ -2553,7 +5285,7 @@
             </a:ln>
             <a:extLst>
               <a:ext uri="{91240B29-F687-4f45-9708-019B960494DF}">
-                <a14:hiddenLine xmlns:a14="http://schemas.microsoft.com/office/drawing/2010/main" xmlns="" w="9525">
+                <a14:hiddenLine xmlns="" xmlns:a14="http://schemas.microsoft.com/office/drawing/2010/main" w="9525">
                   <a:solidFill>
                     <a:srgbClr val="000000"/>
                   </a:solidFill>
@@ -2643,7 +5375,7 @@
             </a:ln>
             <a:extLst>
               <a:ext uri="{91240B29-F687-4f45-9708-019B960494DF}">
-                <a14:hiddenLine xmlns:a14="http://schemas.microsoft.com/office/drawing/2010/main" xmlns="" w="9525">
+                <a14:hiddenLine xmlns="" xmlns:a14="http://schemas.microsoft.com/office/drawing/2010/main" w="9525">
                   <a:solidFill>
                     <a:srgbClr val="000000"/>
                   </a:solidFill>
@@ -2711,7 +5443,7 @@
             </a:ln>
             <a:extLst>
               <a:ext uri="{91240B29-F687-4f45-9708-019B960494DF}">
-                <a14:hiddenLine xmlns:a14="http://schemas.microsoft.com/office/drawing/2010/main" xmlns="" w="9525">
+                <a14:hiddenLine xmlns="" xmlns:a14="http://schemas.microsoft.com/office/drawing/2010/main" w="9525">
                   <a:solidFill>
                     <a:srgbClr val="000000"/>
                   </a:solidFill>
@@ -2773,7 +5505,7 @@
             </a:ln>
             <a:extLst>
               <a:ext uri="{91240B29-F687-4f45-9708-019B960494DF}">
-                <a14:hiddenLine xmlns:a14="http://schemas.microsoft.com/office/drawing/2010/main" xmlns="" w="9525">
+                <a14:hiddenLine xmlns="" xmlns:a14="http://schemas.microsoft.com/office/drawing/2010/main" w="9525">
                   <a:solidFill>
                     <a:srgbClr val="000000"/>
                   </a:solidFill>
@@ -2863,7 +5595,7 @@
             </a:ln>
             <a:extLst>
               <a:ext uri="{91240B29-F687-4f45-9708-019B960494DF}">
-                <a14:hiddenLine xmlns:a14="http://schemas.microsoft.com/office/drawing/2010/main" xmlns="" w="9525">
+                <a14:hiddenLine xmlns="" xmlns:a14="http://schemas.microsoft.com/office/drawing/2010/main" w="9525">
                   <a:solidFill>
                     <a:srgbClr val="000000"/>
                   </a:solidFill>
@@ -2925,7 +5657,7 @@
             </a:ln>
             <a:extLst>
               <a:ext uri="{91240B29-F687-4f45-9708-019B960494DF}">
-                <a14:hiddenLine xmlns:a14="http://schemas.microsoft.com/office/drawing/2010/main" xmlns="" w="9525">
+                <a14:hiddenLine xmlns="" xmlns:a14="http://schemas.microsoft.com/office/drawing/2010/main" w="9525">
                   <a:solidFill>
                     <a:srgbClr val="000000"/>
                   </a:solidFill>
@@ -3015,7 +5747,7 @@
             </a:ln>
             <a:extLst>
               <a:ext uri="{91240B29-F687-4f45-9708-019B960494DF}">
-                <a14:hiddenLine xmlns:a14="http://schemas.microsoft.com/office/drawing/2010/main" xmlns="" w="9525">
+                <a14:hiddenLine xmlns="" xmlns:a14="http://schemas.microsoft.com/office/drawing/2010/main" w="9525">
                   <a:solidFill>
                     <a:srgbClr val="000000"/>
                   </a:solidFill>
@@ -3077,7 +5809,7 @@
             </a:ln>
             <a:extLst>
               <a:ext uri="{91240B29-F687-4f45-9708-019B960494DF}">
-                <a14:hiddenLine xmlns:a14="http://schemas.microsoft.com/office/drawing/2010/main" xmlns="" w="9525">
+                <a14:hiddenLine xmlns="" xmlns:a14="http://schemas.microsoft.com/office/drawing/2010/main" w="9525">
                   <a:solidFill>
                     <a:srgbClr val="000000"/>
                   </a:solidFill>
@@ -3167,7 +5899,7 @@
             </a:ln>
             <a:extLst>
               <a:ext uri="{91240B29-F687-4f45-9708-019B960494DF}">
-                <a14:hiddenLine xmlns:a14="http://schemas.microsoft.com/office/drawing/2010/main" xmlns="" w="9525">
+                <a14:hiddenLine xmlns="" xmlns:a14="http://schemas.microsoft.com/office/drawing/2010/main" w="9525">
                   <a:solidFill>
                     <a:srgbClr val="000000"/>
                   </a:solidFill>
@@ -3201,7 +5933,7 @@
             </a:ln>
             <a:extLst>
               <a:ext uri="{91240B29-F687-4f45-9708-019B960494DF}">
-                <a14:hiddenLine xmlns:a14="http://schemas.microsoft.com/office/drawing/2010/main" xmlns="" w="9525">
+                <a14:hiddenLine xmlns="" xmlns:a14="http://schemas.microsoft.com/office/drawing/2010/main" w="9525">
                   <a:solidFill>
                     <a:srgbClr val="000000"/>
                   </a:solidFill>
@@ -3266,7 +5998,7 @@
             </a:ln>
             <a:extLst>
               <a:ext uri="{91240B29-F687-4f45-9708-019B960494DF}">
-                <a14:hiddenLine xmlns:a14="http://schemas.microsoft.com/office/drawing/2010/main" xmlns="" w="9525">
+                <a14:hiddenLine xmlns="" xmlns:a14="http://schemas.microsoft.com/office/drawing/2010/main" w="9525">
                   <a:solidFill>
                     <a:srgbClr val="000000"/>
                   </a:solidFill>
@@ -3356,7 +6088,7 @@
             </a:ln>
             <a:extLst>
               <a:ext uri="{91240B29-F687-4f45-9708-019B960494DF}">
-                <a14:hiddenLine xmlns:a14="http://schemas.microsoft.com/office/drawing/2010/main" xmlns="" w="9525">
+                <a14:hiddenLine xmlns="" xmlns:a14="http://schemas.microsoft.com/office/drawing/2010/main" w="9525">
                   <a:solidFill>
                     <a:srgbClr val="000000"/>
                   </a:solidFill>
@@ -3418,7 +6150,7 @@
             </a:ln>
             <a:extLst>
               <a:ext uri="{91240B29-F687-4f45-9708-019B960494DF}">
-                <a14:hiddenLine xmlns:a14="http://schemas.microsoft.com/office/drawing/2010/main" xmlns="" w="9525">
+                <a14:hiddenLine xmlns="" xmlns:a14="http://schemas.microsoft.com/office/drawing/2010/main" w="9525">
                   <a:solidFill>
                     <a:srgbClr val="000000"/>
                   </a:solidFill>
@@ -3508,7 +6240,7 @@
             </a:ln>
             <a:extLst>
               <a:ext uri="{91240B29-F687-4f45-9708-019B960494DF}">
-                <a14:hiddenLine xmlns:a14="http://schemas.microsoft.com/office/drawing/2010/main" xmlns="" w="9525">
+                <a14:hiddenLine xmlns="" xmlns:a14="http://schemas.microsoft.com/office/drawing/2010/main" w="9525">
                   <a:solidFill>
                     <a:srgbClr val="000000"/>
                   </a:solidFill>
@@ -3598,7 +6330,7 @@
             </a:ln>
             <a:extLst>
               <a:ext uri="{91240B29-F687-4f45-9708-019B960494DF}">
-                <a14:hiddenLine xmlns:a14="http://schemas.microsoft.com/office/drawing/2010/main" xmlns="" w="9525">
+                <a14:hiddenLine xmlns="" xmlns:a14="http://schemas.microsoft.com/office/drawing/2010/main" w="9525">
                   <a:solidFill>
                     <a:srgbClr val="000000"/>
                   </a:solidFill>
@@ -3663,7 +6395,7 @@
             </a:ln>
             <a:extLst>
               <a:ext uri="{91240B29-F687-4f45-9708-019B960494DF}">
-                <a14:hiddenLine xmlns:a14="http://schemas.microsoft.com/office/drawing/2010/main" xmlns="" w="9525">
+                <a14:hiddenLine xmlns="" xmlns:a14="http://schemas.microsoft.com/office/drawing/2010/main" w="9525">
                   <a:solidFill>
                     <a:srgbClr val="000000"/>
                   </a:solidFill>
@@ -3725,7 +6457,7 @@
             </a:ln>
             <a:extLst>
               <a:ext uri="{91240B29-F687-4f45-9708-019B960494DF}">
-                <a14:hiddenLine xmlns:a14="http://schemas.microsoft.com/office/drawing/2010/main" xmlns="" w="9525">
+                <a14:hiddenLine xmlns="" xmlns:a14="http://schemas.microsoft.com/office/drawing/2010/main" w="9525">
                   <a:solidFill>
                     <a:srgbClr val="000000"/>
                   </a:solidFill>
@@ -3815,7 +6547,7 @@
             </a:ln>
             <a:extLst>
               <a:ext uri="{91240B29-F687-4f45-9708-019B960494DF}">
-                <a14:hiddenLine xmlns:a14="http://schemas.microsoft.com/office/drawing/2010/main" xmlns="" w="9525">
+                <a14:hiddenLine xmlns="" xmlns:a14="http://schemas.microsoft.com/office/drawing/2010/main" w="9525">
                   <a:solidFill>
                     <a:srgbClr val="000000"/>
                   </a:solidFill>
@@ -3905,7 +6637,7 @@
             </a:ln>
             <a:extLst>
               <a:ext uri="{91240B29-F687-4f45-9708-019B960494DF}">
-                <a14:hiddenLine xmlns:a14="http://schemas.microsoft.com/office/drawing/2010/main" xmlns="" w="9525">
+                <a14:hiddenLine xmlns="" xmlns:a14="http://schemas.microsoft.com/office/drawing/2010/main" w="9525">
                   <a:solidFill>
                     <a:srgbClr val="000000"/>
                   </a:solidFill>
@@ -3967,7 +6699,7 @@
             </a:ln>
             <a:extLst>
               <a:ext uri="{91240B29-F687-4f45-9708-019B960494DF}">
-                <a14:hiddenLine xmlns:a14="http://schemas.microsoft.com/office/drawing/2010/main" xmlns="" w="9525">
+                <a14:hiddenLine xmlns="" xmlns:a14="http://schemas.microsoft.com/office/drawing/2010/main" w="9525">
                   <a:solidFill>
                     <a:srgbClr val="000000"/>
                   </a:solidFill>
@@ -4087,7 +6819,7 @@
             </a:ln>
             <a:extLst>
               <a:ext uri="{91240B29-F687-4f45-9708-019B960494DF}">
-                <a14:hiddenLine xmlns:a14="http://schemas.microsoft.com/office/drawing/2010/main" xmlns="" w="9525">
+                <a14:hiddenLine xmlns="" xmlns:a14="http://schemas.microsoft.com/office/drawing/2010/main" w="9525">
                   <a:solidFill>
                     <a:srgbClr val="000000"/>
                   </a:solidFill>
@@ -4155,7 +6887,7 @@
             </a:ln>
             <a:extLst>
               <a:ext uri="{91240B29-F687-4f45-9708-019B960494DF}">
-                <a14:hiddenLine xmlns:a14="http://schemas.microsoft.com/office/drawing/2010/main" xmlns="" w="9525">
+                <a14:hiddenLine xmlns="" xmlns:a14="http://schemas.microsoft.com/office/drawing/2010/main" w="9525">
                   <a:solidFill>
                     <a:srgbClr val="000000"/>
                   </a:solidFill>
@@ -4245,7 +6977,7 @@
             </a:ln>
             <a:extLst>
               <a:ext uri="{91240B29-F687-4f45-9708-019B960494DF}">
-                <a14:hiddenLine xmlns:a14="http://schemas.microsoft.com/office/drawing/2010/main" xmlns="" w="9525">
+                <a14:hiddenLine xmlns="" xmlns:a14="http://schemas.microsoft.com/office/drawing/2010/main" w="9525">
                   <a:solidFill>
                     <a:srgbClr val="000000"/>
                   </a:solidFill>
@@ -4385,7 +7117,7 @@
           <a:p>
             <a:fld id="{48A87A34-81AB-432B-8DAE-1953F412C126}" type="datetimeFigureOut">
               <a:rPr lang="en-US" dirty="0"/>
-              <a:t>6/27/19</a:t>
+              <a:t>7/1/19</a:t>
             </a:fld>
             <a:endParaRPr lang="en-US" dirty="0"/>
           </a:p>
@@ -4647,7 +7379,7 @@
           <a:p>
             <a:fld id="{48A87A34-81AB-432B-8DAE-1953F412C126}" type="datetimeFigureOut">
               <a:rPr lang="en-US" dirty="0"/>
-              <a:t>6/27/19</a:t>
+              <a:t>7/1/19</a:t>
             </a:fld>
             <a:endParaRPr lang="en-US" dirty="0"/>
           </a:p>
@@ -4838,7 +7570,7 @@
           <a:p>
             <a:fld id="{48A87A34-81AB-432B-8DAE-1953F412C126}" type="datetimeFigureOut">
               <a:rPr lang="en-US" dirty="0"/>
-              <a:t>6/27/19</a:t>
+              <a:t>7/1/19</a:t>
             </a:fld>
             <a:endParaRPr lang="en-US" dirty="0"/>
           </a:p>
@@ -5096,7 +7828,7 @@
           <a:p>
             <a:fld id="{48A87A34-81AB-432B-8DAE-1953F412C126}" type="datetimeFigureOut">
               <a:rPr lang="en-US" dirty="0"/>
-              <a:t>6/27/19</a:t>
+              <a:t>7/1/19</a:t>
             </a:fld>
             <a:endParaRPr lang="en-US" dirty="0"/>
           </a:p>
@@ -5525,7 +8257,7 @@
           <a:p>
             <a:fld id="{48A87A34-81AB-432B-8DAE-1953F412C126}" type="datetimeFigureOut">
               <a:rPr lang="en-US" dirty="0"/>
-              <a:t>6/27/19</a:t>
+              <a:t>7/1/19</a:t>
             </a:fld>
             <a:endParaRPr lang="en-US" dirty="0"/>
           </a:p>
@@ -6066,7 +8798,7 @@
           <a:p>
             <a:fld id="{48A87A34-81AB-432B-8DAE-1953F412C126}" type="datetimeFigureOut">
               <a:rPr lang="en-US" dirty="0"/>
-              <a:t>6/27/19</a:t>
+              <a:t>7/1/19</a:t>
             </a:fld>
             <a:endParaRPr lang="en-US" dirty="0"/>
           </a:p>
@@ -6781,7 +9513,7 @@
           <a:p>
             <a:fld id="{48A87A34-81AB-432B-8DAE-1953F412C126}" type="datetimeFigureOut">
               <a:rPr lang="en-US" dirty="0"/>
-              <a:t>6/27/19</a:t>
+              <a:t>7/1/19</a:t>
             </a:fld>
             <a:endParaRPr lang="en-US" dirty="0"/>
           </a:p>
@@ -6946,7 +9678,7 @@
           <a:p>
             <a:fld id="{48A87A34-81AB-432B-8DAE-1953F412C126}" type="datetimeFigureOut">
               <a:rPr lang="en-US" dirty="0"/>
-              <a:t>6/27/19</a:t>
+              <a:t>7/1/19</a:t>
             </a:fld>
             <a:endParaRPr lang="en-US" dirty="0"/>
           </a:p>
@@ -7121,7 +9853,7 @@
           <a:p>
             <a:fld id="{48A87A34-81AB-432B-8DAE-1953F412C126}" type="datetimeFigureOut">
               <a:rPr lang="en-US" dirty="0"/>
-              <a:t>6/27/19</a:t>
+              <a:t>7/1/19</a:t>
             </a:fld>
             <a:endParaRPr lang="en-US" dirty="0"/>
           </a:p>
@@ -7286,7 +10018,7 @@
           <a:p>
             <a:fld id="{48A87A34-81AB-432B-8DAE-1953F412C126}" type="datetimeFigureOut">
               <a:rPr lang="en-US" dirty="0"/>
-              <a:t>6/27/19</a:t>
+              <a:t>7/1/19</a:t>
             </a:fld>
             <a:endParaRPr lang="en-US" dirty="0"/>
           </a:p>
@@ -7531,7 +10263,7 @@
           <a:p>
             <a:fld id="{48A87A34-81AB-432B-8DAE-1953F412C126}" type="datetimeFigureOut">
               <a:rPr lang="en-US" dirty="0"/>
-              <a:t>6/27/19</a:t>
+              <a:t>7/1/19</a:t>
             </a:fld>
             <a:endParaRPr lang="en-US" dirty="0"/>
           </a:p>
@@ -7758,7 +10490,7 @@
           <a:p>
             <a:fld id="{48A87A34-81AB-432B-8DAE-1953F412C126}" type="datetimeFigureOut">
               <a:rPr lang="en-US" dirty="0"/>
-              <a:t>6/27/19</a:t>
+              <a:t>7/1/19</a:t>
             </a:fld>
             <a:endParaRPr lang="en-US" dirty="0"/>
           </a:p>
@@ -8134,7 +10866,7 @@
           <a:p>
             <a:fld id="{48A87A34-81AB-432B-8DAE-1953F412C126}" type="datetimeFigureOut">
               <a:rPr lang="en-US" dirty="0"/>
-              <a:t>6/27/19</a:t>
+              <a:t>7/1/19</a:t>
             </a:fld>
             <a:endParaRPr lang="en-US" dirty="0"/>
           </a:p>
@@ -8247,7 +10979,7 @@
           <a:p>
             <a:fld id="{48A87A34-81AB-432B-8DAE-1953F412C126}" type="datetimeFigureOut">
               <a:rPr lang="en-US" dirty="0"/>
-              <a:t>6/27/19</a:t>
+              <a:t>7/1/19</a:t>
             </a:fld>
             <a:endParaRPr lang="en-US" dirty="0"/>
           </a:p>
@@ -8337,7 +11069,7 @@
           <a:p>
             <a:fld id="{48A87A34-81AB-432B-8DAE-1953F412C126}" type="datetimeFigureOut">
               <a:rPr lang="en-US" dirty="0"/>
-              <a:t>6/27/19</a:t>
+              <a:t>7/1/19</a:t>
             </a:fld>
             <a:endParaRPr lang="en-US" dirty="0"/>
           </a:p>
@@ -8581,7 +11313,7 @@
           <a:p>
             <a:fld id="{48A87A34-81AB-432B-8DAE-1953F412C126}" type="datetimeFigureOut">
               <a:rPr lang="en-US" dirty="0"/>
-              <a:t>6/27/19</a:t>
+              <a:t>7/1/19</a:t>
             </a:fld>
             <a:endParaRPr lang="en-US" dirty="0"/>
           </a:p>
@@ -8856,7 +11588,7 @@
           <a:p>
             <a:fld id="{48A87A34-81AB-432B-8DAE-1953F412C126}" type="datetimeFigureOut">
               <a:rPr lang="en-US" dirty="0"/>
-              <a:t>6/27/19</a:t>
+              <a:t>7/1/19</a:t>
             </a:fld>
             <a:endParaRPr lang="en-US" dirty="0"/>
           </a:p>
@@ -8967,7 +11699,7 @@
           <a:noFill/>
           <a:extLst>
             <a:ext uri="{909E8E84-426E-40dd-AFC4-6F175D3DCCD1}">
-              <a14:hiddenFill xmlns:a14="http://schemas.microsoft.com/office/drawing/2010/main" xmlns="">
+              <a14:hiddenFill xmlns="" xmlns:a14="http://schemas.microsoft.com/office/drawing/2010/main">
                 <a:solidFill>
                   <a:srgbClr val="FFFFFF"/>
                 </a:solidFill>
@@ -9041,7 +11773,7 @@
               </a:ln>
               <a:extLst>
                 <a:ext uri="{91240B29-F687-4f45-9708-019B960494DF}">
-                  <a14:hiddenLine xmlns:a14="http://schemas.microsoft.com/office/drawing/2010/main" xmlns="" w="9525">
+                  <a14:hiddenLine xmlns="" xmlns:a14="http://schemas.microsoft.com/office/drawing/2010/main" w="9525">
                     <a:solidFill>
                       <a:srgbClr val="000000"/>
                     </a:solidFill>
@@ -9131,7 +11863,7 @@
               </a:ln>
               <a:extLst>
                 <a:ext uri="{91240B29-F687-4f45-9708-019B960494DF}">
-                  <a14:hiddenLine xmlns:a14="http://schemas.microsoft.com/office/drawing/2010/main" xmlns="" w="9525">
+                  <a14:hiddenLine xmlns="" xmlns:a14="http://schemas.microsoft.com/office/drawing/2010/main" w="9525">
                     <a:solidFill>
                       <a:srgbClr val="000000"/>
                     </a:solidFill>
@@ -9221,7 +11953,7 @@
               </a:ln>
               <a:extLst>
                 <a:ext uri="{91240B29-F687-4f45-9708-019B960494DF}">
-                  <a14:hiddenLine xmlns:a14="http://schemas.microsoft.com/office/drawing/2010/main" xmlns="" w="9525">
+                  <a14:hiddenLine xmlns="" xmlns:a14="http://schemas.microsoft.com/office/drawing/2010/main" w="9525">
                     <a:solidFill>
                       <a:srgbClr val="000000"/>
                     </a:solidFill>
@@ -9283,7 +12015,7 @@
               </a:ln>
               <a:extLst>
                 <a:ext uri="{91240B29-F687-4f45-9708-019B960494DF}">
-                  <a14:hiddenLine xmlns:a14="http://schemas.microsoft.com/office/drawing/2010/main" xmlns="" w="9525">
+                  <a14:hiddenLine xmlns="" xmlns:a14="http://schemas.microsoft.com/office/drawing/2010/main" w="9525">
                     <a:solidFill>
                       <a:srgbClr val="000000"/>
                     </a:solidFill>
@@ -9373,7 +12105,7 @@
               </a:ln>
               <a:extLst>
                 <a:ext uri="{91240B29-F687-4f45-9708-019B960494DF}">
-                  <a14:hiddenLine xmlns:a14="http://schemas.microsoft.com/office/drawing/2010/main" xmlns="" w="9525">
+                  <a14:hiddenLine xmlns="" xmlns:a14="http://schemas.microsoft.com/office/drawing/2010/main" w="9525">
                     <a:solidFill>
                       <a:srgbClr val="000000"/>
                     </a:solidFill>
@@ -9435,7 +12167,7 @@
               </a:ln>
               <a:extLst>
                 <a:ext uri="{91240B29-F687-4f45-9708-019B960494DF}">
-                  <a14:hiddenLine xmlns:a14="http://schemas.microsoft.com/office/drawing/2010/main" xmlns="" w="9525">
+                  <a14:hiddenLine xmlns="" xmlns:a14="http://schemas.microsoft.com/office/drawing/2010/main" w="9525">
                     <a:solidFill>
                       <a:srgbClr val="000000"/>
                     </a:solidFill>
@@ -9497,7 +12229,7 @@
               </a:ln>
               <a:extLst>
                 <a:ext uri="{91240B29-F687-4f45-9708-019B960494DF}">
-                  <a14:hiddenLine xmlns:a14="http://schemas.microsoft.com/office/drawing/2010/main" xmlns="" w="9525">
+                  <a14:hiddenLine xmlns="" xmlns:a14="http://schemas.microsoft.com/office/drawing/2010/main" w="9525">
                     <a:solidFill>
                       <a:srgbClr val="000000"/>
                     </a:solidFill>
@@ -9587,7 +12319,7 @@
               </a:ln>
               <a:extLst>
                 <a:ext uri="{91240B29-F687-4f45-9708-019B960494DF}">
-                  <a14:hiddenLine xmlns:a14="http://schemas.microsoft.com/office/drawing/2010/main" xmlns="" w="9525">
+                  <a14:hiddenLine xmlns="" xmlns:a14="http://schemas.microsoft.com/office/drawing/2010/main" w="9525">
                     <a:solidFill>
                       <a:srgbClr val="000000"/>
                     </a:solidFill>
@@ -9677,7 +12409,7 @@
               </a:ln>
               <a:extLst>
                 <a:ext uri="{91240B29-F687-4f45-9708-019B960494DF}">
-                  <a14:hiddenLine xmlns:a14="http://schemas.microsoft.com/office/drawing/2010/main" xmlns="" w="9525">
+                  <a14:hiddenLine xmlns="" xmlns:a14="http://schemas.microsoft.com/office/drawing/2010/main" w="9525">
                     <a:solidFill>
                       <a:srgbClr val="000000"/>
                     </a:solidFill>
@@ -9739,7 +12471,7 @@
               </a:ln>
               <a:extLst>
                 <a:ext uri="{91240B29-F687-4f45-9708-019B960494DF}">
-                  <a14:hiddenLine xmlns:a14="http://schemas.microsoft.com/office/drawing/2010/main" xmlns="" w="9525">
+                  <a14:hiddenLine xmlns="" xmlns:a14="http://schemas.microsoft.com/office/drawing/2010/main" w="9525">
                     <a:solidFill>
                       <a:srgbClr val="000000"/>
                     </a:solidFill>
@@ -9849,7 +12581,7 @@
               </a:ln>
               <a:extLst>
                 <a:ext uri="{91240B29-F687-4f45-9708-019B960494DF}">
-                  <a14:hiddenLine xmlns:a14="http://schemas.microsoft.com/office/drawing/2010/main" xmlns="" w="9525">
+                  <a14:hiddenLine xmlns="" xmlns:a14="http://schemas.microsoft.com/office/drawing/2010/main" w="9525">
                     <a:solidFill>
                       <a:srgbClr val="000000"/>
                     </a:solidFill>
@@ -9933,7 +12665,7 @@
               </a:ln>
               <a:extLst>
                 <a:ext uri="{91240B29-F687-4f45-9708-019B960494DF}">
-                  <a14:hiddenLine xmlns:a14="http://schemas.microsoft.com/office/drawing/2010/main" xmlns="" w="9525">
+                  <a14:hiddenLine xmlns="" xmlns:a14="http://schemas.microsoft.com/office/drawing/2010/main" w="9525">
                     <a:solidFill>
                       <a:srgbClr val="000000"/>
                     </a:solidFill>
@@ -9995,7 +12727,7 @@
               </a:ln>
               <a:extLst>
                 <a:ext uri="{91240B29-F687-4f45-9708-019B960494DF}">
-                  <a14:hiddenLine xmlns:a14="http://schemas.microsoft.com/office/drawing/2010/main" xmlns="" w="9525">
+                  <a14:hiddenLine xmlns="" xmlns:a14="http://schemas.microsoft.com/office/drawing/2010/main" w="9525">
                     <a:solidFill>
                       <a:srgbClr val="000000"/>
                     </a:solidFill>
@@ -10057,7 +12789,7 @@
               </a:ln>
               <a:extLst>
                 <a:ext uri="{91240B29-F687-4f45-9708-019B960494DF}">
-                  <a14:hiddenLine xmlns:a14="http://schemas.microsoft.com/office/drawing/2010/main" xmlns="" w="9525">
+                  <a14:hiddenLine xmlns="" xmlns:a14="http://schemas.microsoft.com/office/drawing/2010/main" w="9525">
                     <a:solidFill>
                       <a:srgbClr val="000000"/>
                     </a:solidFill>
@@ -10147,7 +12879,7 @@
               </a:ln>
               <a:extLst>
                 <a:ext uri="{91240B29-F687-4f45-9708-019B960494DF}">
-                  <a14:hiddenLine xmlns:a14="http://schemas.microsoft.com/office/drawing/2010/main" xmlns="" w="9525">
+                  <a14:hiddenLine xmlns="" xmlns:a14="http://schemas.microsoft.com/office/drawing/2010/main" w="9525">
                     <a:solidFill>
                       <a:srgbClr val="000000"/>
                     </a:solidFill>
@@ -10181,7 +12913,7 @@
               </a:ln>
               <a:extLst>
                 <a:ext uri="{91240B29-F687-4f45-9708-019B960494DF}">
-                  <a14:hiddenLine xmlns:a14="http://schemas.microsoft.com/office/drawing/2010/main" xmlns="" w="9525">
+                  <a14:hiddenLine xmlns="" xmlns:a14="http://schemas.microsoft.com/office/drawing/2010/main" w="9525">
                     <a:solidFill>
                       <a:srgbClr val="000000"/>
                     </a:solidFill>
@@ -10246,7 +12978,7 @@
               </a:ln>
               <a:extLst>
                 <a:ext uri="{91240B29-F687-4f45-9708-019B960494DF}">
-                  <a14:hiddenLine xmlns:a14="http://schemas.microsoft.com/office/drawing/2010/main" xmlns="" w="9525">
+                  <a14:hiddenLine xmlns="" xmlns:a14="http://schemas.microsoft.com/office/drawing/2010/main" w="9525">
                     <a:solidFill>
                       <a:srgbClr val="000000"/>
                     </a:solidFill>
@@ -10336,7 +13068,7 @@
               </a:ln>
               <a:extLst>
                 <a:ext uri="{91240B29-F687-4f45-9708-019B960494DF}">
-                  <a14:hiddenLine xmlns:a14="http://schemas.microsoft.com/office/drawing/2010/main" xmlns="" w="9525">
+                  <a14:hiddenLine xmlns="" xmlns:a14="http://schemas.microsoft.com/office/drawing/2010/main" w="9525">
                     <a:solidFill>
                       <a:srgbClr val="000000"/>
                     </a:solidFill>
@@ -10398,7 +13130,7 @@
               </a:ln>
               <a:extLst>
                 <a:ext uri="{91240B29-F687-4f45-9708-019B960494DF}">
-                  <a14:hiddenLine xmlns:a14="http://schemas.microsoft.com/office/drawing/2010/main" xmlns="" w="9525">
+                  <a14:hiddenLine xmlns="" xmlns:a14="http://schemas.microsoft.com/office/drawing/2010/main" w="9525">
                     <a:solidFill>
                       <a:srgbClr val="000000"/>
                     </a:solidFill>
@@ -10488,7 +13220,7 @@
               </a:ln>
               <a:extLst>
                 <a:ext uri="{91240B29-F687-4f45-9708-019B960494DF}">
-                  <a14:hiddenLine xmlns:a14="http://schemas.microsoft.com/office/drawing/2010/main" xmlns="" w="9525">
+                  <a14:hiddenLine xmlns="" xmlns:a14="http://schemas.microsoft.com/office/drawing/2010/main" w="9525">
                     <a:solidFill>
                       <a:srgbClr val="000000"/>
                     </a:solidFill>
@@ -10553,7 +13285,7 @@
               </a:ln>
               <a:extLst>
                 <a:ext uri="{91240B29-F687-4f45-9708-019B960494DF}">
-                  <a14:hiddenLine xmlns:a14="http://schemas.microsoft.com/office/drawing/2010/main" xmlns="" w="9525">
+                  <a14:hiddenLine xmlns="" xmlns:a14="http://schemas.microsoft.com/office/drawing/2010/main" w="9525">
                     <a:solidFill>
                       <a:srgbClr val="000000"/>
                     </a:solidFill>
@@ -10615,7 +13347,7 @@
               </a:ln>
               <a:extLst>
                 <a:ext uri="{91240B29-F687-4f45-9708-019B960494DF}">
-                  <a14:hiddenLine xmlns:a14="http://schemas.microsoft.com/office/drawing/2010/main" xmlns="" w="9525">
+                  <a14:hiddenLine xmlns="" xmlns:a14="http://schemas.microsoft.com/office/drawing/2010/main" w="9525">
                     <a:solidFill>
                       <a:srgbClr val="000000"/>
                     </a:solidFill>
@@ -10705,7 +13437,7 @@
               </a:ln>
               <a:extLst>
                 <a:ext uri="{91240B29-F687-4f45-9708-019B960494DF}">
-                  <a14:hiddenLine xmlns:a14="http://schemas.microsoft.com/office/drawing/2010/main" xmlns="" w="9525">
+                  <a14:hiddenLine xmlns="" xmlns:a14="http://schemas.microsoft.com/office/drawing/2010/main" w="9525">
                     <a:solidFill>
                       <a:srgbClr val="000000"/>
                     </a:solidFill>
@@ -10795,7 +13527,7 @@
               </a:ln>
               <a:extLst>
                 <a:ext uri="{91240B29-F687-4f45-9708-019B960494DF}">
-                  <a14:hiddenLine xmlns:a14="http://schemas.microsoft.com/office/drawing/2010/main" xmlns="" w="9525">
+                  <a14:hiddenLine xmlns="" xmlns:a14="http://schemas.microsoft.com/office/drawing/2010/main" w="9525">
                     <a:solidFill>
                       <a:srgbClr val="000000"/>
                     </a:solidFill>
@@ -10860,7 +13592,7 @@
               </a:ln>
               <a:extLst>
                 <a:ext uri="{91240B29-F687-4f45-9708-019B960494DF}">
-                  <a14:hiddenLine xmlns:a14="http://schemas.microsoft.com/office/drawing/2010/main" xmlns="" w="9525">
+                  <a14:hiddenLine xmlns="" xmlns:a14="http://schemas.microsoft.com/office/drawing/2010/main" w="9525">
                     <a:solidFill>
                       <a:srgbClr val="000000"/>
                     </a:solidFill>
@@ -10980,7 +13712,7 @@
               </a:ln>
               <a:extLst>
                 <a:ext uri="{91240B29-F687-4f45-9708-019B960494DF}">
-                  <a14:hiddenLine xmlns:a14="http://schemas.microsoft.com/office/drawing/2010/main" xmlns="" w="9525">
+                  <a14:hiddenLine xmlns="" xmlns:a14="http://schemas.microsoft.com/office/drawing/2010/main" w="9525">
                     <a:solidFill>
                       <a:srgbClr val="000000"/>
                     </a:solidFill>
@@ -11078,7 +13810,7 @@
               </a:ln>
               <a:extLst>
                 <a:ext uri="{91240B29-F687-4f45-9708-019B960494DF}">
-                  <a14:hiddenLine xmlns:a14="http://schemas.microsoft.com/office/drawing/2010/main" xmlns="" w="9525">
+                  <a14:hiddenLine xmlns="" xmlns:a14="http://schemas.microsoft.com/office/drawing/2010/main" w="9525">
                     <a:solidFill>
                       <a:srgbClr val="000000"/>
                     </a:solidFill>
@@ -11193,7 +13925,7 @@
               </a:ln>
               <a:extLst>
                 <a:ext uri="{91240B29-F687-4f45-9708-019B960494DF}">
-                  <a14:hiddenLine xmlns:a14="http://schemas.microsoft.com/office/drawing/2010/main" xmlns="" w="9525">
+                  <a14:hiddenLine xmlns="" xmlns:a14="http://schemas.microsoft.com/office/drawing/2010/main" w="9525">
                     <a:solidFill>
                       <a:srgbClr val="000000"/>
                     </a:solidFill>
@@ -11283,7 +14015,7 @@
               </a:ln>
               <a:extLst>
                 <a:ext uri="{91240B29-F687-4f45-9708-019B960494DF}">
-                  <a14:hiddenLine xmlns:a14="http://schemas.microsoft.com/office/drawing/2010/main" xmlns="" w="9525">
+                  <a14:hiddenLine xmlns="" xmlns:a14="http://schemas.microsoft.com/office/drawing/2010/main" w="9525">
                     <a:solidFill>
                       <a:srgbClr val="000000"/>
                     </a:solidFill>
@@ -11348,7 +14080,7 @@
               </a:ln>
               <a:extLst>
                 <a:ext uri="{91240B29-F687-4f45-9708-019B960494DF}">
-                  <a14:hiddenLine xmlns:a14="http://schemas.microsoft.com/office/drawing/2010/main" xmlns="" w="9525">
+                  <a14:hiddenLine xmlns="" xmlns:a14="http://schemas.microsoft.com/office/drawing/2010/main" w="9525">
                     <a:solidFill>
                       <a:srgbClr val="000000"/>
                     </a:solidFill>
@@ -11438,7 +14170,7 @@
               </a:ln>
               <a:extLst>
                 <a:ext uri="{91240B29-F687-4f45-9708-019B960494DF}">
-                  <a14:hiddenLine xmlns:a14="http://schemas.microsoft.com/office/drawing/2010/main" xmlns="" w="9525">
+                  <a14:hiddenLine xmlns="" xmlns:a14="http://schemas.microsoft.com/office/drawing/2010/main" w="9525">
                     <a:solidFill>
                       <a:srgbClr val="000000"/>
                     </a:solidFill>
@@ -11506,7 +14238,7 @@
               </a:ln>
               <a:extLst>
                 <a:ext uri="{91240B29-F687-4f45-9708-019B960494DF}">
-                  <a14:hiddenLine xmlns:a14="http://schemas.microsoft.com/office/drawing/2010/main" xmlns="" w="9525">
+                  <a14:hiddenLine xmlns="" xmlns:a14="http://schemas.microsoft.com/office/drawing/2010/main" w="9525">
                     <a:solidFill>
                       <a:srgbClr val="000000"/>
                     </a:solidFill>
@@ -11596,7 +14328,7 @@
               </a:ln>
               <a:extLst>
                 <a:ext uri="{91240B29-F687-4f45-9708-019B960494DF}">
-                  <a14:hiddenLine xmlns:a14="http://schemas.microsoft.com/office/drawing/2010/main" xmlns="" w="9525">
+                  <a14:hiddenLine xmlns="" xmlns:a14="http://schemas.microsoft.com/office/drawing/2010/main" w="9525">
                     <a:solidFill>
                       <a:srgbClr val="000000"/>
                     </a:solidFill>
@@ -11664,7 +14396,7 @@
               </a:ln>
               <a:extLst>
                 <a:ext uri="{91240B29-F687-4f45-9708-019B960494DF}">
-                  <a14:hiddenLine xmlns:a14="http://schemas.microsoft.com/office/drawing/2010/main" xmlns="" w="9525">
+                  <a14:hiddenLine xmlns="" xmlns:a14="http://schemas.microsoft.com/office/drawing/2010/main" w="9525">
                     <a:solidFill>
                       <a:srgbClr val="000000"/>
                     </a:solidFill>
@@ -11754,7 +14486,7 @@
               </a:ln>
               <a:extLst>
                 <a:ext uri="{91240B29-F687-4f45-9708-019B960494DF}">
-                  <a14:hiddenLine xmlns:a14="http://schemas.microsoft.com/office/drawing/2010/main" xmlns="" w="9525">
+                  <a14:hiddenLine xmlns="" xmlns:a14="http://schemas.microsoft.com/office/drawing/2010/main" w="9525">
                     <a:solidFill>
                       <a:srgbClr val="000000"/>
                     </a:solidFill>
@@ -11788,7 +14520,7 @@
               </a:ln>
               <a:extLst>
                 <a:ext uri="{91240B29-F687-4f45-9708-019B960494DF}">
-                  <a14:hiddenLine xmlns:a14="http://schemas.microsoft.com/office/drawing/2010/main" xmlns="" w="9525">
+                  <a14:hiddenLine xmlns="" xmlns:a14="http://schemas.microsoft.com/office/drawing/2010/main" w="9525">
                     <a:solidFill>
                       <a:srgbClr val="000000"/>
                     </a:solidFill>
@@ -11929,7 +14661,7 @@
             <a:fld id="{48A87A34-81AB-432B-8DAE-1953F412C126}" type="datetimeFigureOut">
               <a:rPr lang="en-US" dirty="0"/>
               <a:pPr/>
-              <a:t>6/27/19</a:t>
+              <a:t>7/1/19</a:t>
             </a:fld>
             <a:endParaRPr lang="en-US" dirty="0"/>
           </a:p>
@@ -12424,6 +15156,436 @@
 </p:sld>
 </file>
 
+<file path=ppt/slides/slide10.xml><?xml version="1.0" encoding="utf-8"?>
+<p:sld xmlns:a="http://schemas.openxmlformats.org/drawingml/2006/main" xmlns:r="http://schemas.openxmlformats.org/officeDocument/2006/relationships" xmlns:p="http://schemas.openxmlformats.org/presentationml/2006/main">
+  <p:cSld>
+    <p:spTree>
+      <p:nvGrpSpPr>
+        <p:cNvPr id="1" name=""/>
+        <p:cNvGrpSpPr/>
+        <p:nvPr/>
+      </p:nvGrpSpPr>
+      <p:grpSpPr>
+        <a:xfrm>
+          <a:off x="0" y="0"/>
+          <a:ext cx="0" cy="0"/>
+          <a:chOff x="0" y="0"/>
+          <a:chExt cx="0" cy="0"/>
+        </a:xfrm>
+      </p:grpSpPr>
+      <p:sp>
+        <p:nvSpPr>
+          <p:cNvPr id="2" name="Title 1">
+            <a:extLst>
+              <a:ext uri="{FF2B5EF4-FFF2-40B4-BE49-F238E27FC236}">
+                <a16:creationId xmlns:a16="http://schemas.microsoft.com/office/drawing/2014/main" id="{BC79E192-664C-43F8-92DF-7E02BD68DCF3}"/>
+              </a:ext>
+            </a:extLst>
+          </p:cNvPr>
+          <p:cNvSpPr>
+            <a:spLocks noGrp="1"/>
+          </p:cNvSpPr>
+          <p:nvPr>
+            <p:ph type="title"/>
+          </p:nvPr>
+        </p:nvSpPr>
+        <p:spPr/>
+        <p:txBody>
+          <a:bodyPr/>
+          <a:lstStyle/>
+          <a:p>
+            <a:r>
+              <a:rPr lang="en-US" dirty="0"/>
+              <a:t>Do we still</a:t>
+            </a:r>
+            <a:r>
+              <a:rPr lang="en-US" baseline="0" dirty="0"/>
+              <a:t> Need Transistors?</a:t>
+            </a:r>
+            <a:endParaRPr lang="en-US" dirty="0"/>
+          </a:p>
+        </p:txBody>
+      </p:sp>
+      <p:sp>
+        <p:nvSpPr>
+          <p:cNvPr id="3" name="Text Placeholder 2">
+            <a:extLst>
+              <a:ext uri="{FF2B5EF4-FFF2-40B4-BE49-F238E27FC236}">
+                <a16:creationId xmlns:a16="http://schemas.microsoft.com/office/drawing/2014/main" id="{FECA0DF6-9652-4B57-896B-97653D007798}"/>
+              </a:ext>
+            </a:extLst>
+          </p:cNvPr>
+          <p:cNvSpPr>
+            <a:spLocks noGrp="1"/>
+          </p:cNvSpPr>
+          <p:nvPr>
+            <p:ph type="body" idx="1"/>
+          </p:nvPr>
+        </p:nvSpPr>
+        <p:spPr/>
+        <p:txBody>
+          <a:bodyPr/>
+          <a:lstStyle/>
+          <a:p>
+            <a:endParaRPr lang="en-US"/>
+          </a:p>
+        </p:txBody>
+      </p:sp>
+    </p:spTree>
+    <p:extLst>
+      <p:ext uri="{BB962C8B-B14F-4D97-AF65-F5344CB8AC3E}">
+        <p14:creationId xmlns:p14="http://schemas.microsoft.com/office/powerpoint/2010/main" val="3640454874"/>
+      </p:ext>
+    </p:extLst>
+  </p:cSld>
+  <p:clrMapOvr>
+    <a:masterClrMapping/>
+  </p:clrMapOvr>
+</p:sld>
+</file>
+
+<file path=ppt/slides/slide11.xml><?xml version="1.0" encoding="utf-8"?>
+<p:sld xmlns:a="http://schemas.openxmlformats.org/drawingml/2006/main" xmlns:r="http://schemas.openxmlformats.org/officeDocument/2006/relationships" xmlns:p="http://schemas.openxmlformats.org/presentationml/2006/main">
+  <p:cSld>
+    <p:spTree>
+      <p:nvGrpSpPr>
+        <p:cNvPr id="1" name=""/>
+        <p:cNvGrpSpPr/>
+        <p:nvPr/>
+      </p:nvGrpSpPr>
+      <p:grpSpPr>
+        <a:xfrm>
+          <a:off x="0" y="0"/>
+          <a:ext cx="0" cy="0"/>
+          <a:chOff x="0" y="0"/>
+          <a:chExt cx="0" cy="0"/>
+        </a:xfrm>
+      </p:grpSpPr>
+      <p:sp>
+        <p:nvSpPr>
+          <p:cNvPr id="2" name="Title 1">
+            <a:extLst>
+              <a:ext uri="{FF2B5EF4-FFF2-40B4-BE49-F238E27FC236}">
+                <a16:creationId xmlns:a16="http://schemas.microsoft.com/office/drawing/2014/main" id="{94FFAAC7-5A98-492B-87BE-1EE858FE4EF4}"/>
+              </a:ext>
+            </a:extLst>
+          </p:cNvPr>
+          <p:cNvSpPr>
+            <a:spLocks noGrp="1"/>
+          </p:cNvSpPr>
+          <p:nvPr>
+            <p:ph type="title"/>
+          </p:nvPr>
+        </p:nvSpPr>
+        <p:spPr/>
+        <p:txBody>
+          <a:bodyPr/>
+          <a:lstStyle/>
+          <a:p>
+            <a:r>
+              <a:rPr lang="en-US" dirty="0"/>
+              <a:t>Let get digital Baby!!!</a:t>
+            </a:r>
+          </a:p>
+        </p:txBody>
+      </p:sp>
+      <p:sp>
+        <p:nvSpPr>
+          <p:cNvPr id="3" name="Text Placeholder 2">
+            <a:extLst>
+              <a:ext uri="{FF2B5EF4-FFF2-40B4-BE49-F238E27FC236}">
+                <a16:creationId xmlns:a16="http://schemas.microsoft.com/office/drawing/2014/main" id="{9D55BFF3-BAD8-4C67-8D08-2DBC783E1DFA}"/>
+              </a:ext>
+            </a:extLst>
+          </p:cNvPr>
+          <p:cNvSpPr>
+            <a:spLocks noGrp="1"/>
+          </p:cNvSpPr>
+          <p:nvPr>
+            <p:ph type="body" idx="1"/>
+          </p:nvPr>
+        </p:nvSpPr>
+        <p:spPr/>
+        <p:txBody>
+          <a:bodyPr/>
+          <a:lstStyle/>
+          <a:p>
+            <a:endParaRPr lang="en-US"/>
+          </a:p>
+        </p:txBody>
+      </p:sp>
+    </p:spTree>
+    <p:extLst>
+      <p:ext uri="{BB962C8B-B14F-4D97-AF65-F5344CB8AC3E}">
+        <p14:creationId xmlns:p14="http://schemas.microsoft.com/office/powerpoint/2010/main" val="481190512"/>
+      </p:ext>
+    </p:extLst>
+  </p:cSld>
+  <p:clrMapOvr>
+    <a:masterClrMapping/>
+  </p:clrMapOvr>
+</p:sld>
+</file>
+
+<file path=ppt/slides/slide12.xml><?xml version="1.0" encoding="utf-8"?>
+<p:sld xmlns:a="http://schemas.openxmlformats.org/drawingml/2006/main" xmlns:r="http://schemas.openxmlformats.org/officeDocument/2006/relationships" xmlns:p="http://schemas.openxmlformats.org/presentationml/2006/main">
+  <p:cSld>
+    <p:spTree>
+      <p:nvGrpSpPr>
+        <p:cNvPr id="1" name=""/>
+        <p:cNvGrpSpPr/>
+        <p:nvPr/>
+      </p:nvGrpSpPr>
+      <p:grpSpPr>
+        <a:xfrm>
+          <a:off x="0" y="0"/>
+          <a:ext cx="0" cy="0"/>
+          <a:chOff x="0" y="0"/>
+          <a:chExt cx="0" cy="0"/>
+        </a:xfrm>
+      </p:grpSpPr>
+      <p:sp>
+        <p:nvSpPr>
+          <p:cNvPr id="2" name="Title 1">
+            <a:extLst>
+              <a:ext uri="{FF2B5EF4-FFF2-40B4-BE49-F238E27FC236}">
+                <a16:creationId xmlns:a16="http://schemas.microsoft.com/office/drawing/2014/main" id="{ED9F4144-9773-470E-A0E2-62F93B60D5DD}"/>
+              </a:ext>
+            </a:extLst>
+          </p:cNvPr>
+          <p:cNvSpPr>
+            <a:spLocks noGrp="1"/>
+          </p:cNvSpPr>
+          <p:nvPr>
+            <p:ph type="title"/>
+          </p:nvPr>
+        </p:nvSpPr>
+        <p:spPr/>
+        <p:txBody>
+          <a:bodyPr/>
+          <a:lstStyle/>
+          <a:p>
+            <a:r>
+              <a:rPr lang="en-US" dirty="0"/>
+              <a:t>When</a:t>
+            </a:r>
+            <a:r>
+              <a:rPr lang="en-US" baseline="0" dirty="0"/>
+              <a:t> the buss comes in, Everyone Rides!!!</a:t>
+            </a:r>
+            <a:endParaRPr lang="en-US" dirty="0"/>
+          </a:p>
+        </p:txBody>
+      </p:sp>
+      <p:sp>
+        <p:nvSpPr>
+          <p:cNvPr id="3" name="Text Placeholder 2">
+            <a:extLst>
+              <a:ext uri="{FF2B5EF4-FFF2-40B4-BE49-F238E27FC236}">
+                <a16:creationId xmlns:a16="http://schemas.microsoft.com/office/drawing/2014/main" id="{5E8406A6-B755-4FFF-9569-C2F598B95924}"/>
+              </a:ext>
+            </a:extLst>
+          </p:cNvPr>
+          <p:cNvSpPr>
+            <a:spLocks noGrp="1"/>
+          </p:cNvSpPr>
+          <p:nvPr>
+            <p:ph type="body" idx="1"/>
+          </p:nvPr>
+        </p:nvSpPr>
+        <p:spPr/>
+        <p:txBody>
+          <a:bodyPr/>
+          <a:lstStyle/>
+          <a:p>
+            <a:endParaRPr lang="en-US"/>
+          </a:p>
+        </p:txBody>
+      </p:sp>
+    </p:spTree>
+    <p:extLst>
+      <p:ext uri="{BB962C8B-B14F-4D97-AF65-F5344CB8AC3E}">
+        <p14:creationId xmlns:p14="http://schemas.microsoft.com/office/powerpoint/2010/main" val="3424997189"/>
+      </p:ext>
+    </p:extLst>
+  </p:cSld>
+  <p:clrMapOvr>
+    <a:masterClrMapping/>
+  </p:clrMapOvr>
+</p:sld>
+</file>
+
+<file path=ppt/slides/slide13.xml><?xml version="1.0" encoding="utf-8"?>
+<p:sld xmlns:a="http://schemas.openxmlformats.org/drawingml/2006/main" xmlns:r="http://schemas.openxmlformats.org/officeDocument/2006/relationships" xmlns:p="http://schemas.openxmlformats.org/presentationml/2006/main">
+  <p:cSld>
+    <p:spTree>
+      <p:nvGrpSpPr>
+        <p:cNvPr id="1" name=""/>
+        <p:cNvGrpSpPr/>
+        <p:nvPr/>
+      </p:nvGrpSpPr>
+      <p:grpSpPr>
+        <a:xfrm>
+          <a:off x="0" y="0"/>
+          <a:ext cx="0" cy="0"/>
+          <a:chOff x="0" y="0"/>
+          <a:chExt cx="0" cy="0"/>
+        </a:xfrm>
+      </p:grpSpPr>
+      <p:sp>
+        <p:nvSpPr>
+          <p:cNvPr id="2" name="Title 1">
+            <a:extLst>
+              <a:ext uri="{FF2B5EF4-FFF2-40B4-BE49-F238E27FC236}">
+                <a16:creationId xmlns:a16="http://schemas.microsoft.com/office/drawing/2014/main" id="{57BE9FB8-E4B4-424B-A549-1AC16C3A7B11}"/>
+              </a:ext>
+            </a:extLst>
+          </p:cNvPr>
+          <p:cNvSpPr>
+            <a:spLocks noGrp="1"/>
+          </p:cNvSpPr>
+          <p:nvPr>
+            <p:ph type="title"/>
+          </p:nvPr>
+        </p:nvSpPr>
+        <p:spPr/>
+        <p:txBody>
+          <a:bodyPr/>
+          <a:lstStyle/>
+          <a:p>
+            <a:r>
+              <a:rPr lang="en-US" dirty="0"/>
+              <a:t>Back</a:t>
+            </a:r>
+            <a:r>
+              <a:rPr lang="en-US" baseline="0" dirty="0"/>
+              <a:t> to the Voltage</a:t>
+            </a:r>
+            <a:endParaRPr lang="en-US" dirty="0"/>
+          </a:p>
+        </p:txBody>
+      </p:sp>
+      <p:sp>
+        <p:nvSpPr>
+          <p:cNvPr id="3" name="Text Placeholder 2">
+            <a:extLst>
+              <a:ext uri="{FF2B5EF4-FFF2-40B4-BE49-F238E27FC236}">
+                <a16:creationId xmlns:a16="http://schemas.microsoft.com/office/drawing/2014/main" id="{BE8B5A3A-45F0-4211-94BA-071CEA9F12EE}"/>
+              </a:ext>
+            </a:extLst>
+          </p:cNvPr>
+          <p:cNvSpPr>
+            <a:spLocks noGrp="1"/>
+          </p:cNvSpPr>
+          <p:nvPr>
+            <p:ph type="body" idx="1"/>
+          </p:nvPr>
+        </p:nvSpPr>
+        <p:spPr/>
+        <p:txBody>
+          <a:bodyPr/>
+          <a:lstStyle/>
+          <a:p>
+            <a:endParaRPr lang="en-US"/>
+          </a:p>
+        </p:txBody>
+      </p:sp>
+    </p:spTree>
+    <p:extLst>
+      <p:ext uri="{BB962C8B-B14F-4D97-AF65-F5344CB8AC3E}">
+        <p14:creationId xmlns:p14="http://schemas.microsoft.com/office/powerpoint/2010/main" val="554477903"/>
+      </p:ext>
+    </p:extLst>
+  </p:cSld>
+  <p:clrMapOvr>
+    <a:masterClrMapping/>
+  </p:clrMapOvr>
+</p:sld>
+</file>
+
+<file path=ppt/slides/slide14.xml><?xml version="1.0" encoding="utf-8"?>
+<p:sld xmlns:a="http://schemas.openxmlformats.org/drawingml/2006/main" xmlns:r="http://schemas.openxmlformats.org/officeDocument/2006/relationships" xmlns:p="http://schemas.openxmlformats.org/presentationml/2006/main">
+  <p:cSld>
+    <p:spTree>
+      <p:nvGrpSpPr>
+        <p:cNvPr id="1" name=""/>
+        <p:cNvGrpSpPr/>
+        <p:nvPr/>
+      </p:nvGrpSpPr>
+      <p:grpSpPr>
+        <a:xfrm>
+          <a:off x="0" y="0"/>
+          <a:ext cx="0" cy="0"/>
+          <a:chOff x="0" y="0"/>
+          <a:chExt cx="0" cy="0"/>
+        </a:xfrm>
+      </p:grpSpPr>
+      <p:sp>
+        <p:nvSpPr>
+          <p:cNvPr id="2" name="Title 1">
+            <a:extLst>
+              <a:ext uri="{FF2B5EF4-FFF2-40B4-BE49-F238E27FC236}">
+                <a16:creationId xmlns:a16="http://schemas.microsoft.com/office/drawing/2014/main" id="{7F4514E5-E6C4-4B64-A3E9-2A1A85FDFF89}"/>
+              </a:ext>
+            </a:extLst>
+          </p:cNvPr>
+          <p:cNvSpPr>
+            <a:spLocks noGrp="1"/>
+          </p:cNvSpPr>
+          <p:nvPr>
+            <p:ph type="title"/>
+          </p:nvPr>
+        </p:nvSpPr>
+        <p:spPr/>
+        <p:txBody>
+          <a:bodyPr/>
+          <a:lstStyle/>
+          <a:p>
+            <a:r>
+              <a:rPr lang="en-US" dirty="0"/>
+              <a:t>Links of Doom page</a:t>
+            </a:r>
+          </a:p>
+        </p:txBody>
+      </p:sp>
+      <p:sp>
+        <p:nvSpPr>
+          <p:cNvPr id="3" name="Text Placeholder 2">
+            <a:extLst>
+              <a:ext uri="{FF2B5EF4-FFF2-40B4-BE49-F238E27FC236}">
+                <a16:creationId xmlns:a16="http://schemas.microsoft.com/office/drawing/2014/main" id="{DECD7F75-4572-463F-B1AF-CA44573A1C2F}"/>
+              </a:ext>
+            </a:extLst>
+          </p:cNvPr>
+          <p:cNvSpPr>
+            <a:spLocks noGrp="1"/>
+          </p:cNvSpPr>
+          <p:nvPr>
+            <p:ph type="body" idx="1"/>
+          </p:nvPr>
+        </p:nvSpPr>
+        <p:spPr/>
+        <p:txBody>
+          <a:bodyPr/>
+          <a:lstStyle/>
+          <a:p>
+            <a:endParaRPr lang="en-US"/>
+          </a:p>
+        </p:txBody>
+      </p:sp>
+    </p:spTree>
+    <p:extLst>
+      <p:ext uri="{BB962C8B-B14F-4D97-AF65-F5344CB8AC3E}">
+        <p14:creationId xmlns:p14="http://schemas.microsoft.com/office/powerpoint/2010/main" val="367061334"/>
+      </p:ext>
+    </p:extLst>
+  </p:cSld>
+  <p:clrMapOvr>
+    <a:masterClrMapping/>
+  </p:clrMapOvr>
+</p:sld>
+</file>
+
 <file path=ppt/slides/slide2.xml><?xml version="1.0" encoding="utf-8"?>
 <p:sld xmlns:a="http://schemas.openxmlformats.org/drawingml/2006/main" xmlns:r="http://schemas.openxmlformats.org/officeDocument/2006/relationships" xmlns:p="http://schemas.openxmlformats.org/presentationml/2006/main">
   <p:cSld>
@@ -12457,9 +15619,16 @@
             <p:ph type="title"/>
           </p:nvPr>
         </p:nvSpPr>
-        <p:spPr/>
-        <p:txBody>
-          <a:bodyPr/>
+        <p:spPr>
+          <a:xfrm>
+            <a:off x="1141413" y="618518"/>
+            <a:ext cx="9905998" cy="448281"/>
+          </a:xfrm>
+        </p:spPr>
+        <p:txBody>
+          <a:bodyPr>
+            <a:normAutofit fontScale="90000"/>
+          </a:bodyPr>
           <a:lstStyle/>
           <a:p>
             <a:r>
@@ -12485,10 +15654,15 @@
             <p:ph idx="1"/>
           </p:nvPr>
         </p:nvSpPr>
-        <p:spPr/>
+        <p:spPr>
+          <a:xfrm>
+            <a:off x="1141413" y="1066798"/>
+            <a:ext cx="4954588" cy="5565007"/>
+          </a:xfrm>
+        </p:spPr>
         <p:txBody>
           <a:bodyPr>
-            <a:normAutofit fontScale="62500" lnSpcReduction="20000"/>
+            <a:normAutofit fontScale="70000" lnSpcReduction="20000"/>
           </a:bodyPr>
           <a:lstStyle/>
           <a:p>
@@ -12506,6 +15680,23 @@
           <a:p>
             <a:r>
               <a:rPr lang="en-US" dirty="0"/>
+              <a:t>How to read </a:t>
+            </a:r>
+            <a:r>
+              <a:rPr lang="en-US" dirty="0" err="1"/>
+              <a:t>schmatics</a:t>
+            </a:r>
+            <a:endParaRPr lang="en-US" dirty="0"/>
+          </a:p>
+          <a:p>
+            <a:r>
+              <a:rPr lang="en-US" dirty="0"/>
+              <a:t>Include the schematic symbol with each part and explain</a:t>
+            </a:r>
+          </a:p>
+          <a:p>
+            <a:r>
+              <a:rPr lang="en-US" dirty="0"/>
               <a:t>What is voltage and why do I care</a:t>
             </a:r>
           </a:p>
@@ -12558,6 +15749,211 @@
               <a:rPr lang="en-US" dirty="0"/>
               <a:t> </a:t>
             </a:r>
+          </a:p>
+        </p:txBody>
+      </p:sp>
+      <p:sp>
+        <p:nvSpPr>
+          <p:cNvPr id="4" name="Content Placeholder 2">
+            <a:extLst>
+              <a:ext uri="{FF2B5EF4-FFF2-40B4-BE49-F238E27FC236}">
+                <a16:creationId xmlns:a16="http://schemas.microsoft.com/office/drawing/2014/main" id="{CB479541-A74B-4EF0-AD19-76FC4D3E6AAF}"/>
+              </a:ext>
+            </a:extLst>
+          </p:cNvPr>
+          <p:cNvSpPr txBox="1">
+            <a:spLocks/>
+          </p:cNvSpPr>
+          <p:nvPr/>
+        </p:nvSpPr>
+        <p:spPr>
+          <a:xfrm>
+            <a:off x="6231573" y="1063588"/>
+            <a:ext cx="4954588" cy="5565007"/>
+          </a:xfrm>
+          <a:prstGeom prst="rect">
+            <a:avLst/>
+          </a:prstGeom>
+        </p:spPr>
+        <p:txBody>
+          <a:bodyPr vert="horz" lIns="91440" tIns="45720" rIns="91440" bIns="45720" rtlCol="0">
+            <a:normAutofit/>
+          </a:bodyPr>
+          <a:lstStyle>
+            <a:lvl1pPr marL="228600" indent="-228600" algn="l" defTabSz="914400" rtl="0" eaLnBrk="1" latinLnBrk="0" hangingPunct="1">
+              <a:lnSpc>
+                <a:spcPct val="120000"/>
+              </a:lnSpc>
+              <a:spcBef>
+                <a:spcPts val="1000"/>
+              </a:spcBef>
+              <a:buSzPct val="125000"/>
+              <a:buFont typeface="Arial" panose="020B0604020202020204" pitchFamily="34" charset="0"/>
+              <a:buChar char="•"/>
+              <a:defRPr sz="2400" kern="1200">
+                <a:solidFill>
+                  <a:schemeClr val="tx1"/>
+                </a:solidFill>
+                <a:latin typeface="+mn-lt"/>
+                <a:ea typeface="+mn-ea"/>
+                <a:cs typeface="+mn-cs"/>
+              </a:defRPr>
+            </a:lvl1pPr>
+            <a:lvl2pPr marL="685800" indent="-228600" algn="l" defTabSz="914400" rtl="0" eaLnBrk="1" latinLnBrk="0" hangingPunct="1">
+              <a:lnSpc>
+                <a:spcPct val="120000"/>
+              </a:lnSpc>
+              <a:spcBef>
+                <a:spcPts val="500"/>
+              </a:spcBef>
+              <a:buSzPct val="125000"/>
+              <a:buFont typeface="Arial" panose="020B0604020202020204" pitchFamily="34" charset="0"/>
+              <a:buChar char="•"/>
+              <a:defRPr sz="2000" kern="1200">
+                <a:solidFill>
+                  <a:schemeClr val="tx1"/>
+                </a:solidFill>
+                <a:latin typeface="+mn-lt"/>
+                <a:ea typeface="+mn-ea"/>
+                <a:cs typeface="+mn-cs"/>
+              </a:defRPr>
+            </a:lvl2pPr>
+            <a:lvl3pPr marL="1143000" indent="-228600" algn="l" defTabSz="914400" rtl="0" eaLnBrk="1" latinLnBrk="0" hangingPunct="1">
+              <a:lnSpc>
+                <a:spcPct val="120000"/>
+              </a:lnSpc>
+              <a:spcBef>
+                <a:spcPts val="500"/>
+              </a:spcBef>
+              <a:buSzPct val="125000"/>
+              <a:buFont typeface="Arial" panose="020B0604020202020204" pitchFamily="34" charset="0"/>
+              <a:buChar char="•"/>
+              <a:defRPr sz="1800" kern="1200">
+                <a:solidFill>
+                  <a:schemeClr val="tx1"/>
+                </a:solidFill>
+                <a:latin typeface="+mn-lt"/>
+                <a:ea typeface="+mn-ea"/>
+                <a:cs typeface="+mn-cs"/>
+              </a:defRPr>
+            </a:lvl3pPr>
+            <a:lvl4pPr marL="1600200" indent="-228600" algn="l" defTabSz="914400" rtl="0" eaLnBrk="1" latinLnBrk="0" hangingPunct="1">
+              <a:lnSpc>
+                <a:spcPct val="120000"/>
+              </a:lnSpc>
+              <a:spcBef>
+                <a:spcPts val="500"/>
+              </a:spcBef>
+              <a:buSzPct val="125000"/>
+              <a:buFont typeface="Arial" panose="020B0604020202020204" pitchFamily="34" charset="0"/>
+              <a:buChar char="•"/>
+              <a:defRPr sz="1600" kern="1200">
+                <a:solidFill>
+                  <a:schemeClr val="tx1"/>
+                </a:solidFill>
+                <a:latin typeface="+mn-lt"/>
+                <a:ea typeface="+mn-ea"/>
+                <a:cs typeface="+mn-cs"/>
+              </a:defRPr>
+            </a:lvl4pPr>
+            <a:lvl5pPr marL="2057400" indent="-228600" algn="l" defTabSz="914400" rtl="0" eaLnBrk="1" latinLnBrk="0" hangingPunct="1">
+              <a:lnSpc>
+                <a:spcPct val="120000"/>
+              </a:lnSpc>
+              <a:spcBef>
+                <a:spcPts val="500"/>
+              </a:spcBef>
+              <a:buSzPct val="125000"/>
+              <a:buFont typeface="Arial" panose="020B0604020202020204" pitchFamily="34" charset="0"/>
+              <a:buChar char="•"/>
+              <a:defRPr sz="1600" kern="1200">
+                <a:solidFill>
+                  <a:schemeClr val="tx1"/>
+                </a:solidFill>
+                <a:latin typeface="+mn-lt"/>
+                <a:ea typeface="+mn-ea"/>
+                <a:cs typeface="+mn-cs"/>
+              </a:defRPr>
+            </a:lvl5pPr>
+            <a:lvl6pPr marL="2514600" indent="-228600" algn="l" defTabSz="914400" rtl="0" eaLnBrk="1" latinLnBrk="0" hangingPunct="1">
+              <a:lnSpc>
+                <a:spcPct val="120000"/>
+              </a:lnSpc>
+              <a:spcBef>
+                <a:spcPts val="500"/>
+              </a:spcBef>
+              <a:buSzPct val="125000"/>
+              <a:buFont typeface="Arial" panose="020B0604020202020204" pitchFamily="34" charset="0"/>
+              <a:buChar char="•"/>
+              <a:defRPr sz="1400" kern="1200">
+                <a:solidFill>
+                  <a:schemeClr val="tx1"/>
+                </a:solidFill>
+                <a:latin typeface="+mn-lt"/>
+                <a:ea typeface="+mn-ea"/>
+                <a:cs typeface="+mn-cs"/>
+              </a:defRPr>
+            </a:lvl6pPr>
+            <a:lvl7pPr marL="2971800" indent="-228600" algn="l" defTabSz="914400" rtl="0" eaLnBrk="1" latinLnBrk="0" hangingPunct="1">
+              <a:lnSpc>
+                <a:spcPct val="120000"/>
+              </a:lnSpc>
+              <a:spcBef>
+                <a:spcPts val="500"/>
+              </a:spcBef>
+              <a:buSzPct val="125000"/>
+              <a:buFont typeface="Arial" panose="020B0604020202020204" pitchFamily="34" charset="0"/>
+              <a:buChar char="•"/>
+              <a:defRPr sz="1400" kern="1200">
+                <a:solidFill>
+                  <a:schemeClr val="tx1"/>
+                </a:solidFill>
+                <a:latin typeface="+mn-lt"/>
+                <a:ea typeface="+mn-ea"/>
+                <a:cs typeface="+mn-cs"/>
+              </a:defRPr>
+            </a:lvl7pPr>
+            <a:lvl8pPr marL="3429000" indent="-228600" algn="l" defTabSz="914400" rtl="0" eaLnBrk="1" latinLnBrk="0" hangingPunct="1">
+              <a:lnSpc>
+                <a:spcPct val="120000"/>
+              </a:lnSpc>
+              <a:spcBef>
+                <a:spcPts val="500"/>
+              </a:spcBef>
+              <a:buSzPct val="125000"/>
+              <a:buFont typeface="Arial" panose="020B0604020202020204" pitchFamily="34" charset="0"/>
+              <a:buChar char="•"/>
+              <a:defRPr sz="1400" kern="1200">
+                <a:solidFill>
+                  <a:schemeClr val="tx1"/>
+                </a:solidFill>
+                <a:latin typeface="+mn-lt"/>
+                <a:ea typeface="+mn-ea"/>
+                <a:cs typeface="+mn-cs"/>
+              </a:defRPr>
+            </a:lvl8pPr>
+            <a:lvl9pPr marL="3886200" indent="-228600" algn="l" defTabSz="914400" rtl="0" eaLnBrk="1" latinLnBrk="0" hangingPunct="1">
+              <a:lnSpc>
+                <a:spcPct val="120000"/>
+              </a:lnSpc>
+              <a:spcBef>
+                <a:spcPts val="500"/>
+              </a:spcBef>
+              <a:buSzPct val="125000"/>
+              <a:buFont typeface="Arial" panose="020B0604020202020204" pitchFamily="34" charset="0"/>
+              <a:buChar char="•"/>
+              <a:defRPr sz="1400" kern="1200">
+                <a:solidFill>
+                  <a:schemeClr val="tx1"/>
+                </a:solidFill>
+                <a:latin typeface="+mn-lt"/>
+                <a:ea typeface="+mn-ea"/>
+                <a:cs typeface="+mn-cs"/>
+              </a:defRPr>
+            </a:lvl9pPr>
+          </a:lstStyle>
+          <a:p>
+            <a:endParaRPr lang="en-US" dirty="0"/>
           </a:p>
         </p:txBody>
       </p:sp>
@@ -12612,7 +16008,10 @@
           <a:bodyPr/>
           <a:lstStyle/>
           <a:p>
-            <a:endParaRPr lang="en-US"/>
+            <a:r>
+              <a:rPr lang="en-US" dirty="0"/>
+              <a:t>What is electricity</a:t>
+            </a:r>
           </a:p>
         </p:txBody>
       </p:sp>
@@ -12824,6 +16223,527 @@
     <p:extLst>
       <p:ext uri="{BB962C8B-B14F-4D97-AF65-F5344CB8AC3E}">
         <p14:creationId xmlns:p14="http://schemas.microsoft.com/office/powerpoint/2010/main" val="610099771"/>
+      </p:ext>
+    </p:extLst>
+  </p:cSld>
+  <p:clrMapOvr>
+    <a:masterClrMapping/>
+  </p:clrMapOvr>
+</p:sld>
+</file>
+
+<file path=ppt/slides/slide4.xml><?xml version="1.0" encoding="utf-8"?>
+<p:sld xmlns:a="http://schemas.openxmlformats.org/drawingml/2006/main" xmlns:r="http://schemas.openxmlformats.org/officeDocument/2006/relationships" xmlns:p="http://schemas.openxmlformats.org/presentationml/2006/main">
+  <p:cSld>
+    <p:spTree>
+      <p:nvGrpSpPr>
+        <p:cNvPr id="1" name=""/>
+        <p:cNvGrpSpPr/>
+        <p:nvPr/>
+      </p:nvGrpSpPr>
+      <p:grpSpPr>
+        <a:xfrm>
+          <a:off x="0" y="0"/>
+          <a:ext cx="0" cy="0"/>
+          <a:chOff x="0" y="0"/>
+          <a:chExt cx="0" cy="0"/>
+        </a:xfrm>
+      </p:grpSpPr>
+      <p:sp>
+        <p:nvSpPr>
+          <p:cNvPr id="12" name="Title 11">
+            <a:extLst>
+              <a:ext uri="{FF2B5EF4-FFF2-40B4-BE49-F238E27FC236}">
+                <a16:creationId xmlns:a16="http://schemas.microsoft.com/office/drawing/2014/main" id="{FE67389A-DB54-4763-BC7D-EE68D290335C}"/>
+              </a:ext>
+            </a:extLst>
+          </p:cNvPr>
+          <p:cNvSpPr>
+            <a:spLocks noGrp="1"/>
+          </p:cNvSpPr>
+          <p:nvPr>
+            <p:ph type="title"/>
+          </p:nvPr>
+        </p:nvSpPr>
+        <p:spPr/>
+        <p:txBody>
+          <a:bodyPr/>
+          <a:lstStyle/>
+          <a:p>
+            <a:r>
+              <a:rPr lang="en-US" dirty="0"/>
+              <a:t>What do all these</a:t>
+            </a:r>
+            <a:r>
+              <a:rPr lang="en-US" baseline="0" dirty="0"/>
+              <a:t> Hieroglyphics mean?</a:t>
+            </a:r>
+            <a:endParaRPr lang="en-US" dirty="0"/>
+          </a:p>
+        </p:txBody>
+      </p:sp>
+      <p:sp>
+        <p:nvSpPr>
+          <p:cNvPr id="13" name="Text Placeholder 12">
+            <a:extLst>
+              <a:ext uri="{FF2B5EF4-FFF2-40B4-BE49-F238E27FC236}">
+                <a16:creationId xmlns:a16="http://schemas.microsoft.com/office/drawing/2014/main" id="{352891C7-4885-4B65-95AC-02A3AFDEB8B6}"/>
+              </a:ext>
+            </a:extLst>
+          </p:cNvPr>
+          <p:cNvSpPr>
+            <a:spLocks noGrp="1"/>
+          </p:cNvSpPr>
+          <p:nvPr>
+            <p:ph type="body" idx="1"/>
+          </p:nvPr>
+        </p:nvSpPr>
+        <p:spPr/>
+        <p:txBody>
+          <a:bodyPr/>
+          <a:lstStyle/>
+          <a:p>
+            <a:endParaRPr lang="en-US"/>
+          </a:p>
+        </p:txBody>
+      </p:sp>
+    </p:spTree>
+    <p:extLst>
+      <p:ext uri="{BB962C8B-B14F-4D97-AF65-F5344CB8AC3E}">
+        <p14:creationId xmlns:p14="http://schemas.microsoft.com/office/powerpoint/2010/main" val="4158750358"/>
+      </p:ext>
+    </p:extLst>
+  </p:cSld>
+  <p:clrMapOvr>
+    <a:masterClrMapping/>
+  </p:clrMapOvr>
+</p:sld>
+</file>
+
+<file path=ppt/slides/slide5.xml><?xml version="1.0" encoding="utf-8"?>
+<p:sld xmlns:a="http://schemas.openxmlformats.org/drawingml/2006/main" xmlns:r="http://schemas.openxmlformats.org/officeDocument/2006/relationships" xmlns:p="http://schemas.openxmlformats.org/presentationml/2006/main">
+  <p:cSld>
+    <p:spTree>
+      <p:nvGrpSpPr>
+        <p:cNvPr id="1" name=""/>
+        <p:cNvGrpSpPr/>
+        <p:nvPr/>
+      </p:nvGrpSpPr>
+      <p:grpSpPr>
+        <a:xfrm>
+          <a:off x="0" y="0"/>
+          <a:ext cx="0" cy="0"/>
+          <a:chOff x="0" y="0"/>
+          <a:chExt cx="0" cy="0"/>
+        </a:xfrm>
+      </p:grpSpPr>
+      <p:sp>
+        <p:nvSpPr>
+          <p:cNvPr id="2" name="Title 1">
+            <a:extLst>
+              <a:ext uri="{FF2B5EF4-FFF2-40B4-BE49-F238E27FC236}">
+                <a16:creationId xmlns:a16="http://schemas.microsoft.com/office/drawing/2014/main" id="{89679A0C-1792-4941-887A-26C01B35008B}"/>
+              </a:ext>
+            </a:extLst>
+          </p:cNvPr>
+          <p:cNvSpPr>
+            <a:spLocks noGrp="1"/>
+          </p:cNvSpPr>
+          <p:nvPr>
+            <p:ph type="title"/>
+          </p:nvPr>
+        </p:nvSpPr>
+        <p:spPr/>
+        <p:txBody>
+          <a:bodyPr/>
+          <a:lstStyle/>
+          <a:p>
+            <a:r>
+              <a:rPr lang="en-US" dirty="0"/>
+              <a:t>Basic tools</a:t>
+            </a:r>
+          </a:p>
+        </p:txBody>
+      </p:sp>
+      <p:sp>
+        <p:nvSpPr>
+          <p:cNvPr id="3" name="Text Placeholder 2">
+            <a:extLst>
+              <a:ext uri="{FF2B5EF4-FFF2-40B4-BE49-F238E27FC236}">
+                <a16:creationId xmlns:a16="http://schemas.microsoft.com/office/drawing/2014/main" id="{EFAA5762-B201-492C-8C11-EED570BF8A1E}"/>
+              </a:ext>
+            </a:extLst>
+          </p:cNvPr>
+          <p:cNvSpPr>
+            <a:spLocks noGrp="1"/>
+          </p:cNvSpPr>
+          <p:nvPr>
+            <p:ph type="body" idx="1"/>
+          </p:nvPr>
+        </p:nvSpPr>
+        <p:spPr/>
+        <p:txBody>
+          <a:bodyPr/>
+          <a:lstStyle/>
+          <a:p>
+            <a:endParaRPr lang="en-US"/>
+          </a:p>
+        </p:txBody>
+      </p:sp>
+    </p:spTree>
+    <p:extLst>
+      <p:ext uri="{BB962C8B-B14F-4D97-AF65-F5344CB8AC3E}">
+        <p14:creationId xmlns:p14="http://schemas.microsoft.com/office/powerpoint/2010/main" val="2468332908"/>
+      </p:ext>
+    </p:extLst>
+  </p:cSld>
+  <p:clrMapOvr>
+    <a:masterClrMapping/>
+  </p:clrMapOvr>
+</p:sld>
+</file>
+
+<file path=ppt/slides/slide6.xml><?xml version="1.0" encoding="utf-8"?>
+<p:sld xmlns:a="http://schemas.openxmlformats.org/drawingml/2006/main" xmlns:r="http://schemas.openxmlformats.org/officeDocument/2006/relationships" xmlns:p="http://schemas.openxmlformats.org/presentationml/2006/main">
+  <p:cSld>
+    <p:spTree>
+      <p:nvGrpSpPr>
+        <p:cNvPr id="1" name=""/>
+        <p:cNvGrpSpPr/>
+        <p:nvPr/>
+      </p:nvGrpSpPr>
+      <p:grpSpPr>
+        <a:xfrm>
+          <a:off x="0" y="0"/>
+          <a:ext cx="0" cy="0"/>
+          <a:chOff x="0" y="0"/>
+          <a:chExt cx="0" cy="0"/>
+        </a:xfrm>
+      </p:grpSpPr>
+      <p:sp>
+        <p:nvSpPr>
+          <p:cNvPr id="2" name="Title 1">
+            <a:extLst>
+              <a:ext uri="{FF2B5EF4-FFF2-40B4-BE49-F238E27FC236}">
+                <a16:creationId xmlns:a16="http://schemas.microsoft.com/office/drawing/2014/main" id="{BC9F1DCA-EED6-4941-BDB5-28F2AFB0A3B0}"/>
+              </a:ext>
+            </a:extLst>
+          </p:cNvPr>
+          <p:cNvSpPr>
+            <a:spLocks noGrp="1"/>
+          </p:cNvSpPr>
+          <p:nvPr>
+            <p:ph type="title"/>
+          </p:nvPr>
+        </p:nvSpPr>
+        <p:spPr/>
+        <p:txBody>
+          <a:bodyPr/>
+          <a:lstStyle/>
+          <a:p>
+            <a:r>
+              <a:rPr lang="en-US" dirty="0"/>
+              <a:t>Resistanc</a:t>
+            </a:r>
+            <a:r>
+              <a:rPr lang="en-US" baseline="0" dirty="0"/>
+              <a:t>e is Futile</a:t>
+            </a:r>
+            <a:endParaRPr lang="en-US" dirty="0"/>
+          </a:p>
+        </p:txBody>
+      </p:sp>
+      <p:sp>
+        <p:nvSpPr>
+          <p:cNvPr id="3" name="Text Placeholder 2">
+            <a:extLst>
+              <a:ext uri="{FF2B5EF4-FFF2-40B4-BE49-F238E27FC236}">
+                <a16:creationId xmlns:a16="http://schemas.microsoft.com/office/drawing/2014/main" id="{3E732EB0-E607-4A3D-A6D7-05E855E133B1}"/>
+              </a:ext>
+            </a:extLst>
+          </p:cNvPr>
+          <p:cNvSpPr>
+            <a:spLocks noGrp="1"/>
+          </p:cNvSpPr>
+          <p:nvPr>
+            <p:ph type="body" idx="1"/>
+          </p:nvPr>
+        </p:nvSpPr>
+        <p:spPr/>
+        <p:txBody>
+          <a:bodyPr/>
+          <a:lstStyle/>
+          <a:p>
+            <a:endParaRPr lang="en-US"/>
+          </a:p>
+        </p:txBody>
+      </p:sp>
+    </p:spTree>
+    <p:extLst>
+      <p:ext uri="{BB962C8B-B14F-4D97-AF65-F5344CB8AC3E}">
+        <p14:creationId xmlns:p14="http://schemas.microsoft.com/office/powerpoint/2010/main" val="501415765"/>
+      </p:ext>
+    </p:extLst>
+  </p:cSld>
+  <p:clrMapOvr>
+    <a:masterClrMapping/>
+  </p:clrMapOvr>
+</p:sld>
+</file>
+
+<file path=ppt/slides/slide7.xml><?xml version="1.0" encoding="utf-8"?>
+<p:sld xmlns:a="http://schemas.openxmlformats.org/drawingml/2006/main" xmlns:r="http://schemas.openxmlformats.org/officeDocument/2006/relationships" xmlns:p="http://schemas.openxmlformats.org/presentationml/2006/main">
+  <p:cSld>
+    <p:spTree>
+      <p:nvGrpSpPr>
+        <p:cNvPr id="1" name=""/>
+        <p:cNvGrpSpPr/>
+        <p:nvPr/>
+      </p:nvGrpSpPr>
+      <p:grpSpPr>
+        <a:xfrm>
+          <a:off x="0" y="0"/>
+          <a:ext cx="0" cy="0"/>
+          <a:chOff x="0" y="0"/>
+          <a:chExt cx="0" cy="0"/>
+        </a:xfrm>
+      </p:grpSpPr>
+      <p:sp>
+        <p:nvSpPr>
+          <p:cNvPr id="2" name="Title 1">
+            <a:extLst>
+              <a:ext uri="{FF2B5EF4-FFF2-40B4-BE49-F238E27FC236}">
+                <a16:creationId xmlns:a16="http://schemas.microsoft.com/office/drawing/2014/main" id="{A3DFAB2B-5BD1-4A58-A50F-6FEE78A4D991}"/>
+              </a:ext>
+            </a:extLst>
+          </p:cNvPr>
+          <p:cNvSpPr>
+            <a:spLocks noGrp="1"/>
+          </p:cNvSpPr>
+          <p:nvPr>
+            <p:ph type="title"/>
+          </p:nvPr>
+        </p:nvSpPr>
+        <p:spPr/>
+        <p:txBody>
+          <a:bodyPr/>
+          <a:lstStyle/>
+          <a:p>
+            <a:r>
+              <a:rPr lang="en-US" dirty="0"/>
+              <a:t>Use all the capacity you can</a:t>
+            </a:r>
+          </a:p>
+        </p:txBody>
+      </p:sp>
+      <p:sp>
+        <p:nvSpPr>
+          <p:cNvPr id="3" name="Text Placeholder 2">
+            <a:extLst>
+              <a:ext uri="{FF2B5EF4-FFF2-40B4-BE49-F238E27FC236}">
+                <a16:creationId xmlns:a16="http://schemas.microsoft.com/office/drawing/2014/main" id="{BE3BB1E7-82F4-4328-A7E3-45FDE67D6916}"/>
+              </a:ext>
+            </a:extLst>
+          </p:cNvPr>
+          <p:cNvSpPr>
+            <a:spLocks noGrp="1"/>
+          </p:cNvSpPr>
+          <p:nvPr>
+            <p:ph type="body" idx="1"/>
+          </p:nvPr>
+        </p:nvSpPr>
+        <p:spPr/>
+        <p:txBody>
+          <a:bodyPr/>
+          <a:lstStyle/>
+          <a:p>
+            <a:endParaRPr lang="en-US"/>
+          </a:p>
+        </p:txBody>
+      </p:sp>
+    </p:spTree>
+    <p:extLst>
+      <p:ext uri="{BB962C8B-B14F-4D97-AF65-F5344CB8AC3E}">
+        <p14:creationId xmlns:p14="http://schemas.microsoft.com/office/powerpoint/2010/main" val="3444929864"/>
+      </p:ext>
+    </p:extLst>
+  </p:cSld>
+  <p:clrMapOvr>
+    <a:masterClrMapping/>
+  </p:clrMapOvr>
+</p:sld>
+</file>
+
+<file path=ppt/slides/slide8.xml><?xml version="1.0" encoding="utf-8"?>
+<p:sld xmlns:a="http://schemas.openxmlformats.org/drawingml/2006/main" xmlns:r="http://schemas.openxmlformats.org/officeDocument/2006/relationships" xmlns:p="http://schemas.openxmlformats.org/presentationml/2006/main">
+  <p:cSld>
+    <p:spTree>
+      <p:nvGrpSpPr>
+        <p:cNvPr id="1" name=""/>
+        <p:cNvGrpSpPr/>
+        <p:nvPr/>
+      </p:nvGrpSpPr>
+      <p:grpSpPr>
+        <a:xfrm>
+          <a:off x="0" y="0"/>
+          <a:ext cx="0" cy="0"/>
+          <a:chOff x="0" y="0"/>
+          <a:chExt cx="0" cy="0"/>
+        </a:xfrm>
+      </p:grpSpPr>
+      <p:sp>
+        <p:nvSpPr>
+          <p:cNvPr id="2" name="Title 1">
+            <a:extLst>
+              <a:ext uri="{FF2B5EF4-FFF2-40B4-BE49-F238E27FC236}">
+                <a16:creationId xmlns:a16="http://schemas.microsoft.com/office/drawing/2014/main" id="{8C7F65FC-7A22-450F-AD49-3C91F4E082FF}"/>
+              </a:ext>
+            </a:extLst>
+          </p:cNvPr>
+          <p:cNvSpPr>
+            <a:spLocks noGrp="1"/>
+          </p:cNvSpPr>
+          <p:nvPr>
+            <p:ph type="title"/>
+          </p:nvPr>
+        </p:nvSpPr>
+        <p:spPr/>
+        <p:txBody>
+          <a:bodyPr/>
+          <a:lstStyle/>
+          <a:p>
+            <a:r>
+              <a:rPr lang="en-US" dirty="0"/>
+              <a:t>Switch me </a:t>
+            </a:r>
+            <a:r>
+              <a:rPr lang="en-US" dirty="0" err="1"/>
+              <a:t>oN</a:t>
+            </a:r>
+            <a:r>
+              <a:rPr lang="en-US" dirty="0"/>
+              <a:t> and Relay that to the world</a:t>
+            </a:r>
+          </a:p>
+        </p:txBody>
+      </p:sp>
+      <p:sp>
+        <p:nvSpPr>
+          <p:cNvPr id="3" name="Text Placeholder 2">
+            <a:extLst>
+              <a:ext uri="{FF2B5EF4-FFF2-40B4-BE49-F238E27FC236}">
+                <a16:creationId xmlns:a16="http://schemas.microsoft.com/office/drawing/2014/main" id="{09B94091-ACF9-4A6A-B824-F4D1358B3122}"/>
+              </a:ext>
+            </a:extLst>
+          </p:cNvPr>
+          <p:cNvSpPr>
+            <a:spLocks noGrp="1"/>
+          </p:cNvSpPr>
+          <p:nvPr>
+            <p:ph type="body" idx="1"/>
+          </p:nvPr>
+        </p:nvSpPr>
+        <p:spPr/>
+        <p:txBody>
+          <a:bodyPr/>
+          <a:lstStyle/>
+          <a:p>
+            <a:endParaRPr lang="en-US"/>
+          </a:p>
+        </p:txBody>
+      </p:sp>
+    </p:spTree>
+    <p:extLst>
+      <p:ext uri="{BB962C8B-B14F-4D97-AF65-F5344CB8AC3E}">
+        <p14:creationId xmlns:p14="http://schemas.microsoft.com/office/powerpoint/2010/main" val="3441865517"/>
+      </p:ext>
+    </p:extLst>
+  </p:cSld>
+  <p:clrMapOvr>
+    <a:masterClrMapping/>
+  </p:clrMapOvr>
+</p:sld>
+</file>
+
+<file path=ppt/slides/slide9.xml><?xml version="1.0" encoding="utf-8"?>
+<p:sld xmlns:a="http://schemas.openxmlformats.org/drawingml/2006/main" xmlns:r="http://schemas.openxmlformats.org/officeDocument/2006/relationships" xmlns:p="http://schemas.openxmlformats.org/presentationml/2006/main">
+  <p:cSld>
+    <p:spTree>
+      <p:nvGrpSpPr>
+        <p:cNvPr id="1" name=""/>
+        <p:cNvGrpSpPr/>
+        <p:nvPr/>
+      </p:nvGrpSpPr>
+      <p:grpSpPr>
+        <a:xfrm>
+          <a:off x="0" y="0"/>
+          <a:ext cx="0" cy="0"/>
+          <a:chOff x="0" y="0"/>
+          <a:chExt cx="0" cy="0"/>
+        </a:xfrm>
+      </p:grpSpPr>
+      <p:sp>
+        <p:nvSpPr>
+          <p:cNvPr id="2" name="Title 1">
+            <a:extLst>
+              <a:ext uri="{FF2B5EF4-FFF2-40B4-BE49-F238E27FC236}">
+                <a16:creationId xmlns:a16="http://schemas.microsoft.com/office/drawing/2014/main" id="{22CF3737-AA5B-4394-98C9-C87B8A304292}"/>
+              </a:ext>
+            </a:extLst>
+          </p:cNvPr>
+          <p:cNvSpPr>
+            <a:spLocks noGrp="1"/>
+          </p:cNvSpPr>
+          <p:nvPr>
+            <p:ph type="title"/>
+          </p:nvPr>
+        </p:nvSpPr>
+        <p:spPr/>
+        <p:txBody>
+          <a:bodyPr/>
+          <a:lstStyle/>
+          <a:p>
+            <a:r>
+              <a:rPr lang="en-US" dirty="0"/>
+              <a:t>Diodes</a:t>
+            </a:r>
+            <a:r>
+              <a:rPr lang="en-US" baseline="0" dirty="0"/>
+              <a:t> and one-way streets</a:t>
+            </a:r>
+            <a:endParaRPr lang="en-US" dirty="0"/>
+          </a:p>
+        </p:txBody>
+      </p:sp>
+      <p:sp>
+        <p:nvSpPr>
+          <p:cNvPr id="3" name="Text Placeholder 2">
+            <a:extLst>
+              <a:ext uri="{FF2B5EF4-FFF2-40B4-BE49-F238E27FC236}">
+                <a16:creationId xmlns:a16="http://schemas.microsoft.com/office/drawing/2014/main" id="{A2E141A3-7960-4676-96F2-04451F57BC60}"/>
+              </a:ext>
+            </a:extLst>
+          </p:cNvPr>
+          <p:cNvSpPr>
+            <a:spLocks noGrp="1"/>
+          </p:cNvSpPr>
+          <p:nvPr>
+            <p:ph type="body" idx="1"/>
+          </p:nvPr>
+        </p:nvSpPr>
+        <p:spPr/>
+        <p:txBody>
+          <a:bodyPr/>
+          <a:lstStyle/>
+          <a:p>
+            <a:endParaRPr lang="en-US"/>
+          </a:p>
+        </p:txBody>
+      </p:sp>
+    </p:spTree>
+    <p:extLst>
+      <p:ext uri="{BB962C8B-B14F-4D97-AF65-F5344CB8AC3E}">
+        <p14:creationId xmlns:p14="http://schemas.microsoft.com/office/powerpoint/2010/main" val="4155400095"/>
       </p:ext>
     </p:extLst>
   </p:cSld>
@@ -13082,4 +17002,299 @@
     </a:ext>
   </a:extLst>
 </a:theme>
+</file>
+
+<file path=ppt/theme/theme2.xml><?xml version="1.0" encoding="utf-8"?>
+<a:theme xmlns:a="http://schemas.openxmlformats.org/drawingml/2006/main" name="Office Theme">
+  <a:themeElements>
+    <a:clrScheme name="Office">
+      <a:dk1>
+        <a:sysClr val="windowText" lastClr="000000"/>
+      </a:dk1>
+      <a:lt1>
+        <a:sysClr val="window" lastClr="FFFFFF"/>
+      </a:lt1>
+      <a:dk2>
+        <a:srgbClr val="44546A"/>
+      </a:dk2>
+      <a:lt2>
+        <a:srgbClr val="E7E6E6"/>
+      </a:lt2>
+      <a:accent1>
+        <a:srgbClr val="4472C4"/>
+      </a:accent1>
+      <a:accent2>
+        <a:srgbClr val="ED7D31"/>
+      </a:accent2>
+      <a:accent3>
+        <a:srgbClr val="A5A5A5"/>
+      </a:accent3>
+      <a:accent4>
+        <a:srgbClr val="FFC000"/>
+      </a:accent4>
+      <a:accent5>
+        <a:srgbClr val="5B9BD5"/>
+      </a:accent5>
+      <a:accent6>
+        <a:srgbClr val="70AD47"/>
+      </a:accent6>
+      <a:hlink>
+        <a:srgbClr val="0563C1"/>
+      </a:hlink>
+      <a:folHlink>
+        <a:srgbClr val="954F72"/>
+      </a:folHlink>
+    </a:clrScheme>
+    <a:fontScheme name="Office">
+      <a:majorFont>
+        <a:latin typeface="Calibri Light" panose="020F0302020204030204"/>
+        <a:ea typeface=""/>
+        <a:cs typeface=""/>
+        <a:font script="Jpan" typeface="游ゴシック Light"/>
+        <a:font script="Hang" typeface="맑은 고딕"/>
+        <a:font script="Hans" typeface="等线 Light"/>
+        <a:font script="Hant" typeface="新細明體"/>
+        <a:font script="Arab" typeface="Times New Roman"/>
+        <a:font script="Hebr" typeface="Times New Roman"/>
+        <a:font script="Thai" typeface="Angsana New"/>
+        <a:font script="Ethi" typeface="Nyala"/>
+        <a:font script="Beng" typeface="Vrinda"/>
+        <a:font script="Gujr" typeface="Shruti"/>
+        <a:font script="Khmr" typeface="MoolBoran"/>
+        <a:font script="Knda" typeface="Tunga"/>
+        <a:font script="Guru" typeface="Raavi"/>
+        <a:font script="Cans" typeface="Euphemia"/>
+        <a:font script="Cher" typeface="Plantagenet Cherokee"/>
+        <a:font script="Yiii" typeface="Microsoft Yi Baiti"/>
+        <a:font script="Tibt" typeface="Microsoft Himalaya"/>
+        <a:font script="Thaa" typeface="MV Boli"/>
+        <a:font script="Deva" typeface="Mangal"/>
+        <a:font script="Telu" typeface="Gautami"/>
+        <a:font script="Taml" typeface="Latha"/>
+        <a:font script="Syrc" typeface="Estrangelo Edessa"/>
+        <a:font script="Orya" typeface="Kalinga"/>
+        <a:font script="Mlym" typeface="Kartika"/>
+        <a:font script="Laoo" typeface="DokChampa"/>
+        <a:font script="Sinh" typeface="Iskoola Pota"/>
+        <a:font script="Mong" typeface="Mongolian Baiti"/>
+        <a:font script="Viet" typeface="Times New Roman"/>
+        <a:font script="Uigh" typeface="Microsoft Uighur"/>
+        <a:font script="Geor" typeface="Sylfaen"/>
+        <a:font script="Armn" typeface="Arial"/>
+        <a:font script="Bugi" typeface="Leelawadee UI"/>
+        <a:font script="Bopo" typeface="Microsoft JhengHei"/>
+        <a:font script="Java" typeface="Javanese Text"/>
+        <a:font script="Lisu" typeface="Segoe UI"/>
+        <a:font script="Mymr" typeface="Myanmar Text"/>
+        <a:font script="Nkoo" typeface="Ebrima"/>
+        <a:font script="Olck" typeface="Nirmala UI"/>
+        <a:font script="Osma" typeface="Ebrima"/>
+        <a:font script="Phag" typeface="Phagspa"/>
+        <a:font script="Syrn" typeface="Estrangelo Edessa"/>
+        <a:font script="Syrj" typeface="Estrangelo Edessa"/>
+        <a:font script="Syre" typeface="Estrangelo Edessa"/>
+        <a:font script="Sora" typeface="Nirmala UI"/>
+        <a:font script="Tale" typeface="Microsoft Tai Le"/>
+        <a:font script="Talu" typeface="Microsoft New Tai Lue"/>
+        <a:font script="Tfng" typeface="Ebrima"/>
+      </a:majorFont>
+      <a:minorFont>
+        <a:latin typeface="Calibri" panose="020F0502020204030204"/>
+        <a:ea typeface=""/>
+        <a:cs typeface=""/>
+        <a:font script="Jpan" typeface="游ゴシック"/>
+        <a:font script="Hang" typeface="맑은 고딕"/>
+        <a:font script="Hans" typeface="等线"/>
+        <a:font script="Hant" typeface="新細明體"/>
+        <a:font script="Arab" typeface="Arial"/>
+        <a:font script="Hebr" typeface="Arial"/>
+        <a:font script="Thai" typeface="Cordia New"/>
+        <a:font script="Ethi" typeface="Nyala"/>
+        <a:font script="Beng" typeface="Vrinda"/>
+        <a:font script="Gujr" typeface="Shruti"/>
+        <a:font script="Khmr" typeface="DaunPenh"/>
+        <a:font script="Knda" typeface="Tunga"/>
+        <a:font script="Guru" typeface="Raavi"/>
+        <a:font script="Cans" typeface="Euphemia"/>
+        <a:font script="Cher" typeface="Plantagenet Cherokee"/>
+        <a:font script="Yiii" typeface="Microsoft Yi Baiti"/>
+        <a:font script="Tibt" typeface="Microsoft Himalaya"/>
+        <a:font script="Thaa" typeface="MV Boli"/>
+        <a:font script="Deva" typeface="Mangal"/>
+        <a:font script="Telu" typeface="Gautami"/>
+        <a:font script="Taml" typeface="Latha"/>
+        <a:font script="Syrc" typeface="Estrangelo Edessa"/>
+        <a:font script="Orya" typeface="Kalinga"/>
+        <a:font script="Mlym" typeface="Kartika"/>
+        <a:font script="Laoo" typeface="DokChampa"/>
+        <a:font script="Sinh" typeface="Iskoola Pota"/>
+        <a:font script="Mong" typeface="Mongolian Baiti"/>
+        <a:font script="Viet" typeface="Arial"/>
+        <a:font script="Uigh" typeface="Microsoft Uighur"/>
+        <a:font script="Geor" typeface="Sylfaen"/>
+        <a:font script="Armn" typeface="Arial"/>
+        <a:font script="Bugi" typeface="Leelawadee UI"/>
+        <a:font script="Bopo" typeface="Microsoft JhengHei"/>
+        <a:font script="Java" typeface="Javanese Text"/>
+        <a:font script="Lisu" typeface="Segoe UI"/>
+        <a:font script="Mymr" typeface="Myanmar Text"/>
+        <a:font script="Nkoo" typeface="Ebrima"/>
+        <a:font script="Olck" typeface="Nirmala UI"/>
+        <a:font script="Osma" typeface="Ebrima"/>
+        <a:font script="Phag" typeface="Phagspa"/>
+        <a:font script="Syrn" typeface="Estrangelo Edessa"/>
+        <a:font script="Syrj" typeface="Estrangelo Edessa"/>
+        <a:font script="Syre" typeface="Estrangelo Edessa"/>
+        <a:font script="Sora" typeface="Nirmala UI"/>
+        <a:font script="Tale" typeface="Microsoft Tai Le"/>
+        <a:font script="Talu" typeface="Microsoft New Tai Lue"/>
+        <a:font script="Tfng" typeface="Ebrima"/>
+      </a:minorFont>
+    </a:fontScheme>
+    <a:fmtScheme name="Office">
+      <a:fillStyleLst>
+        <a:solidFill>
+          <a:schemeClr val="phClr"/>
+        </a:solidFill>
+        <a:gradFill rotWithShape="1">
+          <a:gsLst>
+            <a:gs pos="0">
+              <a:schemeClr val="phClr">
+                <a:lumMod val="110000"/>
+                <a:satMod val="105000"/>
+                <a:tint val="67000"/>
+              </a:schemeClr>
+            </a:gs>
+            <a:gs pos="50000">
+              <a:schemeClr val="phClr">
+                <a:lumMod val="105000"/>
+                <a:satMod val="103000"/>
+                <a:tint val="73000"/>
+              </a:schemeClr>
+            </a:gs>
+            <a:gs pos="100000">
+              <a:schemeClr val="phClr">
+                <a:lumMod val="105000"/>
+                <a:satMod val="109000"/>
+                <a:tint val="81000"/>
+              </a:schemeClr>
+            </a:gs>
+          </a:gsLst>
+          <a:lin ang="5400000" scaled="0"/>
+        </a:gradFill>
+        <a:gradFill rotWithShape="1">
+          <a:gsLst>
+            <a:gs pos="0">
+              <a:schemeClr val="phClr">
+                <a:satMod val="103000"/>
+                <a:lumMod val="102000"/>
+                <a:tint val="94000"/>
+              </a:schemeClr>
+            </a:gs>
+            <a:gs pos="50000">
+              <a:schemeClr val="phClr">
+                <a:satMod val="110000"/>
+                <a:lumMod val="100000"/>
+                <a:shade val="100000"/>
+              </a:schemeClr>
+            </a:gs>
+            <a:gs pos="100000">
+              <a:schemeClr val="phClr">
+                <a:lumMod val="99000"/>
+                <a:satMod val="120000"/>
+                <a:shade val="78000"/>
+              </a:schemeClr>
+            </a:gs>
+          </a:gsLst>
+          <a:lin ang="5400000" scaled="0"/>
+        </a:gradFill>
+      </a:fillStyleLst>
+      <a:lnStyleLst>
+        <a:ln w="6350" cap="flat" cmpd="sng" algn="ctr">
+          <a:solidFill>
+            <a:schemeClr val="phClr"/>
+          </a:solidFill>
+          <a:prstDash val="solid"/>
+          <a:miter lim="800000"/>
+        </a:ln>
+        <a:ln w="12700" cap="flat" cmpd="sng" algn="ctr">
+          <a:solidFill>
+            <a:schemeClr val="phClr"/>
+          </a:solidFill>
+          <a:prstDash val="solid"/>
+          <a:miter lim="800000"/>
+        </a:ln>
+        <a:ln w="19050" cap="flat" cmpd="sng" algn="ctr">
+          <a:solidFill>
+            <a:schemeClr val="phClr"/>
+          </a:solidFill>
+          <a:prstDash val="solid"/>
+          <a:miter lim="800000"/>
+        </a:ln>
+      </a:lnStyleLst>
+      <a:effectStyleLst>
+        <a:effectStyle>
+          <a:effectLst/>
+        </a:effectStyle>
+        <a:effectStyle>
+          <a:effectLst/>
+        </a:effectStyle>
+        <a:effectStyle>
+          <a:effectLst>
+            <a:outerShdw blurRad="57150" dist="19050" dir="5400000" algn="ctr" rotWithShape="0">
+              <a:srgbClr val="000000">
+                <a:alpha val="63000"/>
+              </a:srgbClr>
+            </a:outerShdw>
+          </a:effectLst>
+        </a:effectStyle>
+      </a:effectStyleLst>
+      <a:bgFillStyleLst>
+        <a:solidFill>
+          <a:schemeClr val="phClr"/>
+        </a:solidFill>
+        <a:solidFill>
+          <a:schemeClr val="phClr">
+            <a:tint val="95000"/>
+            <a:satMod val="170000"/>
+          </a:schemeClr>
+        </a:solidFill>
+        <a:gradFill rotWithShape="1">
+          <a:gsLst>
+            <a:gs pos="0">
+              <a:schemeClr val="phClr">
+                <a:tint val="93000"/>
+                <a:satMod val="150000"/>
+                <a:shade val="98000"/>
+                <a:lumMod val="102000"/>
+              </a:schemeClr>
+            </a:gs>
+            <a:gs pos="50000">
+              <a:schemeClr val="phClr">
+                <a:tint val="98000"/>
+                <a:satMod val="130000"/>
+                <a:shade val="90000"/>
+                <a:lumMod val="103000"/>
+              </a:schemeClr>
+            </a:gs>
+            <a:gs pos="100000">
+              <a:schemeClr val="phClr">
+                <a:shade val="63000"/>
+                <a:satMod val="120000"/>
+              </a:schemeClr>
+            </a:gs>
+          </a:gsLst>
+          <a:lin ang="5400000" scaled="0"/>
+        </a:gradFill>
+      </a:bgFillStyleLst>
+    </a:fmtScheme>
+  </a:themeElements>
+  <a:objectDefaults/>
+  <a:extraClrSchemeLst/>
+  <a:extLst>
+    <a:ext uri="{05A4C25C-085E-4340-85A3-A5531E510DB2}">
+      <thm15:themeFamily xmlns:thm15="http://schemas.microsoft.com/office/thememl/2012/main" name="Office Theme" id="{62F939B6-93AF-4DB8-9C6B-D6C7DFDC589F}" vid="{4A3C46E8-61CC-4603-A589-7422A47A8E4A}"/>
+    </a:ext>
+  </a:extLst>
+</a:theme>
 </file>
--- a/e4p-presentation.pptx
+++ b/e4p-presentation.pptx
@@ -5,23 +5,32 @@
     <p:sldMasterId id="2147483648" r:id="rId1"/>
   </p:sldMasterIdLst>
   <p:notesMasterIdLst>
-    <p:notesMasterId r:id="rId16"/>
+    <p:notesMasterId r:id="rId25"/>
   </p:notesMasterIdLst>
   <p:sldIdLst>
     <p:sldId id="256" r:id="rId2"/>
-    <p:sldId id="258" r:id="rId3"/>
-    <p:sldId id="257" r:id="rId4"/>
-    <p:sldId id="259" r:id="rId5"/>
+    <p:sldId id="259" r:id="rId3"/>
+    <p:sldId id="273" r:id="rId4"/>
+    <p:sldId id="274" r:id="rId5"/>
     <p:sldId id="260" r:id="rId6"/>
-    <p:sldId id="261" r:id="rId7"/>
-    <p:sldId id="262" r:id="rId8"/>
-    <p:sldId id="263" r:id="rId9"/>
-    <p:sldId id="265" r:id="rId10"/>
-    <p:sldId id="264" r:id="rId11"/>
-    <p:sldId id="266" r:id="rId12"/>
-    <p:sldId id="267" r:id="rId13"/>
-    <p:sldId id="268" r:id="rId14"/>
-    <p:sldId id="269" r:id="rId15"/>
+    <p:sldId id="279" r:id="rId7"/>
+    <p:sldId id="278" r:id="rId8"/>
+    <p:sldId id="277" r:id="rId9"/>
+    <p:sldId id="276" r:id="rId10"/>
+    <p:sldId id="275" r:id="rId11"/>
+    <p:sldId id="261" r:id="rId12"/>
+    <p:sldId id="270" r:id="rId13"/>
+    <p:sldId id="262" r:id="rId14"/>
+    <p:sldId id="265" r:id="rId15"/>
+    <p:sldId id="257" r:id="rId16"/>
+    <p:sldId id="271" r:id="rId17"/>
+    <p:sldId id="264" r:id="rId18"/>
+    <p:sldId id="263" r:id="rId19"/>
+    <p:sldId id="266" r:id="rId20"/>
+    <p:sldId id="267" r:id="rId21"/>
+    <p:sldId id="268" r:id="rId22"/>
+    <p:sldId id="272" r:id="rId23"/>
+    <p:sldId id="269" r:id="rId24"/>
   </p:sldIdLst>
   <p:sldSz cx="12192000" cy="6858000"/>
   <p:notesSz cx="6858000" cy="9144000"/>
@@ -124,6 +133,9 @@
     <p:ext uri="{EFAFB233-063F-42B5-8137-9DF3F51BA10A}">
       <p15:sldGuideLst xmlns:p15="http://schemas.microsoft.com/office/powerpoint/2012/main"/>
     </p:ext>
+    <p:ext uri="{2D200454-40CA-4A62-9FC3-DE9A4176ACB9}">
+      <p15:notesGuideLst xmlns:p15="http://schemas.microsoft.com/office/powerpoint/2012/main"/>
+    </p:ext>
   </p:extLst>
 </p:presentation>
 </file>
@@ -210,7 +222,7 @@
           <a:p>
             <a:fld id="{B29F82CB-11E4-4131-A4B2-7ADE40A9F8D7}" type="datetimeFigureOut">
               <a:rPr lang="en-US" smtClean="0"/>
-              <a:t>7/1/19</a:t>
+              <a:t>7/16/19</a:t>
             </a:fld>
             <a:endParaRPr lang="en-US"/>
           </a:p>
@@ -704,11 +716,26 @@
           <a:p>
             <a:r>
               <a:rPr lang="en-US" dirty="0"/>
-              <a:t>NPN, PMP,</a:t>
+              <a:t>DMM</a:t>
+            </a:r>
+          </a:p>
+          <a:p>
+            <a:endParaRPr lang="en-US" dirty="0"/>
+          </a:p>
+          <a:p>
+            <a:r>
+              <a:rPr lang="en-US" dirty="0"/>
+              <a:t>Bread</a:t>
             </a:r>
             <a:r>
               <a:rPr lang="en-US" baseline="0" dirty="0"/>
-              <a:t> Photo, FET, </a:t>
+              <a:t>board\</a:t>
+            </a:r>
+          </a:p>
+          <a:p>
+            <a:r>
+              <a:rPr lang="en-US" baseline="0" dirty="0"/>
+              <a:t>- Possible demo of the things</a:t>
             </a:r>
           </a:p>
           <a:p>
@@ -717,25 +744,7 @@
           <a:p>
             <a:r>
               <a:rPr lang="en-US" baseline="0" dirty="0"/>
-              <a:t>Hell Yeah!!! </a:t>
-            </a:r>
-          </a:p>
-          <a:p>
-            <a:endParaRPr lang="en-US" baseline="0" dirty="0"/>
-          </a:p>
-          <a:p>
-            <a:r>
-              <a:rPr lang="en-US" baseline="0" dirty="0"/>
-              <a:t>How they are the “switches” that make everything work.</a:t>
-            </a:r>
-          </a:p>
-          <a:p>
-            <a:endParaRPr lang="en-US" baseline="0" dirty="0"/>
-          </a:p>
-          <a:p>
-            <a:r>
-              <a:rPr lang="en-US" baseline="0" dirty="0"/>
-              <a:t>Demo:</a:t>
+              <a:t>Connecting wires</a:t>
             </a:r>
           </a:p>
           <a:p>
@@ -745,7 +754,7 @@
             </a:pPr>
             <a:r>
               <a:rPr lang="en-US" baseline="0" dirty="0"/>
-              <a:t>Single transistor</a:t>
+              <a:t>pre-made solid code</a:t>
             </a:r>
           </a:p>
           <a:p>
@@ -755,44 +764,79 @@
             </a:pPr>
             <a:r>
               <a:rPr lang="en-US" baseline="0" dirty="0"/>
-              <a:t>Show </a:t>
-            </a:r>
+              <a:t>Make your own</a:t>
+            </a:r>
+          </a:p>
+          <a:p>
+            <a:endParaRPr lang="en-US" baseline="0" dirty="0"/>
+          </a:p>
+          <a:p>
+            <a:r>
+              <a:rPr lang="en-US" baseline="0" dirty="0"/>
+              <a:t>Power supply</a:t>
+            </a:r>
+          </a:p>
+          <a:p>
+            <a:endParaRPr lang="en-US" baseline="0" dirty="0"/>
+          </a:p>
+          <a:p>
+            <a:r>
+              <a:rPr lang="en-US" baseline="0" dirty="0"/>
+              <a:t>Side cutters</a:t>
+            </a:r>
+          </a:p>
+          <a:p>
+            <a:endParaRPr lang="en-US" baseline="0" dirty="0"/>
+          </a:p>
+          <a:p>
+            <a:r>
+              <a:rPr lang="en-US" baseline="0" dirty="0"/>
+              <a:t>Wire strippers</a:t>
+            </a:r>
+          </a:p>
+          <a:p>
+            <a:endParaRPr lang="en-US" baseline="0" dirty="0"/>
+          </a:p>
+          <a:p>
+            <a:r>
+              <a:rPr lang="en-US" baseline="0" dirty="0"/>
+              <a:t>Touch on soldering</a:t>
+            </a:r>
+          </a:p>
+          <a:p>
+            <a:endParaRPr lang="en-US" dirty="0"/>
+          </a:p>
+          <a:p>
+            <a:r>
+              <a:rPr lang="en-US" dirty="0"/>
+              <a:t>My power</a:t>
+            </a:r>
+            <a:r>
+              <a:rPr lang="en-US" baseline="0" dirty="0"/>
+              <a:t> supply vs. what you need.</a:t>
+            </a:r>
+          </a:p>
+          <a:p>
+            <a:endParaRPr lang="en-US" baseline="0" dirty="0"/>
+          </a:p>
+          <a:p>
             <a:r>
               <a:rPr lang="en-US" baseline="0" dirty="0" err="1"/>
-              <a:t>astable</a:t>
+              <a:t>Tinkercad</a:t>
             </a:r>
             <a:r>
               <a:rPr lang="en-US" baseline="0" dirty="0"/>
-              <a:t> in </a:t>
-            </a:r>
-            <a:r>
-              <a:rPr lang="en-US" baseline="0" dirty="0" err="1"/>
-              <a:t>tinkercad</a:t>
-            </a:r>
+              <a:t> and circuit simulation</a:t>
+            </a:r>
+          </a:p>
+          <a:p>
             <a:endParaRPr lang="en-US" baseline="0" dirty="0"/>
           </a:p>
           <a:p>
-            <a:pPr marL="171450" indent="-171450">
-              <a:buFontTx/>
-              <a:buChar char="-"/>
-            </a:pPr>
             <a:r>
               <a:rPr lang="en-US" baseline="0" dirty="0"/>
-              <a:t>Show it for real</a:t>
-            </a:r>
-          </a:p>
-          <a:p>
-            <a:pPr marL="171450" indent="-171450">
-              <a:buFontTx/>
-              <a:buChar char="-"/>
-            </a:pPr>
-            <a:endParaRPr lang="en-US" baseline="0" dirty="0"/>
-          </a:p>
-          <a:p>
-            <a:pPr marL="0" indent="0">
-              <a:buFontTx/>
-              <a:buNone/>
-            </a:pPr>
+              <a:t>Fritzing</a:t>
+            </a:r>
             <a:endParaRPr lang="en-US" dirty="0"/>
           </a:p>
         </p:txBody>
@@ -823,7 +867,7 @@
     </p:spTree>
     <p:extLst>
       <p:ext uri="{BB962C8B-B14F-4D97-AF65-F5344CB8AC3E}">
-        <p14:creationId xmlns:p14="http://schemas.microsoft.com/office/powerpoint/2010/main" val="1997888160"/>
+        <p14:creationId xmlns:p14="http://schemas.microsoft.com/office/powerpoint/2010/main" val="2509722519"/>
       </p:ext>
     </p:extLst>
   </p:cSld>
@@ -879,11 +923,20 @@
           <a:p>
             <a:r>
               <a:rPr lang="en-US" dirty="0"/>
-              <a:t>Various</a:t>
+              <a:t>OOOOOMMM! Graphic</a:t>
+            </a:r>
+          </a:p>
+          <a:p>
+            <a:endParaRPr lang="en-US" dirty="0"/>
+          </a:p>
+          <a:p>
+            <a:r>
+              <a:rPr lang="en-US" dirty="0"/>
+              <a:t>Link to the resistor</a:t>
             </a:r>
             <a:r>
               <a:rPr lang="en-US" baseline="0" dirty="0"/>
-              <a:t> form of DIP and the such.</a:t>
+              <a:t> page I found</a:t>
             </a:r>
           </a:p>
           <a:p>
@@ -892,7 +945,7 @@
           <a:p>
             <a:r>
               <a:rPr lang="en-US" baseline="0" dirty="0"/>
-              <a:t>Introduce the some Arduino talk more about analog vs digital</a:t>
+              <a:t>Series vs. Parallel</a:t>
             </a:r>
           </a:p>
           <a:p>
@@ -901,7 +954,21 @@
           <a:p>
             <a:r>
               <a:rPr lang="en-US" baseline="0" dirty="0"/>
-              <a:t>Pull up vs. pull down resistor.  Reference Active High/Low</a:t>
+              <a:t>How to read color code.</a:t>
+            </a:r>
+          </a:p>
+          <a:p>
+            <a:r>
+              <a:rPr lang="en-US" baseline="0" dirty="0"/>
+              <a:t>There are a number of “phrases”.  Most of the easy to remember ones are rude.  </a:t>
+            </a:r>
+            <a:r>
+              <a:rPr lang="en-US" baseline="0" dirty="0" err="1"/>
+              <a:t>Bing’em</a:t>
+            </a:r>
+            <a:r>
+              <a:rPr lang="en-US" baseline="0" dirty="0"/>
+              <a:t>…..</a:t>
             </a:r>
           </a:p>
           <a:p>
@@ -910,29 +977,158 @@
           <a:p>
             <a:r>
               <a:rPr lang="en-US" baseline="0" dirty="0"/>
+              <a:t>Standard Values</a:t>
+            </a:r>
+          </a:p>
+          <a:p>
+            <a:endParaRPr lang="en-US" baseline="0" dirty="0"/>
+          </a:p>
+          <a:p>
+            <a:r>
+              <a:rPr lang="en-US" baseline="0" dirty="0"/>
+              <a:t>Watt rating…..</a:t>
+            </a:r>
+          </a:p>
+          <a:p>
+            <a:endParaRPr lang="en-US" baseline="0" dirty="0"/>
+          </a:p>
+          <a:p>
+            <a:r>
+              <a:rPr lang="en-US" baseline="0" dirty="0"/>
+              <a:t>Water analogy:</a:t>
+            </a:r>
+          </a:p>
+          <a:p>
+            <a:r>
+              <a:rPr lang="en-US" baseline="0" dirty="0"/>
+              <a:t>Pressure == Voltage</a:t>
+            </a:r>
+          </a:p>
+          <a:p>
+            <a:r>
+              <a:rPr lang="en-US" baseline="0" dirty="0"/>
+              <a:t>Flow == Current</a:t>
+            </a:r>
+          </a:p>
+          <a:p>
+            <a:endParaRPr lang="en-US" baseline="0" dirty="0"/>
+          </a:p>
+          <a:p>
+            <a:r>
+              <a:rPr lang="en-US" baseline="0" dirty="0"/>
+              <a:t>Types:</a:t>
+            </a:r>
+          </a:p>
+          <a:p>
+            <a:r>
+              <a:rPr lang="en-US" baseline="0" dirty="0"/>
+              <a:t>Carbon Film: mention thickness controls the resistance.</a:t>
+            </a:r>
+          </a:p>
+          <a:p>
+            <a:r>
+              <a:rPr lang="en-US" baseline="0" dirty="0"/>
+              <a:t>Wire wound</a:t>
+            </a:r>
+          </a:p>
+          <a:p>
+            <a:r>
+              <a:rPr lang="en-US" baseline="0" dirty="0"/>
+              <a:t>Metal Film</a:t>
+            </a:r>
+          </a:p>
+          <a:p>
+            <a:r>
+              <a:rPr lang="en-US" baseline="0" dirty="0"/>
+              <a:t>Others…</a:t>
+            </a:r>
+          </a:p>
+          <a:p>
+            <a:endParaRPr lang="en-US" baseline="0" dirty="0"/>
+          </a:p>
+          <a:p>
+            <a:r>
+              <a:rPr lang="en-US" baseline="0" dirty="0"/>
+              <a:t>Add Image of the </a:t>
+            </a:r>
+            <a:r>
+              <a:rPr lang="en-US" baseline="0" dirty="0" err="1"/>
+              <a:t>sparkfun</a:t>
+            </a:r>
+            <a:r>
+              <a:rPr lang="en-US" baseline="0" dirty="0"/>
+              <a:t> resistor page</a:t>
+            </a:r>
+          </a:p>
+          <a:p>
+            <a:endParaRPr lang="en-US" baseline="0" dirty="0"/>
+          </a:p>
+          <a:p>
+            <a:r>
+              <a:rPr lang="en-US" dirty="0"/>
               <a:t>Demo:</a:t>
             </a:r>
           </a:p>
           <a:p>
+            <a:pPr marL="171450" indent="-171450">
+              <a:buFontTx/>
+              <a:buChar char="-"/>
+            </a:pPr>
+            <a:r>
+              <a:rPr lang="en-US" dirty="0"/>
+              <a:t>Make your own with a pencil</a:t>
+            </a:r>
+          </a:p>
+          <a:p>
+            <a:pPr marL="171450" indent="-171450">
+              <a:buFontTx/>
+              <a:buChar char="-"/>
+            </a:pPr>
+            <a:r>
+              <a:rPr lang="en-US" dirty="0"/>
+              <a:t>Show series and parallel connections.</a:t>
+            </a:r>
+          </a:p>
+          <a:p>
+            <a:pPr marL="171450" indent="-171450">
+              <a:buFontTx/>
+              <a:buChar char="-"/>
+            </a:pPr>
+            <a:r>
+              <a:rPr lang="en-US" dirty="0"/>
+              <a:t>Show</a:t>
+            </a:r>
             <a:r>
               <a:rPr lang="en-US" baseline="0" dirty="0"/>
-              <a:t>- Show POT and reference in Series resistors</a:t>
-            </a:r>
-          </a:p>
-          <a:p>
+              <a:t> Current with math</a:t>
+            </a:r>
+          </a:p>
+          <a:p>
+            <a:pPr marL="171450" indent="-171450">
+              <a:buFontTx/>
+              <a:buChar char="-"/>
+            </a:pPr>
             <a:r>
               <a:rPr lang="en-US" baseline="0" dirty="0"/>
-              <a:t>- Show how the </a:t>
-            </a:r>
-            <a:r>
-              <a:rPr lang="en-US" baseline="0" dirty="0" err="1"/>
-              <a:t>rc</a:t>
-            </a:r>
+              <a:t>- Show 12v 3 LED in series need only 10mA calc resistance</a:t>
+            </a:r>
+          </a:p>
+          <a:p>
+            <a:pPr marL="171450" indent="-171450">
+              <a:buFontTx/>
+              <a:buChar char="-"/>
+            </a:pPr>
             <a:r>
               <a:rPr lang="en-US" baseline="0" dirty="0"/>
-              <a:t> circuit works on an Arduino.</a:t>
-            </a:r>
-            <a:endParaRPr lang="en-US" dirty="0"/>
+              <a:t>Smoke a resistor.</a:t>
+            </a:r>
+          </a:p>
+          <a:p>
+            <a:pPr marL="171450" indent="-171450">
+              <a:buFontTx/>
+              <a:buChar char="-"/>
+            </a:pPr>
+            <a:endParaRPr lang="en-US" baseline="0" dirty="0"/>
           </a:p>
         </p:txBody>
       </p:sp>
@@ -962,7 +1158,7 @@
     </p:spTree>
     <p:extLst>
       <p:ext uri="{BB962C8B-B14F-4D97-AF65-F5344CB8AC3E}">
-        <p14:creationId xmlns:p14="http://schemas.microsoft.com/office/powerpoint/2010/main" val="1369030204"/>
+        <p14:creationId xmlns:p14="http://schemas.microsoft.com/office/powerpoint/2010/main" val="3388168788"/>
       </p:ext>
     </p:extLst>
   </p:cSld>
@@ -1018,7 +1214,25 @@
           <a:p>
             <a:r>
               <a:rPr lang="en-US" dirty="0"/>
-              <a:t>Talk about I2c, SPI</a:t>
+              <a:t>Demo:</a:t>
+            </a:r>
+          </a:p>
+          <a:p>
+            <a:r>
+              <a:rPr lang="en-US" dirty="0"/>
+              <a:t>Make your own resistor</a:t>
+            </a:r>
+          </a:p>
+          <a:p>
+            <a:r>
+              <a:rPr lang="en-US" dirty="0"/>
+              <a:t>Series </a:t>
+            </a:r>
+          </a:p>
+          <a:p>
+            <a:r>
+              <a:rPr lang="en-US" dirty="0"/>
+              <a:t>Parallel</a:t>
             </a:r>
           </a:p>
           <a:p>
@@ -1027,104 +1241,11 @@
           <a:p>
             <a:r>
               <a:rPr lang="en-US" dirty="0"/>
-              <a:t>Talk</a:t>
-            </a:r>
-            <a:r>
-              <a:rPr lang="en-US" baseline="0" dirty="0"/>
-              <a:t> about level shifting.</a:t>
-            </a:r>
+              <a:t>Use Multimeter to show Resistance.</a:t>
+            </a:r>
+          </a:p>
+          <a:p>
             <a:endParaRPr lang="en-US" dirty="0"/>
-          </a:p>
-          <a:p>
-            <a:endParaRPr lang="en-US" dirty="0"/>
-          </a:p>
-          <a:p>
-            <a:r>
-              <a:rPr lang="en-US" dirty="0"/>
-              <a:t>Where they are currently used</a:t>
-            </a:r>
-          </a:p>
-          <a:p>
-            <a:endParaRPr lang="en-US" dirty="0"/>
-          </a:p>
-          <a:p>
-            <a:r>
-              <a:rPr lang="en-US" dirty="0"/>
-              <a:t>Show a diagram</a:t>
-            </a:r>
-          </a:p>
-          <a:p>
-            <a:endParaRPr lang="en-US" dirty="0"/>
-          </a:p>
-          <a:p>
-            <a:r>
-              <a:rPr lang="en-US" dirty="0"/>
-              <a:t>Show</a:t>
-            </a:r>
-            <a:r>
-              <a:rPr lang="en-US" baseline="0" dirty="0"/>
-              <a:t> the hookup, timing, and show some online examples.</a:t>
-            </a:r>
-          </a:p>
-          <a:p>
-            <a:endParaRPr lang="en-US" baseline="0" dirty="0"/>
-          </a:p>
-          <a:p>
-            <a:r>
-              <a:rPr lang="en-US" baseline="0" dirty="0"/>
-              <a:t>Mention the big colorful signs.</a:t>
-            </a:r>
-          </a:p>
-          <a:p>
-            <a:endParaRPr lang="en-US" baseline="0" dirty="0"/>
-          </a:p>
-          <a:p>
-            <a:r>
-              <a:rPr lang="en-US" baseline="0" dirty="0"/>
-              <a:t>Demo:</a:t>
-            </a:r>
-          </a:p>
-          <a:p>
-            <a:pPr marL="171450" indent="-171450">
-              <a:buFontTx/>
-              <a:buChar char="-"/>
-            </a:pPr>
-            <a:r>
-              <a:rPr lang="en-US" baseline="0" dirty="0"/>
-              <a:t>mkr1000 and the sign showing the hello bits</a:t>
-            </a:r>
-          </a:p>
-          <a:p>
-            <a:pPr marL="171450" indent="-171450">
-              <a:buFontTx/>
-              <a:buChar char="-"/>
-            </a:pPr>
-            <a:r>
-              <a:rPr lang="en-US" baseline="0" dirty="0"/>
-              <a:t>Show the </a:t>
-            </a:r>
-            <a:r>
-              <a:rPr lang="en-US" baseline="0" dirty="0" err="1"/>
-              <a:t>neopixel</a:t>
-            </a:r>
-            <a:endParaRPr lang="en-US" baseline="0" dirty="0"/>
-          </a:p>
-          <a:p>
-            <a:pPr marL="171450" indent="-171450">
-              <a:buFontTx/>
-              <a:buChar char="-"/>
-            </a:pPr>
-            <a:r>
-              <a:rPr lang="en-US" baseline="0" dirty="0"/>
-              <a:t>OLED screen and I2C</a:t>
-            </a:r>
-          </a:p>
-          <a:p>
-            <a:pPr marL="171450" indent="-171450">
-              <a:buFontTx/>
-              <a:buChar char="-"/>
-            </a:pPr>
-            <a:endParaRPr lang="en-US" baseline="0" dirty="0"/>
           </a:p>
         </p:txBody>
       </p:sp>
@@ -1154,7 +1275,7 @@
     </p:spTree>
     <p:extLst>
       <p:ext uri="{BB962C8B-B14F-4D97-AF65-F5344CB8AC3E}">
-        <p14:creationId xmlns:p14="http://schemas.microsoft.com/office/powerpoint/2010/main" val="1181727200"/>
+        <p14:creationId xmlns:p14="http://schemas.microsoft.com/office/powerpoint/2010/main" val="4145262927"/>
       </p:ext>
     </p:extLst>
   </p:cSld>
@@ -1210,36 +1331,385 @@
           <a:p>
             <a:r>
               <a:rPr lang="en-US" dirty="0"/>
-              <a:t>5, 3v3, 1v8</a:t>
-            </a:r>
-          </a:p>
-          <a:p>
-            <a:endParaRPr lang="en-US" dirty="0"/>
-          </a:p>
-          <a:p>
+              <a:t>Describe</a:t>
+            </a:r>
+            <a:r>
+              <a:rPr lang="en-US" baseline="0" dirty="0"/>
+              <a:t> the function of a capacitor/inductor and how they are different</a:t>
+            </a:r>
+          </a:p>
+          <a:p>
+            <a:pPr marL="171450" indent="-171450">
+              <a:buFontTx/>
+              <a:buChar char="-"/>
+            </a:pPr>
+            <a:r>
+              <a:rPr lang="en-US" baseline="0" dirty="0"/>
+              <a:t>Area of metal</a:t>
+            </a:r>
+          </a:p>
+          <a:p>
+            <a:pPr marL="171450" indent="-171450">
+              <a:buFontTx/>
+              <a:buChar char="-"/>
+            </a:pPr>
+            <a:r>
+              <a:rPr lang="en-US" baseline="0" dirty="0"/>
+              <a:t>Thickness of card controls the capacitance</a:t>
+            </a:r>
+          </a:p>
+          <a:p>
+            <a:pPr marL="171450" indent="-171450">
+              <a:buFontTx/>
+              <a:buChar char="-"/>
+            </a:pPr>
+            <a:r>
+              <a:rPr lang="en-US" baseline="0" dirty="0"/>
+              <a:t>Show Voltage wave form by hand</a:t>
+            </a:r>
+          </a:p>
+          <a:p>
+            <a:pPr marL="171450" indent="-171450">
+              <a:buFontTx/>
+              <a:buChar char="-"/>
+            </a:pPr>
+            <a:r>
+              <a:rPr lang="en-US" baseline="0" dirty="0" err="1"/>
+              <a:t>Frequence</a:t>
+            </a:r>
+            <a:r>
+              <a:rPr lang="en-US" baseline="0" dirty="0"/>
+              <a:t> Matters with this</a:t>
+            </a:r>
+          </a:p>
+          <a:p>
+            <a:pPr marL="628650" lvl="1" indent="-171450">
+              <a:buFontTx/>
+              <a:buChar char="-"/>
+            </a:pPr>
+            <a:r>
+              <a:rPr lang="en-US" baseline="0" dirty="0"/>
+              <a:t>Old days 1kHz… not 10kHz, 1MHz, </a:t>
+            </a:r>
+            <a:r>
+              <a:rPr lang="en-US" baseline="0" dirty="0" err="1"/>
+              <a:t>etc</a:t>
+            </a:r>
+            <a:r>
+              <a:rPr lang="en-US" baseline="0" dirty="0"/>
+              <a:t>….</a:t>
+            </a:r>
+          </a:p>
+          <a:p>
+            <a:pPr marL="0" indent="0">
+              <a:buFontTx/>
+              <a:buNone/>
+            </a:pPr>
+            <a:r>
+              <a:rPr lang="en-US" baseline="0" dirty="0"/>
+              <a:t>- Polarized vs Non-polarized</a:t>
+            </a:r>
+          </a:p>
+          <a:p>
+            <a:pPr marL="0" indent="0">
+              <a:buFontTx/>
+              <a:buNone/>
+            </a:pPr>
+            <a:endParaRPr lang="en-US" baseline="0" dirty="0"/>
+          </a:p>
+          <a:p>
+            <a:pPr marL="0" indent="0">
+              <a:buFontTx/>
+              <a:buNone/>
+            </a:pPr>
+            <a:endParaRPr lang="en-US" baseline="0" dirty="0"/>
+          </a:p>
+          <a:p>
+            <a:pPr marL="0" indent="0">
+              <a:buFontTx/>
+              <a:buNone/>
+            </a:pPr>
+            <a:r>
+              <a:rPr lang="en-US" baseline="0" dirty="0"/>
+              <a:t>Electrolytic caps</a:t>
+            </a:r>
+          </a:p>
+          <a:p>
+            <a:pPr marL="171450" indent="-171450">
+              <a:buFontTx/>
+              <a:buChar char="-"/>
+            </a:pPr>
+            <a:r>
+              <a:rPr lang="en-US" baseline="0" dirty="0"/>
+              <a:t>How they are built</a:t>
+            </a:r>
+          </a:p>
+          <a:p>
+            <a:pPr marL="171450" indent="-171450">
+              <a:buFontTx/>
+              <a:buChar char="-"/>
+            </a:pPr>
+            <a:r>
+              <a:rPr lang="en-US" baseline="0" dirty="0"/>
+              <a:t>Liquid </a:t>
+            </a:r>
+          </a:p>
+          <a:p>
+            <a:pPr marL="171450" indent="-171450">
+              <a:buFontTx/>
+              <a:buChar char="-"/>
+            </a:pPr>
+            <a:r>
+              <a:rPr lang="en-US" baseline="0" dirty="0"/>
+              <a:t>It is blown?</a:t>
+            </a:r>
+          </a:p>
+          <a:p>
+            <a:pPr marL="628650" lvl="1" indent="-171450">
+              <a:buFontTx/>
+              <a:buChar char="-"/>
+            </a:pPr>
+            <a:r>
+              <a:rPr lang="en-US" baseline="0" dirty="0"/>
+              <a:t>Why they have a cross</a:t>
+            </a:r>
+          </a:p>
+          <a:p>
+            <a:pPr marL="628650" lvl="1" indent="-171450">
+              <a:buFontTx/>
+              <a:buChar char="-"/>
+            </a:pPr>
+            <a:r>
+              <a:rPr lang="en-US" baseline="0" dirty="0"/>
+              <a:t>X is a safety valve</a:t>
+            </a:r>
+          </a:p>
+          <a:p>
+            <a:pPr marL="171450" indent="-171450">
+              <a:buFontTx/>
+              <a:buChar char="-"/>
+            </a:pPr>
+            <a:r>
+              <a:rPr lang="en-US" baseline="0" dirty="0"/>
+              <a:t>Old Video games</a:t>
+            </a:r>
+          </a:p>
+          <a:p>
+            <a:pPr marL="628650" lvl="1" indent="-171450">
+              <a:buFontTx/>
+              <a:buChar char="-"/>
+            </a:pPr>
+            <a:r>
+              <a:rPr lang="en-US" baseline="0" dirty="0"/>
+              <a:t>Dry out the electrolytic</a:t>
+            </a:r>
+          </a:p>
+          <a:p>
+            <a:pPr marL="0" indent="0">
+              <a:buFontTx/>
+              <a:buNone/>
+            </a:pPr>
+            <a:r>
+              <a:rPr lang="en-US" baseline="0" dirty="0"/>
+              <a:t>Ceramic Cap</a:t>
+            </a:r>
+          </a:p>
+          <a:p>
+            <a:pPr marL="171450" indent="-171450">
+              <a:buFontTx/>
+              <a:buChar char="-"/>
+            </a:pPr>
+            <a:r>
+              <a:rPr lang="en-US" baseline="0" dirty="0"/>
+              <a:t>How Built</a:t>
+            </a:r>
+          </a:p>
+          <a:p>
+            <a:pPr marL="0" indent="0">
+              <a:buFontTx/>
+              <a:buNone/>
+            </a:pPr>
+            <a:endParaRPr lang="en-US" baseline="0" dirty="0"/>
+          </a:p>
+          <a:p>
+            <a:pPr marL="0" indent="0">
+              <a:buFontTx/>
+              <a:buNone/>
+            </a:pPr>
+            <a:endParaRPr lang="en-US" baseline="0" dirty="0"/>
+          </a:p>
+          <a:p>
+            <a:pPr marL="171450" indent="-171450">
+              <a:buFontTx/>
+              <a:buChar char="-"/>
+            </a:pPr>
+            <a:endParaRPr lang="en-US" baseline="0" dirty="0"/>
+          </a:p>
+          <a:p>
+            <a:pPr marL="171450" indent="-171450">
+              <a:buFontTx/>
+              <a:buChar char="-"/>
+            </a:pPr>
+            <a:endParaRPr lang="en-US" baseline="0" dirty="0"/>
+          </a:p>
+          <a:p>
+            <a:endParaRPr lang="en-US" baseline="0" dirty="0"/>
+          </a:p>
+          <a:p>
+            <a:r>
+              <a:rPr lang="en-US" baseline="0" dirty="0"/>
+              <a:t>Water analog:</a:t>
+            </a:r>
+          </a:p>
+          <a:p>
+            <a:pPr marL="171450" indent="-171450">
+              <a:buFontTx/>
+              <a:buChar char="-"/>
+            </a:pPr>
+            <a:r>
+              <a:rPr lang="en-US" baseline="0" dirty="0"/>
+              <a:t>Chamber with  a diaphragm</a:t>
+            </a:r>
+          </a:p>
+          <a:p>
+            <a:pPr marL="171450" indent="-171450">
+              <a:buFontTx/>
+              <a:buChar char="-"/>
+            </a:pPr>
+            <a:r>
+              <a:rPr lang="en-US" baseline="0" dirty="0"/>
+              <a:t>- water flows in and pushes the stuff out the other things.</a:t>
+            </a:r>
+          </a:p>
+          <a:p>
+            <a:pPr marL="0" indent="0">
+              <a:buFontTx/>
+              <a:buNone/>
+            </a:pPr>
+            <a:endParaRPr lang="en-US" baseline="0" dirty="0"/>
+          </a:p>
+          <a:p>
+            <a:endParaRPr lang="en-US" baseline="0" dirty="0"/>
+          </a:p>
+          <a:p>
+            <a:r>
+              <a:rPr lang="en-US" baseline="0" dirty="0"/>
+              <a:t>Series and Parallel.  </a:t>
+            </a:r>
+          </a:p>
+          <a:p>
+            <a:pPr marL="171450" indent="-171450">
+              <a:buFontTx/>
+              <a:buChar char="-"/>
+            </a:pPr>
+            <a:r>
+              <a:rPr lang="en-US" baseline="0" dirty="0"/>
+              <a:t>No real demo as that is hard.</a:t>
+            </a:r>
+          </a:p>
+          <a:p>
+            <a:pPr marL="171450" indent="-171450">
+              <a:buFontTx/>
+              <a:buChar char="-"/>
+            </a:pPr>
+            <a:endParaRPr lang="en-US" baseline="0" dirty="0"/>
+          </a:p>
+          <a:p>
+            <a:pPr marL="0" indent="0">
+              <a:buFontTx/>
+              <a:buNone/>
+            </a:pPr>
             <a:r>
               <a:rPr lang="en-US" dirty="0"/>
-              <a:t>How do you hook all of this together</a:t>
-            </a:r>
+              <a:t>Demo:</a:t>
+            </a:r>
+          </a:p>
+          <a:p>
+            <a:pPr marL="171450" indent="-171450">
+              <a:buFontTx/>
+              <a:buChar char="-"/>
+            </a:pPr>
             <a:r>
               <a:rPr lang="en-US" baseline="0" dirty="0"/>
-              <a:t> and make it talk?</a:t>
-            </a:r>
-          </a:p>
-          <a:p>
+              <a:t>Power and LED?</a:t>
+            </a:r>
+          </a:p>
+          <a:p>
+            <a:pPr marL="171450" indent="-171450">
+              <a:buFontTx/>
+              <a:buChar char="-"/>
+            </a:pPr>
+            <a:r>
+              <a:rPr lang="en-US" baseline="0" dirty="0"/>
+              <a:t>Metal tape and a card stock</a:t>
+            </a:r>
+          </a:p>
+          <a:p>
+            <a:pPr marL="171450" indent="-171450">
+              <a:buFontTx/>
+              <a:buChar char="-"/>
+            </a:pPr>
+            <a:r>
+              <a:rPr lang="en-US" dirty="0"/>
+              <a:t>Need a capacitance meter </a:t>
+            </a:r>
+          </a:p>
+          <a:p>
+            <a:pPr marL="171450" indent="-171450">
+              <a:buFontTx/>
+              <a:buChar char="-"/>
+            </a:pPr>
+            <a:r>
+              <a:rPr lang="en-US" dirty="0"/>
+              <a:t>Cut in ½ to show the capacitance</a:t>
+            </a:r>
+            <a:r>
+              <a:rPr lang="en-US" baseline="0" dirty="0"/>
+              <a:t> reducing.</a:t>
+            </a:r>
+          </a:p>
+          <a:p>
+            <a:pPr marL="171450" indent="-171450">
+              <a:buFontTx/>
+              <a:buChar char="-"/>
+            </a:pPr>
+            <a:r>
+              <a:rPr lang="en-US" baseline="0" dirty="0"/>
+              <a:t>Blow one up?  Maybe not…. </a:t>
+            </a:r>
+            <a:r>
+              <a:rPr lang="en-US" baseline="0" dirty="0">
+                <a:sym typeface="Wingdings" panose="05000000000000000000" pitchFamily="2" charset="2"/>
+              </a:rPr>
+              <a:t></a:t>
+            </a:r>
+          </a:p>
+          <a:p>
+            <a:pPr marL="171450" indent="-171450">
+              <a:buFontTx/>
+              <a:buChar char="-"/>
+            </a:pPr>
             <a:endParaRPr lang="en-US" baseline="0" dirty="0"/>
           </a:p>
           <a:p>
-            <a:r>
-              <a:rPr lang="en-US" baseline="0" dirty="0" err="1"/>
-              <a:t>Firmata</a:t>
-            </a:r>
+            <a:pPr marL="171450" indent="-171450">
+              <a:buFontTx/>
+              <a:buChar char="-"/>
+            </a:pPr>
             <a:endParaRPr lang="en-US" baseline="0" dirty="0"/>
           </a:p>
           <a:p>
+            <a:pPr marL="171450" indent="-171450">
+              <a:buFontTx/>
+              <a:buChar char="-"/>
+            </a:pPr>
             <a:endParaRPr lang="en-US" baseline="0" dirty="0"/>
           </a:p>
           <a:p>
+            <a:pPr marL="171450" indent="-171450">
+              <a:buFontTx/>
+              <a:buChar char="-"/>
+            </a:pPr>
             <a:endParaRPr lang="en-US" dirty="0"/>
           </a:p>
         </p:txBody>
@@ -1270,7 +1740,7 @@
     </p:spTree>
     <p:extLst>
       <p:ext uri="{BB962C8B-B14F-4D97-AF65-F5344CB8AC3E}">
-        <p14:creationId xmlns:p14="http://schemas.microsoft.com/office/powerpoint/2010/main" val="2187096521"/>
+        <p14:creationId xmlns:p14="http://schemas.microsoft.com/office/powerpoint/2010/main" val="2107356280"/>
       </p:ext>
     </p:extLst>
   </p:cSld>
@@ -1326,54 +1796,164 @@
           <a:p>
             <a:r>
               <a:rPr lang="en-US" dirty="0"/>
-              <a:t>Forest </a:t>
-            </a:r>
-            <a:r>
-              <a:rPr lang="en-US" dirty="0" err="1"/>
-              <a:t>Miims</a:t>
-            </a:r>
+              <a:t>Purpose:</a:t>
+            </a:r>
+          </a:p>
+          <a:p>
             <a:r>
               <a:rPr lang="en-US" dirty="0"/>
-              <a:t> III</a:t>
-            </a:r>
-          </a:p>
-          <a:p>
-            <a:r>
-              <a:rPr lang="en-US" dirty="0" err="1"/>
-              <a:t>Tinkercad</a:t>
-            </a:r>
+              <a:t>Allow</a:t>
+            </a:r>
+            <a:r>
+              <a:rPr lang="en-US" baseline="0" dirty="0"/>
+              <a:t> electricity to only flow in one direction.</a:t>
+            </a:r>
+          </a:p>
+          <a:p>
             <a:endParaRPr lang="en-US" dirty="0"/>
           </a:p>
           <a:p>
             <a:r>
-              <a:rPr lang="en-US" dirty="0" err="1"/>
-              <a:t>Frizing</a:t>
+              <a:rPr lang="en-US" dirty="0"/>
+              <a:t>Rating</a:t>
+            </a:r>
+            <a:r>
+              <a:rPr lang="en-US" baseline="0" dirty="0"/>
+              <a:t> by Current and Reverse Voltage</a:t>
+            </a:r>
+          </a:p>
+          <a:p>
+            <a:endParaRPr lang="en-US" baseline="0" dirty="0"/>
+          </a:p>
+          <a:p>
+            <a:r>
+              <a:rPr lang="en-US" baseline="0" dirty="0"/>
+              <a:t>Types:</a:t>
+            </a:r>
+          </a:p>
+          <a:p>
+            <a:r>
+              <a:rPr lang="en-US" baseline="0" dirty="0"/>
+              <a:t>Silicon typical voltage drop 0.6v</a:t>
+            </a:r>
+          </a:p>
+          <a:p>
+            <a:r>
+              <a:rPr lang="en-US" baseline="0" dirty="0" err="1"/>
+              <a:t>Schotky</a:t>
+            </a:r>
+            <a:r>
+              <a:rPr lang="en-US" baseline="0" dirty="0"/>
+              <a:t> diodes have much lower voltage drop</a:t>
             </a:r>
             <a:endParaRPr lang="en-US" dirty="0"/>
           </a:p>
           <a:p>
+            <a:endParaRPr lang="en-US" dirty="0"/>
+          </a:p>
+          <a:p>
             <a:r>
               <a:rPr lang="en-US" dirty="0"/>
-              <a:t>Resistor page</a:t>
-            </a:r>
+              <a:t>Forward voltage</a:t>
+            </a:r>
+          </a:p>
+          <a:p>
+            <a:endParaRPr lang="en-US" dirty="0"/>
           </a:p>
           <a:p>
             <a:r>
               <a:rPr lang="en-US" dirty="0"/>
-              <a:t>Capacitor</a:t>
-            </a:r>
-          </a:p>
-          <a:p>
-            <a:r>
-              <a:rPr lang="en-US"/>
+              <a:t>LED emits</a:t>
+            </a:r>
+            <a:r>
+              <a:rPr lang="en-US" baseline="0" dirty="0"/>
+              <a:t> light, but has  very little or no resistance</a:t>
+            </a:r>
+          </a:p>
+          <a:p>
+            <a:r>
+              <a:rPr lang="en-US" baseline="0" dirty="0"/>
+              <a:t>Don’t have much on the reverse voltage.  May conduct and not light up.</a:t>
+            </a:r>
+          </a:p>
+          <a:p>
+            <a:endParaRPr lang="en-US" baseline="0" dirty="0"/>
+          </a:p>
+          <a:p>
+            <a:r>
+              <a:rPr lang="en-US" baseline="0" dirty="0"/>
+              <a:t>Zener Diode</a:t>
+            </a:r>
+          </a:p>
+          <a:p>
+            <a:r>
+              <a:rPr lang="en-US" baseline="0" dirty="0"/>
+              <a:t>Voltage regulation</a:t>
+            </a:r>
+          </a:p>
+          <a:p>
+            <a:r>
+              <a:rPr lang="en-US" baseline="0" dirty="0"/>
+              <a:t>Like normal in normal rate.</a:t>
+            </a:r>
+          </a:p>
+          <a:p>
+            <a:r>
+              <a:rPr lang="en-US" baseline="0" dirty="0"/>
+              <a:t>The reverse will conduct at the rated voltage and site there.</a:t>
+            </a:r>
+          </a:p>
+          <a:p>
+            <a:endParaRPr lang="en-US" baseline="0" dirty="0"/>
+          </a:p>
+          <a:p>
+            <a:endParaRPr lang="en-US" baseline="0" dirty="0"/>
+          </a:p>
+          <a:p>
+            <a:r>
+              <a:rPr lang="en-US" baseline="0" dirty="0"/>
               <a:t>Demo</a:t>
             </a:r>
-            <a:r>
-              <a:rPr lang="en-US" baseline="0"/>
-              <a:t> page links</a:t>
-            </a:r>
-          </a:p>
-          <a:p>
+          </a:p>
+          <a:p>
+            <a:pPr marL="171450" indent="-171450">
+              <a:buFontTx/>
+              <a:buChar char="-"/>
+            </a:pPr>
+            <a:r>
+              <a:rPr lang="en-US" baseline="0" dirty="0"/>
+              <a:t>No resistor and check current</a:t>
+            </a:r>
+          </a:p>
+          <a:p>
+            <a:pPr marL="171450" indent="-171450">
+              <a:buFontTx/>
+              <a:buChar char="-"/>
+            </a:pPr>
+            <a:r>
+              <a:rPr lang="en-US" baseline="0" dirty="0"/>
+              <a:t>Decent resistor</a:t>
+            </a:r>
+          </a:p>
+          <a:p>
+            <a:pPr marL="171450" indent="-171450">
+              <a:buFontTx/>
+              <a:buChar char="-"/>
+            </a:pPr>
+            <a:r>
+              <a:rPr lang="en-US" baseline="0" dirty="0"/>
+              <a:t>Large resistor</a:t>
+            </a:r>
+          </a:p>
+          <a:p>
+            <a:pPr marL="171450" indent="-171450">
+              <a:buFontTx/>
+              <a:buChar char="-"/>
+            </a:pPr>
+            <a:r>
+              <a:rPr lang="en-US" baseline="0" dirty="0"/>
+              <a:t>See if you can burn one up.</a:t>
+            </a:r>
             <a:endParaRPr lang="en-US" dirty="0"/>
           </a:p>
         </p:txBody>
@@ -1404,7 +1984,835 @@
     </p:spTree>
     <p:extLst>
       <p:ext uri="{BB962C8B-B14F-4D97-AF65-F5344CB8AC3E}">
-        <p14:creationId xmlns:p14="http://schemas.microsoft.com/office/powerpoint/2010/main" val="3077145086"/>
+        <p14:creationId xmlns:p14="http://schemas.microsoft.com/office/powerpoint/2010/main" val="1280321535"/>
+      </p:ext>
+    </p:extLst>
+  </p:cSld>
+  <p:clrMapOvr>
+    <a:masterClrMapping/>
+  </p:clrMapOvr>
+</p:notes>
+</file>
+
+<file path=ppt/notesSlides/notesSlide15.xml><?xml version="1.0" encoding="utf-8"?>
+<p:notes xmlns:a="http://schemas.openxmlformats.org/drawingml/2006/main" xmlns:r="http://schemas.openxmlformats.org/officeDocument/2006/relationships" xmlns:p="http://schemas.openxmlformats.org/presentationml/2006/main">
+  <p:cSld>
+    <p:spTree>
+      <p:nvGrpSpPr>
+        <p:cNvPr id="1" name=""/>
+        <p:cNvGrpSpPr/>
+        <p:nvPr/>
+      </p:nvGrpSpPr>
+      <p:grpSpPr>
+        <a:xfrm>
+          <a:off x="0" y="0"/>
+          <a:ext cx="0" cy="0"/>
+          <a:chOff x="0" y="0"/>
+          <a:chExt cx="0" cy="0"/>
+        </a:xfrm>
+      </p:grpSpPr>
+      <p:sp>
+        <p:nvSpPr>
+          <p:cNvPr id="2" name="Slide Image Placeholder 1"/>
+          <p:cNvSpPr>
+            <a:spLocks noGrp="1" noRot="1" noChangeAspect="1"/>
+          </p:cNvSpPr>
+          <p:nvPr>
+            <p:ph type="sldImg"/>
+          </p:nvPr>
+        </p:nvSpPr>
+        <p:spPr/>
+      </p:sp>
+      <p:sp>
+        <p:nvSpPr>
+          <p:cNvPr id="3" name="Notes Placeholder 2"/>
+          <p:cNvSpPr>
+            <a:spLocks noGrp="1"/>
+          </p:cNvSpPr>
+          <p:nvPr>
+            <p:ph type="body" idx="1"/>
+          </p:nvPr>
+        </p:nvSpPr>
+        <p:spPr/>
+        <p:txBody>
+          <a:bodyPr/>
+          <a:lstStyle/>
+          <a:p>
+            <a:r>
+              <a:rPr lang="en-US" dirty="0"/>
+              <a:t>Or what that “magic smoke is</a:t>
+            </a:r>
+            <a:r>
+              <a:rPr lang="en-US" baseline="0" dirty="0"/>
+              <a:t> made out of”</a:t>
+            </a:r>
+          </a:p>
+          <a:p>
+            <a:endParaRPr lang="en-US" dirty="0"/>
+          </a:p>
+          <a:p>
+            <a:r>
+              <a:rPr lang="en-US" dirty="0"/>
+              <a:t>Voltage</a:t>
+            </a:r>
+          </a:p>
+          <a:p>
+            <a:r>
+              <a:rPr lang="en-US" dirty="0"/>
+              <a:t>Current</a:t>
+            </a:r>
+          </a:p>
+          <a:p>
+            <a:r>
+              <a:rPr lang="en-US" dirty="0"/>
+              <a:t>Conductors</a:t>
+            </a:r>
+          </a:p>
+          <a:p>
+            <a:endParaRPr lang="en-US" dirty="0"/>
+          </a:p>
+          <a:p>
+            <a:r>
+              <a:rPr lang="en-US" dirty="0"/>
+              <a:t>How they relate</a:t>
+            </a:r>
+          </a:p>
+          <a:p>
+            <a:endParaRPr lang="en-US" dirty="0"/>
+          </a:p>
+          <a:p>
+            <a:r>
+              <a:rPr lang="en-US" dirty="0"/>
+              <a:t>AC vs. DC</a:t>
+            </a:r>
+          </a:p>
+          <a:p>
+            <a:endParaRPr lang="en-US" dirty="0"/>
+          </a:p>
+          <a:p>
+            <a:r>
+              <a:rPr lang="en-US" dirty="0"/>
+              <a:t>V = IR</a:t>
+            </a:r>
+            <a:r>
+              <a:rPr lang="en-US" baseline="0" dirty="0"/>
+              <a:t> in triangle</a:t>
+            </a:r>
+          </a:p>
+          <a:p>
+            <a:endParaRPr lang="en-US" baseline="0" dirty="0"/>
+          </a:p>
+          <a:p>
+            <a:r>
+              <a:rPr lang="en-US" baseline="0" dirty="0"/>
+              <a:t>P = IV in triangle for power</a:t>
+            </a:r>
+          </a:p>
+          <a:p>
+            <a:endParaRPr lang="en-US" dirty="0"/>
+          </a:p>
+        </p:txBody>
+      </p:sp>
+      <p:sp>
+        <p:nvSpPr>
+          <p:cNvPr id="4" name="Slide Number Placeholder 3"/>
+          <p:cNvSpPr>
+            <a:spLocks noGrp="1"/>
+          </p:cNvSpPr>
+          <p:nvPr>
+            <p:ph type="sldNum" sz="quarter" idx="5"/>
+          </p:nvPr>
+        </p:nvSpPr>
+        <p:spPr/>
+        <p:txBody>
+          <a:bodyPr/>
+          <a:lstStyle/>
+          <a:p>
+            <a:fld id="{DDDA151A-A1CD-4445-8EC2-5767EAB36D58}" type="slidenum">
+              <a:rPr lang="en-US" smtClean="0"/>
+              <a:t>15</a:t>
+            </a:fld>
+            <a:endParaRPr lang="en-US"/>
+          </a:p>
+        </p:txBody>
+      </p:sp>
+    </p:spTree>
+    <p:extLst>
+      <p:ext uri="{BB962C8B-B14F-4D97-AF65-F5344CB8AC3E}">
+        <p14:creationId xmlns:p14="http://schemas.microsoft.com/office/powerpoint/2010/main" val="2020582336"/>
+      </p:ext>
+    </p:extLst>
+  </p:cSld>
+  <p:clrMapOvr>
+    <a:masterClrMapping/>
+  </p:clrMapOvr>
+</p:notes>
+</file>
+
+<file path=ppt/notesSlides/notesSlide16.xml><?xml version="1.0" encoding="utf-8"?>
+<p:notes xmlns:a="http://schemas.openxmlformats.org/drawingml/2006/main" xmlns:r="http://schemas.openxmlformats.org/officeDocument/2006/relationships" xmlns:p="http://schemas.openxmlformats.org/presentationml/2006/main">
+  <p:cSld>
+    <p:spTree>
+      <p:nvGrpSpPr>
+        <p:cNvPr id="1" name=""/>
+        <p:cNvGrpSpPr/>
+        <p:nvPr/>
+      </p:nvGrpSpPr>
+      <p:grpSpPr>
+        <a:xfrm>
+          <a:off x="0" y="0"/>
+          <a:ext cx="0" cy="0"/>
+          <a:chOff x="0" y="0"/>
+          <a:chExt cx="0" cy="0"/>
+        </a:xfrm>
+      </p:grpSpPr>
+      <p:sp>
+        <p:nvSpPr>
+          <p:cNvPr id="2" name="Slide Image Placeholder 1"/>
+          <p:cNvSpPr>
+            <a:spLocks noGrp="1" noRot="1" noChangeAspect="1"/>
+          </p:cNvSpPr>
+          <p:nvPr>
+            <p:ph type="sldImg"/>
+          </p:nvPr>
+        </p:nvSpPr>
+        <p:spPr/>
+      </p:sp>
+      <p:sp>
+        <p:nvSpPr>
+          <p:cNvPr id="3" name="Notes Placeholder 2"/>
+          <p:cNvSpPr>
+            <a:spLocks noGrp="1"/>
+          </p:cNvSpPr>
+          <p:nvPr>
+            <p:ph type="body" idx="1"/>
+          </p:nvPr>
+        </p:nvSpPr>
+        <p:spPr/>
+        <p:txBody>
+          <a:bodyPr/>
+          <a:lstStyle/>
+          <a:p>
+            <a:r>
+              <a:rPr lang="en-US" dirty="0"/>
+              <a:t>Demo:</a:t>
+            </a:r>
+          </a:p>
+          <a:p>
+            <a:r>
+              <a:rPr lang="en-US" dirty="0"/>
+              <a:t>Voltage drop over Series and Parallel</a:t>
+            </a:r>
+          </a:p>
+          <a:p>
+            <a:r>
+              <a:rPr lang="en-US" baseline="0" dirty="0"/>
+              <a:t>Calculate Power and show watts</a:t>
+            </a:r>
+          </a:p>
+          <a:p>
+            <a:r>
+              <a:rPr lang="en-US" baseline="0" dirty="0"/>
+              <a:t>Show a ¼ watt resistor getting burnt.</a:t>
+            </a:r>
+          </a:p>
+          <a:p>
+            <a:r>
+              <a:rPr lang="en-US" baseline="0" dirty="0"/>
+              <a:t>Show Current</a:t>
+            </a:r>
+          </a:p>
+          <a:p>
+            <a:endParaRPr lang="en-US" baseline="0" dirty="0"/>
+          </a:p>
+          <a:p>
+            <a:r>
+              <a:rPr lang="en-US" baseline="0" dirty="0"/>
+              <a:t>- Show POT and reference in Series resistors</a:t>
+            </a:r>
+          </a:p>
+          <a:p>
+            <a:r>
+              <a:rPr lang="en-US" baseline="0" dirty="0"/>
+              <a:t>- Show how the </a:t>
+            </a:r>
+            <a:r>
+              <a:rPr lang="en-US" baseline="0" dirty="0" err="1"/>
+              <a:t>rc</a:t>
+            </a:r>
+            <a:r>
+              <a:rPr lang="en-US" baseline="0" dirty="0"/>
+              <a:t> circuit works on an Arduino.</a:t>
+            </a:r>
+            <a:endParaRPr lang="en-US" dirty="0"/>
+          </a:p>
+          <a:p>
+            <a:endParaRPr lang="en-US" baseline="0" dirty="0"/>
+          </a:p>
+        </p:txBody>
+      </p:sp>
+      <p:sp>
+        <p:nvSpPr>
+          <p:cNvPr id="4" name="Slide Number Placeholder 3"/>
+          <p:cNvSpPr>
+            <a:spLocks noGrp="1"/>
+          </p:cNvSpPr>
+          <p:nvPr>
+            <p:ph type="sldNum" sz="quarter" idx="5"/>
+          </p:nvPr>
+        </p:nvSpPr>
+        <p:spPr/>
+        <p:txBody>
+          <a:bodyPr/>
+          <a:lstStyle/>
+          <a:p>
+            <a:fld id="{DDDA151A-A1CD-4445-8EC2-5767EAB36D58}" type="slidenum">
+              <a:rPr lang="en-US" smtClean="0"/>
+              <a:t>16</a:t>
+            </a:fld>
+            <a:endParaRPr lang="en-US"/>
+          </a:p>
+        </p:txBody>
+      </p:sp>
+    </p:spTree>
+    <p:extLst>
+      <p:ext uri="{BB962C8B-B14F-4D97-AF65-F5344CB8AC3E}">
+        <p14:creationId xmlns:p14="http://schemas.microsoft.com/office/powerpoint/2010/main" val="2138481164"/>
+      </p:ext>
+    </p:extLst>
+  </p:cSld>
+  <p:clrMapOvr>
+    <a:masterClrMapping/>
+  </p:clrMapOvr>
+</p:notes>
+</file>
+
+<file path=ppt/notesSlides/notesSlide17.xml><?xml version="1.0" encoding="utf-8"?>
+<p:notes xmlns:a="http://schemas.openxmlformats.org/drawingml/2006/main" xmlns:r="http://schemas.openxmlformats.org/officeDocument/2006/relationships" xmlns:p="http://schemas.openxmlformats.org/presentationml/2006/main">
+  <p:cSld>
+    <p:spTree>
+      <p:nvGrpSpPr>
+        <p:cNvPr id="1" name=""/>
+        <p:cNvGrpSpPr/>
+        <p:nvPr/>
+      </p:nvGrpSpPr>
+      <p:grpSpPr>
+        <a:xfrm>
+          <a:off x="0" y="0"/>
+          <a:ext cx="0" cy="0"/>
+          <a:chOff x="0" y="0"/>
+          <a:chExt cx="0" cy="0"/>
+        </a:xfrm>
+      </p:grpSpPr>
+      <p:sp>
+        <p:nvSpPr>
+          <p:cNvPr id="2" name="Slide Image Placeholder 1"/>
+          <p:cNvSpPr>
+            <a:spLocks noGrp="1" noRot="1" noChangeAspect="1"/>
+          </p:cNvSpPr>
+          <p:nvPr>
+            <p:ph type="sldImg"/>
+          </p:nvPr>
+        </p:nvSpPr>
+        <p:spPr/>
+      </p:sp>
+      <p:sp>
+        <p:nvSpPr>
+          <p:cNvPr id="3" name="Notes Placeholder 2"/>
+          <p:cNvSpPr>
+            <a:spLocks noGrp="1"/>
+          </p:cNvSpPr>
+          <p:nvPr>
+            <p:ph type="body" idx="1"/>
+          </p:nvPr>
+        </p:nvSpPr>
+        <p:spPr/>
+        <p:txBody>
+          <a:bodyPr/>
+          <a:lstStyle/>
+          <a:p>
+            <a:r>
+              <a:rPr lang="en-US" dirty="0"/>
+              <a:t>NPN(most common,</a:t>
+            </a:r>
+            <a:r>
+              <a:rPr lang="en-US" baseline="0" dirty="0"/>
+              <a:t> bi-polar)</a:t>
+            </a:r>
+            <a:r>
+              <a:rPr lang="en-US" dirty="0"/>
+              <a:t>, PMP,</a:t>
+            </a:r>
+            <a:r>
+              <a:rPr lang="en-US" baseline="0" dirty="0"/>
+              <a:t> Photo, FET, MOSFET(high current switching, not as robust as NPN)</a:t>
+            </a:r>
+          </a:p>
+          <a:p>
+            <a:endParaRPr lang="en-US" baseline="0" dirty="0"/>
+          </a:p>
+          <a:p>
+            <a:r>
+              <a:rPr lang="en-US" baseline="0" dirty="0"/>
+              <a:t>You can </a:t>
+            </a:r>
+            <a:r>
+              <a:rPr lang="en-US" baseline="0" dirty="0" err="1"/>
+              <a:t>bing</a:t>
+            </a:r>
+            <a:r>
+              <a:rPr lang="en-US" baseline="0" dirty="0"/>
+              <a:t> images to find the schematic symbol</a:t>
+            </a:r>
+          </a:p>
+          <a:p>
+            <a:endParaRPr lang="en-US" baseline="0" dirty="0"/>
+          </a:p>
+          <a:p>
+            <a:r>
+              <a:rPr lang="en-US" baseline="0" dirty="0"/>
+              <a:t>Exceed 0.6 above ground triggers most.  </a:t>
+            </a:r>
+            <a:r>
+              <a:rPr lang="en-US" baseline="0" dirty="0" err="1"/>
+              <a:t>Ie</a:t>
+            </a:r>
+            <a:r>
+              <a:rPr lang="en-US" baseline="0" dirty="0"/>
+              <a:t> Gate Voltage</a:t>
+            </a:r>
+          </a:p>
+          <a:p>
+            <a:endParaRPr lang="en-US" baseline="0" dirty="0"/>
+          </a:p>
+          <a:p>
+            <a:r>
+              <a:rPr lang="en-US" baseline="0" dirty="0"/>
+              <a:t>They have current, gain rating, which is a multiplier of the </a:t>
+            </a:r>
+            <a:r>
+              <a:rPr lang="en-US" baseline="0" dirty="0" err="1"/>
+              <a:t>imput</a:t>
+            </a:r>
+            <a:r>
+              <a:rPr lang="en-US" baseline="0" dirty="0"/>
+              <a:t>.</a:t>
+            </a:r>
+          </a:p>
+          <a:p>
+            <a:endParaRPr lang="en-US" baseline="0" dirty="0"/>
+          </a:p>
+          <a:p>
+            <a:r>
+              <a:rPr lang="en-US" baseline="0" dirty="0"/>
+              <a:t>Hell Yeah!!! </a:t>
+            </a:r>
+          </a:p>
+          <a:p>
+            <a:endParaRPr lang="en-US" baseline="0" dirty="0"/>
+          </a:p>
+          <a:p>
+            <a:r>
+              <a:rPr lang="en-US" baseline="0" dirty="0"/>
+              <a:t>How they are the “switches” that make everything work.</a:t>
+            </a:r>
+          </a:p>
+          <a:p>
+            <a:endParaRPr lang="en-US" baseline="0" dirty="0"/>
+          </a:p>
+          <a:p>
+            <a:r>
+              <a:rPr lang="en-US" baseline="0" dirty="0"/>
+              <a:t>Demo:</a:t>
+            </a:r>
+          </a:p>
+          <a:p>
+            <a:pPr marL="171450" indent="-171450">
+              <a:buFontTx/>
+              <a:buChar char="-"/>
+            </a:pPr>
+            <a:r>
+              <a:rPr lang="en-US" baseline="0" dirty="0"/>
+              <a:t>Single transistor</a:t>
+            </a:r>
+          </a:p>
+          <a:p>
+            <a:pPr marL="171450" indent="-171450">
+              <a:buFontTx/>
+              <a:buChar char="-"/>
+            </a:pPr>
+            <a:r>
+              <a:rPr lang="en-US" baseline="0" dirty="0"/>
+              <a:t>Show </a:t>
+            </a:r>
+            <a:r>
+              <a:rPr lang="en-US" baseline="0" dirty="0" err="1"/>
+              <a:t>astable</a:t>
+            </a:r>
+            <a:r>
+              <a:rPr lang="en-US" baseline="0" dirty="0"/>
+              <a:t> in </a:t>
+            </a:r>
+            <a:r>
+              <a:rPr lang="en-US" baseline="0" dirty="0" err="1"/>
+              <a:t>tinkercad</a:t>
+            </a:r>
+            <a:endParaRPr lang="en-US" baseline="0" dirty="0"/>
+          </a:p>
+          <a:p>
+            <a:pPr marL="171450" indent="-171450">
+              <a:buFontTx/>
+              <a:buChar char="-"/>
+            </a:pPr>
+            <a:r>
+              <a:rPr lang="en-US" baseline="0" dirty="0"/>
+              <a:t>Show it for real</a:t>
+            </a:r>
+          </a:p>
+          <a:p>
+            <a:pPr marL="171450" indent="-171450">
+              <a:buFontTx/>
+              <a:buChar char="-"/>
+            </a:pPr>
+            <a:endParaRPr lang="en-US" baseline="0" dirty="0"/>
+          </a:p>
+          <a:p>
+            <a:pPr marL="0" indent="0">
+              <a:buFontTx/>
+              <a:buNone/>
+            </a:pPr>
+            <a:endParaRPr lang="en-US" dirty="0"/>
+          </a:p>
+        </p:txBody>
+      </p:sp>
+      <p:sp>
+        <p:nvSpPr>
+          <p:cNvPr id="4" name="Slide Number Placeholder 3"/>
+          <p:cNvSpPr>
+            <a:spLocks noGrp="1"/>
+          </p:cNvSpPr>
+          <p:nvPr>
+            <p:ph type="sldNum" sz="quarter" idx="5"/>
+          </p:nvPr>
+        </p:nvSpPr>
+        <p:spPr/>
+        <p:txBody>
+          <a:bodyPr/>
+          <a:lstStyle/>
+          <a:p>
+            <a:fld id="{DDDA151A-A1CD-4445-8EC2-5767EAB36D58}" type="slidenum">
+              <a:rPr lang="en-US" smtClean="0"/>
+              <a:t>17</a:t>
+            </a:fld>
+            <a:endParaRPr lang="en-US"/>
+          </a:p>
+        </p:txBody>
+      </p:sp>
+    </p:spTree>
+    <p:extLst>
+      <p:ext uri="{BB962C8B-B14F-4D97-AF65-F5344CB8AC3E}">
+        <p14:creationId xmlns:p14="http://schemas.microsoft.com/office/powerpoint/2010/main" val="1997888160"/>
+      </p:ext>
+    </p:extLst>
+  </p:cSld>
+  <p:clrMapOvr>
+    <a:masterClrMapping/>
+  </p:clrMapOvr>
+</p:notes>
+</file>
+
+<file path=ppt/notesSlides/notesSlide18.xml><?xml version="1.0" encoding="utf-8"?>
+<p:notes xmlns:a="http://schemas.openxmlformats.org/drawingml/2006/main" xmlns:r="http://schemas.openxmlformats.org/officeDocument/2006/relationships" xmlns:p="http://schemas.openxmlformats.org/presentationml/2006/main">
+  <p:cSld>
+    <p:spTree>
+      <p:nvGrpSpPr>
+        <p:cNvPr id="1" name=""/>
+        <p:cNvGrpSpPr/>
+        <p:nvPr/>
+      </p:nvGrpSpPr>
+      <p:grpSpPr>
+        <a:xfrm>
+          <a:off x="0" y="0"/>
+          <a:ext cx="0" cy="0"/>
+          <a:chOff x="0" y="0"/>
+          <a:chExt cx="0" cy="0"/>
+        </a:xfrm>
+      </p:grpSpPr>
+      <p:sp>
+        <p:nvSpPr>
+          <p:cNvPr id="2" name="Slide Image Placeholder 1"/>
+          <p:cNvSpPr>
+            <a:spLocks noGrp="1" noRot="1" noChangeAspect="1"/>
+          </p:cNvSpPr>
+          <p:nvPr>
+            <p:ph type="sldImg"/>
+          </p:nvPr>
+        </p:nvSpPr>
+        <p:spPr/>
+      </p:sp>
+      <p:sp>
+        <p:nvSpPr>
+          <p:cNvPr id="3" name="Notes Placeholder 2"/>
+          <p:cNvSpPr>
+            <a:spLocks noGrp="1"/>
+          </p:cNvSpPr>
+          <p:nvPr>
+            <p:ph type="body" idx="1"/>
+          </p:nvPr>
+        </p:nvSpPr>
+        <p:spPr/>
+        <p:txBody>
+          <a:bodyPr/>
+          <a:lstStyle/>
+          <a:p>
+            <a:r>
+              <a:rPr lang="en-US" dirty="0"/>
+              <a:t>What a switch really is and how a relay</a:t>
+            </a:r>
+            <a:r>
+              <a:rPr lang="en-US" baseline="0" dirty="0"/>
+              <a:t> is just a fancy switch with and inductor</a:t>
+            </a:r>
+          </a:p>
+          <a:p>
+            <a:endParaRPr lang="en-US" baseline="0" dirty="0"/>
+          </a:p>
+          <a:p>
+            <a:r>
+              <a:rPr lang="en-US" baseline="0" dirty="0"/>
+              <a:t>Talk about</a:t>
+            </a:r>
+          </a:p>
+          <a:p>
+            <a:endParaRPr lang="en-US" baseline="0" dirty="0"/>
+          </a:p>
+          <a:p>
+            <a:r>
+              <a:rPr lang="en-US" baseline="0" dirty="0"/>
+              <a:t>Normally Open, Normally Closed</a:t>
+            </a:r>
+          </a:p>
+          <a:p>
+            <a:endParaRPr lang="en-US" baseline="0" dirty="0"/>
+          </a:p>
+          <a:p>
+            <a:r>
+              <a:rPr lang="en-US" baseline="0" dirty="0"/>
+              <a:t>Single vs double</a:t>
+            </a:r>
+          </a:p>
+          <a:p>
+            <a:endParaRPr lang="en-US" baseline="0" dirty="0"/>
+          </a:p>
+          <a:p>
+            <a:r>
+              <a:rPr lang="en-US" baseline="0" dirty="0"/>
+              <a:t>Mechanical vs Solid State vs. and Opto-Isolator</a:t>
+            </a:r>
+            <a:endParaRPr lang="en-US" dirty="0"/>
+          </a:p>
+        </p:txBody>
+      </p:sp>
+      <p:sp>
+        <p:nvSpPr>
+          <p:cNvPr id="4" name="Slide Number Placeholder 3"/>
+          <p:cNvSpPr>
+            <a:spLocks noGrp="1"/>
+          </p:cNvSpPr>
+          <p:nvPr>
+            <p:ph type="sldNum" sz="quarter" idx="5"/>
+          </p:nvPr>
+        </p:nvSpPr>
+        <p:spPr/>
+        <p:txBody>
+          <a:bodyPr/>
+          <a:lstStyle/>
+          <a:p>
+            <a:fld id="{DDDA151A-A1CD-4445-8EC2-5767EAB36D58}" type="slidenum">
+              <a:rPr lang="en-US" smtClean="0"/>
+              <a:t>18</a:t>
+            </a:fld>
+            <a:endParaRPr lang="en-US"/>
+          </a:p>
+        </p:txBody>
+      </p:sp>
+    </p:spTree>
+    <p:extLst>
+      <p:ext uri="{BB962C8B-B14F-4D97-AF65-F5344CB8AC3E}">
+        <p14:creationId xmlns:p14="http://schemas.microsoft.com/office/powerpoint/2010/main" val="4209009501"/>
+      </p:ext>
+    </p:extLst>
+  </p:cSld>
+  <p:clrMapOvr>
+    <a:masterClrMapping/>
+  </p:clrMapOvr>
+</p:notes>
+</file>
+
+<file path=ppt/notesSlides/notesSlide19.xml><?xml version="1.0" encoding="utf-8"?>
+<p:notes xmlns:a="http://schemas.openxmlformats.org/drawingml/2006/main" xmlns:r="http://schemas.openxmlformats.org/officeDocument/2006/relationships" xmlns:p="http://schemas.openxmlformats.org/presentationml/2006/main">
+  <p:cSld>
+    <p:spTree>
+      <p:nvGrpSpPr>
+        <p:cNvPr id="1" name=""/>
+        <p:cNvGrpSpPr/>
+        <p:nvPr/>
+      </p:nvGrpSpPr>
+      <p:grpSpPr>
+        <a:xfrm>
+          <a:off x="0" y="0"/>
+          <a:ext cx="0" cy="0"/>
+          <a:chOff x="0" y="0"/>
+          <a:chExt cx="0" cy="0"/>
+        </a:xfrm>
+      </p:grpSpPr>
+      <p:sp>
+        <p:nvSpPr>
+          <p:cNvPr id="2" name="Slide Image Placeholder 1"/>
+          <p:cNvSpPr>
+            <a:spLocks noGrp="1" noRot="1" noChangeAspect="1"/>
+          </p:cNvSpPr>
+          <p:nvPr>
+            <p:ph type="sldImg"/>
+          </p:nvPr>
+        </p:nvSpPr>
+        <p:spPr/>
+      </p:sp>
+      <p:sp>
+        <p:nvSpPr>
+          <p:cNvPr id="3" name="Notes Placeholder 2"/>
+          <p:cNvSpPr>
+            <a:spLocks noGrp="1"/>
+          </p:cNvSpPr>
+          <p:nvPr>
+            <p:ph type="body" idx="1"/>
+          </p:nvPr>
+        </p:nvSpPr>
+        <p:spPr/>
+        <p:txBody>
+          <a:bodyPr/>
+          <a:lstStyle/>
+          <a:p>
+            <a:r>
+              <a:rPr lang="en-US" dirty="0"/>
+              <a:t>Digital vs.</a:t>
+            </a:r>
+            <a:r>
+              <a:rPr lang="en-US" baseline="0" dirty="0"/>
+              <a:t> Analog</a:t>
+            </a:r>
+          </a:p>
+          <a:p>
+            <a:pPr marL="171450" indent="-171450">
+              <a:buFontTx/>
+              <a:buChar char="-"/>
+            </a:pPr>
+            <a:r>
+              <a:rPr lang="en-US" baseline="0" dirty="0"/>
+              <a:t>Active high</a:t>
+            </a:r>
+          </a:p>
+          <a:p>
+            <a:pPr marL="171450" indent="-171450">
+              <a:buFontTx/>
+              <a:buChar char="-"/>
+            </a:pPr>
+            <a:r>
+              <a:rPr lang="en-US" baseline="0" dirty="0"/>
+              <a:t>No 0’s and 1’s</a:t>
+            </a:r>
+          </a:p>
+          <a:p>
+            <a:pPr marL="171450" indent="-171450">
+              <a:buFontTx/>
+              <a:buChar char="-"/>
+            </a:pPr>
+            <a:r>
+              <a:rPr lang="en-US" baseline="0" dirty="0"/>
+              <a:t>Not a true square wave because well…. Physics!!!</a:t>
+            </a:r>
+          </a:p>
+          <a:p>
+            <a:endParaRPr lang="en-US" dirty="0"/>
+          </a:p>
+          <a:p>
+            <a:endParaRPr lang="en-US" dirty="0"/>
+          </a:p>
+          <a:p>
+            <a:r>
+              <a:rPr lang="en-US" dirty="0"/>
+              <a:t>Various</a:t>
+            </a:r>
+            <a:r>
+              <a:rPr lang="en-US" baseline="0" dirty="0"/>
+              <a:t> form of DIP and the such.</a:t>
+            </a:r>
+          </a:p>
+          <a:p>
+            <a:endParaRPr lang="en-US" baseline="0" dirty="0"/>
+          </a:p>
+          <a:p>
+            <a:r>
+              <a:rPr lang="en-US" baseline="0" dirty="0"/>
+              <a:t>Introduce the Arduino talk more about analog vs digital</a:t>
+            </a:r>
+          </a:p>
+          <a:p>
+            <a:endParaRPr lang="en-US" baseline="0" dirty="0"/>
+          </a:p>
+          <a:p>
+            <a:endParaRPr lang="en-US" baseline="0" dirty="0"/>
+          </a:p>
+          <a:p>
+            <a:endParaRPr lang="en-US" baseline="0" dirty="0"/>
+          </a:p>
+          <a:p>
+            <a:r>
+              <a:rPr lang="en-US" baseline="0" dirty="0"/>
+              <a:t>Pull up vs. pull down resistor.  Reference Active High/Low</a:t>
+            </a:r>
+          </a:p>
+          <a:p>
+            <a:endParaRPr lang="en-US" baseline="0" dirty="0"/>
+          </a:p>
+          <a:p>
+            <a:endParaRPr lang="en-US" baseline="0" dirty="0"/>
+          </a:p>
+          <a:p>
+            <a:r>
+              <a:rPr lang="en-US" baseline="0" dirty="0"/>
+              <a:t>Demo:</a:t>
+            </a:r>
+          </a:p>
+        </p:txBody>
+      </p:sp>
+      <p:sp>
+        <p:nvSpPr>
+          <p:cNvPr id="4" name="Slide Number Placeholder 3"/>
+          <p:cNvSpPr>
+            <a:spLocks noGrp="1"/>
+          </p:cNvSpPr>
+          <p:nvPr>
+            <p:ph type="sldNum" sz="quarter" idx="5"/>
+          </p:nvPr>
+        </p:nvSpPr>
+        <p:spPr/>
+        <p:txBody>
+          <a:bodyPr/>
+          <a:lstStyle/>
+          <a:p>
+            <a:fld id="{DDDA151A-A1CD-4445-8EC2-5767EAB36D58}" type="slidenum">
+              <a:rPr lang="en-US" smtClean="0"/>
+              <a:t>19</a:t>
+            </a:fld>
+            <a:endParaRPr lang="en-US"/>
+          </a:p>
+        </p:txBody>
+      </p:sp>
+    </p:spTree>
+    <p:extLst>
+      <p:ext uri="{BB962C8B-B14F-4D97-AF65-F5344CB8AC3E}">
+        <p14:creationId xmlns:p14="http://schemas.microsoft.com/office/powerpoint/2010/main" val="1369030204"/>
       </p:ext>
     </p:extLst>
   </p:cSld>
@@ -1460,260 +2868,87 @@
           <a:p>
             <a:r>
               <a:rPr lang="en-US" dirty="0"/>
-              <a:t>Abstract notes:</a:t>
-            </a:r>
-          </a:p>
-          <a:p>
-            <a:r>
-              <a:rPr lang="en-US" sz="1200" b="0" i="0" kern="1200" dirty="0">
-                <a:solidFill>
-                  <a:schemeClr val="tx1"/>
-                </a:solidFill>
-                <a:effectLst/>
-                <a:latin typeface="+mn-lt"/>
-                <a:ea typeface="+mn-ea"/>
-                <a:cs typeface="+mn-cs"/>
+              <a:t>Go through a sample schematic</a:t>
+            </a:r>
+          </a:p>
+          <a:p>
+            <a:r>
+              <a:rPr lang="en-US" dirty="0"/>
+              <a:t>Maybe 555</a:t>
+            </a:r>
+            <a:r>
+              <a:rPr lang="en-US" baseline="0" dirty="0"/>
+              <a:t> timer circuit?</a:t>
+            </a:r>
+            <a:endParaRPr lang="en-US" dirty="0"/>
+          </a:p>
+          <a:p>
+            <a:endParaRPr lang="en-US" dirty="0"/>
+          </a:p>
+          <a:p>
+            <a:r>
+              <a:rPr lang="en-US" dirty="0"/>
+              <a:t>Needs to have cross over lines</a:t>
+            </a:r>
+          </a:p>
+          <a:p>
+            <a:endParaRPr lang="en-US" dirty="0"/>
+          </a:p>
+          <a:p>
+            <a:r>
+              <a:rPr lang="en-US" dirty="0"/>
+              <a:t>Need to have</a:t>
+            </a:r>
+          </a:p>
+          <a:p>
+            <a:r>
+              <a:rPr lang="en-US" dirty="0"/>
+              <a:t>Resistor</a:t>
+            </a:r>
+          </a:p>
+          <a:p>
+            <a:r>
+              <a:rPr lang="en-US" dirty="0"/>
+              <a:t>Capacitor</a:t>
+            </a:r>
+          </a:p>
+          <a:p>
+            <a:r>
+              <a:rPr lang="en-US" dirty="0"/>
+              <a:t>LED</a:t>
+            </a:r>
+          </a:p>
+          <a:p>
+            <a:r>
+              <a:rPr lang="en-US" dirty="0"/>
+              <a:t>Voltage source</a:t>
+            </a:r>
+          </a:p>
+          <a:p>
+            <a:r>
+              <a:rPr lang="en-US" dirty="0"/>
+              <a:t>Ground</a:t>
+            </a:r>
+          </a:p>
+          <a:p>
+            <a:r>
+              <a:rPr lang="en-US" dirty="0"/>
+              <a:t>IC</a:t>
+            </a:r>
+          </a:p>
+          <a:p>
+            <a:endParaRPr lang="en-US" dirty="0"/>
+          </a:p>
+          <a:p>
+            <a:r>
+              <a:rPr lang="en-US" dirty="0"/>
+              <a:t>Image credit: </a:t>
+            </a:r>
+            <a:r>
+              <a:rPr lang="en-US" dirty="0">
+                <a:hlinkClick r:id="rId3"/>
               </a:rPr>
-              <a:t>Developing programs for IoT devices, embedded computers, and other "smart" devices connecting the "real" world has become a commonplace activity. Some of the concepts, language, and tools may seem entirely foreign to even the most skilled programmers/developers. </a:t>
-            </a:r>
-          </a:p>
-          <a:p>
-            <a:endParaRPr lang="en-US" sz="1200" b="0" i="0" kern="1200" dirty="0">
-              <a:solidFill>
-                <a:schemeClr val="tx1"/>
-              </a:solidFill>
-              <a:effectLst/>
-              <a:latin typeface="+mn-lt"/>
-              <a:ea typeface="+mn-ea"/>
-              <a:cs typeface="+mn-cs"/>
-            </a:endParaRPr>
-          </a:p>
-          <a:p>
-            <a:r>
-              <a:rPr lang="en-US" sz="1200" b="0" i="0" kern="1200" dirty="0">
-                <a:solidFill>
-                  <a:schemeClr val="tx1"/>
-                </a:solidFill>
-                <a:effectLst/>
-                <a:latin typeface="+mn-lt"/>
-                <a:ea typeface="+mn-ea"/>
-                <a:cs typeface="+mn-cs"/>
-              </a:rPr>
-              <a:t>I will be explaining terms, defining components, and demonstrating principles and techniques, as well as answering burning questions like: </a:t>
-            </a:r>
-          </a:p>
-          <a:p>
-            <a:r>
-              <a:rPr lang="en-US" sz="1200" b="0" i="0" kern="1200" dirty="0">
-                <a:solidFill>
-                  <a:schemeClr val="tx1"/>
-                </a:solidFill>
-                <a:effectLst/>
-                <a:latin typeface="+mn-lt"/>
-                <a:ea typeface="+mn-ea"/>
-                <a:cs typeface="+mn-cs"/>
-              </a:rPr>
-              <a:t>Do I have enough Amps? </a:t>
-            </a:r>
-          </a:p>
-          <a:p>
-            <a:endParaRPr lang="en-US" sz="1200" b="0" i="0" kern="1200" dirty="0">
-              <a:solidFill>
-                <a:schemeClr val="tx1"/>
-              </a:solidFill>
-              <a:effectLst/>
-              <a:latin typeface="+mn-lt"/>
-              <a:ea typeface="+mn-ea"/>
-              <a:cs typeface="+mn-cs"/>
-            </a:endParaRPr>
-          </a:p>
-          <a:p>
-            <a:r>
-              <a:rPr lang="en-US" sz="1200" b="0" i="0" kern="1200" dirty="0">
-                <a:solidFill>
-                  <a:schemeClr val="tx1"/>
-                </a:solidFill>
-                <a:effectLst/>
-                <a:latin typeface="+mn-lt"/>
-                <a:ea typeface="+mn-ea"/>
-                <a:cs typeface="+mn-cs"/>
-              </a:rPr>
-              <a:t>Do I need a Pull-Up/Pull-Down Resistor? </a:t>
-            </a:r>
-          </a:p>
-          <a:p>
-            <a:endParaRPr lang="en-US" sz="1200" b="0" i="0" kern="1200" dirty="0">
-              <a:solidFill>
-                <a:schemeClr val="tx1"/>
-              </a:solidFill>
-              <a:effectLst/>
-              <a:latin typeface="+mn-lt"/>
-              <a:ea typeface="+mn-ea"/>
-              <a:cs typeface="+mn-cs"/>
-            </a:endParaRPr>
-          </a:p>
-          <a:p>
-            <a:r>
-              <a:rPr lang="en-US" sz="1200" b="0" i="0" kern="1200" dirty="0">
-                <a:solidFill>
-                  <a:schemeClr val="tx1"/>
-                </a:solidFill>
-                <a:effectLst/>
-                <a:latin typeface="+mn-lt"/>
-                <a:ea typeface="+mn-ea"/>
-                <a:cs typeface="+mn-cs"/>
-              </a:rPr>
-              <a:t>What in the world is an I2C bus and how do I use it? </a:t>
-            </a:r>
-          </a:p>
-          <a:p>
-            <a:endParaRPr lang="en-US" sz="1200" b="0" i="0" kern="1200" dirty="0">
-              <a:solidFill>
-                <a:schemeClr val="tx1"/>
-              </a:solidFill>
-              <a:effectLst/>
-              <a:latin typeface="+mn-lt"/>
-              <a:ea typeface="+mn-ea"/>
-              <a:cs typeface="+mn-cs"/>
-            </a:endParaRPr>
-          </a:p>
-          <a:p>
-            <a:r>
-              <a:rPr lang="en-US" sz="1200" b="0" i="0" kern="1200" dirty="0">
-                <a:solidFill>
-                  <a:schemeClr val="tx1"/>
-                </a:solidFill>
-                <a:effectLst/>
-                <a:latin typeface="+mn-lt"/>
-                <a:ea typeface="+mn-ea"/>
-                <a:cs typeface="+mn-cs"/>
-              </a:rPr>
-              <a:t>How do I read a schematic? </a:t>
-            </a:r>
-          </a:p>
-          <a:p>
-            <a:endParaRPr lang="en-US" sz="1200" b="0" i="0" kern="1200" dirty="0">
-              <a:solidFill>
-                <a:schemeClr val="tx1"/>
-              </a:solidFill>
-              <a:effectLst/>
-              <a:latin typeface="+mn-lt"/>
-              <a:ea typeface="+mn-ea"/>
-              <a:cs typeface="+mn-cs"/>
-            </a:endParaRPr>
-          </a:p>
-          <a:p>
-            <a:r>
-              <a:rPr lang="en-US" sz="1200" b="0" i="0" kern="1200" dirty="0">
-                <a:solidFill>
-                  <a:schemeClr val="tx1"/>
-                </a:solidFill>
-                <a:effectLst/>
-                <a:latin typeface="+mn-lt"/>
-                <a:ea typeface="+mn-ea"/>
-                <a:cs typeface="+mn-cs"/>
-              </a:rPr>
-              <a:t>What is this "Magic Smoke" that I have heard so much about? Why is it bad for it to escape?! </a:t>
-            </a:r>
-          </a:p>
-          <a:p>
-            <a:endParaRPr lang="en-US" sz="1200" b="0" i="0" kern="1200" dirty="0">
-              <a:solidFill>
-                <a:schemeClr val="tx1"/>
-              </a:solidFill>
-              <a:effectLst/>
-              <a:latin typeface="+mn-lt"/>
-              <a:ea typeface="+mn-ea"/>
-              <a:cs typeface="+mn-cs"/>
-            </a:endParaRPr>
-          </a:p>
-          <a:p>
-            <a:r>
-              <a:rPr lang="en-US" sz="1200" b="0" i="0" kern="1200" dirty="0">
-                <a:solidFill>
-                  <a:schemeClr val="tx1"/>
-                </a:solidFill>
-                <a:effectLst/>
-                <a:latin typeface="+mn-lt"/>
-                <a:ea typeface="+mn-ea"/>
-                <a:cs typeface="+mn-cs"/>
-              </a:rPr>
-              <a:t>Why do I need a DMM? Why can't I just test live voltages with my tongue the way I do 9volt batteries? </a:t>
-            </a:r>
-          </a:p>
-          <a:p>
-            <a:endParaRPr lang="en-US" sz="1200" b="0" i="0" kern="1200" dirty="0">
-              <a:solidFill>
-                <a:schemeClr val="tx1"/>
-              </a:solidFill>
-              <a:effectLst/>
-              <a:latin typeface="+mn-lt"/>
-              <a:ea typeface="+mn-ea"/>
-              <a:cs typeface="+mn-cs"/>
-            </a:endParaRPr>
-          </a:p>
-          <a:p>
-            <a:r>
-              <a:rPr lang="en-US" sz="1200" b="0" i="0" kern="1200" dirty="0">
-                <a:solidFill>
-                  <a:schemeClr val="tx1"/>
-                </a:solidFill>
-                <a:effectLst/>
-                <a:latin typeface="+mn-lt"/>
-                <a:ea typeface="+mn-ea"/>
-                <a:cs typeface="+mn-cs"/>
-              </a:rPr>
-              <a:t>Why do LEDs need a current limiting resistor? </a:t>
-            </a:r>
-          </a:p>
-          <a:p>
-            <a:endParaRPr lang="en-US" sz="1200" b="0" i="0" kern="1200" dirty="0">
-              <a:solidFill>
-                <a:schemeClr val="tx1"/>
-              </a:solidFill>
-              <a:effectLst/>
-              <a:latin typeface="+mn-lt"/>
-              <a:ea typeface="+mn-ea"/>
-              <a:cs typeface="+mn-cs"/>
-            </a:endParaRPr>
-          </a:p>
-          <a:p>
-            <a:r>
-              <a:rPr lang="en-US" sz="1200" b="0" i="0" kern="1200" dirty="0">
-                <a:solidFill>
-                  <a:schemeClr val="tx1"/>
-                </a:solidFill>
-                <a:effectLst/>
-                <a:latin typeface="+mn-lt"/>
-                <a:ea typeface="+mn-ea"/>
-                <a:cs typeface="+mn-cs"/>
-              </a:rPr>
-              <a:t>Do I still need transistors in this digital age? </a:t>
-            </a:r>
-          </a:p>
-          <a:p>
-            <a:endParaRPr lang="en-US" sz="1200" b="0" i="0" kern="1200" dirty="0">
-              <a:solidFill>
-                <a:schemeClr val="tx1"/>
-              </a:solidFill>
-              <a:effectLst/>
-              <a:latin typeface="+mn-lt"/>
-              <a:ea typeface="+mn-ea"/>
-              <a:cs typeface="+mn-cs"/>
-            </a:endParaRPr>
-          </a:p>
-          <a:p>
-            <a:r>
-              <a:rPr lang="en-US" sz="1200" b="0" i="0" kern="1200" dirty="0">
-                <a:solidFill>
-                  <a:schemeClr val="tx1"/>
-                </a:solidFill>
-                <a:effectLst/>
-                <a:latin typeface="+mn-lt"/>
-                <a:ea typeface="+mn-ea"/>
-                <a:cs typeface="+mn-cs"/>
-              </a:rPr>
-              <a:t>If these burning questions do not quite make sense to you, come to my talk! You will gain knowledge of all of these questions and more. Be sure to bring any electronics questions (burning or not), and I will get you an answer!</a:t>
+              <a:t>https://www.midcenturyradios.com/schematic.html</a:t>
             </a:r>
             <a:endParaRPr lang="en-US" dirty="0"/>
           </a:p>
@@ -1745,7 +2980,751 @@
     </p:spTree>
     <p:extLst>
       <p:ext uri="{BB962C8B-B14F-4D97-AF65-F5344CB8AC3E}">
-        <p14:creationId xmlns:p14="http://schemas.microsoft.com/office/powerpoint/2010/main" val="2374637253"/>
+        <p14:creationId xmlns:p14="http://schemas.microsoft.com/office/powerpoint/2010/main" val="1975302057"/>
+      </p:ext>
+    </p:extLst>
+  </p:cSld>
+  <p:clrMapOvr>
+    <a:masterClrMapping/>
+  </p:clrMapOvr>
+</p:notes>
+</file>
+
+<file path=ppt/notesSlides/notesSlide20.xml><?xml version="1.0" encoding="utf-8"?>
+<p:notes xmlns:a="http://schemas.openxmlformats.org/drawingml/2006/main" xmlns:r="http://schemas.openxmlformats.org/officeDocument/2006/relationships" xmlns:p="http://schemas.openxmlformats.org/presentationml/2006/main">
+  <p:cSld>
+    <p:spTree>
+      <p:nvGrpSpPr>
+        <p:cNvPr id="1" name=""/>
+        <p:cNvGrpSpPr/>
+        <p:nvPr/>
+      </p:nvGrpSpPr>
+      <p:grpSpPr>
+        <a:xfrm>
+          <a:off x="0" y="0"/>
+          <a:ext cx="0" cy="0"/>
+          <a:chOff x="0" y="0"/>
+          <a:chExt cx="0" cy="0"/>
+        </a:xfrm>
+      </p:grpSpPr>
+      <p:sp>
+        <p:nvSpPr>
+          <p:cNvPr id="2" name="Slide Image Placeholder 1"/>
+          <p:cNvSpPr>
+            <a:spLocks noGrp="1" noRot="1" noChangeAspect="1"/>
+          </p:cNvSpPr>
+          <p:nvPr>
+            <p:ph type="sldImg"/>
+          </p:nvPr>
+        </p:nvSpPr>
+        <p:spPr/>
+      </p:sp>
+      <p:sp>
+        <p:nvSpPr>
+          <p:cNvPr id="3" name="Notes Placeholder 2"/>
+          <p:cNvSpPr>
+            <a:spLocks noGrp="1"/>
+          </p:cNvSpPr>
+          <p:nvPr>
+            <p:ph type="body" idx="1"/>
+          </p:nvPr>
+        </p:nvSpPr>
+        <p:spPr/>
+        <p:txBody>
+          <a:bodyPr/>
+          <a:lstStyle/>
+          <a:p>
+            <a:r>
+              <a:rPr lang="en-US" dirty="0"/>
+              <a:t>Talk about I2c, SPI</a:t>
+            </a:r>
+          </a:p>
+          <a:p>
+            <a:endParaRPr lang="en-US" dirty="0"/>
+          </a:p>
+          <a:p>
+            <a:r>
+              <a:rPr lang="en-US" dirty="0"/>
+              <a:t>Talk</a:t>
+            </a:r>
+            <a:r>
+              <a:rPr lang="en-US" baseline="0" dirty="0"/>
+              <a:t> about level shifting.</a:t>
+            </a:r>
+            <a:endParaRPr lang="en-US" dirty="0"/>
+          </a:p>
+          <a:p>
+            <a:endParaRPr lang="en-US" dirty="0"/>
+          </a:p>
+          <a:p>
+            <a:r>
+              <a:rPr lang="en-US" dirty="0"/>
+              <a:t>Where they are currently used</a:t>
+            </a:r>
+          </a:p>
+          <a:p>
+            <a:endParaRPr lang="en-US" dirty="0"/>
+          </a:p>
+          <a:p>
+            <a:r>
+              <a:rPr lang="en-US" dirty="0"/>
+              <a:t>Show a diagram</a:t>
+            </a:r>
+          </a:p>
+          <a:p>
+            <a:endParaRPr lang="en-US" dirty="0"/>
+          </a:p>
+          <a:p>
+            <a:r>
+              <a:rPr lang="en-US" dirty="0"/>
+              <a:t>Show</a:t>
+            </a:r>
+            <a:r>
+              <a:rPr lang="en-US" baseline="0" dirty="0"/>
+              <a:t> the hookup, timing, and show some online examples.</a:t>
+            </a:r>
+          </a:p>
+          <a:p>
+            <a:endParaRPr lang="en-US" baseline="0" dirty="0"/>
+          </a:p>
+          <a:p>
+            <a:r>
+              <a:rPr lang="en-US" baseline="0" dirty="0"/>
+              <a:t>Mention the big colorful signs.</a:t>
+            </a:r>
+          </a:p>
+          <a:p>
+            <a:endParaRPr lang="en-US" baseline="0" dirty="0"/>
+          </a:p>
+          <a:p>
+            <a:r>
+              <a:rPr lang="en-US" baseline="0" dirty="0"/>
+              <a:t>Demo:</a:t>
+            </a:r>
+          </a:p>
+          <a:p>
+            <a:pPr marL="171450" indent="-171450">
+              <a:buFontTx/>
+              <a:buChar char="-"/>
+            </a:pPr>
+            <a:r>
+              <a:rPr lang="en-US" baseline="0" dirty="0"/>
+              <a:t>mkr1000 and the sign showing the hello bits</a:t>
+            </a:r>
+          </a:p>
+          <a:p>
+            <a:pPr marL="171450" indent="-171450">
+              <a:buFontTx/>
+              <a:buChar char="-"/>
+            </a:pPr>
+            <a:r>
+              <a:rPr lang="en-US" baseline="0" dirty="0"/>
+              <a:t>Show the </a:t>
+            </a:r>
+            <a:r>
+              <a:rPr lang="en-US" baseline="0" dirty="0" err="1"/>
+              <a:t>neopixel</a:t>
+            </a:r>
+            <a:endParaRPr lang="en-US" baseline="0" dirty="0"/>
+          </a:p>
+          <a:p>
+            <a:pPr marL="171450" indent="-171450">
+              <a:buFontTx/>
+              <a:buChar char="-"/>
+            </a:pPr>
+            <a:r>
+              <a:rPr lang="en-US" baseline="0" dirty="0"/>
+              <a:t>OLED screen and I2C</a:t>
+            </a:r>
+          </a:p>
+          <a:p>
+            <a:pPr marL="171450" indent="-171450">
+              <a:buFontTx/>
+              <a:buChar char="-"/>
+            </a:pPr>
+            <a:endParaRPr lang="en-US" baseline="0" dirty="0"/>
+          </a:p>
+        </p:txBody>
+      </p:sp>
+      <p:sp>
+        <p:nvSpPr>
+          <p:cNvPr id="4" name="Slide Number Placeholder 3"/>
+          <p:cNvSpPr>
+            <a:spLocks noGrp="1"/>
+          </p:cNvSpPr>
+          <p:nvPr>
+            <p:ph type="sldNum" sz="quarter" idx="5"/>
+          </p:nvPr>
+        </p:nvSpPr>
+        <p:spPr/>
+        <p:txBody>
+          <a:bodyPr/>
+          <a:lstStyle/>
+          <a:p>
+            <a:fld id="{DDDA151A-A1CD-4445-8EC2-5767EAB36D58}" type="slidenum">
+              <a:rPr lang="en-US" smtClean="0"/>
+              <a:t>20</a:t>
+            </a:fld>
+            <a:endParaRPr lang="en-US"/>
+          </a:p>
+        </p:txBody>
+      </p:sp>
+    </p:spTree>
+    <p:extLst>
+      <p:ext uri="{BB962C8B-B14F-4D97-AF65-F5344CB8AC3E}">
+        <p14:creationId xmlns:p14="http://schemas.microsoft.com/office/powerpoint/2010/main" val="1181727200"/>
+      </p:ext>
+    </p:extLst>
+  </p:cSld>
+  <p:clrMapOvr>
+    <a:masterClrMapping/>
+  </p:clrMapOvr>
+</p:notes>
+</file>
+
+<file path=ppt/notesSlides/notesSlide21.xml><?xml version="1.0" encoding="utf-8"?>
+<p:notes xmlns:a="http://schemas.openxmlformats.org/drawingml/2006/main" xmlns:r="http://schemas.openxmlformats.org/officeDocument/2006/relationships" xmlns:p="http://schemas.openxmlformats.org/presentationml/2006/main">
+  <p:cSld>
+    <p:spTree>
+      <p:nvGrpSpPr>
+        <p:cNvPr id="1" name=""/>
+        <p:cNvGrpSpPr/>
+        <p:nvPr/>
+      </p:nvGrpSpPr>
+      <p:grpSpPr>
+        <a:xfrm>
+          <a:off x="0" y="0"/>
+          <a:ext cx="0" cy="0"/>
+          <a:chOff x="0" y="0"/>
+          <a:chExt cx="0" cy="0"/>
+        </a:xfrm>
+      </p:grpSpPr>
+      <p:sp>
+        <p:nvSpPr>
+          <p:cNvPr id="2" name="Slide Image Placeholder 1"/>
+          <p:cNvSpPr>
+            <a:spLocks noGrp="1" noRot="1" noChangeAspect="1"/>
+          </p:cNvSpPr>
+          <p:nvPr>
+            <p:ph type="sldImg"/>
+          </p:nvPr>
+        </p:nvSpPr>
+        <p:spPr/>
+      </p:sp>
+      <p:sp>
+        <p:nvSpPr>
+          <p:cNvPr id="3" name="Notes Placeholder 2"/>
+          <p:cNvSpPr>
+            <a:spLocks noGrp="1"/>
+          </p:cNvSpPr>
+          <p:nvPr>
+            <p:ph type="body" idx="1"/>
+          </p:nvPr>
+        </p:nvSpPr>
+        <p:spPr/>
+        <p:txBody>
+          <a:bodyPr/>
+          <a:lstStyle/>
+          <a:p>
+            <a:r>
+              <a:rPr lang="en-US" dirty="0"/>
+              <a:t>5, 3v3, 1v8</a:t>
+            </a:r>
+          </a:p>
+          <a:p>
+            <a:endParaRPr lang="en-US" dirty="0"/>
+          </a:p>
+          <a:p>
+            <a:r>
+              <a:rPr lang="en-US" dirty="0"/>
+              <a:t>How do you hook all of this together</a:t>
+            </a:r>
+            <a:r>
+              <a:rPr lang="en-US" baseline="0" dirty="0"/>
+              <a:t> and make it talk?</a:t>
+            </a:r>
+          </a:p>
+          <a:p>
+            <a:endParaRPr lang="en-US" baseline="0" dirty="0"/>
+          </a:p>
+          <a:p>
+            <a:r>
+              <a:rPr lang="en-US" baseline="0" dirty="0" err="1"/>
+              <a:t>Firmata</a:t>
+            </a:r>
+            <a:endParaRPr lang="en-US" baseline="0" dirty="0"/>
+          </a:p>
+          <a:p>
+            <a:endParaRPr lang="en-US" baseline="0" dirty="0"/>
+          </a:p>
+          <a:p>
+            <a:endParaRPr lang="en-US" dirty="0"/>
+          </a:p>
+        </p:txBody>
+      </p:sp>
+      <p:sp>
+        <p:nvSpPr>
+          <p:cNvPr id="4" name="Slide Number Placeholder 3"/>
+          <p:cNvSpPr>
+            <a:spLocks noGrp="1"/>
+          </p:cNvSpPr>
+          <p:nvPr>
+            <p:ph type="sldNum" sz="quarter" idx="5"/>
+          </p:nvPr>
+        </p:nvSpPr>
+        <p:spPr/>
+        <p:txBody>
+          <a:bodyPr/>
+          <a:lstStyle/>
+          <a:p>
+            <a:fld id="{DDDA151A-A1CD-4445-8EC2-5767EAB36D58}" type="slidenum">
+              <a:rPr lang="en-US" smtClean="0"/>
+              <a:t>21</a:t>
+            </a:fld>
+            <a:endParaRPr lang="en-US"/>
+          </a:p>
+        </p:txBody>
+      </p:sp>
+    </p:spTree>
+    <p:extLst>
+      <p:ext uri="{BB962C8B-B14F-4D97-AF65-F5344CB8AC3E}">
+        <p14:creationId xmlns:p14="http://schemas.microsoft.com/office/powerpoint/2010/main" val="2187096521"/>
+      </p:ext>
+    </p:extLst>
+  </p:cSld>
+  <p:clrMapOvr>
+    <a:masterClrMapping/>
+  </p:clrMapOvr>
+</p:notes>
+</file>
+
+<file path=ppt/notesSlides/notesSlide22.xml><?xml version="1.0" encoding="utf-8"?>
+<p:notes xmlns:a="http://schemas.openxmlformats.org/drawingml/2006/main" xmlns:r="http://schemas.openxmlformats.org/officeDocument/2006/relationships" xmlns:p="http://schemas.openxmlformats.org/presentationml/2006/main">
+  <p:cSld>
+    <p:spTree>
+      <p:nvGrpSpPr>
+        <p:cNvPr id="1" name=""/>
+        <p:cNvGrpSpPr/>
+        <p:nvPr/>
+      </p:nvGrpSpPr>
+      <p:grpSpPr>
+        <a:xfrm>
+          <a:off x="0" y="0"/>
+          <a:ext cx="0" cy="0"/>
+          <a:chOff x="0" y="0"/>
+          <a:chExt cx="0" cy="0"/>
+        </a:xfrm>
+      </p:grpSpPr>
+      <p:sp>
+        <p:nvSpPr>
+          <p:cNvPr id="2" name="Slide Image Placeholder 1"/>
+          <p:cNvSpPr>
+            <a:spLocks noGrp="1" noRot="1" noChangeAspect="1"/>
+          </p:cNvSpPr>
+          <p:nvPr>
+            <p:ph type="sldImg"/>
+          </p:nvPr>
+        </p:nvSpPr>
+        <p:spPr/>
+      </p:sp>
+      <p:sp>
+        <p:nvSpPr>
+          <p:cNvPr id="3" name="Notes Placeholder 2"/>
+          <p:cNvSpPr>
+            <a:spLocks noGrp="1"/>
+          </p:cNvSpPr>
+          <p:nvPr>
+            <p:ph type="body" idx="1"/>
+          </p:nvPr>
+        </p:nvSpPr>
+        <p:spPr/>
+        <p:txBody>
+          <a:bodyPr/>
+          <a:lstStyle/>
+          <a:p>
+            <a:r>
+              <a:rPr lang="en-US" dirty="0"/>
+              <a:t>Show the Make better project</a:t>
+            </a:r>
+          </a:p>
+          <a:p>
+            <a:pPr marL="171450" indent="-171450">
+              <a:buFontTx/>
+              <a:buChar char="-"/>
+            </a:pPr>
+            <a:r>
+              <a:rPr lang="en-US" baseline="0" dirty="0"/>
+              <a:t>Transistor</a:t>
+            </a:r>
+          </a:p>
+          <a:p>
+            <a:pPr marL="171450" indent="-171450">
+              <a:buFontTx/>
+              <a:buChar char="-"/>
+            </a:pPr>
+            <a:r>
+              <a:rPr lang="en-US" baseline="0" dirty="0"/>
+              <a:t>Led</a:t>
+            </a:r>
+          </a:p>
+          <a:p>
+            <a:pPr marL="171450" indent="-171450">
+              <a:buFontTx/>
+              <a:buChar char="-"/>
+            </a:pPr>
+            <a:r>
+              <a:rPr lang="en-US" baseline="0" dirty="0"/>
+              <a:t>Arduino(Photon)</a:t>
+            </a:r>
+          </a:p>
+          <a:p>
+            <a:pPr marL="171450" indent="-171450">
+              <a:buFontTx/>
+              <a:buChar char="-"/>
+            </a:pPr>
+            <a:r>
+              <a:rPr lang="en-US" baseline="0" dirty="0"/>
+              <a:t>DHT11</a:t>
+            </a:r>
+          </a:p>
+          <a:p>
+            <a:pPr marL="171450" indent="-171450">
+              <a:buFontTx/>
+              <a:buChar char="-"/>
+            </a:pPr>
+            <a:r>
+              <a:rPr lang="en-US" baseline="0" dirty="0"/>
+              <a:t>I2C Display</a:t>
+            </a:r>
+            <a:endParaRPr lang="en-US" dirty="0"/>
+          </a:p>
+        </p:txBody>
+      </p:sp>
+      <p:sp>
+        <p:nvSpPr>
+          <p:cNvPr id="4" name="Slide Number Placeholder 3"/>
+          <p:cNvSpPr>
+            <a:spLocks noGrp="1"/>
+          </p:cNvSpPr>
+          <p:nvPr>
+            <p:ph type="sldNum" sz="quarter" idx="5"/>
+          </p:nvPr>
+        </p:nvSpPr>
+        <p:spPr/>
+        <p:txBody>
+          <a:bodyPr/>
+          <a:lstStyle/>
+          <a:p>
+            <a:fld id="{DDDA151A-A1CD-4445-8EC2-5767EAB36D58}" type="slidenum">
+              <a:rPr lang="en-US" smtClean="0"/>
+              <a:t>22</a:t>
+            </a:fld>
+            <a:endParaRPr lang="en-US"/>
+          </a:p>
+        </p:txBody>
+      </p:sp>
+    </p:spTree>
+    <p:extLst>
+      <p:ext uri="{BB962C8B-B14F-4D97-AF65-F5344CB8AC3E}">
+        <p14:creationId xmlns:p14="http://schemas.microsoft.com/office/powerpoint/2010/main" val="1820454889"/>
+      </p:ext>
+    </p:extLst>
+  </p:cSld>
+  <p:clrMapOvr>
+    <a:masterClrMapping/>
+  </p:clrMapOvr>
+</p:notes>
+</file>
+
+<file path=ppt/notesSlides/notesSlide23.xml><?xml version="1.0" encoding="utf-8"?>
+<p:notes xmlns:a="http://schemas.openxmlformats.org/drawingml/2006/main" xmlns:r="http://schemas.openxmlformats.org/officeDocument/2006/relationships" xmlns:p="http://schemas.openxmlformats.org/presentationml/2006/main">
+  <p:cSld>
+    <p:spTree>
+      <p:nvGrpSpPr>
+        <p:cNvPr id="1" name=""/>
+        <p:cNvGrpSpPr/>
+        <p:nvPr/>
+      </p:nvGrpSpPr>
+      <p:grpSpPr>
+        <a:xfrm>
+          <a:off x="0" y="0"/>
+          <a:ext cx="0" cy="0"/>
+          <a:chOff x="0" y="0"/>
+          <a:chExt cx="0" cy="0"/>
+        </a:xfrm>
+      </p:grpSpPr>
+      <p:sp>
+        <p:nvSpPr>
+          <p:cNvPr id="2" name="Slide Image Placeholder 1"/>
+          <p:cNvSpPr>
+            <a:spLocks noGrp="1" noRot="1" noChangeAspect="1"/>
+          </p:cNvSpPr>
+          <p:nvPr>
+            <p:ph type="sldImg"/>
+          </p:nvPr>
+        </p:nvSpPr>
+        <p:spPr/>
+      </p:sp>
+      <p:sp>
+        <p:nvSpPr>
+          <p:cNvPr id="3" name="Notes Placeholder 2"/>
+          <p:cNvSpPr>
+            <a:spLocks noGrp="1"/>
+          </p:cNvSpPr>
+          <p:nvPr>
+            <p:ph type="body" idx="1"/>
+          </p:nvPr>
+        </p:nvSpPr>
+        <p:spPr/>
+        <p:txBody>
+          <a:bodyPr/>
+          <a:lstStyle/>
+          <a:p>
+            <a:r>
+              <a:rPr lang="en-US" dirty="0"/>
+              <a:t>Forest </a:t>
+            </a:r>
+            <a:r>
+              <a:rPr lang="en-US" dirty="0" err="1"/>
+              <a:t>Miims</a:t>
+            </a:r>
+            <a:r>
+              <a:rPr lang="en-US" dirty="0"/>
+              <a:t> III</a:t>
+            </a:r>
+          </a:p>
+          <a:p>
+            <a:pPr marL="171450" indent="-171450">
+              <a:buFontTx/>
+              <a:buChar char="-"/>
+            </a:pPr>
+            <a:r>
+              <a:rPr lang="en-US" dirty="0">
+                <a:hlinkClick r:id="rId3"/>
+              </a:rPr>
+              <a:t>http://www.forrestmims.org/</a:t>
+            </a:r>
+            <a:endParaRPr lang="en-US" dirty="0"/>
+          </a:p>
+          <a:p>
+            <a:pPr marL="171450" indent="-171450">
+              <a:buFontTx/>
+              <a:buChar char="-"/>
+            </a:pPr>
+            <a:r>
+              <a:rPr lang="en-US" dirty="0">
+                <a:hlinkClick r:id="rId4"/>
+              </a:rPr>
+              <a:t>https://www.w5yi.org/catalog_details.php?pid=34&amp;sort=21</a:t>
+            </a:r>
+            <a:endParaRPr lang="en-US" dirty="0"/>
+          </a:p>
+          <a:p>
+            <a:pPr marL="171450" indent="-171450">
+              <a:buFontTx/>
+              <a:buChar char="-"/>
+            </a:pPr>
+            <a:r>
+              <a:rPr lang="en-US" dirty="0">
+                <a:hlinkClick r:id="rId5"/>
+              </a:rPr>
+              <a:t>https://docs.google.com/file/d/0B5jcnBPSPWQyaTU1OW5NbVJQNW8/edit</a:t>
+            </a:r>
+            <a:endParaRPr lang="en-US" dirty="0"/>
+          </a:p>
+          <a:p>
+            <a:pPr marL="171450" indent="-171450">
+              <a:buFontTx/>
+              <a:buChar char="-"/>
+            </a:pPr>
+            <a:endParaRPr lang="en-US" dirty="0"/>
+          </a:p>
+          <a:p>
+            <a:pPr marL="0" indent="0">
+              <a:buFontTx/>
+              <a:buNone/>
+            </a:pPr>
+            <a:r>
+              <a:rPr lang="en-US" dirty="0"/>
+              <a:t>Electronics</a:t>
+            </a:r>
+            <a:r>
+              <a:rPr lang="en-US" baseline="0" dirty="0"/>
+              <a:t> for beginners: </a:t>
+            </a:r>
+          </a:p>
+          <a:p>
+            <a:pPr marL="171450" indent="-171450">
+              <a:buFontTx/>
+              <a:buChar char="-"/>
+            </a:pPr>
+            <a:r>
+              <a:rPr lang="en-US" baseline="0" dirty="0" err="1"/>
+              <a:t>Bigclivedotcom</a:t>
+            </a:r>
+            <a:endParaRPr lang="en-US" baseline="0" dirty="0"/>
+          </a:p>
+          <a:p>
+            <a:pPr marL="171450" indent="-171450">
+              <a:buFontTx/>
+              <a:buChar char="-"/>
+            </a:pPr>
+            <a:r>
+              <a:rPr lang="en-US" dirty="0">
+                <a:hlinkClick r:id="rId6"/>
+              </a:rPr>
+              <a:t>https://www.youtube.com/watch?v=6Maq5IyHSuc</a:t>
+            </a:r>
+            <a:endParaRPr lang="en-US" dirty="0"/>
+          </a:p>
+          <a:p>
+            <a:pPr marL="0" indent="0">
+              <a:buFontTx/>
+              <a:buNone/>
+            </a:pPr>
+            <a:r>
+              <a:rPr lang="en-US" baseline="0" dirty="0"/>
+              <a:t> </a:t>
+            </a:r>
+            <a:endParaRPr lang="en-US" dirty="0"/>
+          </a:p>
+          <a:p>
+            <a:r>
+              <a:rPr lang="en-US" dirty="0" err="1"/>
+              <a:t>Tinkercad</a:t>
+            </a:r>
+            <a:endParaRPr lang="en-US" dirty="0"/>
+          </a:p>
+          <a:p>
+            <a:pPr marL="171450" indent="-171450">
+              <a:buFontTx/>
+              <a:buChar char="-"/>
+            </a:pPr>
+            <a:r>
+              <a:rPr lang="en-US" dirty="0">
+                <a:hlinkClick r:id="rId7"/>
+              </a:rPr>
+              <a:t>https://www.tinkercad.com/</a:t>
+            </a:r>
+            <a:endParaRPr lang="en-US" dirty="0"/>
+          </a:p>
+          <a:p>
+            <a:pPr marL="0" indent="0">
+              <a:buFontTx/>
+              <a:buNone/>
+            </a:pPr>
+            <a:endParaRPr lang="en-US" dirty="0"/>
+          </a:p>
+          <a:p>
+            <a:r>
+              <a:rPr lang="en-US" dirty="0" err="1"/>
+              <a:t>Frizing</a:t>
+            </a:r>
+            <a:endParaRPr lang="en-US" dirty="0"/>
+          </a:p>
+          <a:p>
+            <a:r>
+              <a:rPr lang="en-US" dirty="0"/>
+              <a:t>= </a:t>
+            </a:r>
+            <a:r>
+              <a:rPr lang="en-US" dirty="0">
+                <a:hlinkClick r:id="rId8"/>
+              </a:rPr>
+              <a:t>http://fritzing.org/home/</a:t>
+            </a:r>
+            <a:endParaRPr lang="en-US" dirty="0"/>
+          </a:p>
+          <a:p>
+            <a:endParaRPr lang="en-US" dirty="0"/>
+          </a:p>
+          <a:p>
+            <a:r>
+              <a:rPr lang="en-US" dirty="0" err="1"/>
+              <a:t>Sparkfun</a:t>
+            </a:r>
+            <a:endParaRPr lang="en-US" dirty="0"/>
+          </a:p>
+          <a:p>
+            <a:pPr marL="171450" indent="-171450">
+              <a:buFontTx/>
+              <a:buChar char="-"/>
+            </a:pPr>
+            <a:r>
+              <a:rPr lang="en-US" baseline="0" dirty="0"/>
+              <a:t>Resistor page here https://learn.sparkfun.com/tutorials/resistors/all</a:t>
+            </a:r>
+          </a:p>
+          <a:p>
+            <a:pPr marL="0" indent="0">
+              <a:buFontTx/>
+              <a:buNone/>
+            </a:pPr>
+            <a:endParaRPr lang="en-US" baseline="0" dirty="0"/>
+          </a:p>
+          <a:p>
+            <a:r>
+              <a:rPr lang="en-US" dirty="0"/>
+              <a:t>Capacitor</a:t>
+            </a:r>
+          </a:p>
+          <a:p>
+            <a:r>
+              <a:rPr lang="en-US" dirty="0"/>
+              <a:t>Demo</a:t>
+            </a:r>
+            <a:r>
+              <a:rPr lang="en-US" baseline="0" dirty="0"/>
+              <a:t> page links</a:t>
+            </a:r>
+          </a:p>
+          <a:p>
+            <a:r>
+              <a:rPr lang="en-US" baseline="0" dirty="0"/>
+              <a:t>https://github.com/pulcher/electronics-for-programmers</a:t>
+            </a:r>
+          </a:p>
+          <a:p>
+            <a:endParaRPr lang="en-US" baseline="0" dirty="0"/>
+          </a:p>
+          <a:p>
+            <a:r>
+              <a:rPr lang="en-US" baseline="0" dirty="0"/>
+              <a:t>Remind everyone to buy some kits stuff, blow it up, fix it, them expand on what you know.</a:t>
+            </a:r>
+          </a:p>
+          <a:p>
+            <a:endParaRPr lang="en-US" dirty="0"/>
+          </a:p>
+        </p:txBody>
+      </p:sp>
+      <p:sp>
+        <p:nvSpPr>
+          <p:cNvPr id="4" name="Slide Number Placeholder 3"/>
+          <p:cNvSpPr>
+            <a:spLocks noGrp="1"/>
+          </p:cNvSpPr>
+          <p:nvPr>
+            <p:ph type="sldNum" sz="quarter" idx="5"/>
+          </p:nvPr>
+        </p:nvSpPr>
+        <p:spPr/>
+        <p:txBody>
+          <a:bodyPr/>
+          <a:lstStyle/>
+          <a:p>
+            <a:fld id="{DDDA151A-A1CD-4445-8EC2-5767EAB36D58}" type="slidenum">
+              <a:rPr lang="en-US" smtClean="0"/>
+              <a:t>23</a:t>
+            </a:fld>
+            <a:endParaRPr lang="en-US"/>
+          </a:p>
+        </p:txBody>
+      </p:sp>
+    </p:spTree>
+    <p:extLst>
+      <p:ext uri="{BB962C8B-B14F-4D97-AF65-F5344CB8AC3E}">
+        <p14:creationId xmlns:p14="http://schemas.microsoft.com/office/powerpoint/2010/main" val="3077145086"/>
       </p:ext>
     </p:extLst>
   </p:cSld>
@@ -1801,19 +3780,27 @@
           <a:p>
             <a:r>
               <a:rPr lang="en-US" dirty="0"/>
-              <a:t>Voltage</a:t>
+              <a:t>Go through a sample schematic</a:t>
             </a:r>
           </a:p>
           <a:p>
             <a:r>
               <a:rPr lang="en-US" dirty="0"/>
-              <a:t>Current</a:t>
-            </a:r>
+              <a:t>Maybe 555</a:t>
+            </a:r>
+            <a:r>
+              <a:rPr lang="en-US" baseline="0" dirty="0"/>
+              <a:t> timer circuit?</a:t>
+            </a:r>
+            <a:endParaRPr lang="en-US" dirty="0"/>
+          </a:p>
+          <a:p>
+            <a:endParaRPr lang="en-US" dirty="0"/>
           </a:p>
           <a:p>
             <a:r>
               <a:rPr lang="en-US" dirty="0"/>
-              <a:t>Conductors</a:t>
+              <a:t>Needs to have cross over lines</a:t>
             </a:r>
           </a:p>
           <a:p>
@@ -1822,7 +3809,43 @@
           <a:p>
             <a:r>
               <a:rPr lang="en-US" dirty="0"/>
-              <a:t>How they relate</a:t>
+              <a:t>Need to have</a:t>
+            </a:r>
+          </a:p>
+          <a:p>
+            <a:r>
+              <a:rPr lang="en-US" dirty="0"/>
+              <a:t>Resistor</a:t>
+            </a:r>
+          </a:p>
+          <a:p>
+            <a:r>
+              <a:rPr lang="en-US" dirty="0"/>
+              <a:t>Capacitor</a:t>
+            </a:r>
+          </a:p>
+          <a:p>
+            <a:r>
+              <a:rPr lang="en-US" dirty="0"/>
+              <a:t>LED</a:t>
+            </a:r>
+          </a:p>
+          <a:p>
+            <a:r>
+              <a:rPr lang="en-US" dirty="0"/>
+              <a:t>Voltage source</a:t>
+            </a:r>
+          </a:p>
+          <a:p>
+            <a:r>
+              <a:rPr lang="en-US" dirty="0"/>
+              <a:t>Ground</a:t>
+            </a:r>
+          </a:p>
+          <a:p>
+            <a:r>
+              <a:rPr lang="en-US" dirty="0"/>
+              <a:t>IC</a:t>
             </a:r>
           </a:p>
           <a:p>
@@ -1831,51 +3854,15 @@
           <a:p>
             <a:r>
               <a:rPr lang="en-US" dirty="0"/>
-              <a:t>AC vs. DC</a:t>
-            </a:r>
-          </a:p>
-          <a:p>
+              <a:t>Image credit: </a:t>
+            </a:r>
+            <a:r>
+              <a:rPr lang="en-US" dirty="0">
+                <a:hlinkClick r:id="rId3"/>
+              </a:rPr>
+              <a:t>https://learn.sparkfun.com/tutorials/how-to-read-a-schematic/all</a:t>
+            </a:r>
             <a:endParaRPr lang="en-US" dirty="0"/>
-          </a:p>
-          <a:p>
-            <a:r>
-              <a:rPr lang="en-US" dirty="0"/>
-              <a:t>Digital vs.</a:t>
-            </a:r>
-            <a:r>
-              <a:rPr lang="en-US" baseline="0" dirty="0"/>
-              <a:t> Analog</a:t>
-            </a:r>
-          </a:p>
-          <a:p>
-            <a:pPr marL="171450" indent="-171450">
-              <a:buFontTx/>
-              <a:buChar char="-"/>
-            </a:pPr>
-            <a:r>
-              <a:rPr lang="en-US" baseline="0" dirty="0"/>
-              <a:t>Active high</a:t>
-            </a:r>
-          </a:p>
-          <a:p>
-            <a:pPr marL="171450" indent="-171450">
-              <a:buFontTx/>
-              <a:buChar char="-"/>
-            </a:pPr>
-            <a:r>
-              <a:rPr lang="en-US" baseline="0" dirty="0"/>
-              <a:t>No 0’s and 1’s</a:t>
-            </a:r>
-          </a:p>
-          <a:p>
-            <a:pPr marL="171450" indent="-171450">
-              <a:buFontTx/>
-              <a:buChar char="-"/>
-            </a:pPr>
-            <a:r>
-              <a:rPr lang="en-US" baseline="0" dirty="0"/>
-              <a:t>Not a true square wave because well…. Physics!!!</a:t>
-            </a:r>
           </a:p>
         </p:txBody>
       </p:sp>
@@ -1905,7 +3892,7 @@
     </p:spTree>
     <p:extLst>
       <p:ext uri="{BB962C8B-B14F-4D97-AF65-F5344CB8AC3E}">
-        <p14:creationId xmlns:p14="http://schemas.microsoft.com/office/powerpoint/2010/main" val="2020582336"/>
+        <p14:creationId xmlns:p14="http://schemas.microsoft.com/office/powerpoint/2010/main" val="2926879761"/>
       </p:ext>
     </p:extLst>
   </p:cSld>
@@ -1961,6 +3948,50 @@
           <a:p>
             <a:r>
               <a:rPr lang="en-US" dirty="0"/>
+              <a:t>Mention:</a:t>
+            </a:r>
+          </a:p>
+          <a:p>
+            <a:r>
+              <a:rPr lang="en-US" dirty="0"/>
+              <a:t>VCC = Voltage Common Collector.  From the earliest semiconductor days.  Could read V+, V-, </a:t>
+            </a:r>
+            <a:r>
+              <a:rPr lang="en-US" dirty="0" err="1"/>
+              <a:t>Vdd</a:t>
+            </a:r>
+            <a:r>
+              <a:rPr lang="en-US" dirty="0"/>
+              <a:t>(drain drain)</a:t>
+            </a:r>
+          </a:p>
+          <a:p>
+            <a:r>
+              <a:rPr lang="en-US" dirty="0"/>
+              <a:t>TX/RX = transmit/receive</a:t>
+            </a:r>
+          </a:p>
+          <a:p>
+            <a:r>
+              <a:rPr lang="en-US" dirty="0"/>
+              <a:t>D = Digital</a:t>
+            </a:r>
+          </a:p>
+          <a:p>
+            <a:r>
+              <a:rPr lang="en-US" dirty="0"/>
+              <a:t>A = Analog</a:t>
+            </a:r>
+          </a:p>
+          <a:p>
+            <a:endParaRPr lang="en-US" dirty="0"/>
+          </a:p>
+          <a:p>
+            <a:endParaRPr lang="en-US" dirty="0"/>
+          </a:p>
+          <a:p>
+            <a:r>
+              <a:rPr lang="en-US" dirty="0"/>
               <a:t>Go through a sample schematic</a:t>
             </a:r>
           </a:p>
@@ -2030,6 +4061,19 @@
             </a:r>
           </a:p>
           <a:p>
+            <a:endParaRPr lang="en-US" dirty="0"/>
+          </a:p>
+          <a:p>
+            <a:r>
+              <a:rPr lang="en-US" dirty="0"/>
+              <a:t>Image credit: </a:t>
+            </a:r>
+            <a:r>
+              <a:rPr lang="en-US" dirty="0">
+                <a:hlinkClick r:id="rId3"/>
+              </a:rPr>
+              <a:t>https://learn.sparkfun.com/tutorials/how-to-read-a-schematic/all</a:t>
+            </a:r>
             <a:endParaRPr lang="en-US" dirty="0"/>
           </a:p>
         </p:txBody>
@@ -2060,7 +4104,7 @@
     </p:spTree>
     <p:extLst>
       <p:ext uri="{BB962C8B-B14F-4D97-AF65-F5344CB8AC3E}">
-        <p14:creationId xmlns:p14="http://schemas.microsoft.com/office/powerpoint/2010/main" val="1975302057"/>
+        <p14:creationId xmlns:p14="http://schemas.microsoft.com/office/powerpoint/2010/main" val="1025004572"/>
       </p:ext>
     </p:extLst>
   </p:cSld>
@@ -2323,81 +4367,35 @@
           <a:p>
             <a:r>
               <a:rPr lang="en-US" dirty="0"/>
-              <a:t>OOOOOMMM! Graphic</a:t>
-            </a:r>
-          </a:p>
-          <a:p>
+              <a:t>DMM</a:t>
+            </a:r>
+          </a:p>
+          <a:p>
+            <a:r>
+              <a:rPr lang="en-US" dirty="0"/>
+              <a:t>Amazon: </a:t>
+            </a:r>
+            <a:r>
+              <a:rPr lang="en-US" dirty="0">
+                <a:hlinkClick r:id="rId3"/>
+              </a:rPr>
+              <a:t>https://www.amazon.com/TENMA-72-7780-TRMS-HANDHELD-COUNT/dp/B011P0A7RO/ref=sr_1_1?crid=3L2ZI74SQZOSJ&amp;keywords=tenma+72-7780&amp;qid=1562536802&amp;s=gateway&amp;sprefix=tenma+72-7%2Caps%2C148&amp;sr=8-1</a:t>
+            </a:r>
             <a:endParaRPr lang="en-US" dirty="0"/>
           </a:p>
           <a:p>
+            <a:endParaRPr lang="en-US" dirty="0"/>
+          </a:p>
+          <a:p>
             <a:r>
               <a:rPr lang="en-US" dirty="0"/>
-              <a:t>Link to the resistor</a:t>
-            </a:r>
-            <a:r>
-              <a:rPr lang="en-US" baseline="0" dirty="0"/>
-              <a:t> page I found</a:t>
-            </a:r>
-          </a:p>
-          <a:p>
-            <a:endParaRPr lang="en-US" baseline="0" dirty="0"/>
-          </a:p>
-          <a:p>
-            <a:r>
-              <a:rPr lang="en-US" baseline="0" dirty="0"/>
-              <a:t>Series vs. Parallel</a:t>
-            </a:r>
-          </a:p>
-          <a:p>
-            <a:endParaRPr lang="en-US" baseline="0" dirty="0"/>
-          </a:p>
-          <a:p>
-            <a:r>
-              <a:rPr lang="en-US" baseline="0" dirty="0"/>
-              <a:t>How to read.</a:t>
-            </a:r>
-          </a:p>
-          <a:p>
-            <a:endParaRPr lang="en-US" baseline="0" dirty="0"/>
-          </a:p>
-          <a:p>
-            <a:r>
-              <a:rPr lang="en-US" dirty="0"/>
-              <a:t>Demo:</a:t>
-            </a:r>
-          </a:p>
-          <a:p>
-            <a:pPr marL="171450" indent="-171450">
-              <a:buFontTx/>
-              <a:buChar char="-"/>
-            </a:pPr>
-            <a:r>
-              <a:rPr lang="en-US" dirty="0"/>
-              <a:t>Make your own with a pencil</a:t>
-            </a:r>
-          </a:p>
-          <a:p>
-            <a:pPr marL="171450" indent="-171450">
-              <a:buFontTx/>
-              <a:buChar char="-"/>
-            </a:pPr>
-            <a:r>
-              <a:rPr lang="en-US" dirty="0"/>
-              <a:t>Show series and parallel connections.</a:t>
-            </a:r>
-          </a:p>
-          <a:p>
-            <a:pPr marL="171450" indent="-171450">
-              <a:buFontTx/>
-              <a:buChar char="-"/>
-            </a:pPr>
-            <a:r>
-              <a:rPr lang="en-US" dirty="0"/>
-              <a:t>Show</a:t>
-            </a:r>
-            <a:r>
-              <a:rPr lang="en-US" baseline="0" dirty="0"/>
-              <a:t> Current with math</a:t>
+              <a:t>Harbor freight: </a:t>
+            </a:r>
+            <a:r>
+              <a:rPr lang="en-US" dirty="0">
+                <a:hlinkClick r:id="rId4"/>
+              </a:rPr>
+              <a:t>https://www.harborfreight.com/7-function-digital-multimeter-63759.html</a:t>
             </a:r>
             <a:endParaRPr lang="en-US" dirty="0"/>
           </a:p>
@@ -2429,7 +4427,7 @@
     </p:spTree>
     <p:extLst>
       <p:ext uri="{BB962C8B-B14F-4D97-AF65-F5344CB8AC3E}">
-        <p14:creationId xmlns:p14="http://schemas.microsoft.com/office/powerpoint/2010/main" val="3388168788"/>
+        <p14:creationId xmlns:p14="http://schemas.microsoft.com/office/powerpoint/2010/main" val="2593368984"/>
       </p:ext>
     </p:extLst>
   </p:cSld>
@@ -2485,44 +4483,109 @@
           <a:p>
             <a:r>
               <a:rPr lang="en-US" dirty="0"/>
-              <a:t>Describe</a:t>
-            </a:r>
-            <a:r>
-              <a:rPr lang="en-US" baseline="0" dirty="0"/>
-              <a:t> the function of a capacitor/inductor and how they are different</a:t>
-            </a:r>
-          </a:p>
-          <a:p>
-            <a:endParaRPr lang="en-US" baseline="0" dirty="0"/>
-          </a:p>
-          <a:p>
-            <a:r>
-              <a:rPr lang="en-US" baseline="0" dirty="0"/>
-              <a:t>Series and Parallel.  </a:t>
-            </a:r>
-          </a:p>
-          <a:p>
-            <a:pPr marL="171450" indent="-171450">
-              <a:buFontTx/>
-              <a:buChar char="-"/>
-            </a:pPr>
-            <a:r>
-              <a:rPr lang="en-US" baseline="0" dirty="0"/>
-              <a:t>No real demo as that is hard.</a:t>
-            </a:r>
-          </a:p>
-          <a:p>
-            <a:pPr marL="171450" indent="-171450">
-              <a:buFontTx/>
-              <a:buChar char="-"/>
-            </a:pPr>
-            <a:endParaRPr lang="en-US" baseline="0" dirty="0"/>
-          </a:p>
-          <a:p>
-            <a:pPr marL="0" indent="0">
-              <a:buFontTx/>
-              <a:buNone/>
-            </a:pPr>
+              <a:t>Power supply</a:t>
+            </a:r>
+          </a:p>
+          <a:p>
+            <a:endParaRPr lang="en-US" dirty="0"/>
+          </a:p>
+          <a:p>
+            <a:r>
+              <a:rPr lang="en-US" dirty="0"/>
+              <a:t>Benchtop: amazon </a:t>
+            </a:r>
+            <a:r>
+              <a:rPr lang="en-US" dirty="0">
+                <a:hlinkClick r:id="rId3"/>
+              </a:rPr>
+              <a:t>https://www.amazon.com/Switching-Regulated-temperature-protection-Alligator/dp/B07JQXQ8S5/ref=sr_1_3?keywords=benchtop+power+supplies&amp;qid=1562542434&amp;s=gateway&amp;sr=8-3</a:t>
+            </a:r>
+            <a:endParaRPr lang="en-US" dirty="0"/>
+          </a:p>
+          <a:p>
+            <a:r>
+              <a:rPr lang="en-US" dirty="0"/>
+              <a:t>67.97</a:t>
+            </a:r>
+          </a:p>
+          <a:p>
+            <a:endParaRPr lang="en-US" dirty="0"/>
+          </a:p>
+          <a:p>
+            <a:r>
+              <a:rPr lang="en-US" dirty="0"/>
+              <a:t>LED: amazon: </a:t>
+            </a:r>
+            <a:r>
+              <a:rPr lang="en-US" dirty="0">
+                <a:hlinkClick r:id="rId4"/>
+              </a:rPr>
+              <a:t>https://www.amazon.com/BMOUO-Universal-Regulated-Switching-Computer/dp/B01EWG6YT8/ref=sr_1_3?keywords=led+power+supplies&amp;qid=1562542641&amp;s=gateway&amp;sr=8-3</a:t>
+            </a:r>
+            <a:endParaRPr lang="en-US" dirty="0"/>
+          </a:p>
+          <a:p>
+            <a:r>
+              <a:rPr lang="en-US" dirty="0"/>
+              <a:t>17.98</a:t>
+            </a:r>
+          </a:p>
+          <a:p>
+            <a:endParaRPr lang="en-US" dirty="0"/>
+          </a:p>
+          <a:p>
+            <a:r>
+              <a:rPr lang="en-US" dirty="0"/>
+              <a:t>USB Power: </a:t>
+            </a:r>
+            <a:r>
+              <a:rPr lang="en-US" dirty="0">
+                <a:hlinkClick r:id="rId5"/>
+              </a:rPr>
+              <a:t>https://www.amazon.com/dp/B00P936188/ref=psdc_2407761011_t1_B00VH8ZW02</a:t>
+            </a:r>
+            <a:endParaRPr lang="en-US" dirty="0"/>
+          </a:p>
+          <a:p>
+            <a:r>
+              <a:rPr lang="en-US" dirty="0"/>
+              <a:t>25.99</a:t>
+            </a:r>
+          </a:p>
+          <a:p>
+            <a:endParaRPr lang="en-US" dirty="0"/>
+          </a:p>
+          <a:p>
+            <a:r>
+              <a:rPr lang="en-US" dirty="0"/>
+              <a:t>Adafruit </a:t>
+            </a:r>
+            <a:r>
+              <a:rPr lang="en-US" dirty="0" err="1"/>
+              <a:t>lipo</a:t>
+            </a:r>
+            <a:r>
+              <a:rPr lang="en-US" dirty="0"/>
+              <a:t>: </a:t>
+            </a:r>
+            <a:r>
+              <a:rPr lang="en-US" dirty="0">
+                <a:hlinkClick r:id="rId6"/>
+              </a:rPr>
+              <a:t>https://www.adafruit.com/product/2011</a:t>
+            </a:r>
+            <a:endParaRPr lang="en-US" dirty="0"/>
+          </a:p>
+          <a:p>
+            <a:r>
+              <a:rPr lang="en-US" dirty="0"/>
+              <a:t>12.50   3.7v 2000mAh</a:t>
+            </a:r>
+          </a:p>
+          <a:p>
+            <a:endParaRPr lang="en-US" dirty="0"/>
+          </a:p>
+          <a:p>
             <a:endParaRPr lang="en-US" dirty="0"/>
           </a:p>
         </p:txBody>
@@ -2553,7 +4616,7 @@
     </p:spTree>
     <p:extLst>
       <p:ext uri="{BB962C8B-B14F-4D97-AF65-F5344CB8AC3E}">
-        <p14:creationId xmlns:p14="http://schemas.microsoft.com/office/powerpoint/2010/main" val="2107356280"/>
+        <p14:creationId xmlns:p14="http://schemas.microsoft.com/office/powerpoint/2010/main" val="2111955279"/>
       </p:ext>
     </p:extLst>
   </p:cSld>
@@ -2609,49 +4672,53 @@
           <a:p>
             <a:r>
               <a:rPr lang="en-US" dirty="0"/>
-              <a:t>What a switch really is and how a relay</a:t>
+              <a:t>Bread</a:t>
             </a:r>
             <a:r>
               <a:rPr lang="en-US" baseline="0" dirty="0"/>
-              <a:t> is just a fancy switch with and inductor</a:t>
-            </a:r>
-          </a:p>
-          <a:p>
+              <a:t>board\</a:t>
+            </a:r>
+          </a:p>
+          <a:p>
+            <a:pPr marL="171450" indent="-171450">
+              <a:buFontTx/>
+              <a:buChar char="-"/>
+            </a:pPr>
+            <a:r>
+              <a:rPr lang="en-US" baseline="0" dirty="0"/>
+              <a:t>Possible demo of the things</a:t>
+            </a:r>
+          </a:p>
+          <a:p>
+            <a:pPr marL="0" indent="0">
+              <a:buFontTx/>
+              <a:buNone/>
+            </a:pPr>
             <a:endParaRPr lang="en-US" baseline="0" dirty="0"/>
           </a:p>
           <a:p>
+            <a:pPr marL="0" indent="0">
+              <a:buFontTx/>
+              <a:buNone/>
+            </a:pPr>
+            <a:endParaRPr lang="en-US" baseline="0" dirty="0"/>
+          </a:p>
+          <a:p>
+            <a:pPr marL="0" indent="0">
+              <a:buFontTx/>
+              <a:buNone/>
+            </a:pPr>
             <a:r>
               <a:rPr lang="en-US" baseline="0" dirty="0"/>
-              <a:t>Talk about</a:t>
-            </a:r>
-          </a:p>
-          <a:p>
+              <a:t>Images and reference: </a:t>
+            </a:r>
+            <a:r>
+              <a:rPr lang="en-US" dirty="0">
+                <a:hlinkClick r:id="rId3"/>
+              </a:rPr>
+              <a:t>https://learn.adafruit.com/breadboards-for-beginners?view=all</a:t>
+            </a:r>
             <a:endParaRPr lang="en-US" baseline="0" dirty="0"/>
-          </a:p>
-          <a:p>
-            <a:r>
-              <a:rPr lang="en-US" baseline="0" dirty="0"/>
-              <a:t>Normally Open, Normally Closed</a:t>
-            </a:r>
-          </a:p>
-          <a:p>
-            <a:endParaRPr lang="en-US" baseline="0" dirty="0"/>
-          </a:p>
-          <a:p>
-            <a:r>
-              <a:rPr lang="en-US" baseline="0" dirty="0"/>
-              <a:t>Single vs double</a:t>
-            </a:r>
-          </a:p>
-          <a:p>
-            <a:endParaRPr lang="en-US" baseline="0" dirty="0"/>
-          </a:p>
-          <a:p>
-            <a:r>
-              <a:rPr lang="en-US" baseline="0" dirty="0"/>
-              <a:t>Mechanical vs Solid State vs. and Opto-Isolator</a:t>
-            </a:r>
-            <a:endParaRPr lang="en-US" dirty="0"/>
           </a:p>
         </p:txBody>
       </p:sp>
@@ -2681,7 +4748,7 @@
     </p:spTree>
     <p:extLst>
       <p:ext uri="{BB962C8B-B14F-4D97-AF65-F5344CB8AC3E}">
-        <p14:creationId xmlns:p14="http://schemas.microsoft.com/office/powerpoint/2010/main" val="4209009501"/>
+        <p14:creationId xmlns:p14="http://schemas.microsoft.com/office/powerpoint/2010/main" val="3604150081"/>
       </p:ext>
     </p:extLst>
   </p:cSld>
@@ -2737,7 +4804,7 @@
           <a:p>
             <a:r>
               <a:rPr lang="en-US" dirty="0"/>
-              <a:t>Forward voltage</a:t>
+              <a:t>DMM</a:t>
             </a:r>
           </a:p>
           <a:p>
@@ -2746,11 +4813,17 @@
           <a:p>
             <a:r>
               <a:rPr lang="en-US" dirty="0"/>
-              <a:t>LED emits</a:t>
+              <a:t>Bread</a:t>
             </a:r>
             <a:r>
               <a:rPr lang="en-US" baseline="0" dirty="0"/>
-              <a:t> light, but has  very little or no resistance</a:t>
+              <a:t>board\</a:t>
+            </a:r>
+          </a:p>
+          <a:p>
+            <a:r>
+              <a:rPr lang="en-US" baseline="0" dirty="0"/>
+              <a:t>- Possible demo of the things</a:t>
             </a:r>
           </a:p>
           <a:p>
@@ -2759,7 +4832,7 @@
           <a:p>
             <a:r>
               <a:rPr lang="en-US" baseline="0" dirty="0"/>
-              <a:t>Demo</a:t>
+              <a:t>Connecting wires</a:t>
             </a:r>
           </a:p>
           <a:p>
@@ -2769,7 +4842,7 @@
             </a:pPr>
             <a:r>
               <a:rPr lang="en-US" baseline="0" dirty="0"/>
-              <a:t>No resistor and check current</a:t>
+              <a:t>pre-made solid code</a:t>
             </a:r>
           </a:p>
           <a:p>
@@ -2779,27 +4852,78 @@
             </a:pPr>
             <a:r>
               <a:rPr lang="en-US" baseline="0" dirty="0"/>
-              <a:t>Decent resistor</a:t>
-            </a:r>
-          </a:p>
-          <a:p>
-            <a:pPr marL="171450" indent="-171450">
-              <a:buFontTx/>
-              <a:buChar char="-"/>
-            </a:pPr>
+              <a:t>Make your own</a:t>
+            </a:r>
+          </a:p>
+          <a:p>
+            <a:endParaRPr lang="en-US" baseline="0" dirty="0"/>
+          </a:p>
+          <a:p>
             <a:r>
               <a:rPr lang="en-US" baseline="0" dirty="0"/>
-              <a:t>Large resistor</a:t>
-            </a:r>
-          </a:p>
-          <a:p>
-            <a:pPr marL="171450" indent="-171450">
-              <a:buFontTx/>
-              <a:buChar char="-"/>
-            </a:pPr>
+              <a:t>Power supply</a:t>
+            </a:r>
+          </a:p>
+          <a:p>
+            <a:endParaRPr lang="en-US" baseline="0" dirty="0"/>
+          </a:p>
+          <a:p>
             <a:r>
               <a:rPr lang="en-US" baseline="0" dirty="0"/>
-              <a:t>See if you can burn one up.</a:t>
+              <a:t>Side cutters</a:t>
+            </a:r>
+          </a:p>
+          <a:p>
+            <a:endParaRPr lang="en-US" baseline="0" dirty="0"/>
+          </a:p>
+          <a:p>
+            <a:r>
+              <a:rPr lang="en-US" baseline="0" dirty="0"/>
+              <a:t>Wire strippers</a:t>
+            </a:r>
+          </a:p>
+          <a:p>
+            <a:endParaRPr lang="en-US" baseline="0" dirty="0"/>
+          </a:p>
+          <a:p>
+            <a:r>
+              <a:rPr lang="en-US" baseline="0" dirty="0"/>
+              <a:t>Touch on soldering</a:t>
+            </a:r>
+          </a:p>
+          <a:p>
+            <a:endParaRPr lang="en-US" dirty="0"/>
+          </a:p>
+          <a:p>
+            <a:r>
+              <a:rPr lang="en-US" dirty="0"/>
+              <a:t>My power</a:t>
+            </a:r>
+            <a:r>
+              <a:rPr lang="en-US" baseline="0" dirty="0"/>
+              <a:t> supply vs. what you need.</a:t>
+            </a:r>
+          </a:p>
+          <a:p>
+            <a:endParaRPr lang="en-US" baseline="0" dirty="0"/>
+          </a:p>
+          <a:p>
+            <a:r>
+              <a:rPr lang="en-US" baseline="0" dirty="0" err="1"/>
+              <a:t>Tinkercad</a:t>
+            </a:r>
+            <a:r>
+              <a:rPr lang="en-US" baseline="0" dirty="0"/>
+              <a:t> and circuit simulation</a:t>
+            </a:r>
+          </a:p>
+          <a:p>
+            <a:endParaRPr lang="en-US" baseline="0" dirty="0"/>
+          </a:p>
+          <a:p>
+            <a:r>
+              <a:rPr lang="en-US" baseline="0" dirty="0"/>
+              <a:t>Fritzing</a:t>
             </a:r>
             <a:endParaRPr lang="en-US" dirty="0"/>
           </a:p>
@@ -2831,7 +4955,7 @@
     </p:spTree>
     <p:extLst>
       <p:ext uri="{BB962C8B-B14F-4D97-AF65-F5344CB8AC3E}">
-        <p14:creationId xmlns:p14="http://schemas.microsoft.com/office/powerpoint/2010/main" val="1280321535"/>
+        <p14:creationId xmlns:p14="http://schemas.microsoft.com/office/powerpoint/2010/main" val="1862363389"/>
       </p:ext>
     </p:extLst>
   </p:cSld>
@@ -2891,7 +5015,7 @@
           <a:noFill/>
           <a:extLst>
             <a:ext uri="{909E8E84-426E-40dd-AFC4-6F175D3DCCD1}">
-              <a14:hiddenFill xmlns="" xmlns:a14="http://schemas.microsoft.com/office/drawing/2010/main">
+              <a14:hiddenFill xmlns:a14="http://schemas.microsoft.com/office/drawing/2010/main" xmlns="">
                 <a:solidFill>
                   <a:srgbClr val="FFFFFF"/>
                 </a:solidFill>
@@ -2951,7 +5075,7 @@
             </a:ln>
             <a:extLst>
               <a:ext uri="{91240B29-F687-4f45-9708-019B960494DF}">
-                <a14:hiddenLine xmlns="" xmlns:a14="http://schemas.microsoft.com/office/drawing/2010/main" w="9525">
+                <a14:hiddenLine xmlns:a14="http://schemas.microsoft.com/office/drawing/2010/main" xmlns="" w="9525">
                   <a:solidFill>
                     <a:srgbClr val="000000"/>
                   </a:solidFill>
@@ -3041,7 +5165,7 @@
             </a:ln>
             <a:extLst>
               <a:ext uri="{91240B29-F687-4f45-9708-019B960494DF}">
-                <a14:hiddenLine xmlns="" xmlns:a14="http://schemas.microsoft.com/office/drawing/2010/main" w="9525">
+                <a14:hiddenLine xmlns:a14="http://schemas.microsoft.com/office/drawing/2010/main" xmlns="" w="9525">
                   <a:solidFill>
                     <a:srgbClr val="000000"/>
                   </a:solidFill>
@@ -3131,7 +5255,7 @@
             </a:ln>
             <a:extLst>
               <a:ext uri="{91240B29-F687-4f45-9708-019B960494DF}">
-                <a14:hiddenLine xmlns="" xmlns:a14="http://schemas.microsoft.com/office/drawing/2010/main" w="9525">
+                <a14:hiddenLine xmlns:a14="http://schemas.microsoft.com/office/drawing/2010/main" xmlns="" w="9525">
                   <a:solidFill>
                     <a:srgbClr val="000000"/>
                   </a:solidFill>
@@ -3165,7 +5289,7 @@
             </a:ln>
             <a:extLst>
               <a:ext uri="{91240B29-F687-4f45-9708-019B960494DF}">
-                <a14:hiddenLine xmlns="" xmlns:a14="http://schemas.microsoft.com/office/drawing/2010/main" w="9525">
+                <a14:hiddenLine xmlns:a14="http://schemas.microsoft.com/office/drawing/2010/main" xmlns="" w="9525">
                   <a:solidFill>
                     <a:srgbClr val="000000"/>
                   </a:solidFill>
@@ -3255,7 +5379,7 @@
             </a:ln>
             <a:extLst>
               <a:ext uri="{91240B29-F687-4f45-9708-019B960494DF}">
-                <a14:hiddenLine xmlns="" xmlns:a14="http://schemas.microsoft.com/office/drawing/2010/main" w="9525">
+                <a14:hiddenLine xmlns:a14="http://schemas.microsoft.com/office/drawing/2010/main" xmlns="" w="9525">
                   <a:solidFill>
                     <a:srgbClr val="000000"/>
                   </a:solidFill>
@@ -3317,7 +5441,7 @@
             </a:ln>
             <a:extLst>
               <a:ext uri="{91240B29-F687-4f45-9708-019B960494DF}">
-                <a14:hiddenLine xmlns="" xmlns:a14="http://schemas.microsoft.com/office/drawing/2010/main" w="9525">
+                <a14:hiddenLine xmlns:a14="http://schemas.microsoft.com/office/drawing/2010/main" xmlns="" w="9525">
                   <a:solidFill>
                     <a:srgbClr val="000000"/>
                   </a:solidFill>
@@ -3379,7 +5503,7 @@
             </a:ln>
             <a:extLst>
               <a:ext uri="{91240B29-F687-4f45-9708-019B960494DF}">
-                <a14:hiddenLine xmlns="" xmlns:a14="http://schemas.microsoft.com/office/drawing/2010/main" w="9525">
+                <a14:hiddenLine xmlns:a14="http://schemas.microsoft.com/office/drawing/2010/main" xmlns="" w="9525">
                   <a:solidFill>
                     <a:srgbClr val="000000"/>
                   </a:solidFill>
@@ -3469,7 +5593,7 @@
             </a:ln>
             <a:extLst>
               <a:ext uri="{91240B29-F687-4f45-9708-019B960494DF}">
-                <a14:hiddenLine xmlns="" xmlns:a14="http://schemas.microsoft.com/office/drawing/2010/main" w="9525">
+                <a14:hiddenLine xmlns:a14="http://schemas.microsoft.com/office/drawing/2010/main" xmlns="" w="9525">
                   <a:solidFill>
                     <a:srgbClr val="000000"/>
                   </a:solidFill>
@@ -3531,7 +5655,7 @@
             </a:ln>
             <a:extLst>
               <a:ext uri="{91240B29-F687-4f45-9708-019B960494DF}">
-                <a14:hiddenLine xmlns="" xmlns:a14="http://schemas.microsoft.com/office/drawing/2010/main" w="9525">
+                <a14:hiddenLine xmlns:a14="http://schemas.microsoft.com/office/drawing/2010/main" xmlns="" w="9525">
                   <a:solidFill>
                     <a:srgbClr val="000000"/>
                   </a:solidFill>
@@ -3593,7 +5717,7 @@
             </a:ln>
             <a:extLst>
               <a:ext uri="{91240B29-F687-4f45-9708-019B960494DF}">
-                <a14:hiddenLine xmlns="" xmlns:a14="http://schemas.microsoft.com/office/drawing/2010/main" w="9525">
+                <a14:hiddenLine xmlns:a14="http://schemas.microsoft.com/office/drawing/2010/main" xmlns="" w="9525">
                   <a:solidFill>
                     <a:srgbClr val="000000"/>
                   </a:solidFill>
@@ -3683,7 +5807,7 @@
             </a:ln>
             <a:extLst>
               <a:ext uri="{91240B29-F687-4f45-9708-019B960494DF}">
-                <a14:hiddenLine xmlns="" xmlns:a14="http://schemas.microsoft.com/office/drawing/2010/main" w="9525">
+                <a14:hiddenLine xmlns:a14="http://schemas.microsoft.com/office/drawing/2010/main" xmlns="" w="9525">
                   <a:solidFill>
                     <a:srgbClr val="000000"/>
                   </a:solidFill>
@@ -3773,7 +5897,7 @@
             </a:ln>
             <a:extLst>
               <a:ext uri="{91240B29-F687-4f45-9708-019B960494DF}">
-                <a14:hiddenLine xmlns="" xmlns:a14="http://schemas.microsoft.com/office/drawing/2010/main" w="9525">
+                <a14:hiddenLine xmlns:a14="http://schemas.microsoft.com/office/drawing/2010/main" xmlns="" w="9525">
                   <a:solidFill>
                     <a:srgbClr val="000000"/>
                   </a:solidFill>
@@ -3835,7 +5959,7 @@
             </a:ln>
             <a:extLst>
               <a:ext uri="{91240B29-F687-4f45-9708-019B960494DF}">
-                <a14:hiddenLine xmlns="" xmlns:a14="http://schemas.microsoft.com/office/drawing/2010/main" w="9525">
+                <a14:hiddenLine xmlns:a14="http://schemas.microsoft.com/office/drawing/2010/main" xmlns="" w="9525">
                   <a:solidFill>
                     <a:srgbClr val="000000"/>
                   </a:solidFill>
@@ -3945,7 +6069,7 @@
             </a:ln>
             <a:extLst>
               <a:ext uri="{91240B29-F687-4f45-9708-019B960494DF}">
-                <a14:hiddenLine xmlns="" xmlns:a14="http://schemas.microsoft.com/office/drawing/2010/main" w="9525">
+                <a14:hiddenLine xmlns:a14="http://schemas.microsoft.com/office/drawing/2010/main" xmlns="" w="9525">
                   <a:solidFill>
                     <a:srgbClr val="000000"/>
                   </a:solidFill>
@@ -4007,7 +6131,7 @@
             </a:ln>
             <a:extLst>
               <a:ext uri="{91240B29-F687-4f45-9708-019B960494DF}">
-                <a14:hiddenLine xmlns="" xmlns:a14="http://schemas.microsoft.com/office/drawing/2010/main" w="9525">
+                <a14:hiddenLine xmlns:a14="http://schemas.microsoft.com/office/drawing/2010/main" xmlns="" w="9525">
                   <a:solidFill>
                     <a:srgbClr val="000000"/>
                   </a:solidFill>
@@ -4097,7 +6221,7 @@
             </a:ln>
             <a:extLst>
               <a:ext uri="{91240B29-F687-4f45-9708-019B960494DF}">
-                <a14:hiddenLine xmlns="" xmlns:a14="http://schemas.microsoft.com/office/drawing/2010/main" w="9525">
+                <a14:hiddenLine xmlns:a14="http://schemas.microsoft.com/office/drawing/2010/main" xmlns="" w="9525">
                   <a:solidFill>
                     <a:srgbClr val="000000"/>
                   </a:solidFill>
@@ -4187,7 +6311,7 @@
             </a:ln>
             <a:extLst>
               <a:ext uri="{91240B29-F687-4f45-9708-019B960494DF}">
-                <a14:hiddenLine xmlns="" xmlns:a14="http://schemas.microsoft.com/office/drawing/2010/main" w="9525">
+                <a14:hiddenLine xmlns:a14="http://schemas.microsoft.com/office/drawing/2010/main" xmlns="" w="9525">
                   <a:solidFill>
                     <a:srgbClr val="000000"/>
                   </a:solidFill>
@@ -4249,7 +6373,7 @@
             </a:ln>
             <a:extLst>
               <a:ext uri="{91240B29-F687-4f45-9708-019B960494DF}">
-                <a14:hiddenLine xmlns="" xmlns:a14="http://schemas.microsoft.com/office/drawing/2010/main" w="9525">
+                <a14:hiddenLine xmlns:a14="http://schemas.microsoft.com/office/drawing/2010/main" xmlns="" w="9525">
                   <a:solidFill>
                     <a:srgbClr val="000000"/>
                   </a:solidFill>
@@ -4339,7 +6463,7 @@
             </a:ln>
             <a:extLst>
               <a:ext uri="{91240B29-F687-4f45-9708-019B960494DF}">
-                <a14:hiddenLine xmlns="" xmlns:a14="http://schemas.microsoft.com/office/drawing/2010/main" w="9525">
+                <a14:hiddenLine xmlns:a14="http://schemas.microsoft.com/office/drawing/2010/main" xmlns="" w="9525">
                   <a:solidFill>
                     <a:srgbClr val="000000"/>
                   </a:solidFill>
@@ -4429,7 +6553,7 @@
             </a:ln>
             <a:extLst>
               <a:ext uri="{91240B29-F687-4f45-9708-019B960494DF}">
-                <a14:hiddenLine xmlns="" xmlns:a14="http://schemas.microsoft.com/office/drawing/2010/main" w="9525">
+                <a14:hiddenLine xmlns:a14="http://schemas.microsoft.com/office/drawing/2010/main" xmlns="" w="9525">
                   <a:solidFill>
                     <a:srgbClr val="000000"/>
                   </a:solidFill>
@@ -4485,7 +6609,7 @@
             </a:ln>
             <a:extLst>
               <a:ext uri="{91240B29-F687-4f45-9708-019B960494DF}">
-                <a14:hiddenLine xmlns="" xmlns:a14="http://schemas.microsoft.com/office/drawing/2010/main" w="9525">
+                <a14:hiddenLine xmlns:a14="http://schemas.microsoft.com/office/drawing/2010/main" xmlns="" w="9525">
                   <a:solidFill>
                     <a:srgbClr val="000000"/>
                   </a:solidFill>
@@ -4575,7 +6699,7 @@
             </a:ln>
             <a:extLst>
               <a:ext uri="{91240B29-F687-4f45-9708-019B960494DF}">
-                <a14:hiddenLine xmlns="" xmlns:a14="http://schemas.microsoft.com/office/drawing/2010/main" w="9525">
+                <a14:hiddenLine xmlns:a14="http://schemas.microsoft.com/office/drawing/2010/main" xmlns="" w="9525">
                   <a:solidFill>
                     <a:srgbClr val="000000"/>
                   </a:solidFill>
@@ -4631,7 +6755,7 @@
             </a:ln>
             <a:extLst>
               <a:ext uri="{91240B29-F687-4f45-9708-019B960494DF}">
-                <a14:hiddenLine xmlns="" xmlns:a14="http://schemas.microsoft.com/office/drawing/2010/main" w="9525">
+                <a14:hiddenLine xmlns:a14="http://schemas.microsoft.com/office/drawing/2010/main" xmlns="" w="9525">
                   <a:solidFill>
                     <a:srgbClr val="000000"/>
                   </a:solidFill>
@@ -4721,7 +6845,7 @@
             </a:ln>
             <a:extLst>
               <a:ext uri="{91240B29-F687-4f45-9708-019B960494DF}">
-                <a14:hiddenLine xmlns="" xmlns:a14="http://schemas.microsoft.com/office/drawing/2010/main" w="9525">
+                <a14:hiddenLine xmlns:a14="http://schemas.microsoft.com/office/drawing/2010/main" xmlns="" w="9525">
                   <a:solidFill>
                     <a:srgbClr val="000000"/>
                   </a:solidFill>
@@ -4789,7 +6913,7 @@
             </a:ln>
             <a:extLst>
               <a:ext uri="{91240B29-F687-4f45-9708-019B960494DF}">
-                <a14:hiddenLine xmlns="" xmlns:a14="http://schemas.microsoft.com/office/drawing/2010/main" w="9525">
+                <a14:hiddenLine xmlns:a14="http://schemas.microsoft.com/office/drawing/2010/main" xmlns="" w="9525">
                   <a:solidFill>
                     <a:srgbClr val="000000"/>
                   </a:solidFill>
@@ -4879,7 +7003,7 @@
             </a:ln>
             <a:extLst>
               <a:ext uri="{91240B29-F687-4f45-9708-019B960494DF}">
-                <a14:hiddenLine xmlns="" xmlns:a14="http://schemas.microsoft.com/office/drawing/2010/main" w="9525">
+                <a14:hiddenLine xmlns:a14="http://schemas.microsoft.com/office/drawing/2010/main" xmlns="" w="9525">
                   <a:solidFill>
                     <a:srgbClr val="000000"/>
                   </a:solidFill>
@@ -4947,7 +7071,7 @@
             </a:ln>
             <a:extLst>
               <a:ext uri="{91240B29-F687-4f45-9708-019B960494DF}">
-                <a14:hiddenLine xmlns="" xmlns:a14="http://schemas.microsoft.com/office/drawing/2010/main" w="9525">
+                <a14:hiddenLine xmlns:a14="http://schemas.microsoft.com/office/drawing/2010/main" xmlns="" w="9525">
                   <a:solidFill>
                     <a:srgbClr val="000000"/>
                   </a:solidFill>
@@ -5037,7 +7161,7 @@
             </a:ln>
             <a:extLst>
               <a:ext uri="{91240B29-F687-4f45-9708-019B960494DF}">
-                <a14:hiddenLine xmlns="" xmlns:a14="http://schemas.microsoft.com/office/drawing/2010/main" w="9525">
+                <a14:hiddenLine xmlns:a14="http://schemas.microsoft.com/office/drawing/2010/main" xmlns="" w="9525">
                   <a:solidFill>
                     <a:srgbClr val="000000"/>
                   </a:solidFill>
@@ -5071,7 +7195,7 @@
             </a:ln>
             <a:extLst>
               <a:ext uri="{91240B29-F687-4f45-9708-019B960494DF}">
-                <a14:hiddenLine xmlns="" xmlns:a14="http://schemas.microsoft.com/office/drawing/2010/main" w="9525">
+                <a14:hiddenLine xmlns:a14="http://schemas.microsoft.com/office/drawing/2010/main" xmlns="" w="9525">
                   <a:solidFill>
                     <a:srgbClr val="000000"/>
                   </a:solidFill>
@@ -5161,7 +7285,7 @@
             </a:ln>
             <a:extLst>
               <a:ext uri="{91240B29-F687-4f45-9708-019B960494DF}">
-                <a14:hiddenLine xmlns="" xmlns:a14="http://schemas.microsoft.com/office/drawing/2010/main" w="9525">
+                <a14:hiddenLine xmlns:a14="http://schemas.microsoft.com/office/drawing/2010/main" xmlns="" w="9525">
                   <a:solidFill>
                     <a:srgbClr val="000000"/>
                   </a:solidFill>
@@ -5223,7 +7347,7 @@
             </a:ln>
             <a:extLst>
               <a:ext uri="{91240B29-F687-4f45-9708-019B960494DF}">
-                <a14:hiddenLine xmlns="" xmlns:a14="http://schemas.microsoft.com/office/drawing/2010/main" w="9525">
+                <a14:hiddenLine xmlns:a14="http://schemas.microsoft.com/office/drawing/2010/main" xmlns="" w="9525">
                   <a:solidFill>
                     <a:srgbClr val="000000"/>
                   </a:solidFill>
@@ -5285,7 +7409,7 @@
             </a:ln>
             <a:extLst>
               <a:ext uri="{91240B29-F687-4f45-9708-019B960494DF}">
-                <a14:hiddenLine xmlns="" xmlns:a14="http://schemas.microsoft.com/office/drawing/2010/main" w="9525">
+                <a14:hiddenLine xmlns:a14="http://schemas.microsoft.com/office/drawing/2010/main" xmlns="" w="9525">
                   <a:solidFill>
                     <a:srgbClr val="000000"/>
                   </a:solidFill>
@@ -5375,7 +7499,7 @@
             </a:ln>
             <a:extLst>
               <a:ext uri="{91240B29-F687-4f45-9708-019B960494DF}">
-                <a14:hiddenLine xmlns="" xmlns:a14="http://schemas.microsoft.com/office/drawing/2010/main" w="9525">
+                <a14:hiddenLine xmlns:a14="http://schemas.microsoft.com/office/drawing/2010/main" xmlns="" w="9525">
                   <a:solidFill>
                     <a:srgbClr val="000000"/>
                   </a:solidFill>
@@ -5443,7 +7567,7 @@
             </a:ln>
             <a:extLst>
               <a:ext uri="{91240B29-F687-4f45-9708-019B960494DF}">
-                <a14:hiddenLine xmlns="" xmlns:a14="http://schemas.microsoft.com/office/drawing/2010/main" w="9525">
+                <a14:hiddenLine xmlns:a14="http://schemas.microsoft.com/office/drawing/2010/main" xmlns="" w="9525">
                   <a:solidFill>
                     <a:srgbClr val="000000"/>
                   </a:solidFill>
@@ -5505,7 +7629,7 @@
             </a:ln>
             <a:extLst>
               <a:ext uri="{91240B29-F687-4f45-9708-019B960494DF}">
-                <a14:hiddenLine xmlns="" xmlns:a14="http://schemas.microsoft.com/office/drawing/2010/main" w="9525">
+                <a14:hiddenLine xmlns:a14="http://schemas.microsoft.com/office/drawing/2010/main" xmlns="" w="9525">
                   <a:solidFill>
                     <a:srgbClr val="000000"/>
                   </a:solidFill>
@@ -5595,7 +7719,7 @@
             </a:ln>
             <a:extLst>
               <a:ext uri="{91240B29-F687-4f45-9708-019B960494DF}">
-                <a14:hiddenLine xmlns="" xmlns:a14="http://schemas.microsoft.com/office/drawing/2010/main" w="9525">
+                <a14:hiddenLine xmlns:a14="http://schemas.microsoft.com/office/drawing/2010/main" xmlns="" w="9525">
                   <a:solidFill>
                     <a:srgbClr val="000000"/>
                   </a:solidFill>
@@ -5657,7 +7781,7 @@
             </a:ln>
             <a:extLst>
               <a:ext uri="{91240B29-F687-4f45-9708-019B960494DF}">
-                <a14:hiddenLine xmlns="" xmlns:a14="http://schemas.microsoft.com/office/drawing/2010/main" w="9525">
+                <a14:hiddenLine xmlns:a14="http://schemas.microsoft.com/office/drawing/2010/main" xmlns="" w="9525">
                   <a:solidFill>
                     <a:srgbClr val="000000"/>
                   </a:solidFill>
@@ -5747,7 +7871,7 @@
             </a:ln>
             <a:extLst>
               <a:ext uri="{91240B29-F687-4f45-9708-019B960494DF}">
-                <a14:hiddenLine xmlns="" xmlns:a14="http://schemas.microsoft.com/office/drawing/2010/main" w="9525">
+                <a14:hiddenLine xmlns:a14="http://schemas.microsoft.com/office/drawing/2010/main" xmlns="" w="9525">
                   <a:solidFill>
                     <a:srgbClr val="000000"/>
                   </a:solidFill>
@@ -5809,7 +7933,7 @@
             </a:ln>
             <a:extLst>
               <a:ext uri="{91240B29-F687-4f45-9708-019B960494DF}">
-                <a14:hiddenLine xmlns="" xmlns:a14="http://schemas.microsoft.com/office/drawing/2010/main" w="9525">
+                <a14:hiddenLine xmlns:a14="http://schemas.microsoft.com/office/drawing/2010/main" xmlns="" w="9525">
                   <a:solidFill>
                     <a:srgbClr val="000000"/>
                   </a:solidFill>
@@ -5899,7 +8023,7 @@
             </a:ln>
             <a:extLst>
               <a:ext uri="{91240B29-F687-4f45-9708-019B960494DF}">
-                <a14:hiddenLine xmlns="" xmlns:a14="http://schemas.microsoft.com/office/drawing/2010/main" w="9525">
+                <a14:hiddenLine xmlns:a14="http://schemas.microsoft.com/office/drawing/2010/main" xmlns="" w="9525">
                   <a:solidFill>
                     <a:srgbClr val="000000"/>
                   </a:solidFill>
@@ -5933,7 +8057,7 @@
             </a:ln>
             <a:extLst>
               <a:ext uri="{91240B29-F687-4f45-9708-019B960494DF}">
-                <a14:hiddenLine xmlns="" xmlns:a14="http://schemas.microsoft.com/office/drawing/2010/main" w="9525">
+                <a14:hiddenLine xmlns:a14="http://schemas.microsoft.com/office/drawing/2010/main" xmlns="" w="9525">
                   <a:solidFill>
                     <a:srgbClr val="000000"/>
                   </a:solidFill>
@@ -5998,7 +8122,7 @@
             </a:ln>
             <a:extLst>
               <a:ext uri="{91240B29-F687-4f45-9708-019B960494DF}">
-                <a14:hiddenLine xmlns="" xmlns:a14="http://schemas.microsoft.com/office/drawing/2010/main" w="9525">
+                <a14:hiddenLine xmlns:a14="http://schemas.microsoft.com/office/drawing/2010/main" xmlns="" w="9525">
                   <a:solidFill>
                     <a:srgbClr val="000000"/>
                   </a:solidFill>
@@ -6088,7 +8212,7 @@
             </a:ln>
             <a:extLst>
               <a:ext uri="{91240B29-F687-4f45-9708-019B960494DF}">
-                <a14:hiddenLine xmlns="" xmlns:a14="http://schemas.microsoft.com/office/drawing/2010/main" w="9525">
+                <a14:hiddenLine xmlns:a14="http://schemas.microsoft.com/office/drawing/2010/main" xmlns="" w="9525">
                   <a:solidFill>
                     <a:srgbClr val="000000"/>
                   </a:solidFill>
@@ -6150,7 +8274,7 @@
             </a:ln>
             <a:extLst>
               <a:ext uri="{91240B29-F687-4f45-9708-019B960494DF}">
-                <a14:hiddenLine xmlns="" xmlns:a14="http://schemas.microsoft.com/office/drawing/2010/main" w="9525">
+                <a14:hiddenLine xmlns:a14="http://schemas.microsoft.com/office/drawing/2010/main" xmlns="" w="9525">
                   <a:solidFill>
                     <a:srgbClr val="000000"/>
                   </a:solidFill>
@@ -6240,7 +8364,7 @@
             </a:ln>
             <a:extLst>
               <a:ext uri="{91240B29-F687-4f45-9708-019B960494DF}">
-                <a14:hiddenLine xmlns="" xmlns:a14="http://schemas.microsoft.com/office/drawing/2010/main" w="9525">
+                <a14:hiddenLine xmlns:a14="http://schemas.microsoft.com/office/drawing/2010/main" xmlns="" w="9525">
                   <a:solidFill>
                     <a:srgbClr val="000000"/>
                   </a:solidFill>
@@ -6330,7 +8454,7 @@
             </a:ln>
             <a:extLst>
               <a:ext uri="{91240B29-F687-4f45-9708-019B960494DF}">
-                <a14:hiddenLine xmlns="" xmlns:a14="http://schemas.microsoft.com/office/drawing/2010/main" w="9525">
+                <a14:hiddenLine xmlns:a14="http://schemas.microsoft.com/office/drawing/2010/main" xmlns="" w="9525">
                   <a:solidFill>
                     <a:srgbClr val="000000"/>
                   </a:solidFill>
@@ -6395,7 +8519,7 @@
             </a:ln>
             <a:extLst>
               <a:ext uri="{91240B29-F687-4f45-9708-019B960494DF}">
-                <a14:hiddenLine xmlns="" xmlns:a14="http://schemas.microsoft.com/office/drawing/2010/main" w="9525">
+                <a14:hiddenLine xmlns:a14="http://schemas.microsoft.com/office/drawing/2010/main" xmlns="" w="9525">
                   <a:solidFill>
                     <a:srgbClr val="000000"/>
                   </a:solidFill>
@@ -6457,7 +8581,7 @@
             </a:ln>
             <a:extLst>
               <a:ext uri="{91240B29-F687-4f45-9708-019B960494DF}">
-                <a14:hiddenLine xmlns="" xmlns:a14="http://schemas.microsoft.com/office/drawing/2010/main" w="9525">
+                <a14:hiddenLine xmlns:a14="http://schemas.microsoft.com/office/drawing/2010/main" xmlns="" w="9525">
                   <a:solidFill>
                     <a:srgbClr val="000000"/>
                   </a:solidFill>
@@ -6547,7 +8671,7 @@
             </a:ln>
             <a:extLst>
               <a:ext uri="{91240B29-F687-4f45-9708-019B960494DF}">
-                <a14:hiddenLine xmlns="" xmlns:a14="http://schemas.microsoft.com/office/drawing/2010/main" w="9525">
+                <a14:hiddenLine xmlns:a14="http://schemas.microsoft.com/office/drawing/2010/main" xmlns="" w="9525">
                   <a:solidFill>
                     <a:srgbClr val="000000"/>
                   </a:solidFill>
@@ -6637,7 +8761,7 @@
             </a:ln>
             <a:extLst>
               <a:ext uri="{91240B29-F687-4f45-9708-019B960494DF}">
-                <a14:hiddenLine xmlns="" xmlns:a14="http://schemas.microsoft.com/office/drawing/2010/main" w="9525">
+                <a14:hiddenLine xmlns:a14="http://schemas.microsoft.com/office/drawing/2010/main" xmlns="" w="9525">
                   <a:solidFill>
                     <a:srgbClr val="000000"/>
                   </a:solidFill>
@@ -6699,7 +8823,7 @@
             </a:ln>
             <a:extLst>
               <a:ext uri="{91240B29-F687-4f45-9708-019B960494DF}">
-                <a14:hiddenLine xmlns="" xmlns:a14="http://schemas.microsoft.com/office/drawing/2010/main" w="9525">
+                <a14:hiddenLine xmlns:a14="http://schemas.microsoft.com/office/drawing/2010/main" xmlns="" w="9525">
                   <a:solidFill>
                     <a:srgbClr val="000000"/>
                   </a:solidFill>
@@ -6819,7 +8943,7 @@
             </a:ln>
             <a:extLst>
               <a:ext uri="{91240B29-F687-4f45-9708-019B960494DF}">
-                <a14:hiddenLine xmlns="" xmlns:a14="http://schemas.microsoft.com/office/drawing/2010/main" w="9525">
+                <a14:hiddenLine xmlns:a14="http://schemas.microsoft.com/office/drawing/2010/main" xmlns="" w="9525">
                   <a:solidFill>
                     <a:srgbClr val="000000"/>
                   </a:solidFill>
@@ -6887,7 +9011,7 @@
             </a:ln>
             <a:extLst>
               <a:ext uri="{91240B29-F687-4f45-9708-019B960494DF}">
-                <a14:hiddenLine xmlns="" xmlns:a14="http://schemas.microsoft.com/office/drawing/2010/main" w="9525">
+                <a14:hiddenLine xmlns:a14="http://schemas.microsoft.com/office/drawing/2010/main" xmlns="" w="9525">
                   <a:solidFill>
                     <a:srgbClr val="000000"/>
                   </a:solidFill>
@@ -6977,7 +9101,7 @@
             </a:ln>
             <a:extLst>
               <a:ext uri="{91240B29-F687-4f45-9708-019B960494DF}">
-                <a14:hiddenLine xmlns="" xmlns:a14="http://schemas.microsoft.com/office/drawing/2010/main" w="9525">
+                <a14:hiddenLine xmlns:a14="http://schemas.microsoft.com/office/drawing/2010/main" xmlns="" w="9525">
                   <a:solidFill>
                     <a:srgbClr val="000000"/>
                   </a:solidFill>
@@ -7117,7 +9241,7 @@
           <a:p>
             <a:fld id="{48A87A34-81AB-432B-8DAE-1953F412C126}" type="datetimeFigureOut">
               <a:rPr lang="en-US" dirty="0"/>
-              <a:t>7/1/19</a:t>
+              <a:t>7/16/19</a:t>
             </a:fld>
             <a:endParaRPr lang="en-US" dirty="0"/>
           </a:p>
@@ -7379,7 +9503,7 @@
           <a:p>
             <a:fld id="{48A87A34-81AB-432B-8DAE-1953F412C126}" type="datetimeFigureOut">
               <a:rPr lang="en-US" dirty="0"/>
-              <a:t>7/1/19</a:t>
+              <a:t>7/16/19</a:t>
             </a:fld>
             <a:endParaRPr lang="en-US" dirty="0"/>
           </a:p>
@@ -7570,7 +9694,7 @@
           <a:p>
             <a:fld id="{48A87A34-81AB-432B-8DAE-1953F412C126}" type="datetimeFigureOut">
               <a:rPr lang="en-US" dirty="0"/>
-              <a:t>7/1/19</a:t>
+              <a:t>7/16/19</a:t>
             </a:fld>
             <a:endParaRPr lang="en-US" dirty="0"/>
           </a:p>
@@ -7828,7 +9952,7 @@
           <a:p>
             <a:fld id="{48A87A34-81AB-432B-8DAE-1953F412C126}" type="datetimeFigureOut">
               <a:rPr lang="en-US" dirty="0"/>
-              <a:t>7/1/19</a:t>
+              <a:t>7/16/19</a:t>
             </a:fld>
             <a:endParaRPr lang="en-US" dirty="0"/>
           </a:p>
@@ -8257,7 +10381,7 @@
           <a:p>
             <a:fld id="{48A87A34-81AB-432B-8DAE-1953F412C126}" type="datetimeFigureOut">
               <a:rPr lang="en-US" dirty="0"/>
-              <a:t>7/1/19</a:t>
+              <a:t>7/16/19</a:t>
             </a:fld>
             <a:endParaRPr lang="en-US" dirty="0"/>
           </a:p>
@@ -8798,7 +10922,7 @@
           <a:p>
             <a:fld id="{48A87A34-81AB-432B-8DAE-1953F412C126}" type="datetimeFigureOut">
               <a:rPr lang="en-US" dirty="0"/>
-              <a:t>7/1/19</a:t>
+              <a:t>7/16/19</a:t>
             </a:fld>
             <a:endParaRPr lang="en-US" dirty="0"/>
           </a:p>
@@ -9513,7 +11637,7 @@
           <a:p>
             <a:fld id="{48A87A34-81AB-432B-8DAE-1953F412C126}" type="datetimeFigureOut">
               <a:rPr lang="en-US" dirty="0"/>
-              <a:t>7/1/19</a:t>
+              <a:t>7/16/19</a:t>
             </a:fld>
             <a:endParaRPr lang="en-US" dirty="0"/>
           </a:p>
@@ -9678,7 +11802,7 @@
           <a:p>
             <a:fld id="{48A87A34-81AB-432B-8DAE-1953F412C126}" type="datetimeFigureOut">
               <a:rPr lang="en-US" dirty="0"/>
-              <a:t>7/1/19</a:t>
+              <a:t>7/16/19</a:t>
             </a:fld>
             <a:endParaRPr lang="en-US" dirty="0"/>
           </a:p>
@@ -9853,7 +11977,7 @@
           <a:p>
             <a:fld id="{48A87A34-81AB-432B-8DAE-1953F412C126}" type="datetimeFigureOut">
               <a:rPr lang="en-US" dirty="0"/>
-              <a:t>7/1/19</a:t>
+              <a:t>7/16/19</a:t>
             </a:fld>
             <a:endParaRPr lang="en-US" dirty="0"/>
           </a:p>
@@ -10018,7 +12142,7 @@
           <a:p>
             <a:fld id="{48A87A34-81AB-432B-8DAE-1953F412C126}" type="datetimeFigureOut">
               <a:rPr lang="en-US" dirty="0"/>
-              <a:t>7/1/19</a:t>
+              <a:t>7/16/19</a:t>
             </a:fld>
             <a:endParaRPr lang="en-US" dirty="0"/>
           </a:p>
@@ -10263,7 +12387,7 @@
           <a:p>
             <a:fld id="{48A87A34-81AB-432B-8DAE-1953F412C126}" type="datetimeFigureOut">
               <a:rPr lang="en-US" dirty="0"/>
-              <a:t>7/1/19</a:t>
+              <a:t>7/16/19</a:t>
             </a:fld>
             <a:endParaRPr lang="en-US" dirty="0"/>
           </a:p>
@@ -10490,7 +12614,7 @@
           <a:p>
             <a:fld id="{48A87A34-81AB-432B-8DAE-1953F412C126}" type="datetimeFigureOut">
               <a:rPr lang="en-US" dirty="0"/>
-              <a:t>7/1/19</a:t>
+              <a:t>7/16/19</a:t>
             </a:fld>
             <a:endParaRPr lang="en-US" dirty="0"/>
           </a:p>
@@ -10866,7 +12990,7 @@
           <a:p>
             <a:fld id="{48A87A34-81AB-432B-8DAE-1953F412C126}" type="datetimeFigureOut">
               <a:rPr lang="en-US" dirty="0"/>
-              <a:t>7/1/19</a:t>
+              <a:t>7/16/19</a:t>
             </a:fld>
             <a:endParaRPr lang="en-US" dirty="0"/>
           </a:p>
@@ -10979,7 +13103,7 @@
           <a:p>
             <a:fld id="{48A87A34-81AB-432B-8DAE-1953F412C126}" type="datetimeFigureOut">
               <a:rPr lang="en-US" dirty="0"/>
-              <a:t>7/1/19</a:t>
+              <a:t>7/16/19</a:t>
             </a:fld>
             <a:endParaRPr lang="en-US" dirty="0"/>
           </a:p>
@@ -11069,7 +13193,7 @@
           <a:p>
             <a:fld id="{48A87A34-81AB-432B-8DAE-1953F412C126}" type="datetimeFigureOut">
               <a:rPr lang="en-US" dirty="0"/>
-              <a:t>7/1/19</a:t>
+              <a:t>7/16/19</a:t>
             </a:fld>
             <a:endParaRPr lang="en-US" dirty="0"/>
           </a:p>
@@ -11313,7 +13437,7 @@
           <a:p>
             <a:fld id="{48A87A34-81AB-432B-8DAE-1953F412C126}" type="datetimeFigureOut">
               <a:rPr lang="en-US" dirty="0"/>
-              <a:t>7/1/19</a:t>
+              <a:t>7/16/19</a:t>
             </a:fld>
             <a:endParaRPr lang="en-US" dirty="0"/>
           </a:p>
@@ -11588,7 +13712,7 @@
           <a:p>
             <a:fld id="{48A87A34-81AB-432B-8DAE-1953F412C126}" type="datetimeFigureOut">
               <a:rPr lang="en-US" dirty="0"/>
-              <a:t>7/1/19</a:t>
+              <a:t>7/16/19</a:t>
             </a:fld>
             <a:endParaRPr lang="en-US" dirty="0"/>
           </a:p>
@@ -11699,7 +13823,7 @@
           <a:noFill/>
           <a:extLst>
             <a:ext uri="{909E8E84-426E-40dd-AFC4-6F175D3DCCD1}">
-              <a14:hiddenFill xmlns="" xmlns:a14="http://schemas.microsoft.com/office/drawing/2010/main">
+              <a14:hiddenFill xmlns:a14="http://schemas.microsoft.com/office/drawing/2010/main" xmlns="">
                 <a:solidFill>
                   <a:srgbClr val="FFFFFF"/>
                 </a:solidFill>
@@ -11773,7 +13897,7 @@
               </a:ln>
               <a:extLst>
                 <a:ext uri="{91240B29-F687-4f45-9708-019B960494DF}">
-                  <a14:hiddenLine xmlns="" xmlns:a14="http://schemas.microsoft.com/office/drawing/2010/main" w="9525">
+                  <a14:hiddenLine xmlns:a14="http://schemas.microsoft.com/office/drawing/2010/main" xmlns="" w="9525">
                     <a:solidFill>
                       <a:srgbClr val="000000"/>
                     </a:solidFill>
@@ -11863,7 +13987,7 @@
               </a:ln>
               <a:extLst>
                 <a:ext uri="{91240B29-F687-4f45-9708-019B960494DF}">
-                  <a14:hiddenLine xmlns="" xmlns:a14="http://schemas.microsoft.com/office/drawing/2010/main" w="9525">
+                  <a14:hiddenLine xmlns:a14="http://schemas.microsoft.com/office/drawing/2010/main" xmlns="" w="9525">
                     <a:solidFill>
                       <a:srgbClr val="000000"/>
                     </a:solidFill>
@@ -11953,7 +14077,7 @@
               </a:ln>
               <a:extLst>
                 <a:ext uri="{91240B29-F687-4f45-9708-019B960494DF}">
-                  <a14:hiddenLine xmlns="" xmlns:a14="http://schemas.microsoft.com/office/drawing/2010/main" w="9525">
+                  <a14:hiddenLine xmlns:a14="http://schemas.microsoft.com/office/drawing/2010/main" xmlns="" w="9525">
                     <a:solidFill>
                       <a:srgbClr val="000000"/>
                     </a:solidFill>
@@ -12015,7 +14139,7 @@
               </a:ln>
               <a:extLst>
                 <a:ext uri="{91240B29-F687-4f45-9708-019B960494DF}">
-                  <a14:hiddenLine xmlns="" xmlns:a14="http://schemas.microsoft.com/office/drawing/2010/main" w="9525">
+                  <a14:hiddenLine xmlns:a14="http://schemas.microsoft.com/office/drawing/2010/main" xmlns="" w="9525">
                     <a:solidFill>
                       <a:srgbClr val="000000"/>
                     </a:solidFill>
@@ -12105,7 +14229,7 @@
               </a:ln>
               <a:extLst>
                 <a:ext uri="{91240B29-F687-4f45-9708-019B960494DF}">
-                  <a14:hiddenLine xmlns="" xmlns:a14="http://schemas.microsoft.com/office/drawing/2010/main" w="9525">
+                  <a14:hiddenLine xmlns:a14="http://schemas.microsoft.com/office/drawing/2010/main" xmlns="" w="9525">
                     <a:solidFill>
                       <a:srgbClr val="000000"/>
                     </a:solidFill>
@@ -12167,7 +14291,7 @@
               </a:ln>
               <a:extLst>
                 <a:ext uri="{91240B29-F687-4f45-9708-019B960494DF}">
-                  <a14:hiddenLine xmlns="" xmlns:a14="http://schemas.microsoft.com/office/drawing/2010/main" w="9525">
+                  <a14:hiddenLine xmlns:a14="http://schemas.microsoft.com/office/drawing/2010/main" xmlns="" w="9525">
                     <a:solidFill>
                       <a:srgbClr val="000000"/>
                     </a:solidFill>
@@ -12229,7 +14353,7 @@
               </a:ln>
               <a:extLst>
                 <a:ext uri="{91240B29-F687-4f45-9708-019B960494DF}">
-                  <a14:hiddenLine xmlns="" xmlns:a14="http://schemas.microsoft.com/office/drawing/2010/main" w="9525">
+                  <a14:hiddenLine xmlns:a14="http://schemas.microsoft.com/office/drawing/2010/main" xmlns="" w="9525">
                     <a:solidFill>
                       <a:srgbClr val="000000"/>
                     </a:solidFill>
@@ -12319,7 +14443,7 @@
               </a:ln>
               <a:extLst>
                 <a:ext uri="{91240B29-F687-4f45-9708-019B960494DF}">
-                  <a14:hiddenLine xmlns="" xmlns:a14="http://schemas.microsoft.com/office/drawing/2010/main" w="9525">
+                  <a14:hiddenLine xmlns:a14="http://schemas.microsoft.com/office/drawing/2010/main" xmlns="" w="9525">
                     <a:solidFill>
                       <a:srgbClr val="000000"/>
                     </a:solidFill>
@@ -12409,7 +14533,7 @@
               </a:ln>
               <a:extLst>
                 <a:ext uri="{91240B29-F687-4f45-9708-019B960494DF}">
-                  <a14:hiddenLine xmlns="" xmlns:a14="http://schemas.microsoft.com/office/drawing/2010/main" w="9525">
+                  <a14:hiddenLine xmlns:a14="http://schemas.microsoft.com/office/drawing/2010/main" xmlns="" w="9525">
                     <a:solidFill>
                       <a:srgbClr val="000000"/>
                     </a:solidFill>
@@ -12471,7 +14595,7 @@
               </a:ln>
               <a:extLst>
                 <a:ext uri="{91240B29-F687-4f45-9708-019B960494DF}">
-                  <a14:hiddenLine xmlns="" xmlns:a14="http://schemas.microsoft.com/office/drawing/2010/main" w="9525">
+                  <a14:hiddenLine xmlns:a14="http://schemas.microsoft.com/office/drawing/2010/main" xmlns="" w="9525">
                     <a:solidFill>
                       <a:srgbClr val="000000"/>
                     </a:solidFill>
@@ -12581,7 +14705,7 @@
               </a:ln>
               <a:extLst>
                 <a:ext uri="{91240B29-F687-4f45-9708-019B960494DF}">
-                  <a14:hiddenLine xmlns="" xmlns:a14="http://schemas.microsoft.com/office/drawing/2010/main" w="9525">
+                  <a14:hiddenLine xmlns:a14="http://schemas.microsoft.com/office/drawing/2010/main" xmlns="" w="9525">
                     <a:solidFill>
                       <a:srgbClr val="000000"/>
                     </a:solidFill>
@@ -12665,7 +14789,7 @@
               </a:ln>
               <a:extLst>
                 <a:ext uri="{91240B29-F687-4f45-9708-019B960494DF}">
-                  <a14:hiddenLine xmlns="" xmlns:a14="http://schemas.microsoft.com/office/drawing/2010/main" w="9525">
+                  <a14:hiddenLine xmlns:a14="http://schemas.microsoft.com/office/drawing/2010/main" xmlns="" w="9525">
                     <a:solidFill>
                       <a:srgbClr val="000000"/>
                     </a:solidFill>
@@ -12727,7 +14851,7 @@
               </a:ln>
               <a:extLst>
                 <a:ext uri="{91240B29-F687-4f45-9708-019B960494DF}">
-                  <a14:hiddenLine xmlns="" xmlns:a14="http://schemas.microsoft.com/office/drawing/2010/main" w="9525">
+                  <a14:hiddenLine xmlns:a14="http://schemas.microsoft.com/office/drawing/2010/main" xmlns="" w="9525">
                     <a:solidFill>
                       <a:srgbClr val="000000"/>
                     </a:solidFill>
@@ -12789,7 +14913,7 @@
               </a:ln>
               <a:extLst>
                 <a:ext uri="{91240B29-F687-4f45-9708-019B960494DF}">
-                  <a14:hiddenLine xmlns="" xmlns:a14="http://schemas.microsoft.com/office/drawing/2010/main" w="9525">
+                  <a14:hiddenLine xmlns:a14="http://schemas.microsoft.com/office/drawing/2010/main" xmlns="" w="9525">
                     <a:solidFill>
                       <a:srgbClr val="000000"/>
                     </a:solidFill>
@@ -12879,7 +15003,7 @@
               </a:ln>
               <a:extLst>
                 <a:ext uri="{91240B29-F687-4f45-9708-019B960494DF}">
-                  <a14:hiddenLine xmlns="" xmlns:a14="http://schemas.microsoft.com/office/drawing/2010/main" w="9525">
+                  <a14:hiddenLine xmlns:a14="http://schemas.microsoft.com/office/drawing/2010/main" xmlns="" w="9525">
                     <a:solidFill>
                       <a:srgbClr val="000000"/>
                     </a:solidFill>
@@ -12913,7 +15037,7 @@
               </a:ln>
               <a:extLst>
                 <a:ext uri="{91240B29-F687-4f45-9708-019B960494DF}">
-                  <a14:hiddenLine xmlns="" xmlns:a14="http://schemas.microsoft.com/office/drawing/2010/main" w="9525">
+                  <a14:hiddenLine xmlns:a14="http://schemas.microsoft.com/office/drawing/2010/main" xmlns="" w="9525">
                     <a:solidFill>
                       <a:srgbClr val="000000"/>
                     </a:solidFill>
@@ -12978,7 +15102,7 @@
               </a:ln>
               <a:extLst>
                 <a:ext uri="{91240B29-F687-4f45-9708-019B960494DF}">
-                  <a14:hiddenLine xmlns="" xmlns:a14="http://schemas.microsoft.com/office/drawing/2010/main" w="9525">
+                  <a14:hiddenLine xmlns:a14="http://schemas.microsoft.com/office/drawing/2010/main" xmlns="" w="9525">
                     <a:solidFill>
                       <a:srgbClr val="000000"/>
                     </a:solidFill>
@@ -13068,7 +15192,7 @@
               </a:ln>
               <a:extLst>
                 <a:ext uri="{91240B29-F687-4f45-9708-019B960494DF}">
-                  <a14:hiddenLine xmlns="" xmlns:a14="http://schemas.microsoft.com/office/drawing/2010/main" w="9525">
+                  <a14:hiddenLine xmlns:a14="http://schemas.microsoft.com/office/drawing/2010/main" xmlns="" w="9525">
                     <a:solidFill>
                       <a:srgbClr val="000000"/>
                     </a:solidFill>
@@ -13130,7 +15254,7 @@
               </a:ln>
               <a:extLst>
                 <a:ext uri="{91240B29-F687-4f45-9708-019B960494DF}">
-                  <a14:hiddenLine xmlns="" xmlns:a14="http://schemas.microsoft.com/office/drawing/2010/main" w="9525">
+                  <a14:hiddenLine xmlns:a14="http://schemas.microsoft.com/office/drawing/2010/main" xmlns="" w="9525">
                     <a:solidFill>
                       <a:srgbClr val="000000"/>
                     </a:solidFill>
@@ -13220,7 +15344,7 @@
               </a:ln>
               <a:extLst>
                 <a:ext uri="{91240B29-F687-4f45-9708-019B960494DF}">
-                  <a14:hiddenLine xmlns="" xmlns:a14="http://schemas.microsoft.com/office/drawing/2010/main" w="9525">
+                  <a14:hiddenLine xmlns:a14="http://schemas.microsoft.com/office/drawing/2010/main" xmlns="" w="9525">
                     <a:solidFill>
                       <a:srgbClr val="000000"/>
                     </a:solidFill>
@@ -13285,7 +15409,7 @@
               </a:ln>
               <a:extLst>
                 <a:ext uri="{91240B29-F687-4f45-9708-019B960494DF}">
-                  <a14:hiddenLine xmlns="" xmlns:a14="http://schemas.microsoft.com/office/drawing/2010/main" w="9525">
+                  <a14:hiddenLine xmlns:a14="http://schemas.microsoft.com/office/drawing/2010/main" xmlns="" w="9525">
                     <a:solidFill>
                       <a:srgbClr val="000000"/>
                     </a:solidFill>
@@ -13347,7 +15471,7 @@
               </a:ln>
               <a:extLst>
                 <a:ext uri="{91240B29-F687-4f45-9708-019B960494DF}">
-                  <a14:hiddenLine xmlns="" xmlns:a14="http://schemas.microsoft.com/office/drawing/2010/main" w="9525">
+                  <a14:hiddenLine xmlns:a14="http://schemas.microsoft.com/office/drawing/2010/main" xmlns="" w="9525">
                     <a:solidFill>
                       <a:srgbClr val="000000"/>
                     </a:solidFill>
@@ -13437,7 +15561,7 @@
               </a:ln>
               <a:extLst>
                 <a:ext uri="{91240B29-F687-4f45-9708-019B960494DF}">
-                  <a14:hiddenLine xmlns="" xmlns:a14="http://schemas.microsoft.com/office/drawing/2010/main" w="9525">
+                  <a14:hiddenLine xmlns:a14="http://schemas.microsoft.com/office/drawing/2010/main" xmlns="" w="9525">
                     <a:solidFill>
                       <a:srgbClr val="000000"/>
                     </a:solidFill>
@@ -13527,7 +15651,7 @@
               </a:ln>
               <a:extLst>
                 <a:ext uri="{91240B29-F687-4f45-9708-019B960494DF}">
-                  <a14:hiddenLine xmlns="" xmlns:a14="http://schemas.microsoft.com/office/drawing/2010/main" w="9525">
+                  <a14:hiddenLine xmlns:a14="http://schemas.microsoft.com/office/drawing/2010/main" xmlns="" w="9525">
                     <a:solidFill>
                       <a:srgbClr val="000000"/>
                     </a:solidFill>
@@ -13592,7 +15716,7 @@
               </a:ln>
               <a:extLst>
                 <a:ext uri="{91240B29-F687-4f45-9708-019B960494DF}">
-                  <a14:hiddenLine xmlns="" xmlns:a14="http://schemas.microsoft.com/office/drawing/2010/main" w="9525">
+                  <a14:hiddenLine xmlns:a14="http://schemas.microsoft.com/office/drawing/2010/main" xmlns="" w="9525">
                     <a:solidFill>
                       <a:srgbClr val="000000"/>
                     </a:solidFill>
@@ -13712,7 +15836,7 @@
               </a:ln>
               <a:extLst>
                 <a:ext uri="{91240B29-F687-4f45-9708-019B960494DF}">
-                  <a14:hiddenLine xmlns="" xmlns:a14="http://schemas.microsoft.com/office/drawing/2010/main" w="9525">
+                  <a14:hiddenLine xmlns:a14="http://schemas.microsoft.com/office/drawing/2010/main" xmlns="" w="9525">
                     <a:solidFill>
                       <a:srgbClr val="000000"/>
                     </a:solidFill>
@@ -13810,7 +15934,7 @@
               </a:ln>
               <a:extLst>
                 <a:ext uri="{91240B29-F687-4f45-9708-019B960494DF}">
-                  <a14:hiddenLine xmlns="" xmlns:a14="http://schemas.microsoft.com/office/drawing/2010/main" w="9525">
+                  <a14:hiddenLine xmlns:a14="http://schemas.microsoft.com/office/drawing/2010/main" xmlns="" w="9525">
                     <a:solidFill>
                       <a:srgbClr val="000000"/>
                     </a:solidFill>
@@ -13925,7 +16049,7 @@
               </a:ln>
               <a:extLst>
                 <a:ext uri="{91240B29-F687-4f45-9708-019B960494DF}">
-                  <a14:hiddenLine xmlns="" xmlns:a14="http://schemas.microsoft.com/office/drawing/2010/main" w="9525">
+                  <a14:hiddenLine xmlns:a14="http://schemas.microsoft.com/office/drawing/2010/main" xmlns="" w="9525">
                     <a:solidFill>
                       <a:srgbClr val="000000"/>
                     </a:solidFill>
@@ -14015,7 +16139,7 @@
               </a:ln>
               <a:extLst>
                 <a:ext uri="{91240B29-F687-4f45-9708-019B960494DF}">
-                  <a14:hiddenLine xmlns="" xmlns:a14="http://schemas.microsoft.com/office/drawing/2010/main" w="9525">
+                  <a14:hiddenLine xmlns:a14="http://schemas.microsoft.com/office/drawing/2010/main" xmlns="" w="9525">
                     <a:solidFill>
                       <a:srgbClr val="000000"/>
                     </a:solidFill>
@@ -14080,7 +16204,7 @@
               </a:ln>
               <a:extLst>
                 <a:ext uri="{91240B29-F687-4f45-9708-019B960494DF}">
-                  <a14:hiddenLine xmlns="" xmlns:a14="http://schemas.microsoft.com/office/drawing/2010/main" w="9525">
+                  <a14:hiddenLine xmlns:a14="http://schemas.microsoft.com/office/drawing/2010/main" xmlns="" w="9525">
                     <a:solidFill>
                       <a:srgbClr val="000000"/>
                     </a:solidFill>
@@ -14170,7 +16294,7 @@
               </a:ln>
               <a:extLst>
                 <a:ext uri="{91240B29-F687-4f45-9708-019B960494DF}">
-                  <a14:hiddenLine xmlns="" xmlns:a14="http://schemas.microsoft.com/office/drawing/2010/main" w="9525">
+                  <a14:hiddenLine xmlns:a14="http://schemas.microsoft.com/office/drawing/2010/main" xmlns="" w="9525">
                     <a:solidFill>
                       <a:srgbClr val="000000"/>
                     </a:solidFill>
@@ -14238,7 +16362,7 @@
               </a:ln>
               <a:extLst>
                 <a:ext uri="{91240B29-F687-4f45-9708-019B960494DF}">
-                  <a14:hiddenLine xmlns="" xmlns:a14="http://schemas.microsoft.com/office/drawing/2010/main" w="9525">
+                  <a14:hiddenLine xmlns:a14="http://schemas.microsoft.com/office/drawing/2010/main" xmlns="" w="9525">
                     <a:solidFill>
                       <a:srgbClr val="000000"/>
                     </a:solidFill>
@@ -14328,7 +16452,7 @@
               </a:ln>
               <a:extLst>
                 <a:ext uri="{91240B29-F687-4f45-9708-019B960494DF}">
-                  <a14:hiddenLine xmlns="" xmlns:a14="http://schemas.microsoft.com/office/drawing/2010/main" w="9525">
+                  <a14:hiddenLine xmlns:a14="http://schemas.microsoft.com/office/drawing/2010/main" xmlns="" w="9525">
                     <a:solidFill>
                       <a:srgbClr val="000000"/>
                     </a:solidFill>
@@ -14396,7 +16520,7 @@
               </a:ln>
               <a:extLst>
                 <a:ext uri="{91240B29-F687-4f45-9708-019B960494DF}">
-                  <a14:hiddenLine xmlns="" xmlns:a14="http://schemas.microsoft.com/office/drawing/2010/main" w="9525">
+                  <a14:hiddenLine xmlns:a14="http://schemas.microsoft.com/office/drawing/2010/main" xmlns="" w="9525">
                     <a:solidFill>
                       <a:srgbClr val="000000"/>
                     </a:solidFill>
@@ -14486,7 +16610,7 @@
               </a:ln>
               <a:extLst>
                 <a:ext uri="{91240B29-F687-4f45-9708-019B960494DF}">
-                  <a14:hiddenLine xmlns="" xmlns:a14="http://schemas.microsoft.com/office/drawing/2010/main" w="9525">
+                  <a14:hiddenLine xmlns:a14="http://schemas.microsoft.com/office/drawing/2010/main" xmlns="" w="9525">
                     <a:solidFill>
                       <a:srgbClr val="000000"/>
                     </a:solidFill>
@@ -14520,7 +16644,7 @@
               </a:ln>
               <a:extLst>
                 <a:ext uri="{91240B29-F687-4f45-9708-019B960494DF}">
-                  <a14:hiddenLine xmlns="" xmlns:a14="http://schemas.microsoft.com/office/drawing/2010/main" w="9525">
+                  <a14:hiddenLine xmlns:a14="http://schemas.microsoft.com/office/drawing/2010/main" xmlns="" w="9525">
                     <a:solidFill>
                       <a:srgbClr val="000000"/>
                     </a:solidFill>
@@ -14661,7 +16785,7 @@
             <a:fld id="{48A87A34-81AB-432B-8DAE-1953F412C126}" type="datetimeFigureOut">
               <a:rPr lang="en-US" dirty="0"/>
               <a:pPr/>
-              <a:t>7/1/19</a:t>
+              <a:t>7/16/19</a:t>
             </a:fld>
             <a:endParaRPr lang="en-US" dirty="0"/>
           </a:p>
@@ -15143,6 +17267,95 @@
           </a:p>
         </p:txBody>
       </p:sp>
+      <p:pic>
+        <p:nvPicPr>
+          <p:cNvPr id="4" name="Picture 3">
+            <a:extLst>
+              <a:ext uri="{FF2B5EF4-FFF2-40B4-BE49-F238E27FC236}">
+                <a16:creationId xmlns:a16="http://schemas.microsoft.com/office/drawing/2014/main" id="{4A6352CC-CDF7-4086-968C-C2A66B915FCF}"/>
+              </a:ext>
+            </a:extLst>
+          </p:cNvPr>
+          <p:cNvPicPr>
+            <a:picLocks noChangeAspect="1"/>
+          </p:cNvPicPr>
+          <p:nvPr/>
+        </p:nvPicPr>
+        <p:blipFill>
+          <a:blip r:embed="rId3"/>
+          <a:stretch>
+            <a:fillRect/>
+          </a:stretch>
+        </p:blipFill>
+        <p:spPr>
+          <a:xfrm>
+            <a:off x="8429501" y="3132870"/>
+            <a:ext cx="1902117" cy="1908213"/>
+          </a:xfrm>
+          <a:prstGeom prst="rect">
+            <a:avLst/>
+          </a:prstGeom>
+        </p:spPr>
+      </p:pic>
+      <p:sp>
+        <p:nvSpPr>
+          <p:cNvPr id="5" name="Rectangle 4">
+            <a:extLst>
+              <a:ext uri="{FF2B5EF4-FFF2-40B4-BE49-F238E27FC236}">
+                <a16:creationId xmlns:a16="http://schemas.microsoft.com/office/drawing/2014/main" id="{E834073F-6B52-4604-B660-1B7731260EBF}"/>
+              </a:ext>
+            </a:extLst>
+          </p:cNvPr>
+          <p:cNvSpPr/>
+          <p:nvPr/>
+        </p:nvSpPr>
+        <p:spPr>
+          <a:xfrm>
+            <a:off x="2378925" y="3917699"/>
+            <a:ext cx="8273031" cy="2246769"/>
+          </a:xfrm>
+          <a:prstGeom prst="rect">
+            <a:avLst/>
+          </a:prstGeom>
+        </p:spPr>
+        <p:txBody>
+          <a:bodyPr wrap="square">
+            <a:spAutoFit/>
+          </a:bodyPr>
+          <a:lstStyle/>
+          <a:p>
+            <a:r>
+              <a:rPr lang="nb-NO" sz="2800" dirty="0"/>
+              <a:t>Harold Pulcher (MVP)</a:t>
+            </a:r>
+          </a:p>
+          <a:p>
+            <a:r>
+              <a:rPr lang="nb-NO" sz="2800" dirty="0"/>
+              <a:t>@haroldpulcher</a:t>
+            </a:r>
+          </a:p>
+          <a:p>
+            <a:r>
+              <a:rPr lang="nb-NO" sz="2800" dirty="0"/>
+              <a:t>pulcher@pulcher.biz</a:t>
+            </a:r>
+          </a:p>
+          <a:p>
+            <a:r>
+              <a:rPr lang="nb-NO" sz="2800" dirty="0"/>
+              <a:t>https://www.youtube.com/user/hpulcher</a:t>
+            </a:r>
+          </a:p>
+          <a:p>
+            <a:r>
+              <a:rPr lang="nb-NO" sz="2800" dirty="0"/>
+              <a:t>https://github.com/pulcher/electronics-for-programers</a:t>
+            </a:r>
+            <a:endParaRPr lang="en-US" sz="2800" dirty="0"/>
+          </a:p>
+        </p:txBody>
+      </p:sp>
     </p:spTree>
     <p:extLst>
       <p:ext uri="{BB962C8B-B14F-4D97-AF65-F5344CB8AC3E}">
@@ -15178,7 +17391,7 @@
           <p:cNvPr id="2" name="Title 1">
             <a:extLst>
               <a:ext uri="{FF2B5EF4-FFF2-40B4-BE49-F238E27FC236}">
-                <a16:creationId xmlns:a16="http://schemas.microsoft.com/office/drawing/2014/main" id="{BC79E192-664C-43F8-92DF-7E02BD68DCF3}"/>
+                <a16:creationId xmlns:a16="http://schemas.microsoft.com/office/drawing/2014/main" id="{89679A0C-1792-4941-887A-26C01B35008B}"/>
               </a:ext>
             </a:extLst>
           </p:cNvPr>
@@ -15189,52 +17402,224 @@
             <p:ph type="title"/>
           </p:nvPr>
         </p:nvSpPr>
-        <p:spPr/>
+        <p:spPr>
+          <a:xfrm>
+            <a:off x="1143000" y="349977"/>
+            <a:ext cx="9906000" cy="611052"/>
+          </a:xfrm>
+        </p:spPr>
         <p:txBody>
           <a:bodyPr/>
           <a:lstStyle/>
           <a:p>
             <a:r>
               <a:rPr lang="en-US" dirty="0"/>
-              <a:t>Do we still</a:t>
-            </a:r>
-            <a:r>
-              <a:rPr lang="en-US" baseline="0" dirty="0"/>
-              <a:t> Need Transistors?</a:t>
-            </a:r>
-            <a:endParaRPr lang="en-US" dirty="0"/>
-          </a:p>
-        </p:txBody>
-      </p:sp>
-      <p:sp>
-        <p:nvSpPr>
-          <p:cNvPr id="3" name="Text Placeholder 2">
+              <a:t>Basic tools</a:t>
+            </a:r>
+          </a:p>
+        </p:txBody>
+      </p:sp>
+      <p:sp>
+        <p:nvSpPr>
+          <p:cNvPr id="6" name="TextBox 5">
             <a:extLst>
               <a:ext uri="{FF2B5EF4-FFF2-40B4-BE49-F238E27FC236}">
-                <a16:creationId xmlns:a16="http://schemas.microsoft.com/office/drawing/2014/main" id="{FECA0DF6-9652-4B57-896B-97653D007798}"/>
+                <a16:creationId xmlns:a16="http://schemas.microsoft.com/office/drawing/2014/main" id="{2B4285BF-E146-4344-991F-689EAC9326DD}"/>
               </a:ext>
             </a:extLst>
           </p:cNvPr>
-          <p:cNvSpPr>
-            <a:spLocks noGrp="1"/>
-          </p:cNvSpPr>
-          <p:nvPr>
-            <p:ph type="body" idx="1"/>
-          </p:nvPr>
-        </p:nvSpPr>
-        <p:spPr/>
-        <p:txBody>
-          <a:bodyPr/>
+          <p:cNvSpPr txBox="1"/>
+          <p:nvPr/>
+        </p:nvSpPr>
+        <p:spPr>
+          <a:xfrm>
+            <a:off x="1689316" y="1910232"/>
+            <a:ext cx="3223647" cy="2031325"/>
+          </a:xfrm>
+          <a:prstGeom prst="rect">
+            <a:avLst/>
+          </a:prstGeom>
+          <a:noFill/>
+        </p:spPr>
+        <p:txBody>
+          <a:bodyPr wrap="square" rtlCol="0">
+            <a:spAutoFit/>
+          </a:bodyPr>
           <a:lstStyle/>
           <a:p>
-            <a:endParaRPr lang="en-US"/>
+            <a:r>
+              <a:rPr lang="en-US" dirty="0"/>
+              <a:t>Digital Multimeter</a:t>
+            </a:r>
+          </a:p>
+          <a:p>
+            <a:r>
+              <a:rPr lang="en-US" dirty="0"/>
+              <a:t>Power Source</a:t>
+            </a:r>
+          </a:p>
+          <a:p>
+            <a:r>
+              <a:rPr lang="en-US" dirty="0"/>
+              <a:t>Breadboard</a:t>
+            </a:r>
+          </a:p>
+          <a:p>
+            <a:r>
+              <a:rPr lang="en-US" dirty="0"/>
+              <a:t>Side Cutters</a:t>
+            </a:r>
+          </a:p>
+          <a:p>
+            <a:r>
+              <a:rPr lang="en-US" dirty="0"/>
+              <a:t>Connecting wire</a:t>
+            </a:r>
+          </a:p>
+          <a:p>
+            <a:r>
+              <a:rPr lang="en-US" dirty="0"/>
+              <a:t>Wire Strippers</a:t>
+            </a:r>
+          </a:p>
+          <a:p>
+            <a:endParaRPr lang="en-US" dirty="0"/>
+          </a:p>
+        </p:txBody>
+      </p:sp>
+      <p:sp>
+        <p:nvSpPr>
+          <p:cNvPr id="7" name="TextBox 6">
+            <a:extLst>
+              <a:ext uri="{FF2B5EF4-FFF2-40B4-BE49-F238E27FC236}">
+                <a16:creationId xmlns:a16="http://schemas.microsoft.com/office/drawing/2014/main" id="{B4C541D9-9B4D-4444-A5F3-C54474DF73EB}"/>
+              </a:ext>
+            </a:extLst>
+          </p:cNvPr>
+          <p:cNvSpPr txBox="1"/>
+          <p:nvPr/>
+        </p:nvSpPr>
+        <p:spPr>
+          <a:xfrm>
+            <a:off x="6261315" y="2092271"/>
+            <a:ext cx="3580109" cy="1200329"/>
+          </a:xfrm>
+          <a:prstGeom prst="rect">
+            <a:avLst/>
+          </a:prstGeom>
+          <a:noFill/>
+        </p:spPr>
+        <p:txBody>
+          <a:bodyPr wrap="square" rtlCol="0">
+            <a:spAutoFit/>
+          </a:bodyPr>
+          <a:lstStyle/>
+          <a:p>
+            <a:r>
+              <a:rPr lang="en-US" dirty="0" err="1"/>
+              <a:t>Tinkercad</a:t>
+            </a:r>
+            <a:endParaRPr lang="en-US" dirty="0"/>
+          </a:p>
+          <a:p>
+            <a:r>
+              <a:rPr lang="en-US" dirty="0"/>
+              <a:t>Fritzing</a:t>
+            </a:r>
+          </a:p>
+          <a:p>
+            <a:endParaRPr lang="en-US" dirty="0"/>
+          </a:p>
+          <a:p>
+            <a:r>
+              <a:rPr lang="en-US" dirty="0"/>
+              <a:t>Bing(google, </a:t>
+            </a:r>
+            <a:r>
+              <a:rPr lang="en-US" dirty="0" err="1"/>
+              <a:t>etc</a:t>
+            </a:r>
+            <a:r>
+              <a:rPr lang="en-US" dirty="0"/>
+              <a:t>….)</a:t>
+            </a:r>
+          </a:p>
+        </p:txBody>
+      </p:sp>
+      <p:sp>
+        <p:nvSpPr>
+          <p:cNvPr id="9" name="TextBox 8">
+            <a:extLst>
+              <a:ext uri="{FF2B5EF4-FFF2-40B4-BE49-F238E27FC236}">
+                <a16:creationId xmlns:a16="http://schemas.microsoft.com/office/drawing/2014/main" id="{2562277B-2E94-4D22-A65B-70D2B4A867B0}"/>
+              </a:ext>
+            </a:extLst>
+          </p:cNvPr>
+          <p:cNvSpPr txBox="1"/>
+          <p:nvPr/>
+        </p:nvSpPr>
+        <p:spPr>
+          <a:xfrm>
+            <a:off x="1859798" y="1332854"/>
+            <a:ext cx="2045776" cy="369332"/>
+          </a:xfrm>
+          <a:prstGeom prst="rect">
+            <a:avLst/>
+          </a:prstGeom>
+          <a:noFill/>
+        </p:spPr>
+        <p:txBody>
+          <a:bodyPr wrap="square" rtlCol="0">
+            <a:spAutoFit/>
+          </a:bodyPr>
+          <a:lstStyle/>
+          <a:p>
+            <a:r>
+              <a:rPr lang="en-US" dirty="0"/>
+              <a:t>Hard tools</a:t>
+            </a:r>
+          </a:p>
+        </p:txBody>
+      </p:sp>
+      <p:sp>
+        <p:nvSpPr>
+          <p:cNvPr id="10" name="TextBox 9">
+            <a:extLst>
+              <a:ext uri="{FF2B5EF4-FFF2-40B4-BE49-F238E27FC236}">
+                <a16:creationId xmlns:a16="http://schemas.microsoft.com/office/drawing/2014/main" id="{2D42D8F8-F58A-4DC2-84F0-CE67E9D8B2E7}"/>
+              </a:ext>
+            </a:extLst>
+          </p:cNvPr>
+          <p:cNvSpPr txBox="1"/>
+          <p:nvPr/>
+        </p:nvSpPr>
+        <p:spPr>
+          <a:xfrm>
+            <a:off x="5548393" y="1332854"/>
+            <a:ext cx="3425126" cy="369332"/>
+          </a:xfrm>
+          <a:prstGeom prst="rect">
+            <a:avLst/>
+          </a:prstGeom>
+          <a:noFill/>
+        </p:spPr>
+        <p:txBody>
+          <a:bodyPr wrap="square" rtlCol="0">
+            <a:spAutoFit/>
+          </a:bodyPr>
+          <a:lstStyle/>
+          <a:p>
+            <a:r>
+              <a:rPr lang="en-US" dirty="0"/>
+              <a:t>Software</a:t>
+            </a:r>
           </a:p>
         </p:txBody>
       </p:sp>
     </p:spTree>
     <p:extLst>
       <p:ext uri="{BB962C8B-B14F-4D97-AF65-F5344CB8AC3E}">
-        <p14:creationId xmlns:p14="http://schemas.microsoft.com/office/powerpoint/2010/main" val="3640454874"/>
+        <p14:creationId xmlns:p14="http://schemas.microsoft.com/office/powerpoint/2010/main" val="3492841439"/>
       </p:ext>
     </p:extLst>
   </p:cSld>
@@ -15266,7 +17651,7 @@
           <p:cNvPr id="2" name="Title 1">
             <a:extLst>
               <a:ext uri="{FF2B5EF4-FFF2-40B4-BE49-F238E27FC236}">
-                <a16:creationId xmlns:a16="http://schemas.microsoft.com/office/drawing/2014/main" id="{94FFAAC7-5A98-492B-87BE-1EE858FE4EF4}"/>
+                <a16:creationId xmlns:a16="http://schemas.microsoft.com/office/drawing/2014/main" id="{BC9F1DCA-EED6-4941-BDB5-28F2AFB0A3B0}"/>
               </a:ext>
             </a:extLst>
           </p:cNvPr>
@@ -15284,8 +17669,13 @@
           <a:p>
             <a:r>
               <a:rPr lang="en-US" dirty="0"/>
-              <a:t>Let get digital Baby!!!</a:t>
-            </a:r>
+              <a:t>Resistanc</a:t>
+            </a:r>
+            <a:r>
+              <a:rPr lang="en-US" baseline="0" dirty="0"/>
+              <a:t>e is Futile</a:t>
+            </a:r>
+            <a:endParaRPr lang="en-US" dirty="0"/>
           </a:p>
         </p:txBody>
       </p:sp>
@@ -15294,7 +17684,7 @@
           <p:cNvPr id="3" name="Text Placeholder 2">
             <a:extLst>
               <a:ext uri="{FF2B5EF4-FFF2-40B4-BE49-F238E27FC236}">
-                <a16:creationId xmlns:a16="http://schemas.microsoft.com/office/drawing/2014/main" id="{9D55BFF3-BAD8-4C67-8D08-2DBC783E1DFA}"/>
+                <a16:creationId xmlns:a16="http://schemas.microsoft.com/office/drawing/2014/main" id="{3E732EB0-E607-4A3D-A6D7-05E855E133B1}"/>
               </a:ext>
             </a:extLst>
           </p:cNvPr>
@@ -15317,7 +17707,7 @@
     </p:spTree>
     <p:extLst>
       <p:ext uri="{BB962C8B-B14F-4D97-AF65-F5344CB8AC3E}">
-        <p14:creationId xmlns:p14="http://schemas.microsoft.com/office/powerpoint/2010/main" val="481190512"/>
+        <p14:creationId xmlns:p14="http://schemas.microsoft.com/office/powerpoint/2010/main" val="501415765"/>
       </p:ext>
     </p:extLst>
   </p:cSld>
@@ -15349,7 +17739,7 @@
           <p:cNvPr id="2" name="Title 1">
             <a:extLst>
               <a:ext uri="{FF2B5EF4-FFF2-40B4-BE49-F238E27FC236}">
-                <a16:creationId xmlns:a16="http://schemas.microsoft.com/office/drawing/2014/main" id="{ED9F4144-9773-470E-A0E2-62F93B60D5DD}"/>
+                <a16:creationId xmlns:a16="http://schemas.microsoft.com/office/drawing/2014/main" id="{A401D5C8-C350-4211-9ACD-514F4B7834A9}"/>
               </a:ext>
             </a:extLst>
           </p:cNvPr>
@@ -15367,13 +17757,8 @@
           <a:p>
             <a:r>
               <a:rPr lang="en-US" dirty="0"/>
-              <a:t>When</a:t>
-            </a:r>
-            <a:r>
-              <a:rPr lang="en-US" baseline="0" dirty="0"/>
-              <a:t> the buss comes in, Everyone Rides!!!</a:t>
-            </a:r>
-            <a:endParaRPr lang="en-US" dirty="0"/>
+              <a:t>Prepare to Resist!!!</a:t>
+            </a:r>
           </a:p>
         </p:txBody>
       </p:sp>
@@ -15382,7 +17767,7 @@
           <p:cNvPr id="3" name="Text Placeholder 2">
             <a:extLst>
               <a:ext uri="{FF2B5EF4-FFF2-40B4-BE49-F238E27FC236}">
-                <a16:creationId xmlns:a16="http://schemas.microsoft.com/office/drawing/2014/main" id="{5E8406A6-B755-4FFF-9569-C2F598B95924}"/>
+                <a16:creationId xmlns:a16="http://schemas.microsoft.com/office/drawing/2014/main" id="{191DE392-DC05-47A1-8096-7D3FCABAEDEE}"/>
               </a:ext>
             </a:extLst>
           </p:cNvPr>
@@ -15398,14 +17783,17 @@
           <a:bodyPr/>
           <a:lstStyle/>
           <a:p>
-            <a:endParaRPr lang="en-US"/>
+            <a:r>
+              <a:rPr lang="en-US" dirty="0"/>
+              <a:t>Working Examples</a:t>
+            </a:r>
           </a:p>
         </p:txBody>
       </p:sp>
     </p:spTree>
     <p:extLst>
       <p:ext uri="{BB962C8B-B14F-4D97-AF65-F5344CB8AC3E}">
-        <p14:creationId xmlns:p14="http://schemas.microsoft.com/office/powerpoint/2010/main" val="3424997189"/>
+        <p14:creationId xmlns:p14="http://schemas.microsoft.com/office/powerpoint/2010/main" val="94701543"/>
       </p:ext>
     </p:extLst>
   </p:cSld>
@@ -15437,7 +17825,7 @@
           <p:cNvPr id="2" name="Title 1">
             <a:extLst>
               <a:ext uri="{FF2B5EF4-FFF2-40B4-BE49-F238E27FC236}">
-                <a16:creationId xmlns:a16="http://schemas.microsoft.com/office/drawing/2014/main" id="{57BE9FB8-E4B4-424B-A549-1AC16C3A7B11}"/>
+                <a16:creationId xmlns:a16="http://schemas.microsoft.com/office/drawing/2014/main" id="{A3DFAB2B-5BD1-4A58-A50F-6FEE78A4D991}"/>
               </a:ext>
             </a:extLst>
           </p:cNvPr>
@@ -15455,13 +17843,8 @@
           <a:p>
             <a:r>
               <a:rPr lang="en-US" dirty="0"/>
-              <a:t>Back</a:t>
-            </a:r>
-            <a:r>
-              <a:rPr lang="en-US" baseline="0" dirty="0"/>
-              <a:t> to the Voltage</a:t>
-            </a:r>
-            <a:endParaRPr lang="en-US" dirty="0"/>
+              <a:t>Use all the capacity you can</a:t>
+            </a:r>
           </a:p>
         </p:txBody>
       </p:sp>
@@ -15470,7 +17853,7 @@
           <p:cNvPr id="3" name="Text Placeholder 2">
             <a:extLst>
               <a:ext uri="{FF2B5EF4-FFF2-40B4-BE49-F238E27FC236}">
-                <a16:creationId xmlns:a16="http://schemas.microsoft.com/office/drawing/2014/main" id="{BE8B5A3A-45F0-4211-94BA-071CEA9F12EE}"/>
+                <a16:creationId xmlns:a16="http://schemas.microsoft.com/office/drawing/2014/main" id="{BE3BB1E7-82F4-4328-A7E3-45FDE67D6916}"/>
               </a:ext>
             </a:extLst>
           </p:cNvPr>
@@ -15493,7 +17876,7 @@
     </p:spTree>
     <p:extLst>
       <p:ext uri="{BB962C8B-B14F-4D97-AF65-F5344CB8AC3E}">
-        <p14:creationId xmlns:p14="http://schemas.microsoft.com/office/powerpoint/2010/main" val="554477903"/>
+        <p14:creationId xmlns:p14="http://schemas.microsoft.com/office/powerpoint/2010/main" val="3444929864"/>
       </p:ext>
     </p:extLst>
   </p:cSld>
@@ -15525,7 +17908,7 @@
           <p:cNvPr id="2" name="Title 1">
             <a:extLst>
               <a:ext uri="{FF2B5EF4-FFF2-40B4-BE49-F238E27FC236}">
-                <a16:creationId xmlns:a16="http://schemas.microsoft.com/office/drawing/2014/main" id="{7F4514E5-E6C4-4B64-A3E9-2A1A85FDFF89}"/>
+                <a16:creationId xmlns:a16="http://schemas.microsoft.com/office/drawing/2014/main" id="{22CF3737-AA5B-4394-98C9-C87B8A304292}"/>
               </a:ext>
             </a:extLst>
           </p:cNvPr>
@@ -15543,8 +17926,13 @@
           <a:p>
             <a:r>
               <a:rPr lang="en-US" dirty="0"/>
-              <a:t>Links of Doom page</a:t>
-            </a:r>
+              <a:t>Diodes</a:t>
+            </a:r>
+            <a:r>
+              <a:rPr lang="en-US" baseline="0" dirty="0"/>
+              <a:t> and one-way streets</a:t>
+            </a:r>
+            <a:endParaRPr lang="en-US" dirty="0"/>
           </a:p>
         </p:txBody>
       </p:sp>
@@ -15553,7 +17941,7 @@
           <p:cNvPr id="3" name="Text Placeholder 2">
             <a:extLst>
               <a:ext uri="{FF2B5EF4-FFF2-40B4-BE49-F238E27FC236}">
-                <a16:creationId xmlns:a16="http://schemas.microsoft.com/office/drawing/2014/main" id="{DECD7F75-4572-463F-B1AF-CA44573A1C2F}"/>
+                <a16:creationId xmlns:a16="http://schemas.microsoft.com/office/drawing/2014/main" id="{A2E141A3-7960-4676-96F2-04451F57BC60}"/>
               </a:ext>
             </a:extLst>
           </p:cNvPr>
@@ -15576,7 +17964,609 @@
     </p:spTree>
     <p:extLst>
       <p:ext uri="{BB962C8B-B14F-4D97-AF65-F5344CB8AC3E}">
-        <p14:creationId xmlns:p14="http://schemas.microsoft.com/office/powerpoint/2010/main" val="367061334"/>
+        <p14:creationId xmlns:p14="http://schemas.microsoft.com/office/powerpoint/2010/main" val="4155400095"/>
+      </p:ext>
+    </p:extLst>
+  </p:cSld>
+  <p:clrMapOvr>
+    <a:masterClrMapping/>
+  </p:clrMapOvr>
+</p:sld>
+</file>
+
+<file path=ppt/slides/slide15.xml><?xml version="1.0" encoding="utf-8"?>
+<p:sld xmlns:a="http://schemas.openxmlformats.org/drawingml/2006/main" xmlns:r="http://schemas.openxmlformats.org/officeDocument/2006/relationships" xmlns:p="http://schemas.openxmlformats.org/presentationml/2006/main">
+  <p:cSld>
+    <p:spTree>
+      <p:nvGrpSpPr>
+        <p:cNvPr id="1" name=""/>
+        <p:cNvGrpSpPr/>
+        <p:nvPr/>
+      </p:nvGrpSpPr>
+      <p:grpSpPr>
+        <a:xfrm>
+          <a:off x="0" y="0"/>
+          <a:ext cx="0" cy="0"/>
+          <a:chOff x="0" y="0"/>
+          <a:chExt cx="0" cy="0"/>
+        </a:xfrm>
+      </p:grpSpPr>
+      <p:sp>
+        <p:nvSpPr>
+          <p:cNvPr id="4" name="Title 3">
+            <a:extLst>
+              <a:ext uri="{FF2B5EF4-FFF2-40B4-BE49-F238E27FC236}">
+                <a16:creationId xmlns:a16="http://schemas.microsoft.com/office/drawing/2014/main" id="{3E68E7E1-4533-4541-8837-242EC411FA04}"/>
+              </a:ext>
+            </a:extLst>
+          </p:cNvPr>
+          <p:cNvSpPr>
+            <a:spLocks noGrp="1"/>
+          </p:cNvSpPr>
+          <p:nvPr>
+            <p:ph type="title"/>
+          </p:nvPr>
+        </p:nvSpPr>
+        <p:spPr/>
+        <p:txBody>
+          <a:bodyPr/>
+          <a:lstStyle/>
+          <a:p>
+            <a:r>
+              <a:rPr lang="en-US" dirty="0"/>
+              <a:t>What is electricity</a:t>
+            </a:r>
+          </a:p>
+        </p:txBody>
+      </p:sp>
+      <p:sp>
+        <p:nvSpPr>
+          <p:cNvPr id="5" name="Text Placeholder 4">
+            <a:extLst>
+              <a:ext uri="{FF2B5EF4-FFF2-40B4-BE49-F238E27FC236}">
+                <a16:creationId xmlns:a16="http://schemas.microsoft.com/office/drawing/2014/main" id="{07ED2716-F2C1-4ACB-9C59-6ABCE9460D99}"/>
+              </a:ext>
+            </a:extLst>
+          </p:cNvPr>
+          <p:cNvSpPr>
+            <a:spLocks noGrp="1"/>
+          </p:cNvSpPr>
+          <p:nvPr>
+            <p:ph type="body" idx="1"/>
+          </p:nvPr>
+        </p:nvSpPr>
+        <p:spPr/>
+        <p:txBody>
+          <a:bodyPr/>
+          <a:lstStyle/>
+          <a:p>
+            <a:endParaRPr lang="en-US"/>
+          </a:p>
+        </p:txBody>
+      </p:sp>
+      <p:sp>
+        <p:nvSpPr>
+          <p:cNvPr id="8" name="Picture Placeholder 7">
+            <a:extLst>
+              <a:ext uri="{FF2B5EF4-FFF2-40B4-BE49-F238E27FC236}">
+                <a16:creationId xmlns:a16="http://schemas.microsoft.com/office/drawing/2014/main" id="{D121AE34-473D-4A45-97D2-9181434346CD}"/>
+              </a:ext>
+            </a:extLst>
+          </p:cNvPr>
+          <p:cNvSpPr>
+            <a:spLocks noGrp="1"/>
+          </p:cNvSpPr>
+          <p:nvPr>
+            <p:ph type="pic" idx="15"/>
+          </p:nvPr>
+        </p:nvSpPr>
+        <p:spPr/>
+      </p:sp>
+      <p:sp>
+        <p:nvSpPr>
+          <p:cNvPr id="9" name="Text Placeholder 8">
+            <a:extLst>
+              <a:ext uri="{FF2B5EF4-FFF2-40B4-BE49-F238E27FC236}">
+                <a16:creationId xmlns:a16="http://schemas.microsoft.com/office/drawing/2014/main" id="{58C34447-2E47-4A51-9CA9-02194E0227EB}"/>
+              </a:ext>
+            </a:extLst>
+          </p:cNvPr>
+          <p:cNvSpPr>
+            <a:spLocks noGrp="1"/>
+          </p:cNvSpPr>
+          <p:nvPr>
+            <p:ph type="body" sz="half" idx="18"/>
+          </p:nvPr>
+        </p:nvSpPr>
+        <p:spPr/>
+        <p:txBody>
+          <a:bodyPr/>
+          <a:lstStyle/>
+          <a:p>
+            <a:endParaRPr lang="en-US"/>
+          </a:p>
+        </p:txBody>
+      </p:sp>
+      <p:sp>
+        <p:nvSpPr>
+          <p:cNvPr id="6" name="Text Placeholder 5">
+            <a:extLst>
+              <a:ext uri="{FF2B5EF4-FFF2-40B4-BE49-F238E27FC236}">
+                <a16:creationId xmlns:a16="http://schemas.microsoft.com/office/drawing/2014/main" id="{59742C6A-A577-41E4-BB66-95BFFC0EC429}"/>
+              </a:ext>
+            </a:extLst>
+          </p:cNvPr>
+          <p:cNvSpPr>
+            <a:spLocks noGrp="1"/>
+          </p:cNvSpPr>
+          <p:nvPr>
+            <p:ph type="body" sz="quarter" idx="3"/>
+          </p:nvPr>
+        </p:nvSpPr>
+        <p:spPr/>
+        <p:txBody>
+          <a:bodyPr/>
+          <a:lstStyle/>
+          <a:p>
+            <a:endParaRPr lang="en-US"/>
+          </a:p>
+        </p:txBody>
+      </p:sp>
+      <p:sp>
+        <p:nvSpPr>
+          <p:cNvPr id="12" name="Picture Placeholder 11">
+            <a:extLst>
+              <a:ext uri="{FF2B5EF4-FFF2-40B4-BE49-F238E27FC236}">
+                <a16:creationId xmlns:a16="http://schemas.microsoft.com/office/drawing/2014/main" id="{C716691B-6B49-4D95-8C41-BBAE05AEA5F9}"/>
+              </a:ext>
+            </a:extLst>
+          </p:cNvPr>
+          <p:cNvSpPr>
+            <a:spLocks noGrp="1"/>
+          </p:cNvSpPr>
+          <p:nvPr>
+            <p:ph type="pic" idx="21"/>
+          </p:nvPr>
+        </p:nvSpPr>
+        <p:spPr/>
+      </p:sp>
+      <p:sp>
+        <p:nvSpPr>
+          <p:cNvPr id="10" name="Text Placeholder 9">
+            <a:extLst>
+              <a:ext uri="{FF2B5EF4-FFF2-40B4-BE49-F238E27FC236}">
+                <a16:creationId xmlns:a16="http://schemas.microsoft.com/office/drawing/2014/main" id="{AD5B6785-9905-4722-A32E-23F6318B4851}"/>
+              </a:ext>
+            </a:extLst>
+          </p:cNvPr>
+          <p:cNvSpPr>
+            <a:spLocks noGrp="1"/>
+          </p:cNvSpPr>
+          <p:nvPr>
+            <p:ph type="body" sz="half" idx="19"/>
+          </p:nvPr>
+        </p:nvSpPr>
+        <p:spPr/>
+        <p:txBody>
+          <a:bodyPr/>
+          <a:lstStyle/>
+          <a:p>
+            <a:endParaRPr lang="en-US"/>
+          </a:p>
+        </p:txBody>
+      </p:sp>
+      <p:sp>
+        <p:nvSpPr>
+          <p:cNvPr id="7" name="Text Placeholder 6">
+            <a:extLst>
+              <a:ext uri="{FF2B5EF4-FFF2-40B4-BE49-F238E27FC236}">
+                <a16:creationId xmlns:a16="http://schemas.microsoft.com/office/drawing/2014/main" id="{F5712883-02C6-4CDB-84E0-6B45544D9950}"/>
+              </a:ext>
+            </a:extLst>
+          </p:cNvPr>
+          <p:cNvSpPr>
+            <a:spLocks noGrp="1"/>
+          </p:cNvSpPr>
+          <p:nvPr>
+            <p:ph type="body" sz="quarter" idx="13"/>
+          </p:nvPr>
+        </p:nvSpPr>
+        <p:spPr/>
+        <p:txBody>
+          <a:bodyPr/>
+          <a:lstStyle/>
+          <a:p>
+            <a:endParaRPr lang="en-US"/>
+          </a:p>
+        </p:txBody>
+      </p:sp>
+      <p:sp>
+        <p:nvSpPr>
+          <p:cNvPr id="13" name="Picture Placeholder 12">
+            <a:extLst>
+              <a:ext uri="{FF2B5EF4-FFF2-40B4-BE49-F238E27FC236}">
+                <a16:creationId xmlns:a16="http://schemas.microsoft.com/office/drawing/2014/main" id="{1946DF8E-AC30-47CE-BD90-2FAC671F6C80}"/>
+              </a:ext>
+            </a:extLst>
+          </p:cNvPr>
+          <p:cNvSpPr>
+            <a:spLocks noGrp="1"/>
+          </p:cNvSpPr>
+          <p:nvPr>
+            <p:ph type="pic" idx="22"/>
+          </p:nvPr>
+        </p:nvSpPr>
+        <p:spPr/>
+      </p:sp>
+      <p:sp>
+        <p:nvSpPr>
+          <p:cNvPr id="11" name="Text Placeholder 10">
+            <a:extLst>
+              <a:ext uri="{FF2B5EF4-FFF2-40B4-BE49-F238E27FC236}">
+                <a16:creationId xmlns:a16="http://schemas.microsoft.com/office/drawing/2014/main" id="{F16045CE-1406-45AC-8315-C6CB5F65F564}"/>
+              </a:ext>
+            </a:extLst>
+          </p:cNvPr>
+          <p:cNvSpPr>
+            <a:spLocks noGrp="1"/>
+          </p:cNvSpPr>
+          <p:nvPr>
+            <p:ph type="body" sz="half" idx="20"/>
+          </p:nvPr>
+        </p:nvSpPr>
+        <p:spPr/>
+        <p:txBody>
+          <a:bodyPr/>
+          <a:lstStyle/>
+          <a:p>
+            <a:endParaRPr lang="en-US"/>
+          </a:p>
+        </p:txBody>
+      </p:sp>
+    </p:spTree>
+    <p:extLst>
+      <p:ext uri="{BB962C8B-B14F-4D97-AF65-F5344CB8AC3E}">
+        <p14:creationId xmlns:p14="http://schemas.microsoft.com/office/powerpoint/2010/main" val="610099771"/>
+      </p:ext>
+    </p:extLst>
+  </p:cSld>
+  <p:clrMapOvr>
+    <a:masterClrMapping/>
+  </p:clrMapOvr>
+</p:sld>
+</file>
+
+<file path=ppt/slides/slide16.xml><?xml version="1.0" encoding="utf-8"?>
+<p:sld xmlns:a="http://schemas.openxmlformats.org/drawingml/2006/main" xmlns:r="http://schemas.openxmlformats.org/officeDocument/2006/relationships" xmlns:p="http://schemas.openxmlformats.org/presentationml/2006/main">
+  <p:cSld>
+    <p:spTree>
+      <p:nvGrpSpPr>
+        <p:cNvPr id="1" name=""/>
+        <p:cNvGrpSpPr/>
+        <p:nvPr/>
+      </p:nvGrpSpPr>
+      <p:grpSpPr>
+        <a:xfrm>
+          <a:off x="0" y="0"/>
+          <a:ext cx="0" cy="0"/>
+          <a:chOff x="0" y="0"/>
+          <a:chExt cx="0" cy="0"/>
+        </a:xfrm>
+      </p:grpSpPr>
+      <p:sp>
+        <p:nvSpPr>
+          <p:cNvPr id="2" name="Title 1">
+            <a:extLst>
+              <a:ext uri="{FF2B5EF4-FFF2-40B4-BE49-F238E27FC236}">
+                <a16:creationId xmlns:a16="http://schemas.microsoft.com/office/drawing/2014/main" id="{EB066887-1B7B-4BCC-AA84-C378C567550D}"/>
+              </a:ext>
+            </a:extLst>
+          </p:cNvPr>
+          <p:cNvSpPr>
+            <a:spLocks noGrp="1"/>
+          </p:cNvSpPr>
+          <p:nvPr>
+            <p:ph type="title"/>
+          </p:nvPr>
+        </p:nvSpPr>
+        <p:spPr/>
+        <p:txBody>
+          <a:bodyPr/>
+          <a:lstStyle/>
+          <a:p>
+            <a:r>
+              <a:rPr lang="en-US" dirty="0"/>
+              <a:t>Magic Smoke Time</a:t>
+            </a:r>
+          </a:p>
+        </p:txBody>
+      </p:sp>
+      <p:sp>
+        <p:nvSpPr>
+          <p:cNvPr id="3" name="Text Placeholder 2">
+            <a:extLst>
+              <a:ext uri="{FF2B5EF4-FFF2-40B4-BE49-F238E27FC236}">
+                <a16:creationId xmlns:a16="http://schemas.microsoft.com/office/drawing/2014/main" id="{1E2FF726-2DB5-49A1-BCA9-FEFDB3654AFF}"/>
+              </a:ext>
+            </a:extLst>
+          </p:cNvPr>
+          <p:cNvSpPr>
+            <a:spLocks noGrp="1"/>
+          </p:cNvSpPr>
+          <p:nvPr>
+            <p:ph type="body" idx="1"/>
+          </p:nvPr>
+        </p:nvSpPr>
+        <p:spPr/>
+        <p:txBody>
+          <a:bodyPr/>
+          <a:lstStyle/>
+          <a:p>
+            <a:r>
+              <a:rPr lang="en-US" dirty="0"/>
+              <a:t>Let’s see if this voltage thing really works!</a:t>
+            </a:r>
+          </a:p>
+        </p:txBody>
+      </p:sp>
+    </p:spTree>
+    <p:extLst>
+      <p:ext uri="{BB962C8B-B14F-4D97-AF65-F5344CB8AC3E}">
+        <p14:creationId xmlns:p14="http://schemas.microsoft.com/office/powerpoint/2010/main" val="1763057363"/>
+      </p:ext>
+    </p:extLst>
+  </p:cSld>
+  <p:clrMapOvr>
+    <a:masterClrMapping/>
+  </p:clrMapOvr>
+</p:sld>
+</file>
+
+<file path=ppt/slides/slide17.xml><?xml version="1.0" encoding="utf-8"?>
+<p:sld xmlns:a="http://schemas.openxmlformats.org/drawingml/2006/main" xmlns:r="http://schemas.openxmlformats.org/officeDocument/2006/relationships" xmlns:p="http://schemas.openxmlformats.org/presentationml/2006/main">
+  <p:cSld>
+    <p:spTree>
+      <p:nvGrpSpPr>
+        <p:cNvPr id="1" name=""/>
+        <p:cNvGrpSpPr/>
+        <p:nvPr/>
+      </p:nvGrpSpPr>
+      <p:grpSpPr>
+        <a:xfrm>
+          <a:off x="0" y="0"/>
+          <a:ext cx="0" cy="0"/>
+          <a:chOff x="0" y="0"/>
+          <a:chExt cx="0" cy="0"/>
+        </a:xfrm>
+      </p:grpSpPr>
+      <p:sp>
+        <p:nvSpPr>
+          <p:cNvPr id="2" name="Title 1">
+            <a:extLst>
+              <a:ext uri="{FF2B5EF4-FFF2-40B4-BE49-F238E27FC236}">
+                <a16:creationId xmlns:a16="http://schemas.microsoft.com/office/drawing/2014/main" id="{BC79E192-664C-43F8-92DF-7E02BD68DCF3}"/>
+              </a:ext>
+            </a:extLst>
+          </p:cNvPr>
+          <p:cNvSpPr>
+            <a:spLocks noGrp="1"/>
+          </p:cNvSpPr>
+          <p:nvPr>
+            <p:ph type="title"/>
+          </p:nvPr>
+        </p:nvSpPr>
+        <p:spPr/>
+        <p:txBody>
+          <a:bodyPr/>
+          <a:lstStyle/>
+          <a:p>
+            <a:r>
+              <a:rPr lang="en-US" dirty="0"/>
+              <a:t>Do we still</a:t>
+            </a:r>
+            <a:r>
+              <a:rPr lang="en-US" baseline="0" dirty="0"/>
+              <a:t> Need Transistors?</a:t>
+            </a:r>
+            <a:endParaRPr lang="en-US" dirty="0"/>
+          </a:p>
+        </p:txBody>
+      </p:sp>
+      <p:sp>
+        <p:nvSpPr>
+          <p:cNvPr id="3" name="Text Placeholder 2">
+            <a:extLst>
+              <a:ext uri="{FF2B5EF4-FFF2-40B4-BE49-F238E27FC236}">
+                <a16:creationId xmlns:a16="http://schemas.microsoft.com/office/drawing/2014/main" id="{FECA0DF6-9652-4B57-896B-97653D007798}"/>
+              </a:ext>
+            </a:extLst>
+          </p:cNvPr>
+          <p:cNvSpPr>
+            <a:spLocks noGrp="1"/>
+          </p:cNvSpPr>
+          <p:nvPr>
+            <p:ph type="body" idx="1"/>
+          </p:nvPr>
+        </p:nvSpPr>
+        <p:spPr/>
+        <p:txBody>
+          <a:bodyPr/>
+          <a:lstStyle/>
+          <a:p>
+            <a:endParaRPr lang="en-US"/>
+          </a:p>
+        </p:txBody>
+      </p:sp>
+    </p:spTree>
+    <p:extLst>
+      <p:ext uri="{BB962C8B-B14F-4D97-AF65-F5344CB8AC3E}">
+        <p14:creationId xmlns:p14="http://schemas.microsoft.com/office/powerpoint/2010/main" val="3640454874"/>
+      </p:ext>
+    </p:extLst>
+  </p:cSld>
+  <p:clrMapOvr>
+    <a:masterClrMapping/>
+  </p:clrMapOvr>
+</p:sld>
+</file>
+
+<file path=ppt/slides/slide18.xml><?xml version="1.0" encoding="utf-8"?>
+<p:sld xmlns:a="http://schemas.openxmlformats.org/drawingml/2006/main" xmlns:r="http://schemas.openxmlformats.org/officeDocument/2006/relationships" xmlns:p="http://schemas.openxmlformats.org/presentationml/2006/main" show="0">
+  <p:cSld>
+    <p:spTree>
+      <p:nvGrpSpPr>
+        <p:cNvPr id="1" name=""/>
+        <p:cNvGrpSpPr/>
+        <p:nvPr/>
+      </p:nvGrpSpPr>
+      <p:grpSpPr>
+        <a:xfrm>
+          <a:off x="0" y="0"/>
+          <a:ext cx="0" cy="0"/>
+          <a:chOff x="0" y="0"/>
+          <a:chExt cx="0" cy="0"/>
+        </a:xfrm>
+      </p:grpSpPr>
+      <p:sp>
+        <p:nvSpPr>
+          <p:cNvPr id="2" name="Title 1">
+            <a:extLst>
+              <a:ext uri="{FF2B5EF4-FFF2-40B4-BE49-F238E27FC236}">
+                <a16:creationId xmlns:a16="http://schemas.microsoft.com/office/drawing/2014/main" id="{8C7F65FC-7A22-450F-AD49-3C91F4E082FF}"/>
+              </a:ext>
+            </a:extLst>
+          </p:cNvPr>
+          <p:cNvSpPr>
+            <a:spLocks noGrp="1"/>
+          </p:cNvSpPr>
+          <p:nvPr>
+            <p:ph type="title"/>
+          </p:nvPr>
+        </p:nvSpPr>
+        <p:spPr/>
+        <p:txBody>
+          <a:bodyPr/>
+          <a:lstStyle/>
+          <a:p>
+            <a:r>
+              <a:rPr lang="en-US" dirty="0"/>
+              <a:t>Switch me on and Relay that to the world</a:t>
+            </a:r>
+          </a:p>
+        </p:txBody>
+      </p:sp>
+      <p:sp>
+        <p:nvSpPr>
+          <p:cNvPr id="3" name="Text Placeholder 2">
+            <a:extLst>
+              <a:ext uri="{FF2B5EF4-FFF2-40B4-BE49-F238E27FC236}">
+                <a16:creationId xmlns:a16="http://schemas.microsoft.com/office/drawing/2014/main" id="{09B94091-ACF9-4A6A-B824-F4D1358B3122}"/>
+              </a:ext>
+            </a:extLst>
+          </p:cNvPr>
+          <p:cNvSpPr>
+            <a:spLocks noGrp="1"/>
+          </p:cNvSpPr>
+          <p:nvPr>
+            <p:ph type="body" idx="1"/>
+          </p:nvPr>
+        </p:nvSpPr>
+        <p:spPr/>
+        <p:txBody>
+          <a:bodyPr/>
+          <a:lstStyle/>
+          <a:p>
+            <a:endParaRPr lang="en-US"/>
+          </a:p>
+        </p:txBody>
+      </p:sp>
+    </p:spTree>
+    <p:extLst>
+      <p:ext uri="{BB962C8B-B14F-4D97-AF65-F5344CB8AC3E}">
+        <p14:creationId xmlns:p14="http://schemas.microsoft.com/office/powerpoint/2010/main" val="3441865517"/>
+      </p:ext>
+    </p:extLst>
+  </p:cSld>
+  <p:clrMapOvr>
+    <a:masterClrMapping/>
+  </p:clrMapOvr>
+</p:sld>
+</file>
+
+<file path=ppt/slides/slide19.xml><?xml version="1.0" encoding="utf-8"?>
+<p:sld xmlns:a="http://schemas.openxmlformats.org/drawingml/2006/main" xmlns:r="http://schemas.openxmlformats.org/officeDocument/2006/relationships" xmlns:p="http://schemas.openxmlformats.org/presentationml/2006/main">
+  <p:cSld>
+    <p:spTree>
+      <p:nvGrpSpPr>
+        <p:cNvPr id="1" name=""/>
+        <p:cNvGrpSpPr/>
+        <p:nvPr/>
+      </p:nvGrpSpPr>
+      <p:grpSpPr>
+        <a:xfrm>
+          <a:off x="0" y="0"/>
+          <a:ext cx="0" cy="0"/>
+          <a:chOff x="0" y="0"/>
+          <a:chExt cx="0" cy="0"/>
+        </a:xfrm>
+      </p:grpSpPr>
+      <p:sp>
+        <p:nvSpPr>
+          <p:cNvPr id="2" name="Title 1">
+            <a:extLst>
+              <a:ext uri="{FF2B5EF4-FFF2-40B4-BE49-F238E27FC236}">
+                <a16:creationId xmlns:a16="http://schemas.microsoft.com/office/drawing/2014/main" id="{94FFAAC7-5A98-492B-87BE-1EE858FE4EF4}"/>
+              </a:ext>
+            </a:extLst>
+          </p:cNvPr>
+          <p:cNvSpPr>
+            <a:spLocks noGrp="1"/>
+          </p:cNvSpPr>
+          <p:nvPr>
+            <p:ph type="title"/>
+          </p:nvPr>
+        </p:nvSpPr>
+        <p:spPr/>
+        <p:txBody>
+          <a:bodyPr/>
+          <a:lstStyle/>
+          <a:p>
+            <a:r>
+              <a:rPr lang="en-US" dirty="0"/>
+              <a:t>Let get digital Baby!!!</a:t>
+            </a:r>
+          </a:p>
+        </p:txBody>
+      </p:sp>
+      <p:sp>
+        <p:nvSpPr>
+          <p:cNvPr id="3" name="Text Placeholder 2">
+            <a:extLst>
+              <a:ext uri="{FF2B5EF4-FFF2-40B4-BE49-F238E27FC236}">
+                <a16:creationId xmlns:a16="http://schemas.microsoft.com/office/drawing/2014/main" id="{9D55BFF3-BAD8-4C67-8D08-2DBC783E1DFA}"/>
+              </a:ext>
+            </a:extLst>
+          </p:cNvPr>
+          <p:cNvSpPr>
+            <a:spLocks noGrp="1"/>
+          </p:cNvSpPr>
+          <p:nvPr>
+            <p:ph type="body" idx="1"/>
+          </p:nvPr>
+        </p:nvSpPr>
+        <p:spPr/>
+        <p:txBody>
+          <a:bodyPr/>
+          <a:lstStyle/>
+          <a:p>
+            <a:endParaRPr lang="en-US"/>
+          </a:p>
+        </p:txBody>
+      </p:sp>
+    </p:spTree>
+    <p:extLst>
+      <p:ext uri="{BB962C8B-B14F-4D97-AF65-F5344CB8AC3E}">
+        <p14:creationId xmlns:p14="http://schemas.microsoft.com/office/powerpoint/2010/main" val="481190512"/>
       </p:ext>
     </p:extLst>
   </p:cSld>
@@ -15605,10 +18595,10 @@
       </p:grpSpPr>
       <p:sp>
         <p:nvSpPr>
-          <p:cNvPr id="2" name="Title 1">
+          <p:cNvPr id="12" name="Title 11">
             <a:extLst>
               <a:ext uri="{FF2B5EF4-FFF2-40B4-BE49-F238E27FC236}">
-                <a16:creationId xmlns:a16="http://schemas.microsoft.com/office/drawing/2014/main" id="{EB57B76C-7BC0-4A76-A9D3-CC619F3EB6B6}"/>
+                <a16:creationId xmlns:a16="http://schemas.microsoft.com/office/drawing/2014/main" id="{FE67389A-DB54-4763-BC7D-EE68D290335C}"/>
               </a:ext>
             </a:extLst>
           </p:cNvPr>
@@ -15621,346 +18611,405 @@
         </p:nvSpPr>
         <p:spPr>
           <a:xfrm>
-            <a:off x="1141413" y="618518"/>
-            <a:ext cx="9905998" cy="448281"/>
+            <a:off x="1681060" y="194616"/>
+            <a:ext cx="8715511" cy="704042"/>
           </a:xfrm>
         </p:spPr>
         <p:txBody>
-          <a:bodyPr>
-            <a:normAutofit fontScale="90000"/>
-          </a:bodyPr>
+          <a:bodyPr/>
           <a:lstStyle/>
           <a:p>
             <a:r>
               <a:rPr lang="en-US" dirty="0"/>
-              <a:t>Outline of stuff</a:t>
-            </a:r>
-          </a:p>
-        </p:txBody>
-      </p:sp>
-      <p:sp>
-        <p:nvSpPr>
-          <p:cNvPr id="3" name="Content Placeholder 2">
+              <a:t>What do all these</a:t>
+            </a:r>
+            <a:r>
+              <a:rPr lang="en-US" baseline="0" dirty="0"/>
+              <a:t> Hieroglyphics mean?</a:t>
+            </a:r>
+            <a:endParaRPr lang="en-US" dirty="0"/>
+          </a:p>
+        </p:txBody>
+      </p:sp>
+      <p:pic>
+        <p:nvPicPr>
+          <p:cNvPr id="15" name="Picture 14" descr="A close up of a map&#10;&#10;Description automatically generated">
             <a:extLst>
               <a:ext uri="{FF2B5EF4-FFF2-40B4-BE49-F238E27FC236}">
-                <a16:creationId xmlns:a16="http://schemas.microsoft.com/office/drawing/2014/main" id="{11FEC6EB-980D-4B38-8226-31BA70368C0D}"/>
+                <a16:creationId xmlns:a16="http://schemas.microsoft.com/office/drawing/2014/main" id="{815DC26F-EA23-4189-AAC3-BB003DD580C0}"/>
               </a:ext>
             </a:extLst>
           </p:cNvPr>
-          <p:cNvSpPr>
-            <a:spLocks noGrp="1"/>
-          </p:cNvSpPr>
-          <p:nvPr>
-            <p:ph idx="1"/>
-          </p:nvPr>
-        </p:nvSpPr>
+          <p:cNvPicPr>
+            <a:picLocks noChangeAspect="1"/>
+          </p:cNvPicPr>
+          <p:nvPr/>
+        </p:nvPicPr>
+        <p:blipFill>
+          <a:blip r:embed="rId3"/>
+          <a:stretch>
+            <a:fillRect/>
+          </a:stretch>
+        </p:blipFill>
         <p:spPr>
           <a:xfrm>
-            <a:off x="1141413" y="1066798"/>
-            <a:ext cx="4954588" cy="5565007"/>
-          </a:xfrm>
-        </p:spPr>
-        <p:txBody>
-          <a:bodyPr>
-            <a:normAutofit fontScale="70000" lnSpcReduction="20000"/>
-          </a:bodyPr>
-          <a:lstStyle/>
-          <a:p>
-            <a:r>
-              <a:rPr lang="en-US" dirty="0"/>
-              <a:t>Intro, Joke: How many software programmers does it take to change a light bulb?</a:t>
-            </a:r>
-          </a:p>
-          <a:p>
-            <a:r>
-              <a:rPr lang="en-US" dirty="0"/>
-              <a:t>What do you need</a:t>
-            </a:r>
-          </a:p>
-          <a:p>
-            <a:r>
-              <a:rPr lang="en-US" dirty="0"/>
-              <a:t>How to read </a:t>
-            </a:r>
-            <a:r>
-              <a:rPr lang="en-US" dirty="0" err="1"/>
-              <a:t>schmatics</a:t>
-            </a:r>
-            <a:endParaRPr lang="en-US" dirty="0"/>
-          </a:p>
-          <a:p>
-            <a:r>
-              <a:rPr lang="en-US" dirty="0"/>
-              <a:t>Include the schematic symbol with each part and explain</a:t>
-            </a:r>
-          </a:p>
-          <a:p>
-            <a:r>
-              <a:rPr lang="en-US" dirty="0"/>
-              <a:t>What is voltage and why do I care</a:t>
-            </a:r>
-          </a:p>
-          <a:p>
-            <a:r>
-              <a:rPr lang="en-US" dirty="0"/>
-              <a:t>Resistors</a:t>
-            </a:r>
-          </a:p>
-          <a:p>
-            <a:r>
-              <a:rPr lang="en-US" dirty="0"/>
-              <a:t>Capacitors/Inductors</a:t>
-            </a:r>
-          </a:p>
-          <a:p>
-            <a:r>
-              <a:rPr lang="en-US" dirty="0"/>
-              <a:t>Transistors</a:t>
-            </a:r>
-          </a:p>
-          <a:p>
-            <a:r>
-              <a:rPr lang="en-US" dirty="0"/>
-              <a:t>Series vs Parallel</a:t>
-            </a:r>
-          </a:p>
-          <a:p>
-            <a:r>
-              <a:rPr lang="en-US" dirty="0"/>
-              <a:t>Diodes/Zener?/LEDs current limiting, forward voltage</a:t>
-            </a:r>
-          </a:p>
-          <a:p>
-            <a:r>
-              <a:rPr lang="en-US" dirty="0"/>
-              <a:t>Demo: </a:t>
-            </a:r>
-            <a:r>
-              <a:rPr lang="en-US" dirty="0" err="1"/>
-              <a:t>astable</a:t>
-            </a:r>
-            <a:r>
-              <a:rPr lang="en-US" dirty="0"/>
-              <a:t> oscillator</a:t>
-            </a:r>
-          </a:p>
-          <a:p>
-            <a:r>
-              <a:rPr lang="en-US" dirty="0"/>
-              <a:t> </a:t>
-            </a:r>
-          </a:p>
-        </p:txBody>
-      </p:sp>
-      <p:sp>
-        <p:nvSpPr>
-          <p:cNvPr id="4" name="Content Placeholder 2">
-            <a:extLst>
-              <a:ext uri="{FF2B5EF4-FFF2-40B4-BE49-F238E27FC236}">
-                <a16:creationId xmlns:a16="http://schemas.microsoft.com/office/drawing/2014/main" id="{CB479541-A74B-4EF0-AD19-76FC4D3E6AAF}"/>
-              </a:ext>
-            </a:extLst>
-          </p:cNvPr>
-          <p:cNvSpPr txBox="1">
-            <a:spLocks/>
-          </p:cNvSpPr>
-          <p:nvPr/>
-        </p:nvSpPr>
-        <p:spPr>
-          <a:xfrm>
-            <a:off x="6231573" y="1063588"/>
-            <a:ext cx="4954588" cy="5565007"/>
+            <a:off x="1792248" y="1054422"/>
+            <a:ext cx="8604323" cy="5252501"/>
           </a:xfrm>
           <a:prstGeom prst="rect">
             <a:avLst/>
           </a:prstGeom>
         </p:spPr>
-        <p:txBody>
-          <a:bodyPr vert="horz" lIns="91440" tIns="45720" rIns="91440" bIns="45720" rtlCol="0">
-            <a:normAutofit/>
-          </a:bodyPr>
-          <a:lstStyle>
-            <a:lvl1pPr marL="228600" indent="-228600" algn="l" defTabSz="914400" rtl="0" eaLnBrk="1" latinLnBrk="0" hangingPunct="1">
-              <a:lnSpc>
-                <a:spcPct val="120000"/>
-              </a:lnSpc>
-              <a:spcBef>
-                <a:spcPts val="1000"/>
-              </a:spcBef>
-              <a:buSzPct val="125000"/>
-              <a:buFont typeface="Arial" panose="020B0604020202020204" pitchFamily="34" charset="0"/>
-              <a:buChar char="•"/>
-              <a:defRPr sz="2400" kern="1200">
-                <a:solidFill>
-                  <a:schemeClr val="tx1"/>
-                </a:solidFill>
-                <a:latin typeface="+mn-lt"/>
-                <a:ea typeface="+mn-ea"/>
-                <a:cs typeface="+mn-cs"/>
-              </a:defRPr>
-            </a:lvl1pPr>
-            <a:lvl2pPr marL="685800" indent="-228600" algn="l" defTabSz="914400" rtl="0" eaLnBrk="1" latinLnBrk="0" hangingPunct="1">
-              <a:lnSpc>
-                <a:spcPct val="120000"/>
-              </a:lnSpc>
-              <a:spcBef>
-                <a:spcPts val="500"/>
-              </a:spcBef>
-              <a:buSzPct val="125000"/>
-              <a:buFont typeface="Arial" panose="020B0604020202020204" pitchFamily="34" charset="0"/>
-              <a:buChar char="•"/>
-              <a:defRPr sz="2000" kern="1200">
-                <a:solidFill>
-                  <a:schemeClr val="tx1"/>
-                </a:solidFill>
-                <a:latin typeface="+mn-lt"/>
-                <a:ea typeface="+mn-ea"/>
-                <a:cs typeface="+mn-cs"/>
-              </a:defRPr>
-            </a:lvl2pPr>
-            <a:lvl3pPr marL="1143000" indent="-228600" algn="l" defTabSz="914400" rtl="0" eaLnBrk="1" latinLnBrk="0" hangingPunct="1">
-              <a:lnSpc>
-                <a:spcPct val="120000"/>
-              </a:lnSpc>
-              <a:spcBef>
-                <a:spcPts val="500"/>
-              </a:spcBef>
-              <a:buSzPct val="125000"/>
-              <a:buFont typeface="Arial" panose="020B0604020202020204" pitchFamily="34" charset="0"/>
-              <a:buChar char="•"/>
-              <a:defRPr sz="1800" kern="1200">
-                <a:solidFill>
-                  <a:schemeClr val="tx1"/>
-                </a:solidFill>
-                <a:latin typeface="+mn-lt"/>
-                <a:ea typeface="+mn-ea"/>
-                <a:cs typeface="+mn-cs"/>
-              </a:defRPr>
-            </a:lvl3pPr>
-            <a:lvl4pPr marL="1600200" indent="-228600" algn="l" defTabSz="914400" rtl="0" eaLnBrk="1" latinLnBrk="0" hangingPunct="1">
-              <a:lnSpc>
-                <a:spcPct val="120000"/>
-              </a:lnSpc>
-              <a:spcBef>
-                <a:spcPts val="500"/>
-              </a:spcBef>
-              <a:buSzPct val="125000"/>
-              <a:buFont typeface="Arial" panose="020B0604020202020204" pitchFamily="34" charset="0"/>
-              <a:buChar char="•"/>
-              <a:defRPr sz="1600" kern="1200">
-                <a:solidFill>
-                  <a:schemeClr val="tx1"/>
-                </a:solidFill>
-                <a:latin typeface="+mn-lt"/>
-                <a:ea typeface="+mn-ea"/>
-                <a:cs typeface="+mn-cs"/>
-              </a:defRPr>
-            </a:lvl4pPr>
-            <a:lvl5pPr marL="2057400" indent="-228600" algn="l" defTabSz="914400" rtl="0" eaLnBrk="1" latinLnBrk="0" hangingPunct="1">
-              <a:lnSpc>
-                <a:spcPct val="120000"/>
-              </a:lnSpc>
-              <a:spcBef>
-                <a:spcPts val="500"/>
-              </a:spcBef>
-              <a:buSzPct val="125000"/>
-              <a:buFont typeface="Arial" panose="020B0604020202020204" pitchFamily="34" charset="0"/>
-              <a:buChar char="•"/>
-              <a:defRPr sz="1600" kern="1200">
-                <a:solidFill>
-                  <a:schemeClr val="tx1"/>
-                </a:solidFill>
-                <a:latin typeface="+mn-lt"/>
-                <a:ea typeface="+mn-ea"/>
-                <a:cs typeface="+mn-cs"/>
-              </a:defRPr>
-            </a:lvl5pPr>
-            <a:lvl6pPr marL="2514600" indent="-228600" algn="l" defTabSz="914400" rtl="0" eaLnBrk="1" latinLnBrk="0" hangingPunct="1">
-              <a:lnSpc>
-                <a:spcPct val="120000"/>
-              </a:lnSpc>
-              <a:spcBef>
-                <a:spcPts val="500"/>
-              </a:spcBef>
-              <a:buSzPct val="125000"/>
-              <a:buFont typeface="Arial" panose="020B0604020202020204" pitchFamily="34" charset="0"/>
-              <a:buChar char="•"/>
-              <a:defRPr sz="1400" kern="1200">
-                <a:solidFill>
-                  <a:schemeClr val="tx1"/>
-                </a:solidFill>
-                <a:latin typeface="+mn-lt"/>
-                <a:ea typeface="+mn-ea"/>
-                <a:cs typeface="+mn-cs"/>
-              </a:defRPr>
-            </a:lvl6pPr>
-            <a:lvl7pPr marL="2971800" indent="-228600" algn="l" defTabSz="914400" rtl="0" eaLnBrk="1" latinLnBrk="0" hangingPunct="1">
-              <a:lnSpc>
-                <a:spcPct val="120000"/>
-              </a:lnSpc>
-              <a:spcBef>
-                <a:spcPts val="500"/>
-              </a:spcBef>
-              <a:buSzPct val="125000"/>
-              <a:buFont typeface="Arial" panose="020B0604020202020204" pitchFamily="34" charset="0"/>
-              <a:buChar char="•"/>
-              <a:defRPr sz="1400" kern="1200">
-                <a:solidFill>
-                  <a:schemeClr val="tx1"/>
-                </a:solidFill>
-                <a:latin typeface="+mn-lt"/>
-                <a:ea typeface="+mn-ea"/>
-                <a:cs typeface="+mn-cs"/>
-              </a:defRPr>
-            </a:lvl7pPr>
-            <a:lvl8pPr marL="3429000" indent="-228600" algn="l" defTabSz="914400" rtl="0" eaLnBrk="1" latinLnBrk="0" hangingPunct="1">
-              <a:lnSpc>
-                <a:spcPct val="120000"/>
-              </a:lnSpc>
-              <a:spcBef>
-                <a:spcPts val="500"/>
-              </a:spcBef>
-              <a:buSzPct val="125000"/>
-              <a:buFont typeface="Arial" panose="020B0604020202020204" pitchFamily="34" charset="0"/>
-              <a:buChar char="•"/>
-              <a:defRPr sz="1400" kern="1200">
-                <a:solidFill>
-                  <a:schemeClr val="tx1"/>
-                </a:solidFill>
-                <a:latin typeface="+mn-lt"/>
-                <a:ea typeface="+mn-ea"/>
-                <a:cs typeface="+mn-cs"/>
-              </a:defRPr>
-            </a:lvl8pPr>
-            <a:lvl9pPr marL="3886200" indent="-228600" algn="l" defTabSz="914400" rtl="0" eaLnBrk="1" latinLnBrk="0" hangingPunct="1">
-              <a:lnSpc>
-                <a:spcPct val="120000"/>
-              </a:lnSpc>
-              <a:spcBef>
-                <a:spcPts val="500"/>
-              </a:spcBef>
-              <a:buSzPct val="125000"/>
-              <a:buFont typeface="Arial" panose="020B0604020202020204" pitchFamily="34" charset="0"/>
-              <a:buChar char="•"/>
-              <a:defRPr sz="1400" kern="1200">
-                <a:solidFill>
-                  <a:schemeClr val="tx1"/>
-                </a:solidFill>
-                <a:latin typeface="+mn-lt"/>
-                <a:ea typeface="+mn-ea"/>
-                <a:cs typeface="+mn-cs"/>
-              </a:defRPr>
-            </a:lvl9pPr>
-          </a:lstStyle>
-          <a:p>
-            <a:endParaRPr lang="en-US" dirty="0"/>
-          </a:p>
-        </p:txBody>
-      </p:sp>
+      </p:pic>
     </p:spTree>
     <p:extLst>
       <p:ext uri="{BB962C8B-B14F-4D97-AF65-F5344CB8AC3E}">
-        <p14:creationId xmlns:p14="http://schemas.microsoft.com/office/powerpoint/2010/main" val="2083270467"/>
+        <p14:creationId xmlns:p14="http://schemas.microsoft.com/office/powerpoint/2010/main" val="4158750358"/>
+      </p:ext>
+    </p:extLst>
+  </p:cSld>
+  <p:clrMapOvr>
+    <a:masterClrMapping/>
+  </p:clrMapOvr>
+</p:sld>
+</file>
+
+<file path=ppt/slides/slide20.xml><?xml version="1.0" encoding="utf-8"?>
+<p:sld xmlns:a="http://schemas.openxmlformats.org/drawingml/2006/main" xmlns:r="http://schemas.openxmlformats.org/officeDocument/2006/relationships" xmlns:p="http://schemas.openxmlformats.org/presentationml/2006/main">
+  <p:cSld>
+    <p:spTree>
+      <p:nvGrpSpPr>
+        <p:cNvPr id="1" name=""/>
+        <p:cNvGrpSpPr/>
+        <p:nvPr/>
+      </p:nvGrpSpPr>
+      <p:grpSpPr>
+        <a:xfrm>
+          <a:off x="0" y="0"/>
+          <a:ext cx="0" cy="0"/>
+          <a:chOff x="0" y="0"/>
+          <a:chExt cx="0" cy="0"/>
+        </a:xfrm>
+      </p:grpSpPr>
+      <p:sp>
+        <p:nvSpPr>
+          <p:cNvPr id="2" name="Title 1">
+            <a:extLst>
+              <a:ext uri="{FF2B5EF4-FFF2-40B4-BE49-F238E27FC236}">
+                <a16:creationId xmlns:a16="http://schemas.microsoft.com/office/drawing/2014/main" id="{ED9F4144-9773-470E-A0E2-62F93B60D5DD}"/>
+              </a:ext>
+            </a:extLst>
+          </p:cNvPr>
+          <p:cNvSpPr>
+            <a:spLocks noGrp="1"/>
+          </p:cNvSpPr>
+          <p:nvPr>
+            <p:ph type="title"/>
+          </p:nvPr>
+        </p:nvSpPr>
+        <p:spPr/>
+        <p:txBody>
+          <a:bodyPr/>
+          <a:lstStyle/>
+          <a:p>
+            <a:r>
+              <a:rPr lang="en-US" dirty="0"/>
+              <a:t>When</a:t>
+            </a:r>
+            <a:r>
+              <a:rPr lang="en-US" baseline="0" dirty="0"/>
+              <a:t> the buss comes in, Everyone Rides!!!</a:t>
+            </a:r>
+            <a:endParaRPr lang="en-US" dirty="0"/>
+          </a:p>
+        </p:txBody>
+      </p:sp>
+      <p:sp>
+        <p:nvSpPr>
+          <p:cNvPr id="3" name="Text Placeholder 2">
+            <a:extLst>
+              <a:ext uri="{FF2B5EF4-FFF2-40B4-BE49-F238E27FC236}">
+                <a16:creationId xmlns:a16="http://schemas.microsoft.com/office/drawing/2014/main" id="{5E8406A6-B755-4FFF-9569-C2F598B95924}"/>
+              </a:ext>
+            </a:extLst>
+          </p:cNvPr>
+          <p:cNvSpPr>
+            <a:spLocks noGrp="1"/>
+          </p:cNvSpPr>
+          <p:nvPr>
+            <p:ph type="body" idx="1"/>
+          </p:nvPr>
+        </p:nvSpPr>
+        <p:spPr/>
+        <p:txBody>
+          <a:bodyPr/>
+          <a:lstStyle/>
+          <a:p>
+            <a:endParaRPr lang="en-US"/>
+          </a:p>
+        </p:txBody>
+      </p:sp>
+    </p:spTree>
+    <p:extLst>
+      <p:ext uri="{BB962C8B-B14F-4D97-AF65-F5344CB8AC3E}">
+        <p14:creationId xmlns:p14="http://schemas.microsoft.com/office/powerpoint/2010/main" val="3424997189"/>
+      </p:ext>
+    </p:extLst>
+  </p:cSld>
+  <p:clrMapOvr>
+    <a:masterClrMapping/>
+  </p:clrMapOvr>
+</p:sld>
+</file>
+
+<file path=ppt/slides/slide21.xml><?xml version="1.0" encoding="utf-8"?>
+<p:sld xmlns:a="http://schemas.openxmlformats.org/drawingml/2006/main" xmlns:r="http://schemas.openxmlformats.org/officeDocument/2006/relationships" xmlns:p="http://schemas.openxmlformats.org/presentationml/2006/main">
+  <p:cSld>
+    <p:spTree>
+      <p:nvGrpSpPr>
+        <p:cNvPr id="1" name=""/>
+        <p:cNvGrpSpPr/>
+        <p:nvPr/>
+      </p:nvGrpSpPr>
+      <p:grpSpPr>
+        <a:xfrm>
+          <a:off x="0" y="0"/>
+          <a:ext cx="0" cy="0"/>
+          <a:chOff x="0" y="0"/>
+          <a:chExt cx="0" cy="0"/>
+        </a:xfrm>
+      </p:grpSpPr>
+      <p:sp>
+        <p:nvSpPr>
+          <p:cNvPr id="2" name="Title 1">
+            <a:extLst>
+              <a:ext uri="{FF2B5EF4-FFF2-40B4-BE49-F238E27FC236}">
+                <a16:creationId xmlns:a16="http://schemas.microsoft.com/office/drawing/2014/main" id="{57BE9FB8-E4B4-424B-A549-1AC16C3A7B11}"/>
+              </a:ext>
+            </a:extLst>
+          </p:cNvPr>
+          <p:cNvSpPr>
+            <a:spLocks noGrp="1"/>
+          </p:cNvSpPr>
+          <p:nvPr>
+            <p:ph type="title"/>
+          </p:nvPr>
+        </p:nvSpPr>
+        <p:spPr/>
+        <p:txBody>
+          <a:bodyPr/>
+          <a:lstStyle/>
+          <a:p>
+            <a:r>
+              <a:rPr lang="en-US" dirty="0"/>
+              <a:t>Back</a:t>
+            </a:r>
+            <a:r>
+              <a:rPr lang="en-US" baseline="0" dirty="0"/>
+              <a:t> to the Voltage</a:t>
+            </a:r>
+            <a:endParaRPr lang="en-US" dirty="0"/>
+          </a:p>
+        </p:txBody>
+      </p:sp>
+      <p:sp>
+        <p:nvSpPr>
+          <p:cNvPr id="3" name="Text Placeholder 2">
+            <a:extLst>
+              <a:ext uri="{FF2B5EF4-FFF2-40B4-BE49-F238E27FC236}">
+                <a16:creationId xmlns:a16="http://schemas.microsoft.com/office/drawing/2014/main" id="{BE8B5A3A-45F0-4211-94BA-071CEA9F12EE}"/>
+              </a:ext>
+            </a:extLst>
+          </p:cNvPr>
+          <p:cNvSpPr>
+            <a:spLocks noGrp="1"/>
+          </p:cNvSpPr>
+          <p:nvPr>
+            <p:ph type="body" idx="1"/>
+          </p:nvPr>
+        </p:nvSpPr>
+        <p:spPr/>
+        <p:txBody>
+          <a:bodyPr/>
+          <a:lstStyle/>
+          <a:p>
+            <a:endParaRPr lang="en-US"/>
+          </a:p>
+        </p:txBody>
+      </p:sp>
+    </p:spTree>
+    <p:extLst>
+      <p:ext uri="{BB962C8B-B14F-4D97-AF65-F5344CB8AC3E}">
+        <p14:creationId xmlns:p14="http://schemas.microsoft.com/office/powerpoint/2010/main" val="554477903"/>
+      </p:ext>
+    </p:extLst>
+  </p:cSld>
+  <p:clrMapOvr>
+    <a:masterClrMapping/>
+  </p:clrMapOvr>
+</p:sld>
+</file>
+
+<file path=ppt/slides/slide22.xml><?xml version="1.0" encoding="utf-8"?>
+<p:sld xmlns:a="http://schemas.openxmlformats.org/drawingml/2006/main" xmlns:r="http://schemas.openxmlformats.org/officeDocument/2006/relationships" xmlns:p="http://schemas.openxmlformats.org/presentationml/2006/main">
+  <p:cSld>
+    <p:spTree>
+      <p:nvGrpSpPr>
+        <p:cNvPr id="1" name=""/>
+        <p:cNvGrpSpPr/>
+        <p:nvPr/>
+      </p:nvGrpSpPr>
+      <p:grpSpPr>
+        <a:xfrm>
+          <a:off x="0" y="0"/>
+          <a:ext cx="0" cy="0"/>
+          <a:chOff x="0" y="0"/>
+          <a:chExt cx="0" cy="0"/>
+        </a:xfrm>
+      </p:grpSpPr>
+      <p:sp>
+        <p:nvSpPr>
+          <p:cNvPr id="2" name="Title 1">
+            <a:extLst>
+              <a:ext uri="{FF2B5EF4-FFF2-40B4-BE49-F238E27FC236}">
+                <a16:creationId xmlns:a16="http://schemas.microsoft.com/office/drawing/2014/main" id="{5AFB8FD2-515A-44F4-9DE8-FE831EC61AFE}"/>
+              </a:ext>
+            </a:extLst>
+          </p:cNvPr>
+          <p:cNvSpPr>
+            <a:spLocks noGrp="1"/>
+          </p:cNvSpPr>
+          <p:nvPr>
+            <p:ph type="title"/>
+          </p:nvPr>
+        </p:nvSpPr>
+        <p:spPr/>
+        <p:txBody>
+          <a:bodyPr/>
+          <a:lstStyle/>
+          <a:p>
+            <a:r>
+              <a:rPr lang="en-US" dirty="0"/>
+              <a:t>Now that we know all of this……</a:t>
+            </a:r>
+          </a:p>
+        </p:txBody>
+      </p:sp>
+      <p:sp>
+        <p:nvSpPr>
+          <p:cNvPr id="3" name="Text Placeholder 2">
+            <a:extLst>
+              <a:ext uri="{FF2B5EF4-FFF2-40B4-BE49-F238E27FC236}">
+                <a16:creationId xmlns:a16="http://schemas.microsoft.com/office/drawing/2014/main" id="{7ABA033A-1026-4EA3-A3F0-0242B5750021}"/>
+              </a:ext>
+            </a:extLst>
+          </p:cNvPr>
+          <p:cNvSpPr>
+            <a:spLocks noGrp="1"/>
+          </p:cNvSpPr>
+          <p:nvPr>
+            <p:ph type="body" idx="1"/>
+          </p:nvPr>
+        </p:nvSpPr>
+        <p:spPr/>
+        <p:txBody>
+          <a:bodyPr/>
+          <a:lstStyle/>
+          <a:p>
+            <a:r>
+              <a:rPr lang="en-US" dirty="0"/>
+              <a:t>Lets use it all at once!!!</a:t>
+            </a:r>
+          </a:p>
+        </p:txBody>
+      </p:sp>
+    </p:spTree>
+    <p:extLst>
+      <p:ext uri="{BB962C8B-B14F-4D97-AF65-F5344CB8AC3E}">
+        <p14:creationId xmlns:p14="http://schemas.microsoft.com/office/powerpoint/2010/main" val="786458817"/>
+      </p:ext>
+    </p:extLst>
+  </p:cSld>
+  <p:clrMapOvr>
+    <a:masterClrMapping/>
+  </p:clrMapOvr>
+</p:sld>
+</file>
+
+<file path=ppt/slides/slide23.xml><?xml version="1.0" encoding="utf-8"?>
+<p:sld xmlns:a="http://schemas.openxmlformats.org/drawingml/2006/main" xmlns:r="http://schemas.openxmlformats.org/officeDocument/2006/relationships" xmlns:p="http://schemas.openxmlformats.org/presentationml/2006/main">
+  <p:cSld>
+    <p:spTree>
+      <p:nvGrpSpPr>
+        <p:cNvPr id="1" name=""/>
+        <p:cNvGrpSpPr/>
+        <p:nvPr/>
+      </p:nvGrpSpPr>
+      <p:grpSpPr>
+        <a:xfrm>
+          <a:off x="0" y="0"/>
+          <a:ext cx="0" cy="0"/>
+          <a:chOff x="0" y="0"/>
+          <a:chExt cx="0" cy="0"/>
+        </a:xfrm>
+      </p:grpSpPr>
+      <p:sp>
+        <p:nvSpPr>
+          <p:cNvPr id="2" name="Title 1">
+            <a:extLst>
+              <a:ext uri="{FF2B5EF4-FFF2-40B4-BE49-F238E27FC236}">
+                <a16:creationId xmlns:a16="http://schemas.microsoft.com/office/drawing/2014/main" id="{7F4514E5-E6C4-4B64-A3E9-2A1A85FDFF89}"/>
+              </a:ext>
+            </a:extLst>
+          </p:cNvPr>
+          <p:cNvSpPr>
+            <a:spLocks noGrp="1"/>
+          </p:cNvSpPr>
+          <p:nvPr>
+            <p:ph type="title"/>
+          </p:nvPr>
+        </p:nvSpPr>
+        <p:spPr/>
+        <p:txBody>
+          <a:bodyPr/>
+          <a:lstStyle/>
+          <a:p>
+            <a:r>
+              <a:rPr lang="en-US" dirty="0"/>
+              <a:t>Links of Doom page</a:t>
+            </a:r>
+          </a:p>
+        </p:txBody>
+      </p:sp>
+      <p:sp>
+        <p:nvSpPr>
+          <p:cNvPr id="3" name="Text Placeholder 2">
+            <a:extLst>
+              <a:ext uri="{FF2B5EF4-FFF2-40B4-BE49-F238E27FC236}">
+                <a16:creationId xmlns:a16="http://schemas.microsoft.com/office/drawing/2014/main" id="{DECD7F75-4572-463F-B1AF-CA44573A1C2F}"/>
+              </a:ext>
+            </a:extLst>
+          </p:cNvPr>
+          <p:cNvSpPr>
+            <a:spLocks noGrp="1"/>
+          </p:cNvSpPr>
+          <p:nvPr>
+            <p:ph type="body" idx="1"/>
+          </p:nvPr>
+        </p:nvSpPr>
+        <p:spPr/>
+        <p:txBody>
+          <a:bodyPr/>
+          <a:lstStyle/>
+          <a:p>
+            <a:endParaRPr lang="en-US"/>
+          </a:p>
+        </p:txBody>
+      </p:sp>
+    </p:spTree>
+    <p:extLst>
+      <p:ext uri="{BB962C8B-B14F-4D97-AF65-F5344CB8AC3E}">
+        <p14:creationId xmlns:p14="http://schemas.microsoft.com/office/powerpoint/2010/main" val="367061334"/>
       </p:ext>
     </p:extLst>
   </p:cSld>
@@ -15989,10 +19038,10 @@
       </p:grpSpPr>
       <p:sp>
         <p:nvSpPr>
-          <p:cNvPr id="4" name="Title 3">
+          <p:cNvPr id="12" name="Title 11">
             <a:extLst>
               <a:ext uri="{FF2B5EF4-FFF2-40B4-BE49-F238E27FC236}">
-                <a16:creationId xmlns:a16="http://schemas.microsoft.com/office/drawing/2014/main" id="{3E68E7E1-4533-4541-8837-242EC411FA04}"/>
+                <a16:creationId xmlns:a16="http://schemas.microsoft.com/office/drawing/2014/main" id="{FE67389A-DB54-4763-BC7D-EE68D290335C}"/>
               </a:ext>
             </a:extLst>
           </p:cNvPr>
@@ -16003,226 +19052,57 @@
             <p:ph type="title"/>
           </p:nvPr>
         </p:nvSpPr>
-        <p:spPr/>
+        <p:spPr>
+          <a:xfrm>
+            <a:off x="1681060" y="194616"/>
+            <a:ext cx="8715511" cy="704042"/>
+          </a:xfrm>
+        </p:spPr>
         <p:txBody>
           <a:bodyPr/>
           <a:lstStyle/>
           <a:p>
             <a:r>
               <a:rPr lang="en-US" dirty="0"/>
-              <a:t>What is electricity</a:t>
-            </a:r>
-          </a:p>
-        </p:txBody>
-      </p:sp>
-      <p:sp>
-        <p:nvSpPr>
-          <p:cNvPr id="5" name="Text Placeholder 4">
+              <a:t>A less complex example</a:t>
+            </a:r>
+          </a:p>
+        </p:txBody>
+      </p:sp>
+      <p:pic>
+        <p:nvPicPr>
+          <p:cNvPr id="3" name="Picture 2">
             <a:extLst>
               <a:ext uri="{FF2B5EF4-FFF2-40B4-BE49-F238E27FC236}">
-                <a16:creationId xmlns:a16="http://schemas.microsoft.com/office/drawing/2014/main" id="{07ED2716-F2C1-4ACB-9C59-6ABCE9460D99}"/>
+                <a16:creationId xmlns:a16="http://schemas.microsoft.com/office/drawing/2014/main" id="{6380346A-F642-4E91-A966-1FEBEADB84A3}"/>
               </a:ext>
             </a:extLst>
           </p:cNvPr>
-          <p:cNvSpPr>
-            <a:spLocks noGrp="1"/>
-          </p:cNvSpPr>
-          <p:nvPr>
-            <p:ph type="body" idx="1"/>
-          </p:nvPr>
-        </p:nvSpPr>
-        <p:spPr/>
-        <p:txBody>
-          <a:bodyPr/>
-          <a:lstStyle/>
-          <a:p>
-            <a:endParaRPr lang="en-US"/>
-          </a:p>
-        </p:txBody>
-      </p:sp>
-      <p:sp>
-        <p:nvSpPr>
-          <p:cNvPr id="8" name="Picture Placeholder 7">
-            <a:extLst>
-              <a:ext uri="{FF2B5EF4-FFF2-40B4-BE49-F238E27FC236}">
-                <a16:creationId xmlns:a16="http://schemas.microsoft.com/office/drawing/2014/main" id="{D121AE34-473D-4A45-97D2-9181434346CD}"/>
-              </a:ext>
-            </a:extLst>
-          </p:cNvPr>
-          <p:cNvSpPr>
-            <a:spLocks noGrp="1"/>
-          </p:cNvSpPr>
-          <p:nvPr>
-            <p:ph type="pic" idx="15"/>
-          </p:nvPr>
-        </p:nvSpPr>
-        <p:spPr/>
-      </p:sp>
-      <p:sp>
-        <p:nvSpPr>
-          <p:cNvPr id="9" name="Text Placeholder 8">
-            <a:extLst>
-              <a:ext uri="{FF2B5EF4-FFF2-40B4-BE49-F238E27FC236}">
-                <a16:creationId xmlns:a16="http://schemas.microsoft.com/office/drawing/2014/main" id="{58C34447-2E47-4A51-9CA9-02194E0227EB}"/>
-              </a:ext>
-            </a:extLst>
-          </p:cNvPr>
-          <p:cNvSpPr>
-            <a:spLocks noGrp="1"/>
-          </p:cNvSpPr>
-          <p:nvPr>
-            <p:ph type="body" sz="half" idx="18"/>
-          </p:nvPr>
-        </p:nvSpPr>
-        <p:spPr/>
-        <p:txBody>
-          <a:bodyPr/>
-          <a:lstStyle/>
-          <a:p>
-            <a:endParaRPr lang="en-US"/>
-          </a:p>
-        </p:txBody>
-      </p:sp>
-      <p:sp>
-        <p:nvSpPr>
-          <p:cNvPr id="6" name="Text Placeholder 5">
-            <a:extLst>
-              <a:ext uri="{FF2B5EF4-FFF2-40B4-BE49-F238E27FC236}">
-                <a16:creationId xmlns:a16="http://schemas.microsoft.com/office/drawing/2014/main" id="{59742C6A-A577-41E4-BB66-95BFFC0EC429}"/>
-              </a:ext>
-            </a:extLst>
-          </p:cNvPr>
-          <p:cNvSpPr>
-            <a:spLocks noGrp="1"/>
-          </p:cNvSpPr>
-          <p:nvPr>
-            <p:ph type="body" sz="quarter" idx="3"/>
-          </p:nvPr>
-        </p:nvSpPr>
-        <p:spPr/>
-        <p:txBody>
-          <a:bodyPr/>
-          <a:lstStyle/>
-          <a:p>
-            <a:endParaRPr lang="en-US"/>
-          </a:p>
-        </p:txBody>
-      </p:sp>
-      <p:sp>
-        <p:nvSpPr>
-          <p:cNvPr id="12" name="Picture Placeholder 11">
-            <a:extLst>
-              <a:ext uri="{FF2B5EF4-FFF2-40B4-BE49-F238E27FC236}">
-                <a16:creationId xmlns:a16="http://schemas.microsoft.com/office/drawing/2014/main" id="{C716691B-6B49-4D95-8C41-BBAE05AEA5F9}"/>
-              </a:ext>
-            </a:extLst>
-          </p:cNvPr>
-          <p:cNvSpPr>
-            <a:spLocks noGrp="1"/>
-          </p:cNvSpPr>
-          <p:nvPr>
-            <p:ph type="pic" idx="21"/>
-          </p:nvPr>
-        </p:nvSpPr>
-        <p:spPr/>
-      </p:sp>
-      <p:sp>
-        <p:nvSpPr>
-          <p:cNvPr id="10" name="Text Placeholder 9">
-            <a:extLst>
-              <a:ext uri="{FF2B5EF4-FFF2-40B4-BE49-F238E27FC236}">
-                <a16:creationId xmlns:a16="http://schemas.microsoft.com/office/drawing/2014/main" id="{AD5B6785-9905-4722-A32E-23F6318B4851}"/>
-              </a:ext>
-            </a:extLst>
-          </p:cNvPr>
-          <p:cNvSpPr>
-            <a:spLocks noGrp="1"/>
-          </p:cNvSpPr>
-          <p:nvPr>
-            <p:ph type="body" sz="half" idx="19"/>
-          </p:nvPr>
-        </p:nvSpPr>
-        <p:spPr/>
-        <p:txBody>
-          <a:bodyPr/>
-          <a:lstStyle/>
-          <a:p>
-            <a:endParaRPr lang="en-US"/>
-          </a:p>
-        </p:txBody>
-      </p:sp>
-      <p:sp>
-        <p:nvSpPr>
-          <p:cNvPr id="7" name="Text Placeholder 6">
-            <a:extLst>
-              <a:ext uri="{FF2B5EF4-FFF2-40B4-BE49-F238E27FC236}">
-                <a16:creationId xmlns:a16="http://schemas.microsoft.com/office/drawing/2014/main" id="{F5712883-02C6-4CDB-84E0-6B45544D9950}"/>
-              </a:ext>
-            </a:extLst>
-          </p:cNvPr>
-          <p:cNvSpPr>
-            <a:spLocks noGrp="1"/>
-          </p:cNvSpPr>
-          <p:nvPr>
-            <p:ph type="body" sz="quarter" idx="13"/>
-          </p:nvPr>
-        </p:nvSpPr>
-        <p:spPr/>
-        <p:txBody>
-          <a:bodyPr/>
-          <a:lstStyle/>
-          <a:p>
-            <a:endParaRPr lang="en-US"/>
-          </a:p>
-        </p:txBody>
-      </p:sp>
-      <p:sp>
-        <p:nvSpPr>
-          <p:cNvPr id="13" name="Picture Placeholder 12">
-            <a:extLst>
-              <a:ext uri="{FF2B5EF4-FFF2-40B4-BE49-F238E27FC236}">
-                <a16:creationId xmlns:a16="http://schemas.microsoft.com/office/drawing/2014/main" id="{1946DF8E-AC30-47CE-BD90-2FAC671F6C80}"/>
-              </a:ext>
-            </a:extLst>
-          </p:cNvPr>
-          <p:cNvSpPr>
-            <a:spLocks noGrp="1"/>
-          </p:cNvSpPr>
-          <p:nvPr>
-            <p:ph type="pic" idx="22"/>
-          </p:nvPr>
-        </p:nvSpPr>
-        <p:spPr/>
-      </p:sp>
-      <p:sp>
-        <p:nvSpPr>
-          <p:cNvPr id="11" name="Text Placeholder 10">
-            <a:extLst>
-              <a:ext uri="{FF2B5EF4-FFF2-40B4-BE49-F238E27FC236}">
-                <a16:creationId xmlns:a16="http://schemas.microsoft.com/office/drawing/2014/main" id="{F16045CE-1406-45AC-8315-C6CB5F65F564}"/>
-              </a:ext>
-            </a:extLst>
-          </p:cNvPr>
-          <p:cNvSpPr>
-            <a:spLocks noGrp="1"/>
-          </p:cNvSpPr>
-          <p:nvPr>
-            <p:ph type="body" sz="half" idx="20"/>
-          </p:nvPr>
-        </p:nvSpPr>
-        <p:spPr/>
-        <p:txBody>
-          <a:bodyPr/>
-          <a:lstStyle/>
-          <a:p>
-            <a:endParaRPr lang="en-US"/>
-          </a:p>
-        </p:txBody>
-      </p:sp>
+          <p:cNvPicPr>
+            <a:picLocks noChangeAspect="1"/>
+          </p:cNvPicPr>
+          <p:nvPr/>
+        </p:nvPicPr>
+        <p:blipFill>
+          <a:blip r:embed="rId3"/>
+          <a:stretch>
+            <a:fillRect/>
+          </a:stretch>
+        </p:blipFill>
+        <p:spPr>
+          <a:xfrm>
+            <a:off x="1408239" y="1270618"/>
+            <a:ext cx="9375522" cy="4928160"/>
+          </a:xfrm>
+          <a:prstGeom prst="rect">
+            <a:avLst/>
+          </a:prstGeom>
+        </p:spPr>
+      </p:pic>
     </p:spTree>
     <p:extLst>
       <p:ext uri="{BB962C8B-B14F-4D97-AF65-F5344CB8AC3E}">
-        <p14:creationId xmlns:p14="http://schemas.microsoft.com/office/powerpoint/2010/main" val="610099771"/>
+        <p14:creationId xmlns:p14="http://schemas.microsoft.com/office/powerpoint/2010/main" val="2847905912"/>
       </p:ext>
     </p:extLst>
   </p:cSld>
@@ -16265,52 +19145,103 @@
             <p:ph type="title"/>
           </p:nvPr>
         </p:nvSpPr>
-        <p:spPr/>
-        <p:txBody>
-          <a:bodyPr/>
+        <p:spPr>
+          <a:xfrm>
+            <a:off x="1681060" y="194616"/>
+            <a:ext cx="8715511" cy="704042"/>
+          </a:xfrm>
+        </p:spPr>
+        <p:txBody>
+          <a:bodyPr>
+            <a:normAutofit/>
+          </a:bodyPr>
           <a:lstStyle/>
           <a:p>
             <a:r>
               <a:rPr lang="en-US" dirty="0"/>
-              <a:t>What do all these</a:t>
-            </a:r>
-            <a:r>
-              <a:rPr lang="en-US" baseline="0" dirty="0"/>
-              <a:t> Hieroglyphics mean?</a:t>
-            </a:r>
-            <a:endParaRPr lang="en-US" dirty="0"/>
-          </a:p>
-        </p:txBody>
-      </p:sp>
-      <p:sp>
-        <p:nvSpPr>
-          <p:cNvPr id="13" name="Text Placeholder 12">
+              <a:t>We don’t need Lines….</a:t>
+            </a:r>
+          </a:p>
+        </p:txBody>
+      </p:sp>
+      <p:pic>
+        <p:nvPicPr>
+          <p:cNvPr id="7" name="Picture 6" descr="node junction example">
             <a:extLst>
               <a:ext uri="{FF2B5EF4-FFF2-40B4-BE49-F238E27FC236}">
-                <a16:creationId xmlns:a16="http://schemas.microsoft.com/office/drawing/2014/main" id="{352891C7-4885-4B65-95AC-02A3AFDEB8B6}"/>
+                <a16:creationId xmlns:a16="http://schemas.microsoft.com/office/drawing/2014/main" id="{13330460-A249-483E-B5F1-F29741CC1A12}"/>
               </a:ext>
             </a:extLst>
           </p:cNvPr>
-          <p:cNvSpPr>
-            <a:spLocks noGrp="1"/>
-          </p:cNvSpPr>
-          <p:nvPr>
-            <p:ph type="body" idx="1"/>
-          </p:nvPr>
-        </p:nvSpPr>
-        <p:spPr/>
-        <p:txBody>
-          <a:bodyPr/>
-          <a:lstStyle/>
-          <a:p>
-            <a:endParaRPr lang="en-US"/>
-          </a:p>
-        </p:txBody>
-      </p:sp>
+          <p:cNvPicPr>
+            <a:picLocks noChangeAspect="1"/>
+          </p:cNvPicPr>
+          <p:nvPr/>
+        </p:nvPicPr>
+        <p:blipFill>
+          <a:blip r:embed="rId3"/>
+          <a:stretch>
+            <a:fillRect/>
+          </a:stretch>
+        </p:blipFill>
+        <p:spPr>
+          <a:xfrm>
+            <a:off x="6695268" y="4015094"/>
+            <a:ext cx="4449127" cy="2648290"/>
+          </a:xfrm>
+          <a:prstGeom prst="rect">
+            <a:avLst/>
+          </a:prstGeom>
+          <a:effectLst>
+            <a:outerShdw blurRad="50800" dist="38100" dir="2700000" sx="102000" sy="102000" algn="tl" rotWithShape="0">
+              <a:prstClr val="black">
+                <a:alpha val="40000"/>
+              </a:prstClr>
+            </a:outerShdw>
+          </a:effectLst>
+        </p:spPr>
+      </p:pic>
+      <p:pic>
+        <p:nvPicPr>
+          <p:cNvPr id="9" name="Picture 8" descr="A close up of a map&#10;&#10;Description automatically generated">
+            <a:extLst>
+              <a:ext uri="{FF2B5EF4-FFF2-40B4-BE49-F238E27FC236}">
+                <a16:creationId xmlns:a16="http://schemas.microsoft.com/office/drawing/2014/main" id="{22C318D9-A2A8-4AA1-BA79-B1B011672DD5}"/>
+              </a:ext>
+            </a:extLst>
+          </p:cNvPr>
+          <p:cNvPicPr>
+            <a:picLocks noChangeAspect="1"/>
+          </p:cNvPicPr>
+          <p:nvPr/>
+        </p:nvPicPr>
+        <p:blipFill>
+          <a:blip r:embed="rId4"/>
+          <a:stretch>
+            <a:fillRect/>
+          </a:stretch>
+        </p:blipFill>
+        <p:spPr>
+          <a:xfrm>
+            <a:off x="863300" y="898658"/>
+            <a:ext cx="6389907" cy="3474037"/>
+          </a:xfrm>
+          <a:prstGeom prst="rect">
+            <a:avLst/>
+          </a:prstGeom>
+          <a:effectLst>
+            <a:outerShdw blurRad="50800" dist="38100" dir="2700000" sx="101000" sy="101000" algn="tl" rotWithShape="0">
+              <a:prstClr val="black">
+                <a:alpha val="40000"/>
+              </a:prstClr>
+            </a:outerShdw>
+          </a:effectLst>
+        </p:spPr>
+      </p:pic>
     </p:spTree>
     <p:extLst>
       <p:ext uri="{BB962C8B-B14F-4D97-AF65-F5344CB8AC3E}">
-        <p14:creationId xmlns:p14="http://schemas.microsoft.com/office/powerpoint/2010/main" val="4158750358"/>
+        <p14:creationId xmlns:p14="http://schemas.microsoft.com/office/powerpoint/2010/main" val="3587537317"/>
       </p:ext>
     </p:extLst>
   </p:cSld>
@@ -16353,7 +19284,12 @@
             <p:ph type="title"/>
           </p:nvPr>
         </p:nvSpPr>
-        <p:spPr/>
+        <p:spPr>
+          <a:xfrm>
+            <a:off x="1143000" y="349977"/>
+            <a:ext cx="9906000" cy="611052"/>
+          </a:xfrm>
+        </p:spPr>
         <p:txBody>
           <a:bodyPr/>
           <a:lstStyle/>
@@ -16367,26 +19303,198 @@
       </p:sp>
       <p:sp>
         <p:nvSpPr>
-          <p:cNvPr id="3" name="Text Placeholder 2">
+          <p:cNvPr id="6" name="TextBox 5">
             <a:extLst>
               <a:ext uri="{FF2B5EF4-FFF2-40B4-BE49-F238E27FC236}">
-                <a16:creationId xmlns:a16="http://schemas.microsoft.com/office/drawing/2014/main" id="{EFAA5762-B201-492C-8C11-EED570BF8A1E}"/>
+                <a16:creationId xmlns:a16="http://schemas.microsoft.com/office/drawing/2014/main" id="{2B4285BF-E146-4344-991F-689EAC9326DD}"/>
               </a:ext>
             </a:extLst>
           </p:cNvPr>
-          <p:cNvSpPr>
-            <a:spLocks noGrp="1"/>
-          </p:cNvSpPr>
-          <p:nvPr>
-            <p:ph type="body" idx="1"/>
-          </p:nvPr>
-        </p:nvSpPr>
-        <p:spPr/>
-        <p:txBody>
-          <a:bodyPr/>
+          <p:cNvSpPr txBox="1"/>
+          <p:nvPr/>
+        </p:nvSpPr>
+        <p:spPr>
+          <a:xfrm>
+            <a:off x="1689316" y="1910232"/>
+            <a:ext cx="3223647" cy="2031325"/>
+          </a:xfrm>
+          <a:prstGeom prst="rect">
+            <a:avLst/>
+          </a:prstGeom>
+          <a:noFill/>
+        </p:spPr>
+        <p:txBody>
+          <a:bodyPr wrap="square" rtlCol="0">
+            <a:spAutoFit/>
+          </a:bodyPr>
           <a:lstStyle/>
           <a:p>
-            <a:endParaRPr lang="en-US"/>
+            <a:r>
+              <a:rPr lang="en-US" dirty="0"/>
+              <a:t>Digital Multimeter</a:t>
+            </a:r>
+          </a:p>
+          <a:p>
+            <a:r>
+              <a:rPr lang="en-US" dirty="0"/>
+              <a:t>Power Source</a:t>
+            </a:r>
+          </a:p>
+          <a:p>
+            <a:r>
+              <a:rPr lang="en-US" dirty="0"/>
+              <a:t>Breadboard</a:t>
+            </a:r>
+          </a:p>
+          <a:p>
+            <a:r>
+              <a:rPr lang="en-US" dirty="0"/>
+              <a:t>Side Cutters</a:t>
+            </a:r>
+          </a:p>
+          <a:p>
+            <a:r>
+              <a:rPr lang="en-US" dirty="0"/>
+              <a:t>Connecting wire</a:t>
+            </a:r>
+          </a:p>
+          <a:p>
+            <a:r>
+              <a:rPr lang="en-US" dirty="0"/>
+              <a:t>Wire Strippers</a:t>
+            </a:r>
+          </a:p>
+          <a:p>
+            <a:endParaRPr lang="en-US" dirty="0"/>
+          </a:p>
+        </p:txBody>
+      </p:sp>
+      <p:sp>
+        <p:nvSpPr>
+          <p:cNvPr id="7" name="TextBox 6">
+            <a:extLst>
+              <a:ext uri="{FF2B5EF4-FFF2-40B4-BE49-F238E27FC236}">
+                <a16:creationId xmlns:a16="http://schemas.microsoft.com/office/drawing/2014/main" id="{B4C541D9-9B4D-4444-A5F3-C54474DF73EB}"/>
+              </a:ext>
+            </a:extLst>
+          </p:cNvPr>
+          <p:cNvSpPr txBox="1"/>
+          <p:nvPr/>
+        </p:nvSpPr>
+        <p:spPr>
+          <a:xfrm>
+            <a:off x="6261315" y="2092271"/>
+            <a:ext cx="3580109" cy="1200329"/>
+          </a:xfrm>
+          <a:prstGeom prst="rect">
+            <a:avLst/>
+          </a:prstGeom>
+          <a:noFill/>
+        </p:spPr>
+        <p:txBody>
+          <a:bodyPr wrap="square" rtlCol="0">
+            <a:spAutoFit/>
+          </a:bodyPr>
+          <a:lstStyle/>
+          <a:p>
+            <a:r>
+              <a:rPr lang="en-US" dirty="0" err="1"/>
+              <a:t>Tinkercad</a:t>
+            </a:r>
+            <a:endParaRPr lang="en-US" dirty="0"/>
+          </a:p>
+          <a:p>
+            <a:r>
+              <a:rPr lang="en-US" dirty="0"/>
+              <a:t>Fritzing</a:t>
+            </a:r>
+          </a:p>
+          <a:p>
+            <a:endParaRPr lang="en-US" dirty="0"/>
+          </a:p>
+          <a:p>
+            <a:r>
+              <a:rPr lang="en-US" dirty="0"/>
+              <a:t>Bing(google, </a:t>
+            </a:r>
+            <a:r>
+              <a:rPr lang="en-US" dirty="0" err="1"/>
+              <a:t>etc</a:t>
+            </a:r>
+            <a:r>
+              <a:rPr lang="en-US" dirty="0"/>
+              <a:t>….)</a:t>
+            </a:r>
+          </a:p>
+        </p:txBody>
+      </p:sp>
+      <p:sp>
+        <p:nvSpPr>
+          <p:cNvPr id="9" name="TextBox 8">
+            <a:extLst>
+              <a:ext uri="{FF2B5EF4-FFF2-40B4-BE49-F238E27FC236}">
+                <a16:creationId xmlns:a16="http://schemas.microsoft.com/office/drawing/2014/main" id="{2562277B-2E94-4D22-A65B-70D2B4A867B0}"/>
+              </a:ext>
+            </a:extLst>
+          </p:cNvPr>
+          <p:cNvSpPr txBox="1"/>
+          <p:nvPr/>
+        </p:nvSpPr>
+        <p:spPr>
+          <a:xfrm>
+            <a:off x="1859798" y="1332854"/>
+            <a:ext cx="2045776" cy="369332"/>
+          </a:xfrm>
+          <a:prstGeom prst="rect">
+            <a:avLst/>
+          </a:prstGeom>
+          <a:noFill/>
+        </p:spPr>
+        <p:txBody>
+          <a:bodyPr wrap="square" rtlCol="0">
+            <a:spAutoFit/>
+          </a:bodyPr>
+          <a:lstStyle/>
+          <a:p>
+            <a:r>
+              <a:rPr lang="en-US" dirty="0"/>
+              <a:t>Hard tools</a:t>
+            </a:r>
+          </a:p>
+        </p:txBody>
+      </p:sp>
+      <p:sp>
+        <p:nvSpPr>
+          <p:cNvPr id="10" name="TextBox 9">
+            <a:extLst>
+              <a:ext uri="{FF2B5EF4-FFF2-40B4-BE49-F238E27FC236}">
+                <a16:creationId xmlns:a16="http://schemas.microsoft.com/office/drawing/2014/main" id="{2D42D8F8-F58A-4DC2-84F0-CE67E9D8B2E7}"/>
+              </a:ext>
+            </a:extLst>
+          </p:cNvPr>
+          <p:cNvSpPr txBox="1"/>
+          <p:nvPr/>
+        </p:nvSpPr>
+        <p:spPr>
+          <a:xfrm>
+            <a:off x="5548393" y="1332854"/>
+            <a:ext cx="3425126" cy="369332"/>
+          </a:xfrm>
+          <a:prstGeom prst="rect">
+            <a:avLst/>
+          </a:prstGeom>
+          <a:noFill/>
+        </p:spPr>
+        <p:txBody>
+          <a:bodyPr wrap="square" rtlCol="0">
+            <a:spAutoFit/>
+          </a:bodyPr>
+          <a:lstStyle/>
+          <a:p>
+            <a:r>
+              <a:rPr lang="en-US" dirty="0"/>
+              <a:t>Software</a:t>
+            </a:r>
           </a:p>
         </p:txBody>
       </p:sp>
@@ -16425,7 +19533,7 @@
           <p:cNvPr id="2" name="Title 1">
             <a:extLst>
               <a:ext uri="{FF2B5EF4-FFF2-40B4-BE49-F238E27FC236}">
-                <a16:creationId xmlns:a16="http://schemas.microsoft.com/office/drawing/2014/main" id="{BC9F1DCA-EED6-4941-BDB5-28F2AFB0A3B0}"/>
+                <a16:creationId xmlns:a16="http://schemas.microsoft.com/office/drawing/2014/main" id="{89679A0C-1792-4941-887A-26C01B35008B}"/>
               </a:ext>
             </a:extLst>
           </p:cNvPr>
@@ -16436,52 +19544,165 @@
             <p:ph type="title"/>
           </p:nvPr>
         </p:nvSpPr>
-        <p:spPr/>
+        <p:spPr>
+          <a:xfrm>
+            <a:off x="1143000" y="349977"/>
+            <a:ext cx="9906000" cy="611052"/>
+          </a:xfrm>
+        </p:spPr>
         <p:txBody>
           <a:bodyPr/>
           <a:lstStyle/>
           <a:p>
             <a:r>
               <a:rPr lang="en-US" dirty="0"/>
-              <a:t>Resistanc</a:t>
-            </a:r>
-            <a:r>
-              <a:rPr lang="en-US" baseline="0" dirty="0"/>
-              <a:t>e is Futile</a:t>
-            </a:r>
-            <a:endParaRPr lang="en-US" dirty="0"/>
-          </a:p>
-        </p:txBody>
-      </p:sp>
-      <p:sp>
-        <p:nvSpPr>
-          <p:cNvPr id="3" name="Text Placeholder 2">
+              <a:t>Digital </a:t>
+            </a:r>
+            <a:r>
+              <a:rPr lang="en-US" dirty="0" err="1"/>
+              <a:t>MultiMeter</a:t>
+            </a:r>
+            <a:r>
+              <a:rPr lang="en-US" dirty="0"/>
+              <a:t> - DMM</a:t>
+            </a:r>
+          </a:p>
+        </p:txBody>
+      </p:sp>
+      <p:pic>
+        <p:nvPicPr>
+          <p:cNvPr id="12" name="Picture 11">
             <a:extLst>
               <a:ext uri="{FF2B5EF4-FFF2-40B4-BE49-F238E27FC236}">
-                <a16:creationId xmlns:a16="http://schemas.microsoft.com/office/drawing/2014/main" id="{3E732EB0-E607-4A3D-A6D7-05E855E133B1}"/>
+                <a16:creationId xmlns:a16="http://schemas.microsoft.com/office/drawing/2014/main" id="{82138C4D-7A97-4F4A-88A6-EE73F89F83F6}"/>
               </a:ext>
             </a:extLst>
           </p:cNvPr>
-          <p:cNvSpPr>
-            <a:spLocks noGrp="1"/>
-          </p:cNvSpPr>
-          <p:nvPr>
-            <p:ph type="body" idx="1"/>
-          </p:nvPr>
-        </p:nvSpPr>
-        <p:spPr/>
-        <p:txBody>
-          <a:bodyPr/>
+          <p:cNvPicPr>
+            <a:picLocks noChangeAspect="1"/>
+          </p:cNvPicPr>
+          <p:nvPr/>
+        </p:nvPicPr>
+        <p:blipFill>
+          <a:blip r:embed="rId3"/>
+          <a:stretch>
+            <a:fillRect/>
+          </a:stretch>
+        </p:blipFill>
+        <p:spPr>
+          <a:xfrm>
+            <a:off x="6462951" y="1086331"/>
+            <a:ext cx="4105602" cy="4105602"/>
+          </a:xfrm>
+          <a:prstGeom prst="rect">
+            <a:avLst/>
+          </a:prstGeom>
+        </p:spPr>
+      </p:pic>
+      <p:pic>
+        <p:nvPicPr>
+          <p:cNvPr id="14" name="Picture 13" descr="A picture containing device&#10;&#10;Description automatically generated">
+            <a:extLst>
+              <a:ext uri="{FF2B5EF4-FFF2-40B4-BE49-F238E27FC236}">
+                <a16:creationId xmlns:a16="http://schemas.microsoft.com/office/drawing/2014/main" id="{93E4874A-8634-4A3A-AB2D-CF816A8F47A8}"/>
+              </a:ext>
+            </a:extLst>
+          </p:cNvPr>
+          <p:cNvPicPr>
+            <a:picLocks noChangeAspect="1"/>
+          </p:cNvPicPr>
+          <p:nvPr/>
+        </p:nvPicPr>
+        <p:blipFill>
+          <a:blip r:embed="rId4"/>
+          <a:stretch>
+            <a:fillRect/>
+          </a:stretch>
+        </p:blipFill>
+        <p:spPr>
+          <a:xfrm>
+            <a:off x="1623447" y="1086331"/>
+            <a:ext cx="4105602" cy="4105602"/>
+          </a:xfrm>
+          <a:prstGeom prst="rect">
+            <a:avLst/>
+          </a:prstGeom>
+        </p:spPr>
+      </p:pic>
+      <p:sp>
+        <p:nvSpPr>
+          <p:cNvPr id="15" name="TextBox 14">
+            <a:extLst>
+              <a:ext uri="{FF2B5EF4-FFF2-40B4-BE49-F238E27FC236}">
+                <a16:creationId xmlns:a16="http://schemas.microsoft.com/office/drawing/2014/main" id="{51499BF0-A03E-4BFE-9022-05F50AA1D9B9}"/>
+              </a:ext>
+            </a:extLst>
+          </p:cNvPr>
+          <p:cNvSpPr txBox="1"/>
+          <p:nvPr/>
+        </p:nvSpPr>
+        <p:spPr>
+          <a:xfrm>
+            <a:off x="3053166" y="5749871"/>
+            <a:ext cx="1611824" cy="369332"/>
+          </a:xfrm>
+          <a:prstGeom prst="rect">
+            <a:avLst/>
+          </a:prstGeom>
+          <a:noFill/>
+        </p:spPr>
+        <p:txBody>
+          <a:bodyPr wrap="square" rtlCol="0">
+            <a:spAutoFit/>
+          </a:bodyPr>
           <a:lstStyle/>
           <a:p>
-            <a:endParaRPr lang="en-US"/>
+            <a:r>
+              <a:rPr lang="en-US" dirty="0"/>
+              <a:t>91.75</a:t>
+            </a:r>
+          </a:p>
+        </p:txBody>
+      </p:sp>
+      <p:sp>
+        <p:nvSpPr>
+          <p:cNvPr id="16" name="TextBox 15">
+            <a:extLst>
+              <a:ext uri="{FF2B5EF4-FFF2-40B4-BE49-F238E27FC236}">
+                <a16:creationId xmlns:a16="http://schemas.microsoft.com/office/drawing/2014/main" id="{1B226824-A397-470A-98E8-920D4AA3D6D0}"/>
+              </a:ext>
+            </a:extLst>
+          </p:cNvPr>
+          <p:cNvSpPr txBox="1"/>
+          <p:nvPr/>
+        </p:nvSpPr>
+        <p:spPr>
+          <a:xfrm>
+            <a:off x="7709840" y="5587003"/>
+            <a:ext cx="1611824" cy="369332"/>
+          </a:xfrm>
+          <a:prstGeom prst="rect">
+            <a:avLst/>
+          </a:prstGeom>
+          <a:noFill/>
+        </p:spPr>
+        <p:txBody>
+          <a:bodyPr wrap="square" rtlCol="0">
+            <a:spAutoFit/>
+          </a:bodyPr>
+          <a:lstStyle/>
+          <a:p>
+            <a:r>
+              <a:rPr lang="en-US" dirty="0"/>
+              <a:t>6.39</a:t>
+            </a:r>
           </a:p>
         </p:txBody>
       </p:sp>
     </p:spTree>
     <p:extLst>
       <p:ext uri="{BB962C8B-B14F-4D97-AF65-F5344CB8AC3E}">
-        <p14:creationId xmlns:p14="http://schemas.microsoft.com/office/powerpoint/2010/main" val="501415765"/>
+        <p14:creationId xmlns:p14="http://schemas.microsoft.com/office/powerpoint/2010/main" val="2809339408"/>
       </p:ext>
     </p:extLst>
   </p:cSld>
@@ -16513,7 +19734,7 @@
           <p:cNvPr id="2" name="Title 1">
             <a:extLst>
               <a:ext uri="{FF2B5EF4-FFF2-40B4-BE49-F238E27FC236}">
-                <a16:creationId xmlns:a16="http://schemas.microsoft.com/office/drawing/2014/main" id="{A3DFAB2B-5BD1-4A58-A50F-6FEE78A4D991}"/>
+                <a16:creationId xmlns:a16="http://schemas.microsoft.com/office/drawing/2014/main" id="{89679A0C-1792-4941-887A-26C01B35008B}"/>
               </a:ext>
             </a:extLst>
           </p:cNvPr>
@@ -16524,47 +19745,147 @@
             <p:ph type="title"/>
           </p:nvPr>
         </p:nvSpPr>
-        <p:spPr/>
+        <p:spPr>
+          <a:xfrm>
+            <a:off x="1143000" y="349977"/>
+            <a:ext cx="9906000" cy="611052"/>
+          </a:xfrm>
+        </p:spPr>
         <p:txBody>
           <a:bodyPr/>
           <a:lstStyle/>
           <a:p>
             <a:r>
               <a:rPr lang="en-US" dirty="0"/>
-              <a:t>Use all the capacity you can</a:t>
-            </a:r>
-          </a:p>
-        </p:txBody>
-      </p:sp>
-      <p:sp>
-        <p:nvSpPr>
-          <p:cNvPr id="3" name="Text Placeholder 2">
+              <a:t>Power Source</a:t>
+            </a:r>
+          </a:p>
+        </p:txBody>
+      </p:sp>
+      <p:pic>
+        <p:nvPicPr>
+          <p:cNvPr id="4" name="Picture 3" descr="A picture containing clock, sky&#10;&#10;Description automatically generated">
             <a:extLst>
               <a:ext uri="{FF2B5EF4-FFF2-40B4-BE49-F238E27FC236}">
-                <a16:creationId xmlns:a16="http://schemas.microsoft.com/office/drawing/2014/main" id="{BE3BB1E7-82F4-4328-A7E3-45FDE67D6916}"/>
+                <a16:creationId xmlns:a16="http://schemas.microsoft.com/office/drawing/2014/main" id="{7A1A5A2A-E349-48F5-8923-A1EC890A364D}"/>
               </a:ext>
             </a:extLst>
           </p:cNvPr>
-          <p:cNvSpPr>
-            <a:spLocks noGrp="1"/>
-          </p:cNvSpPr>
-          <p:nvPr>
-            <p:ph type="body" idx="1"/>
-          </p:nvPr>
-        </p:nvSpPr>
-        <p:spPr/>
-        <p:txBody>
-          <a:bodyPr/>
-          <a:lstStyle/>
-          <a:p>
-            <a:endParaRPr lang="en-US"/>
-          </a:p>
-        </p:txBody>
-      </p:sp>
+          <p:cNvPicPr>
+            <a:picLocks noChangeAspect="1"/>
+          </p:cNvPicPr>
+          <p:nvPr/>
+        </p:nvPicPr>
+        <p:blipFill>
+          <a:blip r:embed="rId3"/>
+          <a:stretch>
+            <a:fillRect/>
+          </a:stretch>
+        </p:blipFill>
+        <p:spPr>
+          <a:xfrm>
+            <a:off x="1339034" y="961029"/>
+            <a:ext cx="4079929" cy="4079929"/>
+          </a:xfrm>
+          <a:prstGeom prst="rect">
+            <a:avLst/>
+          </a:prstGeom>
+        </p:spPr>
+      </p:pic>
+      <p:pic>
+        <p:nvPicPr>
+          <p:cNvPr id="11" name="Picture 10" descr="A circuit board&#10;&#10;Description automatically generated">
+            <a:extLst>
+              <a:ext uri="{FF2B5EF4-FFF2-40B4-BE49-F238E27FC236}">
+                <a16:creationId xmlns:a16="http://schemas.microsoft.com/office/drawing/2014/main" id="{93E183F5-91F0-4C53-94E4-CB05F4FFC40B}"/>
+              </a:ext>
+            </a:extLst>
+          </p:cNvPr>
+          <p:cNvPicPr>
+            <a:picLocks noChangeAspect="1"/>
+          </p:cNvPicPr>
+          <p:nvPr/>
+        </p:nvPicPr>
+        <p:blipFill>
+          <a:blip r:embed="rId4"/>
+          <a:stretch>
+            <a:fillRect/>
+          </a:stretch>
+        </p:blipFill>
+        <p:spPr>
+          <a:xfrm>
+            <a:off x="5997655" y="721545"/>
+            <a:ext cx="2578853" cy="2578853"/>
+          </a:xfrm>
+          <a:prstGeom prst="rect">
+            <a:avLst/>
+          </a:prstGeom>
+        </p:spPr>
+      </p:pic>
+      <p:pic>
+        <p:nvPicPr>
+          <p:cNvPr id="13" name="Picture 12" descr="A close up of a screen&#10;&#10;Description automatically generated">
+            <a:extLst>
+              <a:ext uri="{FF2B5EF4-FFF2-40B4-BE49-F238E27FC236}">
+                <a16:creationId xmlns:a16="http://schemas.microsoft.com/office/drawing/2014/main" id="{720F58C0-8011-46A2-B328-E1EA965F181A}"/>
+              </a:ext>
+            </a:extLst>
+          </p:cNvPr>
+          <p:cNvPicPr>
+            <a:picLocks noChangeAspect="1"/>
+          </p:cNvPicPr>
+          <p:nvPr/>
+        </p:nvPicPr>
+        <p:blipFill>
+          <a:blip r:embed="rId5"/>
+          <a:stretch>
+            <a:fillRect/>
+          </a:stretch>
+        </p:blipFill>
+        <p:spPr>
+          <a:xfrm>
+            <a:off x="4851147" y="3797084"/>
+            <a:ext cx="2293017" cy="2866271"/>
+          </a:xfrm>
+          <a:prstGeom prst="rect">
+            <a:avLst/>
+          </a:prstGeom>
+        </p:spPr>
+      </p:pic>
+      <p:pic>
+        <p:nvPicPr>
+          <p:cNvPr id="15" name="Picture 14" descr="A close up of a device&#10;&#10;Description automatically generated">
+            <a:extLst>
+              <a:ext uri="{FF2B5EF4-FFF2-40B4-BE49-F238E27FC236}">
+                <a16:creationId xmlns:a16="http://schemas.microsoft.com/office/drawing/2014/main" id="{800BBBC8-7F44-4DE5-9666-BA08A0DFAD6C}"/>
+              </a:ext>
+            </a:extLst>
+          </p:cNvPr>
+          <p:cNvPicPr>
+            <a:picLocks noChangeAspect="1"/>
+          </p:cNvPicPr>
+          <p:nvPr/>
+        </p:nvPicPr>
+        <p:blipFill>
+          <a:blip r:embed="rId6"/>
+          <a:stretch>
+            <a:fillRect/>
+          </a:stretch>
+        </p:blipFill>
+        <p:spPr>
+          <a:xfrm>
+            <a:off x="7287081" y="2809067"/>
+            <a:ext cx="4062582" cy="3049031"/>
+          </a:xfrm>
+          <a:prstGeom prst="rect">
+            <a:avLst/>
+          </a:prstGeom>
+        </p:spPr>
+      </p:pic>
     </p:spTree>
     <p:extLst>
       <p:ext uri="{BB962C8B-B14F-4D97-AF65-F5344CB8AC3E}">
-        <p14:creationId xmlns:p14="http://schemas.microsoft.com/office/powerpoint/2010/main" val="3444929864"/>
+        <p14:creationId xmlns:p14="http://schemas.microsoft.com/office/powerpoint/2010/main" val="3912210611"/>
       </p:ext>
     </p:extLst>
   </p:cSld>
@@ -16596,7 +19917,7 @@
           <p:cNvPr id="2" name="Title 1">
             <a:extLst>
               <a:ext uri="{FF2B5EF4-FFF2-40B4-BE49-F238E27FC236}">
-                <a16:creationId xmlns:a16="http://schemas.microsoft.com/office/drawing/2014/main" id="{8C7F65FC-7A22-450F-AD49-3C91F4E082FF}"/>
+                <a16:creationId xmlns:a16="http://schemas.microsoft.com/office/drawing/2014/main" id="{89679A0C-1792-4941-887A-26C01B35008B}"/>
               </a:ext>
             </a:extLst>
           </p:cNvPr>
@@ -16607,61 +19928,758 @@
             <p:ph type="title"/>
           </p:nvPr>
         </p:nvSpPr>
-        <p:spPr/>
+        <p:spPr>
+          <a:xfrm>
+            <a:off x="1143000" y="349977"/>
+            <a:ext cx="9906000" cy="611052"/>
+          </a:xfrm>
+        </p:spPr>
         <p:txBody>
           <a:bodyPr/>
           <a:lstStyle/>
           <a:p>
             <a:r>
               <a:rPr lang="en-US" dirty="0"/>
-              <a:t>Switch me </a:t>
-            </a:r>
-            <a:r>
-              <a:rPr lang="en-US" dirty="0" err="1"/>
-              <a:t>oN</a:t>
-            </a:r>
-            <a:r>
-              <a:rPr lang="en-US" dirty="0"/>
-              <a:t> and Relay that to the world</a:t>
-            </a:r>
-          </a:p>
-        </p:txBody>
-      </p:sp>
-      <p:sp>
-        <p:nvSpPr>
-          <p:cNvPr id="3" name="Text Placeholder 2">
+              <a:t>Breadboard</a:t>
+            </a:r>
+          </a:p>
+        </p:txBody>
+      </p:sp>
+      <p:pic>
+        <p:nvPicPr>
+          <p:cNvPr id="4" name="Picture 3" descr="A wooden table&#10;&#10;Description automatically generated">
             <a:extLst>
               <a:ext uri="{FF2B5EF4-FFF2-40B4-BE49-F238E27FC236}">
-                <a16:creationId xmlns:a16="http://schemas.microsoft.com/office/drawing/2014/main" id="{09B94091-ACF9-4A6A-B824-F4D1358B3122}"/>
+                <a16:creationId xmlns:a16="http://schemas.microsoft.com/office/drawing/2014/main" id="{577B192C-73FC-4156-9B3A-F1DAF8060223}"/>
               </a:ext>
             </a:extLst>
           </p:cNvPr>
-          <p:cNvSpPr>
-            <a:spLocks noGrp="1"/>
-          </p:cNvSpPr>
-          <p:nvPr>
-            <p:ph type="body" idx="1"/>
-          </p:nvPr>
-        </p:nvSpPr>
-        <p:spPr/>
-        <p:txBody>
-          <a:bodyPr/>
-          <a:lstStyle/>
-          <a:p>
-            <a:endParaRPr lang="en-US"/>
-          </a:p>
-        </p:txBody>
-      </p:sp>
+          <p:cNvPicPr>
+            <a:picLocks noChangeAspect="1"/>
+          </p:cNvPicPr>
+          <p:nvPr/>
+        </p:nvPicPr>
+        <p:blipFill>
+          <a:blip r:embed="rId3"/>
+          <a:stretch>
+            <a:fillRect/>
+          </a:stretch>
+        </p:blipFill>
+        <p:spPr>
+          <a:xfrm>
+            <a:off x="2407611" y="1160351"/>
+            <a:ext cx="6069962" cy="4537297"/>
+          </a:xfrm>
+          <a:prstGeom prst="rect">
+            <a:avLst/>
+          </a:prstGeom>
+        </p:spPr>
+      </p:pic>
+      <p:pic>
+        <p:nvPicPr>
+          <p:cNvPr id="8" name="Picture 7" descr="A close up of a device&#10;&#10;Description automatically generated">
+            <a:extLst>
+              <a:ext uri="{FF2B5EF4-FFF2-40B4-BE49-F238E27FC236}">
+                <a16:creationId xmlns:a16="http://schemas.microsoft.com/office/drawing/2014/main" id="{B960A009-7426-4FC4-8746-59E5446C5A04}"/>
+              </a:ext>
+            </a:extLst>
+          </p:cNvPr>
+          <p:cNvPicPr>
+            <a:picLocks noChangeAspect="1"/>
+          </p:cNvPicPr>
+          <p:nvPr/>
+        </p:nvPicPr>
+        <p:blipFill rotWithShape="1">
+          <a:blip r:embed="rId4"/>
+          <a:srcRect l="17307" r="17307"/>
+          <a:stretch/>
+        </p:blipFill>
+        <p:spPr>
+          <a:xfrm>
+            <a:off x="3110872" y="961029"/>
+            <a:ext cx="4663440" cy="5317856"/>
+          </a:xfrm>
+          <a:prstGeom prst="rect">
+            <a:avLst/>
+          </a:prstGeom>
+        </p:spPr>
+      </p:pic>
+      <p:pic>
+        <p:nvPicPr>
+          <p:cNvPr id="12" name="Picture 11" descr="A picture containing screenshot&#10;&#10;Description automatically generated">
+            <a:extLst>
+              <a:ext uri="{FF2B5EF4-FFF2-40B4-BE49-F238E27FC236}">
+                <a16:creationId xmlns:a16="http://schemas.microsoft.com/office/drawing/2014/main" id="{BE762341-8FD0-4E77-967C-4A0ABBE2CBC3}"/>
+              </a:ext>
+            </a:extLst>
+          </p:cNvPr>
+          <p:cNvPicPr>
+            <a:picLocks noChangeAspect="1"/>
+          </p:cNvPicPr>
+          <p:nvPr/>
+        </p:nvPicPr>
+        <p:blipFill>
+          <a:blip r:embed="rId5"/>
+          <a:stretch>
+            <a:fillRect/>
+          </a:stretch>
+        </p:blipFill>
+        <p:spPr>
+          <a:xfrm>
+            <a:off x="1143000" y="1572081"/>
+            <a:ext cx="9329223" cy="3731689"/>
+          </a:xfrm>
+          <a:prstGeom prst="rect">
+            <a:avLst/>
+          </a:prstGeom>
+        </p:spPr>
+      </p:pic>
+      <p:pic>
+        <p:nvPicPr>
+          <p:cNvPr id="14" name="Picture 13" descr="A screen shot of a computer&#10;&#10;Description automatically generated">
+            <a:extLst>
+              <a:ext uri="{FF2B5EF4-FFF2-40B4-BE49-F238E27FC236}">
+                <a16:creationId xmlns:a16="http://schemas.microsoft.com/office/drawing/2014/main" id="{A93056AB-00CD-418B-AD75-E049F7903DEF}"/>
+              </a:ext>
+            </a:extLst>
+          </p:cNvPr>
+          <p:cNvPicPr>
+            <a:picLocks noChangeAspect="1"/>
+          </p:cNvPicPr>
+          <p:nvPr/>
+        </p:nvPicPr>
+        <p:blipFill rotWithShape="1">
+          <a:blip r:embed="rId6"/>
+          <a:srcRect l="15078" t="10285" r="9684" b="11064"/>
+          <a:stretch/>
+        </p:blipFill>
+        <p:spPr>
+          <a:xfrm>
+            <a:off x="2135341" y="961029"/>
+            <a:ext cx="7344540" cy="5762640"/>
+          </a:xfrm>
+          <a:prstGeom prst="rect">
+            <a:avLst/>
+          </a:prstGeom>
+        </p:spPr>
+      </p:pic>
     </p:spTree>
     <p:extLst>
       <p:ext uri="{BB962C8B-B14F-4D97-AF65-F5344CB8AC3E}">
-        <p14:creationId xmlns:p14="http://schemas.microsoft.com/office/powerpoint/2010/main" val="3441865517"/>
+        <p14:creationId xmlns:p14="http://schemas.microsoft.com/office/powerpoint/2010/main" val="4019096194"/>
       </p:ext>
     </p:extLst>
   </p:cSld>
   <p:clrMapOvr>
     <a:masterClrMapping/>
   </p:clrMapOvr>
+  <p:timing>
+    <p:tnLst>
+      <p:par>
+        <p:cTn id="1" dur="indefinite" restart="never" nodeType="tmRoot">
+          <p:childTnLst>
+            <p:seq concurrent="1" nextAc="seek">
+              <p:cTn id="2" dur="indefinite" nodeType="mainSeq">
+                <p:childTnLst>
+                  <p:par>
+                    <p:cTn id="3" fill="hold">
+                      <p:stCondLst>
+                        <p:cond delay="indefinite"/>
+                      </p:stCondLst>
+                      <p:childTnLst>
+                        <p:par>
+                          <p:cTn id="4" fill="hold">
+                            <p:stCondLst>
+                              <p:cond delay="0"/>
+                            </p:stCondLst>
+                            <p:childTnLst>
+                              <p:par>
+                                <p:cTn id="5" presetID="1" presetClass="entr" presetSubtype="0" fill="hold" nodeType="clickEffect">
+                                  <p:stCondLst>
+                                    <p:cond delay="0"/>
+                                  </p:stCondLst>
+                                  <p:childTnLst>
+                                    <p:set>
+                                      <p:cBhvr>
+                                        <p:cTn id="6" dur="1" fill="hold">
+                                          <p:stCondLst>
+                                            <p:cond delay="0"/>
+                                          </p:stCondLst>
+                                        </p:cTn>
+                                        <p:tgtEl>
+                                          <p:spTgt spid="4"/>
+                                        </p:tgtEl>
+                                        <p:attrNameLst>
+                                          <p:attrName>style.visibility</p:attrName>
+                                        </p:attrNameLst>
+                                      </p:cBhvr>
+                                      <p:to>
+                                        <p:strVal val="visible"/>
+                                      </p:to>
+                                    </p:set>
+                                  </p:childTnLst>
+                                </p:cTn>
+                              </p:par>
+                            </p:childTnLst>
+                          </p:cTn>
+                        </p:par>
+                      </p:childTnLst>
+                    </p:cTn>
+                  </p:par>
+                  <p:par>
+                    <p:cTn id="7" fill="hold">
+                      <p:stCondLst>
+                        <p:cond delay="indefinite"/>
+                      </p:stCondLst>
+                      <p:childTnLst>
+                        <p:par>
+                          <p:cTn id="8" fill="hold">
+                            <p:stCondLst>
+                              <p:cond delay="0"/>
+                            </p:stCondLst>
+                            <p:childTnLst>
+                              <p:par>
+                                <p:cTn id="9" presetID="10" presetClass="exit" presetSubtype="0" fill="hold" nodeType="clickEffect">
+                                  <p:stCondLst>
+                                    <p:cond delay="0"/>
+                                  </p:stCondLst>
+                                  <p:childTnLst>
+                                    <p:animEffect transition="out" filter="fade">
+                                      <p:cBhvr>
+                                        <p:cTn id="10" dur="500"/>
+                                        <p:tgtEl>
+                                          <p:spTgt spid="4"/>
+                                        </p:tgtEl>
+                                      </p:cBhvr>
+                                    </p:animEffect>
+                                    <p:set>
+                                      <p:cBhvr>
+                                        <p:cTn id="11" dur="1" fill="hold">
+                                          <p:stCondLst>
+                                            <p:cond delay="499"/>
+                                          </p:stCondLst>
+                                        </p:cTn>
+                                        <p:tgtEl>
+                                          <p:spTgt spid="4"/>
+                                        </p:tgtEl>
+                                        <p:attrNameLst>
+                                          <p:attrName>style.visibility</p:attrName>
+                                        </p:attrNameLst>
+                                      </p:cBhvr>
+                                      <p:to>
+                                        <p:strVal val="hidden"/>
+                                      </p:to>
+                                    </p:set>
+                                  </p:childTnLst>
+                                </p:cTn>
+                              </p:par>
+                            </p:childTnLst>
+                          </p:cTn>
+                        </p:par>
+                      </p:childTnLst>
+                    </p:cTn>
+                  </p:par>
+                  <p:par>
+                    <p:cTn id="12" fill="hold">
+                      <p:stCondLst>
+                        <p:cond delay="indefinite"/>
+                      </p:stCondLst>
+                      <p:childTnLst>
+                        <p:par>
+                          <p:cTn id="13" fill="hold">
+                            <p:stCondLst>
+                              <p:cond delay="0"/>
+                            </p:stCondLst>
+                            <p:childTnLst>
+                              <p:par>
+                                <p:cTn id="14" presetID="10" presetClass="entr" presetSubtype="0" fill="hold" nodeType="clickEffect">
+                                  <p:stCondLst>
+                                    <p:cond delay="0"/>
+                                  </p:stCondLst>
+                                  <p:childTnLst>
+                                    <p:set>
+                                      <p:cBhvr>
+                                        <p:cTn id="15" dur="1" fill="hold">
+                                          <p:stCondLst>
+                                            <p:cond delay="0"/>
+                                          </p:stCondLst>
+                                        </p:cTn>
+                                        <p:tgtEl>
+                                          <p:spTgt spid="8"/>
+                                        </p:tgtEl>
+                                        <p:attrNameLst>
+                                          <p:attrName>style.visibility</p:attrName>
+                                        </p:attrNameLst>
+                                      </p:cBhvr>
+                                      <p:to>
+                                        <p:strVal val="visible"/>
+                                      </p:to>
+                                    </p:set>
+                                    <p:animEffect transition="in" filter="fade">
+                                      <p:cBhvr>
+                                        <p:cTn id="16" dur="500"/>
+                                        <p:tgtEl>
+                                          <p:spTgt spid="8"/>
+                                        </p:tgtEl>
+                                      </p:cBhvr>
+                                    </p:animEffect>
+                                  </p:childTnLst>
+                                </p:cTn>
+                              </p:par>
+                            </p:childTnLst>
+                          </p:cTn>
+                        </p:par>
+                      </p:childTnLst>
+                    </p:cTn>
+                  </p:par>
+                  <p:par>
+                    <p:cTn id="17" fill="hold">
+                      <p:stCondLst>
+                        <p:cond delay="indefinite"/>
+                      </p:stCondLst>
+                      <p:childTnLst>
+                        <p:par>
+                          <p:cTn id="18" fill="hold">
+                            <p:stCondLst>
+                              <p:cond delay="0"/>
+                            </p:stCondLst>
+                            <p:childTnLst>
+                              <p:par>
+                                <p:cTn id="19" presetID="2" presetClass="exit" presetSubtype="4" fill="hold" nodeType="clickEffect">
+                                  <p:stCondLst>
+                                    <p:cond delay="0"/>
+                                  </p:stCondLst>
+                                  <p:childTnLst>
+                                    <p:anim calcmode="lin" valueType="num">
+                                      <p:cBhvr additive="base">
+                                        <p:cTn id="20" dur="500"/>
+                                        <p:tgtEl>
+                                          <p:spTgt spid="8"/>
+                                        </p:tgtEl>
+                                        <p:attrNameLst>
+                                          <p:attrName>ppt_x</p:attrName>
+                                        </p:attrNameLst>
+                                      </p:cBhvr>
+                                      <p:tavLst>
+                                        <p:tav tm="0">
+                                          <p:val>
+                                            <p:strVal val="ppt_x"/>
+                                          </p:val>
+                                        </p:tav>
+                                        <p:tav tm="100000">
+                                          <p:val>
+                                            <p:strVal val="ppt_x"/>
+                                          </p:val>
+                                        </p:tav>
+                                      </p:tavLst>
+                                    </p:anim>
+                                    <p:anim calcmode="lin" valueType="num">
+                                      <p:cBhvr additive="base">
+                                        <p:cTn id="21" dur="500"/>
+                                        <p:tgtEl>
+                                          <p:spTgt spid="8"/>
+                                        </p:tgtEl>
+                                        <p:attrNameLst>
+                                          <p:attrName>ppt_y</p:attrName>
+                                        </p:attrNameLst>
+                                      </p:cBhvr>
+                                      <p:tavLst>
+                                        <p:tav tm="0">
+                                          <p:val>
+                                            <p:strVal val="ppt_y"/>
+                                          </p:val>
+                                        </p:tav>
+                                        <p:tav tm="100000">
+                                          <p:val>
+                                            <p:strVal val="1+ppt_h/2"/>
+                                          </p:val>
+                                        </p:tav>
+                                      </p:tavLst>
+                                    </p:anim>
+                                    <p:set>
+                                      <p:cBhvr>
+                                        <p:cTn id="22" dur="1" fill="hold">
+                                          <p:stCondLst>
+                                            <p:cond delay="499"/>
+                                          </p:stCondLst>
+                                        </p:cTn>
+                                        <p:tgtEl>
+                                          <p:spTgt spid="8"/>
+                                        </p:tgtEl>
+                                        <p:attrNameLst>
+                                          <p:attrName>style.visibility</p:attrName>
+                                        </p:attrNameLst>
+                                      </p:cBhvr>
+                                      <p:to>
+                                        <p:strVal val="hidden"/>
+                                      </p:to>
+                                    </p:set>
+                                  </p:childTnLst>
+                                </p:cTn>
+                              </p:par>
+                            </p:childTnLst>
+                          </p:cTn>
+                        </p:par>
+                      </p:childTnLst>
+                    </p:cTn>
+                  </p:par>
+                  <p:par>
+                    <p:cTn id="23" fill="hold">
+                      <p:stCondLst>
+                        <p:cond delay="indefinite"/>
+                      </p:stCondLst>
+                      <p:childTnLst>
+                        <p:par>
+                          <p:cTn id="24" fill="hold">
+                            <p:stCondLst>
+                              <p:cond delay="0"/>
+                            </p:stCondLst>
+                            <p:childTnLst>
+                              <p:par>
+                                <p:cTn id="25" presetID="2" presetClass="entr" presetSubtype="4" fill="hold" nodeType="clickEffect">
+                                  <p:stCondLst>
+                                    <p:cond delay="0"/>
+                                  </p:stCondLst>
+                                  <p:childTnLst>
+                                    <p:set>
+                                      <p:cBhvr>
+                                        <p:cTn id="26" dur="1" fill="hold">
+                                          <p:stCondLst>
+                                            <p:cond delay="0"/>
+                                          </p:stCondLst>
+                                        </p:cTn>
+                                        <p:tgtEl>
+                                          <p:spTgt spid="12"/>
+                                        </p:tgtEl>
+                                        <p:attrNameLst>
+                                          <p:attrName>style.visibility</p:attrName>
+                                        </p:attrNameLst>
+                                      </p:cBhvr>
+                                      <p:to>
+                                        <p:strVal val="visible"/>
+                                      </p:to>
+                                    </p:set>
+                                    <p:anim calcmode="lin" valueType="num">
+                                      <p:cBhvr additive="base">
+                                        <p:cTn id="27" dur="500" fill="hold"/>
+                                        <p:tgtEl>
+                                          <p:spTgt spid="12"/>
+                                        </p:tgtEl>
+                                        <p:attrNameLst>
+                                          <p:attrName>ppt_x</p:attrName>
+                                        </p:attrNameLst>
+                                      </p:cBhvr>
+                                      <p:tavLst>
+                                        <p:tav tm="0">
+                                          <p:val>
+                                            <p:strVal val="#ppt_x"/>
+                                          </p:val>
+                                        </p:tav>
+                                        <p:tav tm="100000">
+                                          <p:val>
+                                            <p:strVal val="#ppt_x"/>
+                                          </p:val>
+                                        </p:tav>
+                                      </p:tavLst>
+                                    </p:anim>
+                                    <p:anim calcmode="lin" valueType="num">
+                                      <p:cBhvr additive="base">
+                                        <p:cTn id="28" dur="500" fill="hold"/>
+                                        <p:tgtEl>
+                                          <p:spTgt spid="12"/>
+                                        </p:tgtEl>
+                                        <p:attrNameLst>
+                                          <p:attrName>ppt_y</p:attrName>
+                                        </p:attrNameLst>
+                                      </p:cBhvr>
+                                      <p:tavLst>
+                                        <p:tav tm="0">
+                                          <p:val>
+                                            <p:strVal val="1+#ppt_h/2"/>
+                                          </p:val>
+                                        </p:tav>
+                                        <p:tav tm="100000">
+                                          <p:val>
+                                            <p:strVal val="#ppt_y"/>
+                                          </p:val>
+                                        </p:tav>
+                                      </p:tavLst>
+                                    </p:anim>
+                                  </p:childTnLst>
+                                </p:cTn>
+                              </p:par>
+                            </p:childTnLst>
+                          </p:cTn>
+                        </p:par>
+                      </p:childTnLst>
+                    </p:cTn>
+                  </p:par>
+                  <p:par>
+                    <p:cTn id="29" fill="hold">
+                      <p:stCondLst>
+                        <p:cond delay="indefinite"/>
+                      </p:stCondLst>
+                      <p:childTnLst>
+                        <p:par>
+                          <p:cTn id="30" fill="hold">
+                            <p:stCondLst>
+                              <p:cond delay="0"/>
+                            </p:stCondLst>
+                            <p:childTnLst>
+                              <p:par>
+                                <p:cTn id="31" presetID="31" presetClass="entr" presetSubtype="0" fill="hold" nodeType="clickEffect">
+                                  <p:stCondLst>
+                                    <p:cond delay="0"/>
+                                  </p:stCondLst>
+                                  <p:childTnLst>
+                                    <p:set>
+                                      <p:cBhvr>
+                                        <p:cTn id="32" dur="1" fill="hold">
+                                          <p:stCondLst>
+                                            <p:cond delay="0"/>
+                                          </p:stCondLst>
+                                        </p:cTn>
+                                        <p:tgtEl>
+                                          <p:spTgt spid="14"/>
+                                        </p:tgtEl>
+                                        <p:attrNameLst>
+                                          <p:attrName>style.visibility</p:attrName>
+                                        </p:attrNameLst>
+                                      </p:cBhvr>
+                                      <p:to>
+                                        <p:strVal val="visible"/>
+                                      </p:to>
+                                    </p:set>
+                                    <p:anim calcmode="lin" valueType="num">
+                                      <p:cBhvr>
+                                        <p:cTn id="33" dur="1000" fill="hold"/>
+                                        <p:tgtEl>
+                                          <p:spTgt spid="14"/>
+                                        </p:tgtEl>
+                                        <p:attrNameLst>
+                                          <p:attrName>ppt_w</p:attrName>
+                                        </p:attrNameLst>
+                                      </p:cBhvr>
+                                      <p:tavLst>
+                                        <p:tav tm="0">
+                                          <p:val>
+                                            <p:fltVal val="0"/>
+                                          </p:val>
+                                        </p:tav>
+                                        <p:tav tm="100000">
+                                          <p:val>
+                                            <p:strVal val="#ppt_w"/>
+                                          </p:val>
+                                        </p:tav>
+                                      </p:tavLst>
+                                    </p:anim>
+                                    <p:anim calcmode="lin" valueType="num">
+                                      <p:cBhvr>
+                                        <p:cTn id="34" dur="1000" fill="hold"/>
+                                        <p:tgtEl>
+                                          <p:spTgt spid="14"/>
+                                        </p:tgtEl>
+                                        <p:attrNameLst>
+                                          <p:attrName>ppt_h</p:attrName>
+                                        </p:attrNameLst>
+                                      </p:cBhvr>
+                                      <p:tavLst>
+                                        <p:tav tm="0">
+                                          <p:val>
+                                            <p:fltVal val="0"/>
+                                          </p:val>
+                                        </p:tav>
+                                        <p:tav tm="100000">
+                                          <p:val>
+                                            <p:strVal val="#ppt_h"/>
+                                          </p:val>
+                                        </p:tav>
+                                      </p:tavLst>
+                                    </p:anim>
+                                    <p:anim calcmode="lin" valueType="num">
+                                      <p:cBhvr>
+                                        <p:cTn id="35" dur="1000" fill="hold"/>
+                                        <p:tgtEl>
+                                          <p:spTgt spid="14"/>
+                                        </p:tgtEl>
+                                        <p:attrNameLst>
+                                          <p:attrName>style.rotation</p:attrName>
+                                        </p:attrNameLst>
+                                      </p:cBhvr>
+                                      <p:tavLst>
+                                        <p:tav tm="0">
+                                          <p:val>
+                                            <p:fltVal val="90"/>
+                                          </p:val>
+                                        </p:tav>
+                                        <p:tav tm="100000">
+                                          <p:val>
+                                            <p:fltVal val="0"/>
+                                          </p:val>
+                                        </p:tav>
+                                      </p:tavLst>
+                                    </p:anim>
+                                    <p:animEffect transition="in" filter="fade">
+                                      <p:cBhvr>
+                                        <p:cTn id="36" dur="1000"/>
+                                        <p:tgtEl>
+                                          <p:spTgt spid="14"/>
+                                        </p:tgtEl>
+                                      </p:cBhvr>
+                                    </p:animEffect>
+                                  </p:childTnLst>
+                                </p:cTn>
+                              </p:par>
+                            </p:childTnLst>
+                          </p:cTn>
+                        </p:par>
+                      </p:childTnLst>
+                    </p:cTn>
+                  </p:par>
+                  <p:par>
+                    <p:cTn id="37" fill="hold">
+                      <p:stCondLst>
+                        <p:cond delay="indefinite"/>
+                      </p:stCondLst>
+                      <p:childTnLst>
+                        <p:par>
+                          <p:cTn id="38" fill="hold">
+                            <p:stCondLst>
+                              <p:cond delay="0"/>
+                            </p:stCondLst>
+                            <p:childTnLst>
+                              <p:par>
+                                <p:cTn id="39" presetID="31" presetClass="exit" presetSubtype="0" fill="hold" nodeType="clickEffect">
+                                  <p:stCondLst>
+                                    <p:cond delay="0"/>
+                                  </p:stCondLst>
+                                  <p:childTnLst>
+                                    <p:anim calcmode="lin" valueType="num">
+                                      <p:cBhvr>
+                                        <p:cTn id="40" dur="1000"/>
+                                        <p:tgtEl>
+                                          <p:spTgt spid="12"/>
+                                        </p:tgtEl>
+                                        <p:attrNameLst>
+                                          <p:attrName>ppt_w</p:attrName>
+                                        </p:attrNameLst>
+                                      </p:cBhvr>
+                                      <p:tavLst>
+                                        <p:tav tm="0">
+                                          <p:val>
+                                            <p:strVal val="ppt_w"/>
+                                          </p:val>
+                                        </p:tav>
+                                        <p:tav tm="100000">
+                                          <p:val>
+                                            <p:fltVal val="0"/>
+                                          </p:val>
+                                        </p:tav>
+                                      </p:tavLst>
+                                    </p:anim>
+                                    <p:anim calcmode="lin" valueType="num">
+                                      <p:cBhvr>
+                                        <p:cTn id="41" dur="1000"/>
+                                        <p:tgtEl>
+                                          <p:spTgt spid="12"/>
+                                        </p:tgtEl>
+                                        <p:attrNameLst>
+                                          <p:attrName>ppt_h</p:attrName>
+                                        </p:attrNameLst>
+                                      </p:cBhvr>
+                                      <p:tavLst>
+                                        <p:tav tm="0">
+                                          <p:val>
+                                            <p:strVal val="ppt_h"/>
+                                          </p:val>
+                                        </p:tav>
+                                        <p:tav tm="100000">
+                                          <p:val>
+                                            <p:fltVal val="0"/>
+                                          </p:val>
+                                        </p:tav>
+                                      </p:tavLst>
+                                    </p:anim>
+                                    <p:anim calcmode="lin" valueType="num">
+                                      <p:cBhvr>
+                                        <p:cTn id="42" dur="1000"/>
+                                        <p:tgtEl>
+                                          <p:spTgt spid="12"/>
+                                        </p:tgtEl>
+                                        <p:attrNameLst>
+                                          <p:attrName>style.rotation</p:attrName>
+                                        </p:attrNameLst>
+                                      </p:cBhvr>
+                                      <p:tavLst>
+                                        <p:tav tm="0">
+                                          <p:val>
+                                            <p:fltVal val="0"/>
+                                          </p:val>
+                                        </p:tav>
+                                        <p:tav tm="100000">
+                                          <p:val>
+                                            <p:fltVal val="90"/>
+                                          </p:val>
+                                        </p:tav>
+                                      </p:tavLst>
+                                    </p:anim>
+                                    <p:animEffect transition="out" filter="fade">
+                                      <p:cBhvr>
+                                        <p:cTn id="43" dur="1000"/>
+                                        <p:tgtEl>
+                                          <p:spTgt spid="12"/>
+                                        </p:tgtEl>
+                                      </p:cBhvr>
+                                    </p:animEffect>
+                                    <p:set>
+                                      <p:cBhvr>
+                                        <p:cTn id="44" dur="1" fill="hold">
+                                          <p:stCondLst>
+                                            <p:cond delay="999"/>
+                                          </p:stCondLst>
+                                        </p:cTn>
+                                        <p:tgtEl>
+                                          <p:spTgt spid="12"/>
+                                        </p:tgtEl>
+                                        <p:attrNameLst>
+                                          <p:attrName>style.visibility</p:attrName>
+                                        </p:attrNameLst>
+                                      </p:cBhvr>
+                                      <p:to>
+                                        <p:strVal val="hidden"/>
+                                      </p:to>
+                                    </p:set>
+                                  </p:childTnLst>
+                                </p:cTn>
+                              </p:par>
+                            </p:childTnLst>
+                          </p:cTn>
+                        </p:par>
+                      </p:childTnLst>
+                    </p:cTn>
+                  </p:par>
+                </p:childTnLst>
+              </p:cTn>
+              <p:prevCondLst>
+                <p:cond evt="onPrev" delay="0">
+                  <p:tgtEl>
+                    <p:sldTgt/>
+                  </p:tgtEl>
+                </p:cond>
+              </p:prevCondLst>
+              <p:nextCondLst>
+                <p:cond evt="onNext" delay="0">
+                  <p:tgtEl>
+                    <p:sldTgt/>
+                  </p:tgtEl>
+                </p:cond>
+              </p:nextCondLst>
+            </p:seq>
+          </p:childTnLst>
+        </p:cTn>
+      </p:par>
+    </p:tnLst>
+  </p:timing>
 </p:sld>
 </file>
 
@@ -16687,7 +20705,7 @@
           <p:cNvPr id="2" name="Title 1">
             <a:extLst>
               <a:ext uri="{FF2B5EF4-FFF2-40B4-BE49-F238E27FC236}">
-                <a16:creationId xmlns:a16="http://schemas.microsoft.com/office/drawing/2014/main" id="{22CF3737-AA5B-4394-98C9-C87B8A304292}"/>
+                <a16:creationId xmlns:a16="http://schemas.microsoft.com/office/drawing/2014/main" id="{89679A0C-1792-4941-887A-26C01B35008B}"/>
               </a:ext>
             </a:extLst>
           </p:cNvPr>
@@ -16698,52 +20716,224 @@
             <p:ph type="title"/>
           </p:nvPr>
         </p:nvSpPr>
-        <p:spPr/>
+        <p:spPr>
+          <a:xfrm>
+            <a:off x="1143000" y="349977"/>
+            <a:ext cx="9906000" cy="611052"/>
+          </a:xfrm>
+        </p:spPr>
         <p:txBody>
           <a:bodyPr/>
           <a:lstStyle/>
           <a:p>
             <a:r>
               <a:rPr lang="en-US" dirty="0"/>
-              <a:t>Diodes</a:t>
-            </a:r>
-            <a:r>
-              <a:rPr lang="en-US" baseline="0" dirty="0"/>
-              <a:t> and one-way streets</a:t>
-            </a:r>
-            <a:endParaRPr lang="en-US" dirty="0"/>
-          </a:p>
-        </p:txBody>
-      </p:sp>
-      <p:sp>
-        <p:nvSpPr>
-          <p:cNvPr id="3" name="Text Placeholder 2">
+              <a:t>Wire and Things to Cut Wires</a:t>
+            </a:r>
+          </a:p>
+        </p:txBody>
+      </p:sp>
+      <p:sp>
+        <p:nvSpPr>
+          <p:cNvPr id="6" name="TextBox 5">
             <a:extLst>
               <a:ext uri="{FF2B5EF4-FFF2-40B4-BE49-F238E27FC236}">
-                <a16:creationId xmlns:a16="http://schemas.microsoft.com/office/drawing/2014/main" id="{A2E141A3-7960-4676-96F2-04451F57BC60}"/>
+                <a16:creationId xmlns:a16="http://schemas.microsoft.com/office/drawing/2014/main" id="{2B4285BF-E146-4344-991F-689EAC9326DD}"/>
               </a:ext>
             </a:extLst>
           </p:cNvPr>
-          <p:cNvSpPr>
-            <a:spLocks noGrp="1"/>
-          </p:cNvSpPr>
-          <p:nvPr>
-            <p:ph type="body" idx="1"/>
-          </p:nvPr>
-        </p:nvSpPr>
-        <p:spPr/>
-        <p:txBody>
-          <a:bodyPr/>
+          <p:cNvSpPr txBox="1"/>
+          <p:nvPr/>
+        </p:nvSpPr>
+        <p:spPr>
+          <a:xfrm>
+            <a:off x="1689316" y="1910232"/>
+            <a:ext cx="3223647" cy="2031325"/>
+          </a:xfrm>
+          <a:prstGeom prst="rect">
+            <a:avLst/>
+          </a:prstGeom>
+          <a:noFill/>
+        </p:spPr>
+        <p:txBody>
+          <a:bodyPr wrap="square" rtlCol="0">
+            <a:spAutoFit/>
+          </a:bodyPr>
           <a:lstStyle/>
           <a:p>
-            <a:endParaRPr lang="en-US"/>
+            <a:r>
+              <a:rPr lang="en-US" dirty="0"/>
+              <a:t>Digital Multimeter</a:t>
+            </a:r>
+          </a:p>
+          <a:p>
+            <a:r>
+              <a:rPr lang="en-US" dirty="0"/>
+              <a:t>Power Source</a:t>
+            </a:r>
+          </a:p>
+          <a:p>
+            <a:r>
+              <a:rPr lang="en-US" dirty="0"/>
+              <a:t>Breadboard</a:t>
+            </a:r>
+          </a:p>
+          <a:p>
+            <a:r>
+              <a:rPr lang="en-US" dirty="0"/>
+              <a:t>Side Cutters</a:t>
+            </a:r>
+          </a:p>
+          <a:p>
+            <a:r>
+              <a:rPr lang="en-US" dirty="0"/>
+              <a:t>Connecting wire</a:t>
+            </a:r>
+          </a:p>
+          <a:p>
+            <a:r>
+              <a:rPr lang="en-US" dirty="0"/>
+              <a:t>Wire Strippers</a:t>
+            </a:r>
+          </a:p>
+          <a:p>
+            <a:endParaRPr lang="en-US" dirty="0"/>
+          </a:p>
+        </p:txBody>
+      </p:sp>
+      <p:sp>
+        <p:nvSpPr>
+          <p:cNvPr id="7" name="TextBox 6">
+            <a:extLst>
+              <a:ext uri="{FF2B5EF4-FFF2-40B4-BE49-F238E27FC236}">
+                <a16:creationId xmlns:a16="http://schemas.microsoft.com/office/drawing/2014/main" id="{B4C541D9-9B4D-4444-A5F3-C54474DF73EB}"/>
+              </a:ext>
+            </a:extLst>
+          </p:cNvPr>
+          <p:cNvSpPr txBox="1"/>
+          <p:nvPr/>
+        </p:nvSpPr>
+        <p:spPr>
+          <a:xfrm>
+            <a:off x="6261315" y="2092271"/>
+            <a:ext cx="3580109" cy="1200329"/>
+          </a:xfrm>
+          <a:prstGeom prst="rect">
+            <a:avLst/>
+          </a:prstGeom>
+          <a:noFill/>
+        </p:spPr>
+        <p:txBody>
+          <a:bodyPr wrap="square" rtlCol="0">
+            <a:spAutoFit/>
+          </a:bodyPr>
+          <a:lstStyle/>
+          <a:p>
+            <a:r>
+              <a:rPr lang="en-US" dirty="0" err="1"/>
+              <a:t>Tinkercad</a:t>
+            </a:r>
+            <a:endParaRPr lang="en-US" dirty="0"/>
+          </a:p>
+          <a:p>
+            <a:r>
+              <a:rPr lang="en-US" dirty="0"/>
+              <a:t>Fritzing</a:t>
+            </a:r>
+          </a:p>
+          <a:p>
+            <a:endParaRPr lang="en-US" dirty="0"/>
+          </a:p>
+          <a:p>
+            <a:r>
+              <a:rPr lang="en-US" dirty="0"/>
+              <a:t>Bing(google, </a:t>
+            </a:r>
+            <a:r>
+              <a:rPr lang="en-US" dirty="0" err="1"/>
+              <a:t>etc</a:t>
+            </a:r>
+            <a:r>
+              <a:rPr lang="en-US" dirty="0"/>
+              <a:t>….)</a:t>
+            </a:r>
+          </a:p>
+        </p:txBody>
+      </p:sp>
+      <p:sp>
+        <p:nvSpPr>
+          <p:cNvPr id="9" name="TextBox 8">
+            <a:extLst>
+              <a:ext uri="{FF2B5EF4-FFF2-40B4-BE49-F238E27FC236}">
+                <a16:creationId xmlns:a16="http://schemas.microsoft.com/office/drawing/2014/main" id="{2562277B-2E94-4D22-A65B-70D2B4A867B0}"/>
+              </a:ext>
+            </a:extLst>
+          </p:cNvPr>
+          <p:cNvSpPr txBox="1"/>
+          <p:nvPr/>
+        </p:nvSpPr>
+        <p:spPr>
+          <a:xfrm>
+            <a:off x="1859798" y="1332854"/>
+            <a:ext cx="2045776" cy="369332"/>
+          </a:xfrm>
+          <a:prstGeom prst="rect">
+            <a:avLst/>
+          </a:prstGeom>
+          <a:noFill/>
+        </p:spPr>
+        <p:txBody>
+          <a:bodyPr wrap="square" rtlCol="0">
+            <a:spAutoFit/>
+          </a:bodyPr>
+          <a:lstStyle/>
+          <a:p>
+            <a:r>
+              <a:rPr lang="en-US" dirty="0"/>
+              <a:t>Hard tools</a:t>
+            </a:r>
+          </a:p>
+        </p:txBody>
+      </p:sp>
+      <p:sp>
+        <p:nvSpPr>
+          <p:cNvPr id="10" name="TextBox 9">
+            <a:extLst>
+              <a:ext uri="{FF2B5EF4-FFF2-40B4-BE49-F238E27FC236}">
+                <a16:creationId xmlns:a16="http://schemas.microsoft.com/office/drawing/2014/main" id="{2D42D8F8-F58A-4DC2-84F0-CE67E9D8B2E7}"/>
+              </a:ext>
+            </a:extLst>
+          </p:cNvPr>
+          <p:cNvSpPr txBox="1"/>
+          <p:nvPr/>
+        </p:nvSpPr>
+        <p:spPr>
+          <a:xfrm>
+            <a:off x="5548393" y="1332854"/>
+            <a:ext cx="3425126" cy="369332"/>
+          </a:xfrm>
+          <a:prstGeom prst="rect">
+            <a:avLst/>
+          </a:prstGeom>
+          <a:noFill/>
+        </p:spPr>
+        <p:txBody>
+          <a:bodyPr wrap="square" rtlCol="0">
+            <a:spAutoFit/>
+          </a:bodyPr>
+          <a:lstStyle/>
+          <a:p>
+            <a:r>
+              <a:rPr lang="en-US" dirty="0"/>
+              <a:t>Software</a:t>
+            </a:r>
           </a:p>
         </p:txBody>
       </p:sp>
     </p:spTree>
     <p:extLst>
       <p:ext uri="{BB962C8B-B14F-4D97-AF65-F5344CB8AC3E}">
-        <p14:creationId xmlns:p14="http://schemas.microsoft.com/office/powerpoint/2010/main" val="4155400095"/>
+        <p14:creationId xmlns:p14="http://schemas.microsoft.com/office/powerpoint/2010/main" val="709219475"/>
       </p:ext>
     </p:extLst>
   </p:cSld>
